--- a/CheatSheetCSharp/CheatSheetCSharp/wwwroot/references/razor-views.pptx
+++ b/CheatSheetCSharp/CheatSheetCSharp/wwwroot/references/razor-views.pptx
@@ -5,10 +5,10 @@
     <p:sldMasterId id="2147483669" r:id="rId1"/>
   </p:sldMasterIdLst>
   <p:notesMasterIdLst>
-    <p:notesMasterId r:id="rId44"/>
+    <p:notesMasterId r:id="rId38"/>
   </p:notesMasterIdLst>
   <p:handoutMasterIdLst>
-    <p:handoutMasterId r:id="rId45"/>
+    <p:handoutMasterId r:id="rId39"/>
   </p:handoutMasterIdLst>
   <p:sldIdLst>
     <p:sldId id="274" r:id="rId2"/>
@@ -19,40 +19,34 @@
     <p:sldId id="294" r:id="rId7"/>
     <p:sldId id="297" r:id="rId8"/>
     <p:sldId id="299" r:id="rId9"/>
-    <p:sldId id="300" r:id="rId10"/>
-    <p:sldId id="301" r:id="rId11"/>
-    <p:sldId id="302" r:id="rId12"/>
-    <p:sldId id="303" r:id="rId13"/>
-    <p:sldId id="304" r:id="rId14"/>
-    <p:sldId id="305" r:id="rId15"/>
-    <p:sldId id="306" r:id="rId16"/>
-    <p:sldId id="307" r:id="rId17"/>
-    <p:sldId id="308" r:id="rId18"/>
-    <p:sldId id="309" r:id="rId19"/>
-    <p:sldId id="310" r:id="rId20"/>
-    <p:sldId id="311" r:id="rId21"/>
-    <p:sldId id="312" r:id="rId22"/>
-    <p:sldId id="313" r:id="rId23"/>
-    <p:sldId id="314" r:id="rId24"/>
-    <p:sldId id="315" r:id="rId25"/>
-    <p:sldId id="316" r:id="rId26"/>
-    <p:sldId id="317" r:id="rId27"/>
-    <p:sldId id="318" r:id="rId28"/>
-    <p:sldId id="319" r:id="rId29"/>
-    <p:sldId id="320" r:id="rId30"/>
-    <p:sldId id="321" r:id="rId31"/>
-    <p:sldId id="322" r:id="rId32"/>
-    <p:sldId id="323" r:id="rId33"/>
-    <p:sldId id="324" r:id="rId34"/>
-    <p:sldId id="325" r:id="rId35"/>
-    <p:sldId id="326" r:id="rId36"/>
-    <p:sldId id="327" r:id="rId37"/>
-    <p:sldId id="328" r:id="rId38"/>
-    <p:sldId id="329" r:id="rId39"/>
-    <p:sldId id="330" r:id="rId40"/>
-    <p:sldId id="331" r:id="rId41"/>
-    <p:sldId id="332" r:id="rId42"/>
-    <p:sldId id="333" r:id="rId43"/>
+    <p:sldId id="305" r:id="rId10"/>
+    <p:sldId id="306" r:id="rId11"/>
+    <p:sldId id="307" r:id="rId12"/>
+    <p:sldId id="309" r:id="rId13"/>
+    <p:sldId id="310" r:id="rId14"/>
+    <p:sldId id="311" r:id="rId15"/>
+    <p:sldId id="312" r:id="rId16"/>
+    <p:sldId id="313" r:id="rId17"/>
+    <p:sldId id="314" r:id="rId18"/>
+    <p:sldId id="315" r:id="rId19"/>
+    <p:sldId id="316" r:id="rId20"/>
+    <p:sldId id="317" r:id="rId21"/>
+    <p:sldId id="318" r:id="rId22"/>
+    <p:sldId id="319" r:id="rId23"/>
+    <p:sldId id="320" r:id="rId24"/>
+    <p:sldId id="321" r:id="rId25"/>
+    <p:sldId id="322" r:id="rId26"/>
+    <p:sldId id="323" r:id="rId27"/>
+    <p:sldId id="324" r:id="rId28"/>
+    <p:sldId id="325" r:id="rId29"/>
+    <p:sldId id="326" r:id="rId30"/>
+    <p:sldId id="327" r:id="rId31"/>
+    <p:sldId id="328" r:id="rId32"/>
+    <p:sldId id="329" r:id="rId33"/>
+    <p:sldId id="330" r:id="rId34"/>
+    <p:sldId id="331" r:id="rId35"/>
+    <p:sldId id="332" r:id="rId36"/>
+    <p:sldId id="333" r:id="rId37"/>
   </p:sldIdLst>
   <p:sldSz cx="9144000" cy="6858000" type="screen4x3"/>
   <p:notesSz cx="7010400" cy="9296400"/>
@@ -371,7 +365,7 @@
               <a:pPr>
                 <a:defRPr/>
               </a:pPr>
-              <a:t>10/27/2021</a:t>
+              <a:t>10/28/2021</a:t>
             </a:fld>
             <a:endParaRPr lang="en-US"/>
           </a:p>
@@ -5895,2245 +5889,6 @@
           <p:cNvPr id="2" name="Title 1">
             <a:extLst>
               <a:ext uri="{FF2B5EF4-FFF2-40B4-BE49-F238E27FC236}">
-                <a16:creationId xmlns:a16="http://schemas.microsoft.com/office/drawing/2014/main" id="{954AE09C-5331-4429-9FA3-6AB1CB83D486}"/>
-              </a:ext>
-            </a:extLst>
-          </p:cNvPr>
-          <p:cNvSpPr>
-            <a:spLocks noGrp="1"/>
-          </p:cNvSpPr>
-          <p:nvPr>
-            <p:ph type="title"/>
-          </p:nvPr>
-        </p:nvSpPr>
-        <p:spPr>
-          <a:xfrm>
-            <a:off x="914400" y="625989"/>
-            <a:ext cx="7315200" cy="738664"/>
-          </a:xfrm>
-        </p:spPr>
-        <p:txBody>
-          <a:bodyPr/>
-          <a:lstStyle/>
-          <a:p>
-            <a:r>
-              <a:rPr lang="en-US" dirty="0"/>
-              <a:t>A tag helper for binding HTML elements </a:t>
-            </a:r>
-            <a:br>
-              <a:rPr lang="en-US" dirty="0"/>
-            </a:br>
-            <a:r>
-              <a:rPr lang="en-US" dirty="0"/>
-              <a:t>to model properties</a:t>
-            </a:r>
-          </a:p>
-        </p:txBody>
-      </p:sp>
-      <p:sp>
-        <p:nvSpPr>
-          <p:cNvPr id="3" name="Text Placeholder 2">
-            <a:extLst>
-              <a:ext uri="{FF2B5EF4-FFF2-40B4-BE49-F238E27FC236}">
-                <a16:creationId xmlns:a16="http://schemas.microsoft.com/office/drawing/2014/main" id="{00C033EB-0AB9-4172-A74F-A8DCBA1199A8}"/>
-              </a:ext>
-            </a:extLst>
-          </p:cNvPr>
-          <p:cNvSpPr>
-            <a:spLocks noGrp="1"/>
-          </p:cNvSpPr>
-          <p:nvPr>
-            <p:ph type="body" sz="quarter" idx="13"/>
-          </p:nvPr>
-        </p:nvSpPr>
-        <p:spPr>
-          <a:xfrm>
-            <a:off x="838200" y="1371600"/>
-            <a:ext cx="7391400" cy="4495800"/>
-          </a:xfrm>
-        </p:spPr>
-        <p:txBody>
-          <a:bodyPr/>
-          <a:lstStyle/>
-          <a:p>
-            <a:pPr marL="347345" marR="0">
-              <a:spcBef>
-                <a:spcPts val="0"/>
-              </a:spcBef>
-              <a:spcAft>
-                <a:spcPts val="600"/>
-              </a:spcAft>
-              <a:tabLst>
-                <a:tab pos="1371600" algn="l"/>
-              </a:tabLst>
-            </a:pPr>
-            <a:r>
-              <a:rPr lang="en-US" sz="1600" b="1" dirty="0">
-                <a:latin typeface="Courier New" panose="02070309020205020404" pitchFamily="49" charset="0"/>
-                <a:ea typeface="Times New Roman" panose="02020603050405020304" pitchFamily="18" charset="0"/>
-                <a:cs typeface="Times New Roman" panose="02020603050405020304" pitchFamily="18" charset="0"/>
-              </a:rPr>
-              <a:t>asp-for</a:t>
-            </a:r>
-          </a:p>
-          <a:p>
-            <a:pPr>
-              <a:spcBef>
-                <a:spcPts val="1500"/>
-              </a:spcBef>
-              <a:spcAft>
-                <a:spcPts val="600"/>
-              </a:spcAft>
-              <a:tabLst>
-                <a:tab pos="1371600" algn="l"/>
-              </a:tabLst>
-            </a:pPr>
-            <a:r>
-              <a:rPr lang="en-US" sz="2400" b="1" dirty="0">
-                <a:solidFill>
-                  <a:srgbClr val="000099"/>
-                </a:solidFill>
-                <a:latin typeface="Arial" panose="020B0604020202020204" pitchFamily="34" charset="0"/>
-                <a:ea typeface="Times New Roman" panose="02020603050405020304" pitchFamily="18" charset="0"/>
-                <a:cs typeface="Times New Roman" panose="02020603050405020304" pitchFamily="18" charset="0"/>
-              </a:rPr>
-              <a:t>A view with asp-for tag helpers (part 1)</a:t>
-            </a:r>
-          </a:p>
-          <a:p>
-            <a:pPr marL="347345" marR="0">
-              <a:spcBef>
-                <a:spcPts val="0"/>
-              </a:spcBef>
-              <a:spcAft>
-                <a:spcPts val="0"/>
-              </a:spcAft>
-              <a:tabLst>
-                <a:tab pos="1371600" algn="l"/>
-              </a:tabLst>
-            </a:pPr>
-            <a:r>
-              <a:rPr lang="en-US" sz="1600" b="1" dirty="0">
-                <a:highlight>
-                  <a:srgbClr val="FFFF00"/>
-                </a:highlight>
-                <a:latin typeface="Courier New" panose="02070309020205020404" pitchFamily="49" charset="0"/>
-                <a:ea typeface="Times New Roman" panose="02020603050405020304" pitchFamily="18" charset="0"/>
-                <a:cs typeface="Times New Roman" panose="02020603050405020304" pitchFamily="18" charset="0"/>
-              </a:rPr>
-              <a:t>@model Product</a:t>
-            </a:r>
-            <a:endParaRPr lang="en-US" sz="1600" b="1" dirty="0">
-              <a:latin typeface="Courier New" panose="02070309020205020404" pitchFamily="49" charset="0"/>
-              <a:ea typeface="Times New Roman" panose="02020603050405020304" pitchFamily="18" charset="0"/>
-              <a:cs typeface="Times New Roman" panose="02020603050405020304" pitchFamily="18" charset="0"/>
-            </a:endParaRPr>
-          </a:p>
-          <a:p>
-            <a:pPr marL="347345" marR="0">
-              <a:spcBef>
-                <a:spcPts val="0"/>
-              </a:spcBef>
-              <a:spcAft>
-                <a:spcPts val="0"/>
-              </a:spcAft>
-              <a:tabLst>
-                <a:tab pos="1371600" algn="l"/>
-              </a:tabLst>
-            </a:pPr>
-            <a:r>
-              <a:rPr lang="en-US" sz="1600" b="1" dirty="0">
-                <a:latin typeface="Courier New" panose="02070309020205020404" pitchFamily="49" charset="0"/>
-                <a:ea typeface="Times New Roman" panose="02020603050405020304" pitchFamily="18" charset="0"/>
-                <a:cs typeface="Times New Roman" panose="02020603050405020304" pitchFamily="18" charset="0"/>
-              </a:rPr>
-              <a:t>@{</a:t>
-            </a:r>
-          </a:p>
-          <a:p>
-            <a:pPr marL="347345" marR="0">
-              <a:spcBef>
-                <a:spcPts val="0"/>
-              </a:spcBef>
-              <a:spcAft>
-                <a:spcPts val="0"/>
-              </a:spcAft>
-              <a:tabLst>
-                <a:tab pos="1371600" algn="l"/>
-              </a:tabLst>
-            </a:pPr>
-            <a:r>
-              <a:rPr lang="en-US" sz="1600" b="1" dirty="0">
-                <a:latin typeface="Courier New" panose="02070309020205020404" pitchFamily="49" charset="0"/>
-                <a:ea typeface="Times New Roman" panose="02020603050405020304" pitchFamily="18" charset="0"/>
-                <a:cs typeface="Times New Roman" panose="02020603050405020304" pitchFamily="18" charset="0"/>
-              </a:rPr>
-              <a:t>    </a:t>
-            </a:r>
-            <a:r>
-              <a:rPr lang="en-US" sz="1600" b="1" dirty="0" err="1">
-                <a:latin typeface="Courier New" panose="02070309020205020404" pitchFamily="49" charset="0"/>
-                <a:ea typeface="Times New Roman" panose="02020603050405020304" pitchFamily="18" charset="0"/>
-                <a:cs typeface="Times New Roman" panose="02020603050405020304" pitchFamily="18" charset="0"/>
-              </a:rPr>
-              <a:t>ViewBag.Title</a:t>
-            </a:r>
-            <a:r>
-              <a:rPr lang="en-US" sz="1600" b="1" dirty="0">
-                <a:latin typeface="Courier New" panose="02070309020205020404" pitchFamily="49" charset="0"/>
-                <a:ea typeface="Times New Roman" panose="02020603050405020304" pitchFamily="18" charset="0"/>
-                <a:cs typeface="Times New Roman" panose="02020603050405020304" pitchFamily="18" charset="0"/>
-              </a:rPr>
-              <a:t> = "Update Product";</a:t>
-            </a:r>
-          </a:p>
-          <a:p>
-            <a:pPr marL="347345" marR="0">
-              <a:spcBef>
-                <a:spcPts val="0"/>
-              </a:spcBef>
-              <a:spcAft>
-                <a:spcPts val="0"/>
-              </a:spcAft>
-              <a:tabLst>
-                <a:tab pos="1371600" algn="l"/>
-              </a:tabLst>
-            </a:pPr>
-            <a:r>
-              <a:rPr lang="en-US" sz="1600" b="1" dirty="0">
-                <a:latin typeface="Courier New" panose="02070309020205020404" pitchFamily="49" charset="0"/>
-                <a:ea typeface="Times New Roman" panose="02020603050405020304" pitchFamily="18" charset="0"/>
-                <a:cs typeface="Times New Roman" panose="02020603050405020304" pitchFamily="18" charset="0"/>
-              </a:rPr>
-              <a:t>}</a:t>
-            </a:r>
-          </a:p>
-          <a:p>
-            <a:pPr marL="347345" marR="0">
-              <a:spcBef>
-                <a:spcPts val="0"/>
-              </a:spcBef>
-              <a:spcAft>
-                <a:spcPts val="0"/>
-              </a:spcAft>
-              <a:tabLst>
-                <a:tab pos="1371600" algn="l"/>
-              </a:tabLst>
-            </a:pPr>
-            <a:r>
-              <a:rPr lang="en-US" sz="1600" b="1" dirty="0">
-                <a:latin typeface="Courier New" panose="02070309020205020404" pitchFamily="49" charset="0"/>
-                <a:ea typeface="Times New Roman" panose="02020603050405020304" pitchFamily="18" charset="0"/>
-                <a:cs typeface="Times New Roman" panose="02020603050405020304" pitchFamily="18" charset="0"/>
-              </a:rPr>
-              <a:t>&lt;h1&gt;Update Product&lt;/h1&gt;</a:t>
-            </a:r>
-          </a:p>
-          <a:p>
-            <a:pPr marL="347345" marR="0">
-              <a:spcBef>
-                <a:spcPts val="0"/>
-              </a:spcBef>
-              <a:spcAft>
-                <a:spcPts val="0"/>
-              </a:spcAft>
-              <a:tabLst>
-                <a:tab pos="1371600" algn="l"/>
-              </a:tabLst>
-            </a:pPr>
-            <a:r>
-              <a:rPr lang="en-US" sz="1600" b="1" dirty="0">
-                <a:latin typeface="Courier New" panose="02070309020205020404" pitchFamily="49" charset="0"/>
-                <a:ea typeface="Times New Roman" panose="02020603050405020304" pitchFamily="18" charset="0"/>
-                <a:cs typeface="Times New Roman" panose="02020603050405020304" pitchFamily="18" charset="0"/>
-              </a:rPr>
-              <a:t>&lt;form asp-action="Update" method="post"&gt;</a:t>
-            </a:r>
-          </a:p>
-          <a:p>
-            <a:pPr marL="347345" marR="0">
-              <a:spcBef>
-                <a:spcPts val="0"/>
-              </a:spcBef>
-              <a:spcAft>
-                <a:spcPts val="0"/>
-              </a:spcAft>
-              <a:tabLst>
-                <a:tab pos="1371600" algn="l"/>
-              </a:tabLst>
-            </a:pPr>
-            <a:r>
-              <a:rPr lang="en-US" sz="1600" b="1" dirty="0">
-                <a:latin typeface="Courier New" panose="02070309020205020404" pitchFamily="49" charset="0"/>
-                <a:ea typeface="Times New Roman" panose="02020603050405020304" pitchFamily="18" charset="0"/>
-                <a:cs typeface="Times New Roman" panose="02020603050405020304" pitchFamily="18" charset="0"/>
-              </a:rPr>
-              <a:t>    &lt;div class="form-group"&gt;</a:t>
-            </a:r>
-          </a:p>
-          <a:p>
-            <a:pPr marL="347345" marR="0">
-              <a:spcBef>
-                <a:spcPts val="0"/>
-              </a:spcBef>
-              <a:spcAft>
-                <a:spcPts val="0"/>
-              </a:spcAft>
-              <a:tabLst>
-                <a:tab pos="1371600" algn="l"/>
-              </a:tabLst>
-            </a:pPr>
-            <a:r>
-              <a:rPr lang="en-US" sz="1600" b="1" dirty="0">
-                <a:latin typeface="Courier New" panose="02070309020205020404" pitchFamily="49" charset="0"/>
-                <a:ea typeface="Times New Roman" panose="02020603050405020304" pitchFamily="18" charset="0"/>
-                <a:cs typeface="Times New Roman" panose="02020603050405020304" pitchFamily="18" charset="0"/>
-              </a:rPr>
-              <a:t>        &lt;label </a:t>
-            </a:r>
-            <a:r>
-              <a:rPr lang="en-US" sz="1600" b="1" dirty="0">
-                <a:highlight>
-                  <a:srgbClr val="FFFF00"/>
-                </a:highlight>
-                <a:latin typeface="Courier New" panose="02070309020205020404" pitchFamily="49" charset="0"/>
-                <a:ea typeface="Times New Roman" panose="02020603050405020304" pitchFamily="18" charset="0"/>
-                <a:cs typeface="Times New Roman" panose="02020603050405020304" pitchFamily="18" charset="0"/>
-              </a:rPr>
-              <a:t>asp-for="Name"</a:t>
-            </a:r>
-            <a:r>
-              <a:rPr lang="en-US" sz="1600" b="1" dirty="0">
-                <a:latin typeface="Courier New" panose="02070309020205020404" pitchFamily="49" charset="0"/>
-                <a:ea typeface="Times New Roman" panose="02020603050405020304" pitchFamily="18" charset="0"/>
-                <a:cs typeface="Times New Roman" panose="02020603050405020304" pitchFamily="18" charset="0"/>
-              </a:rPr>
-              <a:t>&gt;&lt;/label&gt;</a:t>
-            </a:r>
-          </a:p>
-          <a:p>
-            <a:pPr marL="347345" marR="0">
-              <a:spcBef>
-                <a:spcPts val="0"/>
-              </a:spcBef>
-              <a:spcAft>
-                <a:spcPts val="0"/>
-              </a:spcAft>
-              <a:tabLst>
-                <a:tab pos="1371600" algn="l"/>
-              </a:tabLst>
-            </a:pPr>
-            <a:r>
-              <a:rPr lang="en-US" sz="1600" b="1" dirty="0">
-                <a:latin typeface="Courier New" panose="02070309020205020404" pitchFamily="49" charset="0"/>
-                <a:ea typeface="Times New Roman" panose="02020603050405020304" pitchFamily="18" charset="0"/>
-                <a:cs typeface="Times New Roman" panose="02020603050405020304" pitchFamily="18" charset="0"/>
-              </a:rPr>
-              <a:t>        &lt;input </a:t>
-            </a:r>
-            <a:r>
-              <a:rPr lang="en-US" sz="1600" b="1" dirty="0">
-                <a:highlight>
-                  <a:srgbClr val="FFFF00"/>
-                </a:highlight>
-                <a:latin typeface="Courier New" panose="02070309020205020404" pitchFamily="49" charset="0"/>
-                <a:ea typeface="Times New Roman" panose="02020603050405020304" pitchFamily="18" charset="0"/>
-                <a:cs typeface="Times New Roman" panose="02020603050405020304" pitchFamily="18" charset="0"/>
-              </a:rPr>
-              <a:t>asp-for="Name"</a:t>
-            </a:r>
-            <a:r>
-              <a:rPr lang="en-US" sz="1600" b="1" dirty="0">
-                <a:latin typeface="Courier New" panose="02070309020205020404" pitchFamily="49" charset="0"/>
-                <a:ea typeface="Times New Roman" panose="02020603050405020304" pitchFamily="18" charset="0"/>
-                <a:cs typeface="Times New Roman" panose="02020603050405020304" pitchFamily="18" charset="0"/>
-              </a:rPr>
-              <a:t> class="form-control"&gt;</a:t>
-            </a:r>
-          </a:p>
-          <a:p>
-            <a:pPr marL="347345" marR="0">
-              <a:spcBef>
-                <a:spcPts val="0"/>
-              </a:spcBef>
-              <a:spcAft>
-                <a:spcPts val="0"/>
-              </a:spcAft>
-              <a:tabLst>
-                <a:tab pos="1371600" algn="l"/>
-              </a:tabLst>
-            </a:pPr>
-            <a:r>
-              <a:rPr lang="en-US" sz="1600" b="1" dirty="0">
-                <a:latin typeface="Courier New" panose="02070309020205020404" pitchFamily="49" charset="0"/>
-                <a:ea typeface="Times New Roman" panose="02020603050405020304" pitchFamily="18" charset="0"/>
-                <a:cs typeface="Times New Roman" panose="02020603050405020304" pitchFamily="18" charset="0"/>
-              </a:rPr>
-              <a:t>    &lt;/div&gt;</a:t>
-            </a:r>
-          </a:p>
-          <a:p>
-            <a:pPr marL="347345" marR="0">
-              <a:spcBef>
-                <a:spcPts val="0"/>
-              </a:spcBef>
-              <a:spcAft>
-                <a:spcPts val="0"/>
-              </a:spcAft>
-              <a:tabLst>
-                <a:tab pos="1371600" algn="l"/>
-              </a:tabLst>
-            </a:pPr>
-            <a:r>
-              <a:rPr lang="en-US" sz="1600" b="1" dirty="0">
-                <a:latin typeface="Courier New" panose="02070309020205020404" pitchFamily="49" charset="0"/>
-                <a:ea typeface="Times New Roman" panose="02020603050405020304" pitchFamily="18" charset="0"/>
-                <a:cs typeface="Times New Roman" panose="02020603050405020304" pitchFamily="18" charset="0"/>
-              </a:rPr>
-              <a:t> </a:t>
-            </a:r>
-          </a:p>
-          <a:p>
-            <a:pPr marL="347345" marR="0">
-              <a:spcBef>
-                <a:spcPts val="0"/>
-              </a:spcBef>
-              <a:spcAft>
-                <a:spcPts val="0"/>
-              </a:spcAft>
-              <a:tabLst>
-                <a:tab pos="1371600" algn="l"/>
-              </a:tabLst>
-            </a:pPr>
-            <a:r>
-              <a:rPr lang="en-US" sz="1600" b="1" dirty="0">
-                <a:latin typeface="Courier New" panose="02070309020205020404" pitchFamily="49" charset="0"/>
-                <a:ea typeface="Times New Roman" panose="02020603050405020304" pitchFamily="18" charset="0"/>
-                <a:cs typeface="Times New Roman" panose="02020603050405020304" pitchFamily="18" charset="0"/>
-              </a:rPr>
-              <a:t>    &lt;div class="form-group"&gt;</a:t>
-            </a:r>
-          </a:p>
-          <a:p>
-            <a:pPr marL="347345" marR="0">
-              <a:spcBef>
-                <a:spcPts val="0"/>
-              </a:spcBef>
-              <a:spcAft>
-                <a:spcPts val="0"/>
-              </a:spcAft>
-              <a:tabLst>
-                <a:tab pos="1371600" algn="l"/>
-              </a:tabLst>
-            </a:pPr>
-            <a:r>
-              <a:rPr lang="en-US" sz="1600" b="1" dirty="0">
-                <a:latin typeface="Courier New" panose="02070309020205020404" pitchFamily="49" charset="0"/>
-                <a:ea typeface="Times New Roman" panose="02020603050405020304" pitchFamily="18" charset="0"/>
-                <a:cs typeface="Times New Roman" panose="02020603050405020304" pitchFamily="18" charset="0"/>
-              </a:rPr>
-              <a:t>        &lt;label </a:t>
-            </a:r>
-            <a:r>
-              <a:rPr lang="en-US" sz="1600" b="1" dirty="0">
-                <a:highlight>
-                  <a:srgbClr val="FFFF00"/>
-                </a:highlight>
-                <a:latin typeface="Courier New" panose="02070309020205020404" pitchFamily="49" charset="0"/>
-                <a:ea typeface="Times New Roman" panose="02020603050405020304" pitchFamily="18" charset="0"/>
-                <a:cs typeface="Times New Roman" panose="02020603050405020304" pitchFamily="18" charset="0"/>
-              </a:rPr>
-              <a:t>asp-for="Price"</a:t>
-            </a:r>
-            <a:r>
-              <a:rPr lang="en-US" sz="1600" b="1" dirty="0">
-                <a:latin typeface="Courier New" panose="02070309020205020404" pitchFamily="49" charset="0"/>
-                <a:ea typeface="Times New Roman" panose="02020603050405020304" pitchFamily="18" charset="0"/>
-                <a:cs typeface="Times New Roman" panose="02020603050405020304" pitchFamily="18" charset="0"/>
-              </a:rPr>
-              <a:t>&gt;&lt;/label&gt;</a:t>
-            </a:r>
-          </a:p>
-          <a:p>
-            <a:pPr marL="347345" marR="0">
-              <a:spcBef>
-                <a:spcPts val="0"/>
-              </a:spcBef>
-              <a:spcAft>
-                <a:spcPts val="0"/>
-              </a:spcAft>
-              <a:tabLst>
-                <a:tab pos="1371600" algn="l"/>
-              </a:tabLst>
-            </a:pPr>
-            <a:r>
-              <a:rPr lang="en-US" sz="1600" b="1" dirty="0">
-                <a:latin typeface="Courier New" panose="02070309020205020404" pitchFamily="49" charset="0"/>
-                <a:ea typeface="Times New Roman" panose="02020603050405020304" pitchFamily="18" charset="0"/>
-                <a:cs typeface="Times New Roman" panose="02020603050405020304" pitchFamily="18" charset="0"/>
-              </a:rPr>
-              <a:t>        &lt;input </a:t>
-            </a:r>
-            <a:r>
-              <a:rPr lang="en-US" sz="1600" b="1" dirty="0">
-                <a:highlight>
-                  <a:srgbClr val="FFFF00"/>
-                </a:highlight>
-                <a:latin typeface="Courier New" panose="02070309020205020404" pitchFamily="49" charset="0"/>
-                <a:ea typeface="Times New Roman" panose="02020603050405020304" pitchFamily="18" charset="0"/>
-                <a:cs typeface="Times New Roman" panose="02020603050405020304" pitchFamily="18" charset="0"/>
-              </a:rPr>
-              <a:t>asp-for="Price"</a:t>
-            </a:r>
-            <a:r>
-              <a:rPr lang="en-US" sz="1600" b="1" dirty="0">
-                <a:latin typeface="Courier New" panose="02070309020205020404" pitchFamily="49" charset="0"/>
-                <a:ea typeface="Times New Roman" panose="02020603050405020304" pitchFamily="18" charset="0"/>
-                <a:cs typeface="Times New Roman" panose="02020603050405020304" pitchFamily="18" charset="0"/>
-              </a:rPr>
-              <a:t> class="form-control"&gt;</a:t>
-            </a:r>
-          </a:p>
-          <a:p>
-            <a:pPr marL="347345" marR="0">
-              <a:spcBef>
-                <a:spcPts val="0"/>
-              </a:spcBef>
-              <a:spcAft>
-                <a:spcPts val="0"/>
-              </a:spcAft>
-              <a:tabLst>
-                <a:tab pos="1371600" algn="l"/>
-              </a:tabLst>
-            </a:pPr>
-            <a:r>
-              <a:rPr lang="en-US" sz="1600" b="1" dirty="0">
-                <a:latin typeface="Courier New" panose="02070309020205020404" pitchFamily="49" charset="0"/>
-                <a:ea typeface="Times New Roman" panose="02020603050405020304" pitchFamily="18" charset="0"/>
-                <a:cs typeface="Times New Roman" panose="02020603050405020304" pitchFamily="18" charset="0"/>
-              </a:rPr>
-              <a:t>    &lt;/div&gt;</a:t>
-            </a:r>
-          </a:p>
-          <a:p>
-            <a:pPr marL="347345" marR="0">
-              <a:spcBef>
-                <a:spcPts val="0"/>
-              </a:spcBef>
-              <a:spcAft>
-                <a:spcPts val="0"/>
-              </a:spcAft>
-              <a:tabLst>
-                <a:tab pos="1371600" algn="l"/>
-              </a:tabLst>
-            </a:pPr>
-            <a:r>
-              <a:rPr lang="en-US" sz="1600" b="1" dirty="0">
-                <a:latin typeface="Courier New" panose="02070309020205020404" pitchFamily="49" charset="0"/>
-                <a:ea typeface="Times New Roman" panose="02020603050405020304" pitchFamily="18" charset="0"/>
-                <a:cs typeface="Times New Roman" panose="02020603050405020304" pitchFamily="18" charset="0"/>
-              </a:rPr>
-              <a:t> </a:t>
-            </a:r>
-          </a:p>
-          <a:p>
-            <a:endParaRPr lang="en-US" sz="1600" dirty="0"/>
-          </a:p>
-        </p:txBody>
-      </p:sp>
-      <p:sp>
-        <p:nvSpPr>
-          <p:cNvPr id="4" name="Date Placeholder 3">
-            <a:extLst>
-              <a:ext uri="{FF2B5EF4-FFF2-40B4-BE49-F238E27FC236}">
-                <a16:creationId xmlns:a16="http://schemas.microsoft.com/office/drawing/2014/main" id="{54029091-59FB-407B-8A80-F0EE41BD3C06}"/>
-              </a:ext>
-            </a:extLst>
-          </p:cNvPr>
-          <p:cNvSpPr>
-            <a:spLocks noGrp="1"/>
-          </p:cNvSpPr>
-          <p:nvPr>
-            <p:ph type="dt" sz="half" idx="10"/>
-          </p:nvPr>
-        </p:nvSpPr>
-        <p:spPr/>
-        <p:txBody>
-          <a:bodyPr/>
-          <a:lstStyle/>
-          <a:p>
-            <a:pPr>
-              <a:defRPr/>
-            </a:pPr>
-            <a:r>
-              <a:rPr lang="en-US"/>
-              <a:t>Murach's ASP.NET Core MVC</a:t>
-            </a:r>
-            <a:endParaRPr lang="en-US" dirty="0"/>
-          </a:p>
-        </p:txBody>
-      </p:sp>
-      <p:sp>
-        <p:nvSpPr>
-          <p:cNvPr id="5" name="Footer Placeholder 4">
-            <a:extLst>
-              <a:ext uri="{FF2B5EF4-FFF2-40B4-BE49-F238E27FC236}">
-                <a16:creationId xmlns:a16="http://schemas.microsoft.com/office/drawing/2014/main" id="{5A2DC5FE-6E42-4183-8A74-F860A2E2AC7D}"/>
-              </a:ext>
-            </a:extLst>
-          </p:cNvPr>
-          <p:cNvSpPr>
-            <a:spLocks noGrp="1"/>
-          </p:cNvSpPr>
-          <p:nvPr>
-            <p:ph type="ftr" sz="quarter" idx="11"/>
-          </p:nvPr>
-        </p:nvSpPr>
-        <p:spPr/>
-        <p:txBody>
-          <a:bodyPr/>
-          <a:lstStyle/>
-          <a:p>
-            <a:pPr>
-              <a:defRPr/>
-            </a:pPr>
-            <a:r>
-              <a:rPr lang="en-US"/>
-              <a:t>© 2020, Mike Murach &amp; Associates, Inc.</a:t>
-            </a:r>
-            <a:endParaRPr lang="en-US" dirty="0"/>
-          </a:p>
-        </p:txBody>
-      </p:sp>
-      <p:sp>
-        <p:nvSpPr>
-          <p:cNvPr id="6" name="Slide Number Placeholder 5">
-            <a:extLst>
-              <a:ext uri="{FF2B5EF4-FFF2-40B4-BE49-F238E27FC236}">
-                <a16:creationId xmlns:a16="http://schemas.microsoft.com/office/drawing/2014/main" id="{10A76CB7-C8F9-484D-9B91-C70A92D325F8}"/>
-              </a:ext>
-            </a:extLst>
-          </p:cNvPr>
-          <p:cNvSpPr>
-            <a:spLocks noGrp="1"/>
-          </p:cNvSpPr>
-          <p:nvPr>
-            <p:ph type="sldNum" sz="quarter" idx="12"/>
-          </p:nvPr>
-        </p:nvSpPr>
-        <p:spPr/>
-        <p:txBody>
-          <a:bodyPr/>
-          <a:lstStyle/>
-          <a:p>
-            <a:pPr algn="l">
-              <a:defRPr/>
-            </a:pPr>
-            <a:endParaRPr lang="en-US" sz="1400">
-              <a:latin typeface="Times New Roman"/>
-            </a:endParaRPr>
-          </a:p>
-          <a:p>
-            <a:pPr>
-              <a:defRPr/>
-            </a:pPr>
-            <a:r>
-              <a:rPr lang="en-US">
-                <a:solidFill>
-                  <a:schemeClr val="bg1"/>
-                </a:solidFill>
-              </a:rPr>
-              <a:t>C7, Slide </a:t>
-            </a:r>
-            <a:fld id="{BF5C1183-B085-4070-A402-C03A3F977D3D}" type="slidenum">
-              <a:rPr lang="en-US" smtClean="0">
-                <a:solidFill>
-                  <a:schemeClr val="bg1"/>
-                </a:solidFill>
-              </a:rPr>
-              <a:pPr>
-                <a:defRPr/>
-              </a:pPr>
-              <a:t>10</a:t>
-            </a:fld>
-            <a:endParaRPr lang="en-US" dirty="0">
-              <a:solidFill>
-                <a:schemeClr val="bg1"/>
-              </a:solidFill>
-            </a:endParaRPr>
-          </a:p>
-        </p:txBody>
-      </p:sp>
-    </p:spTree>
-    <p:extLst>
-      <p:ext uri="{BB962C8B-B14F-4D97-AF65-F5344CB8AC3E}">
-        <p14:creationId xmlns:p14="http://schemas.microsoft.com/office/powerpoint/2010/main" val="3609509593"/>
-      </p:ext>
-    </p:extLst>
-  </p:cSld>
-  <p:clrMapOvr>
-    <a:masterClrMapping/>
-  </p:clrMapOvr>
-</p:sld>
-</file>
-
-<file path=ppt/slides/slide11.xml><?xml version="1.0" encoding="utf-8"?>
-<p:sld xmlns:a="http://schemas.openxmlformats.org/drawingml/2006/main" xmlns:r="http://schemas.openxmlformats.org/officeDocument/2006/relationships" xmlns:p="http://schemas.openxmlformats.org/presentationml/2006/main">
-  <p:cSld>
-    <p:spTree>
-      <p:nvGrpSpPr>
-        <p:cNvPr id="1" name=""/>
-        <p:cNvGrpSpPr/>
-        <p:nvPr/>
-      </p:nvGrpSpPr>
-      <p:grpSpPr>
-        <a:xfrm>
-          <a:off x="0" y="0"/>
-          <a:ext cx="0" cy="0"/>
-          <a:chOff x="0" y="0"/>
-          <a:chExt cx="0" cy="0"/>
-        </a:xfrm>
-      </p:grpSpPr>
-      <p:sp>
-        <p:nvSpPr>
-          <p:cNvPr id="2" name="Title 1">
-            <a:extLst>
-              <a:ext uri="{FF2B5EF4-FFF2-40B4-BE49-F238E27FC236}">
-                <a16:creationId xmlns:a16="http://schemas.microsoft.com/office/drawing/2014/main" id="{92B8B8C1-5C38-4F60-8163-8239B94EDB51}"/>
-              </a:ext>
-            </a:extLst>
-          </p:cNvPr>
-          <p:cNvSpPr>
-            <a:spLocks noGrp="1"/>
-          </p:cNvSpPr>
-          <p:nvPr>
-            <p:ph type="title"/>
-          </p:nvPr>
-        </p:nvSpPr>
-        <p:spPr>
-          <a:xfrm>
-            <a:off x="914400" y="624989"/>
-            <a:ext cx="7315200" cy="369332"/>
-          </a:xfrm>
-        </p:spPr>
-        <p:txBody>
-          <a:bodyPr/>
-          <a:lstStyle/>
-          <a:p>
-            <a:r>
-              <a:rPr lang="en-US" dirty="0"/>
-              <a:t>A view with asp-for tag helpers (part 2)</a:t>
-            </a:r>
-          </a:p>
-        </p:txBody>
-      </p:sp>
-      <p:sp>
-        <p:nvSpPr>
-          <p:cNvPr id="3" name="Text Placeholder 2">
-            <a:extLst>
-              <a:ext uri="{FF2B5EF4-FFF2-40B4-BE49-F238E27FC236}">
-                <a16:creationId xmlns:a16="http://schemas.microsoft.com/office/drawing/2014/main" id="{9253711A-0609-4669-8ECB-C2D127F01196}"/>
-              </a:ext>
-            </a:extLst>
-          </p:cNvPr>
-          <p:cNvSpPr>
-            <a:spLocks noGrp="1"/>
-          </p:cNvSpPr>
-          <p:nvPr>
-            <p:ph type="body" sz="quarter" idx="13"/>
-          </p:nvPr>
-        </p:nvSpPr>
-        <p:spPr/>
-        <p:txBody>
-          <a:bodyPr/>
-          <a:lstStyle/>
-          <a:p>
-            <a:pPr marL="347345" marR="0">
-              <a:spcBef>
-                <a:spcPts val="0"/>
-              </a:spcBef>
-              <a:spcAft>
-                <a:spcPts val="0"/>
-              </a:spcAft>
-              <a:tabLst>
-                <a:tab pos="1371600" algn="l"/>
-              </a:tabLst>
-            </a:pPr>
-            <a:r>
-              <a:rPr lang="en-US" sz="1600" b="1" dirty="0">
-                <a:latin typeface="Courier New" panose="02070309020205020404" pitchFamily="49" charset="0"/>
-                <a:ea typeface="Times New Roman" panose="02020603050405020304" pitchFamily="18" charset="0"/>
-                <a:cs typeface="Times New Roman" panose="02020603050405020304" pitchFamily="18" charset="0"/>
-              </a:rPr>
-              <a:t>    &lt;input type="hidden" </a:t>
-            </a:r>
-            <a:r>
-              <a:rPr lang="en-US" sz="1600" b="1" dirty="0">
-                <a:highlight>
-                  <a:srgbClr val="FFFF00"/>
-                </a:highlight>
-                <a:latin typeface="Courier New" panose="02070309020205020404" pitchFamily="49" charset="0"/>
-                <a:ea typeface="Times New Roman" panose="02020603050405020304" pitchFamily="18" charset="0"/>
-                <a:cs typeface="Times New Roman" panose="02020603050405020304" pitchFamily="18" charset="0"/>
-              </a:rPr>
-              <a:t>asp-for="</a:t>
-            </a:r>
-            <a:r>
-              <a:rPr lang="en-US" sz="1600" b="1" dirty="0" err="1">
-                <a:highlight>
-                  <a:srgbClr val="FFFF00"/>
-                </a:highlight>
-                <a:latin typeface="Courier New" panose="02070309020205020404" pitchFamily="49" charset="0"/>
-                <a:ea typeface="Times New Roman" panose="02020603050405020304" pitchFamily="18" charset="0"/>
-                <a:cs typeface="Times New Roman" panose="02020603050405020304" pitchFamily="18" charset="0"/>
-              </a:rPr>
-              <a:t>ProductID</a:t>
-            </a:r>
-            <a:r>
-              <a:rPr lang="en-US" sz="1600" b="1" dirty="0">
-                <a:highlight>
-                  <a:srgbClr val="FFFF00"/>
-                </a:highlight>
-                <a:latin typeface="Courier New" panose="02070309020205020404" pitchFamily="49" charset="0"/>
-                <a:ea typeface="Times New Roman" panose="02020603050405020304" pitchFamily="18" charset="0"/>
-                <a:cs typeface="Times New Roman" panose="02020603050405020304" pitchFamily="18" charset="0"/>
-              </a:rPr>
-              <a:t>"</a:t>
-            </a:r>
-            <a:r>
-              <a:rPr lang="en-US" sz="1600" b="1" dirty="0">
-                <a:latin typeface="Courier New" panose="02070309020205020404" pitchFamily="49" charset="0"/>
-                <a:ea typeface="Times New Roman" panose="02020603050405020304" pitchFamily="18" charset="0"/>
-                <a:cs typeface="Times New Roman" panose="02020603050405020304" pitchFamily="18" charset="0"/>
-              </a:rPr>
-              <a:t> /&gt;</a:t>
-            </a:r>
-          </a:p>
-          <a:p>
-            <a:pPr marL="347345" marR="0">
-              <a:spcBef>
-                <a:spcPts val="0"/>
-              </a:spcBef>
-              <a:spcAft>
-                <a:spcPts val="0"/>
-              </a:spcAft>
-              <a:tabLst>
-                <a:tab pos="1371600" algn="l"/>
-              </a:tabLst>
-            </a:pPr>
-            <a:r>
-              <a:rPr lang="en-US" sz="1600" b="1" dirty="0">
-                <a:latin typeface="Courier New" panose="02070309020205020404" pitchFamily="49" charset="0"/>
-                <a:ea typeface="Times New Roman" panose="02020603050405020304" pitchFamily="18" charset="0"/>
-                <a:cs typeface="Times New Roman" panose="02020603050405020304" pitchFamily="18" charset="0"/>
-              </a:rPr>
-              <a:t>    &lt;input type="hidden" </a:t>
-            </a:r>
-            <a:r>
-              <a:rPr lang="en-US" sz="1600" b="1" dirty="0">
-                <a:highlight>
-                  <a:srgbClr val="FFFF00"/>
-                </a:highlight>
-                <a:latin typeface="Courier New" panose="02070309020205020404" pitchFamily="49" charset="0"/>
-                <a:ea typeface="Times New Roman" panose="02020603050405020304" pitchFamily="18" charset="0"/>
-                <a:cs typeface="Times New Roman" panose="02020603050405020304" pitchFamily="18" charset="0"/>
-              </a:rPr>
-              <a:t>asp-for="</a:t>
-            </a:r>
-            <a:r>
-              <a:rPr lang="en-US" sz="1600" b="1" dirty="0" err="1">
-                <a:highlight>
-                  <a:srgbClr val="FFFF00"/>
-                </a:highlight>
-                <a:latin typeface="Courier New" panose="02070309020205020404" pitchFamily="49" charset="0"/>
-                <a:ea typeface="Times New Roman" panose="02020603050405020304" pitchFamily="18" charset="0"/>
-                <a:cs typeface="Times New Roman" panose="02020603050405020304" pitchFamily="18" charset="0"/>
-              </a:rPr>
-              <a:t>Category.Name</a:t>
-            </a:r>
-            <a:r>
-              <a:rPr lang="en-US" sz="1600" b="1" dirty="0">
-                <a:highlight>
-                  <a:srgbClr val="FFFF00"/>
-                </a:highlight>
-                <a:latin typeface="Courier New" panose="02070309020205020404" pitchFamily="49" charset="0"/>
-                <a:ea typeface="Times New Roman" panose="02020603050405020304" pitchFamily="18" charset="0"/>
-                <a:cs typeface="Times New Roman" panose="02020603050405020304" pitchFamily="18" charset="0"/>
-              </a:rPr>
-              <a:t>"</a:t>
-            </a:r>
-            <a:r>
-              <a:rPr lang="en-US" sz="1600" b="1" dirty="0">
-                <a:latin typeface="Courier New" panose="02070309020205020404" pitchFamily="49" charset="0"/>
-                <a:ea typeface="Times New Roman" panose="02020603050405020304" pitchFamily="18" charset="0"/>
-                <a:cs typeface="Times New Roman" panose="02020603050405020304" pitchFamily="18" charset="0"/>
-              </a:rPr>
-              <a:t> /&gt;</a:t>
-            </a:r>
-          </a:p>
-          <a:p>
-            <a:pPr marL="347345" marR="0">
-              <a:spcBef>
-                <a:spcPts val="0"/>
-              </a:spcBef>
-              <a:spcAft>
-                <a:spcPts val="0"/>
-              </a:spcAft>
-              <a:tabLst>
-                <a:tab pos="1371600" algn="l"/>
-              </a:tabLst>
-            </a:pPr>
-            <a:r>
-              <a:rPr lang="en-US" sz="1600" b="1" dirty="0">
-                <a:latin typeface="Courier New" panose="02070309020205020404" pitchFamily="49" charset="0"/>
-                <a:ea typeface="Times New Roman" panose="02020603050405020304" pitchFamily="18" charset="0"/>
-                <a:cs typeface="Times New Roman" panose="02020603050405020304" pitchFamily="18" charset="0"/>
-              </a:rPr>
-              <a:t> </a:t>
-            </a:r>
-          </a:p>
-          <a:p>
-            <a:pPr marL="347345" marR="0">
-              <a:spcBef>
-                <a:spcPts val="0"/>
-              </a:spcBef>
-              <a:spcAft>
-                <a:spcPts val="0"/>
-              </a:spcAft>
-              <a:tabLst>
-                <a:tab pos="1371600" algn="l"/>
-              </a:tabLst>
-            </a:pPr>
-            <a:r>
-              <a:rPr lang="en-US" sz="1600" b="1" dirty="0">
-                <a:latin typeface="Courier New" panose="02070309020205020404" pitchFamily="49" charset="0"/>
-                <a:ea typeface="Times New Roman" panose="02020603050405020304" pitchFamily="18" charset="0"/>
-                <a:cs typeface="Times New Roman" panose="02020603050405020304" pitchFamily="18" charset="0"/>
-              </a:rPr>
-              <a:t>    &lt;button asp-action="Update" type="submit"</a:t>
-            </a:r>
-          </a:p>
-          <a:p>
-            <a:pPr marL="347345" marR="0">
-              <a:spcBef>
-                <a:spcPts val="0"/>
-              </a:spcBef>
-              <a:spcAft>
-                <a:spcPts val="0"/>
-              </a:spcAft>
-              <a:tabLst>
-                <a:tab pos="1371600" algn="l"/>
-              </a:tabLst>
-            </a:pPr>
-            <a:r>
-              <a:rPr lang="en-US" sz="1600" b="1" dirty="0">
-                <a:latin typeface="Courier New" panose="02070309020205020404" pitchFamily="49" charset="0"/>
-                <a:ea typeface="Times New Roman" panose="02020603050405020304" pitchFamily="18" charset="0"/>
-                <a:cs typeface="Times New Roman" panose="02020603050405020304" pitchFamily="18" charset="0"/>
-              </a:rPr>
-              <a:t>            class="</a:t>
-            </a:r>
-            <a:r>
-              <a:rPr lang="en-US" sz="1600" b="1" dirty="0" err="1">
-                <a:latin typeface="Courier New" panose="02070309020205020404" pitchFamily="49" charset="0"/>
-                <a:ea typeface="Times New Roman" panose="02020603050405020304" pitchFamily="18" charset="0"/>
-                <a:cs typeface="Times New Roman" panose="02020603050405020304" pitchFamily="18" charset="0"/>
-              </a:rPr>
-              <a:t>btn</a:t>
-            </a:r>
-            <a:r>
-              <a:rPr lang="en-US" sz="1600" b="1" dirty="0">
-                <a:latin typeface="Courier New" panose="02070309020205020404" pitchFamily="49" charset="0"/>
-                <a:ea typeface="Times New Roman" panose="02020603050405020304" pitchFamily="18" charset="0"/>
-                <a:cs typeface="Times New Roman" panose="02020603050405020304" pitchFamily="18" charset="0"/>
-              </a:rPr>
-              <a:t> </a:t>
-            </a:r>
-            <a:r>
-              <a:rPr lang="en-US" sz="1600" b="1" dirty="0" err="1">
-                <a:latin typeface="Courier New" panose="02070309020205020404" pitchFamily="49" charset="0"/>
-                <a:ea typeface="Times New Roman" panose="02020603050405020304" pitchFamily="18" charset="0"/>
-                <a:cs typeface="Times New Roman" panose="02020603050405020304" pitchFamily="18" charset="0"/>
-              </a:rPr>
-              <a:t>btn</a:t>
-            </a:r>
-            <a:r>
-              <a:rPr lang="en-US" sz="1600" b="1" dirty="0">
-                <a:latin typeface="Courier New" panose="02070309020205020404" pitchFamily="49" charset="0"/>
-                <a:ea typeface="Times New Roman" panose="02020603050405020304" pitchFamily="18" charset="0"/>
-                <a:cs typeface="Times New Roman" panose="02020603050405020304" pitchFamily="18" charset="0"/>
-              </a:rPr>
-              <a:t>-primary"&gt;Update</a:t>
-            </a:r>
-          </a:p>
-          <a:p>
-            <a:pPr marL="347345" marR="0">
-              <a:spcBef>
-                <a:spcPts val="0"/>
-              </a:spcBef>
-              <a:spcAft>
-                <a:spcPts val="0"/>
-              </a:spcAft>
-              <a:tabLst>
-                <a:tab pos="1371600" algn="l"/>
-              </a:tabLst>
-            </a:pPr>
-            <a:r>
-              <a:rPr lang="en-US" sz="1600" b="1" dirty="0">
-                <a:latin typeface="Courier New" panose="02070309020205020404" pitchFamily="49" charset="0"/>
-                <a:ea typeface="Times New Roman" panose="02020603050405020304" pitchFamily="18" charset="0"/>
-                <a:cs typeface="Times New Roman" panose="02020603050405020304" pitchFamily="18" charset="0"/>
-              </a:rPr>
-              <a:t>    &lt;/button&gt;</a:t>
-            </a:r>
-          </a:p>
-          <a:p>
-            <a:pPr marL="347345" marR="0">
-              <a:spcBef>
-                <a:spcPts val="0"/>
-              </a:spcBef>
-              <a:spcAft>
-                <a:spcPts val="0"/>
-              </a:spcAft>
-              <a:tabLst>
-                <a:tab pos="1371600" algn="l"/>
-              </a:tabLst>
-            </a:pPr>
-            <a:r>
-              <a:rPr lang="en-US" sz="1600" b="1" dirty="0">
-                <a:latin typeface="Courier New" panose="02070309020205020404" pitchFamily="49" charset="0"/>
-                <a:ea typeface="Times New Roman" panose="02020603050405020304" pitchFamily="18" charset="0"/>
-                <a:cs typeface="Times New Roman" panose="02020603050405020304" pitchFamily="18" charset="0"/>
-              </a:rPr>
-              <a:t>    &lt;a asp-action="List" class="</a:t>
-            </a:r>
-            <a:r>
-              <a:rPr lang="en-US" sz="1600" b="1" dirty="0" err="1">
-                <a:latin typeface="Courier New" panose="02070309020205020404" pitchFamily="49" charset="0"/>
-                <a:ea typeface="Times New Roman" panose="02020603050405020304" pitchFamily="18" charset="0"/>
-                <a:cs typeface="Times New Roman" panose="02020603050405020304" pitchFamily="18" charset="0"/>
-              </a:rPr>
-              <a:t>btn</a:t>
-            </a:r>
-            <a:r>
-              <a:rPr lang="en-US" sz="1600" b="1" dirty="0">
-                <a:latin typeface="Courier New" panose="02070309020205020404" pitchFamily="49" charset="0"/>
-                <a:ea typeface="Times New Roman" panose="02020603050405020304" pitchFamily="18" charset="0"/>
-                <a:cs typeface="Times New Roman" panose="02020603050405020304" pitchFamily="18" charset="0"/>
-              </a:rPr>
-              <a:t> </a:t>
-            </a:r>
-            <a:r>
-              <a:rPr lang="en-US" sz="1600" b="1" dirty="0" err="1">
-                <a:latin typeface="Courier New" panose="02070309020205020404" pitchFamily="49" charset="0"/>
-                <a:ea typeface="Times New Roman" panose="02020603050405020304" pitchFamily="18" charset="0"/>
-                <a:cs typeface="Times New Roman" panose="02020603050405020304" pitchFamily="18" charset="0"/>
-              </a:rPr>
-              <a:t>btn</a:t>
-            </a:r>
-            <a:r>
-              <a:rPr lang="en-US" sz="1600" b="1" dirty="0">
-                <a:latin typeface="Courier New" panose="02070309020205020404" pitchFamily="49" charset="0"/>
-                <a:ea typeface="Times New Roman" panose="02020603050405020304" pitchFamily="18" charset="0"/>
-                <a:cs typeface="Times New Roman" panose="02020603050405020304" pitchFamily="18" charset="0"/>
-              </a:rPr>
-              <a:t>-primary"&gt;</a:t>
-            </a:r>
-          </a:p>
-          <a:p>
-            <a:pPr marL="347345" marR="0">
-              <a:spcBef>
-                <a:spcPts val="0"/>
-              </a:spcBef>
-              <a:spcAft>
-                <a:spcPts val="0"/>
-              </a:spcAft>
-              <a:tabLst>
-                <a:tab pos="1371600" algn="l"/>
-              </a:tabLst>
-            </a:pPr>
-            <a:r>
-              <a:rPr lang="en-US" sz="1600" b="1" dirty="0">
-                <a:latin typeface="Courier New" panose="02070309020205020404" pitchFamily="49" charset="0"/>
-                <a:ea typeface="Times New Roman" panose="02020603050405020304" pitchFamily="18" charset="0"/>
-                <a:cs typeface="Times New Roman" panose="02020603050405020304" pitchFamily="18" charset="0"/>
-              </a:rPr>
-              <a:t>        Cancel&lt;/a&gt;</a:t>
-            </a:r>
-          </a:p>
-          <a:p>
-            <a:pPr marL="347345" marR="0">
-              <a:spcBef>
-                <a:spcPts val="0"/>
-              </a:spcBef>
-              <a:spcAft>
-                <a:spcPts val="0"/>
-              </a:spcAft>
-              <a:tabLst>
-                <a:tab pos="1371600" algn="l"/>
-              </a:tabLst>
-            </a:pPr>
-            <a:r>
-              <a:rPr lang="en-US" sz="1600" b="1" dirty="0">
-                <a:latin typeface="Courier New" panose="02070309020205020404" pitchFamily="49" charset="0"/>
-                <a:ea typeface="Times New Roman" panose="02020603050405020304" pitchFamily="18" charset="0"/>
-                <a:cs typeface="Times New Roman" panose="02020603050405020304" pitchFamily="18" charset="0"/>
-              </a:rPr>
-              <a:t>&lt;/form&gt;</a:t>
-            </a:r>
-            <a:endParaRPr lang="en-US" sz="1600" dirty="0"/>
-          </a:p>
-        </p:txBody>
-      </p:sp>
-      <p:sp>
-        <p:nvSpPr>
-          <p:cNvPr id="4" name="Date Placeholder 3">
-            <a:extLst>
-              <a:ext uri="{FF2B5EF4-FFF2-40B4-BE49-F238E27FC236}">
-                <a16:creationId xmlns:a16="http://schemas.microsoft.com/office/drawing/2014/main" id="{AE813400-CF2C-4084-BBFA-00BF10BEE791}"/>
-              </a:ext>
-            </a:extLst>
-          </p:cNvPr>
-          <p:cNvSpPr>
-            <a:spLocks noGrp="1"/>
-          </p:cNvSpPr>
-          <p:nvPr>
-            <p:ph type="dt" sz="half" idx="10"/>
-          </p:nvPr>
-        </p:nvSpPr>
-        <p:spPr/>
-        <p:txBody>
-          <a:bodyPr/>
-          <a:lstStyle/>
-          <a:p>
-            <a:pPr>
-              <a:defRPr/>
-            </a:pPr>
-            <a:r>
-              <a:rPr lang="en-US"/>
-              <a:t>Murach's ASP.NET Core MVC</a:t>
-            </a:r>
-            <a:endParaRPr lang="en-US" dirty="0"/>
-          </a:p>
-        </p:txBody>
-      </p:sp>
-      <p:sp>
-        <p:nvSpPr>
-          <p:cNvPr id="5" name="Footer Placeholder 4">
-            <a:extLst>
-              <a:ext uri="{FF2B5EF4-FFF2-40B4-BE49-F238E27FC236}">
-                <a16:creationId xmlns:a16="http://schemas.microsoft.com/office/drawing/2014/main" id="{035A2F9D-8583-40C2-B446-E44FB0DA2828}"/>
-              </a:ext>
-            </a:extLst>
-          </p:cNvPr>
-          <p:cNvSpPr>
-            <a:spLocks noGrp="1"/>
-          </p:cNvSpPr>
-          <p:nvPr>
-            <p:ph type="ftr" sz="quarter" idx="11"/>
-          </p:nvPr>
-        </p:nvSpPr>
-        <p:spPr/>
-        <p:txBody>
-          <a:bodyPr/>
-          <a:lstStyle/>
-          <a:p>
-            <a:pPr>
-              <a:defRPr/>
-            </a:pPr>
-            <a:r>
-              <a:rPr lang="en-US"/>
-              <a:t>© 2020, Mike Murach &amp; Associates, Inc.</a:t>
-            </a:r>
-            <a:endParaRPr lang="en-US" dirty="0"/>
-          </a:p>
-        </p:txBody>
-      </p:sp>
-      <p:sp>
-        <p:nvSpPr>
-          <p:cNvPr id="6" name="Slide Number Placeholder 5">
-            <a:extLst>
-              <a:ext uri="{FF2B5EF4-FFF2-40B4-BE49-F238E27FC236}">
-                <a16:creationId xmlns:a16="http://schemas.microsoft.com/office/drawing/2014/main" id="{A9D67EC3-0F6D-47E9-82DC-936B49FF27B9}"/>
-              </a:ext>
-            </a:extLst>
-          </p:cNvPr>
-          <p:cNvSpPr>
-            <a:spLocks noGrp="1"/>
-          </p:cNvSpPr>
-          <p:nvPr>
-            <p:ph type="sldNum" sz="quarter" idx="12"/>
-          </p:nvPr>
-        </p:nvSpPr>
-        <p:spPr/>
-        <p:txBody>
-          <a:bodyPr/>
-          <a:lstStyle/>
-          <a:p>
-            <a:pPr algn="l">
-              <a:defRPr/>
-            </a:pPr>
-            <a:endParaRPr lang="en-US" sz="1400">
-              <a:latin typeface="Times New Roman"/>
-            </a:endParaRPr>
-          </a:p>
-          <a:p>
-            <a:pPr>
-              <a:defRPr/>
-            </a:pPr>
-            <a:r>
-              <a:rPr lang="en-US">
-                <a:solidFill>
-                  <a:schemeClr val="bg1"/>
-                </a:solidFill>
-              </a:rPr>
-              <a:t>C7, Slide </a:t>
-            </a:r>
-            <a:fld id="{BF5C1183-B085-4070-A402-C03A3F977D3D}" type="slidenum">
-              <a:rPr lang="en-US" smtClean="0">
-                <a:solidFill>
-                  <a:schemeClr val="bg1"/>
-                </a:solidFill>
-              </a:rPr>
-              <a:pPr>
-                <a:defRPr/>
-              </a:pPr>
-              <a:t>11</a:t>
-            </a:fld>
-            <a:endParaRPr lang="en-US" dirty="0">
-              <a:solidFill>
-                <a:schemeClr val="bg1"/>
-              </a:solidFill>
-            </a:endParaRPr>
-          </a:p>
-        </p:txBody>
-      </p:sp>
-    </p:spTree>
-    <p:extLst>
-      <p:ext uri="{BB962C8B-B14F-4D97-AF65-F5344CB8AC3E}">
-        <p14:creationId xmlns:p14="http://schemas.microsoft.com/office/powerpoint/2010/main" val="3473966869"/>
-      </p:ext>
-    </p:extLst>
-  </p:cSld>
-  <p:clrMapOvr>
-    <a:masterClrMapping/>
-  </p:clrMapOvr>
-</p:sld>
-</file>
-
-<file path=ppt/slides/slide12.xml><?xml version="1.0" encoding="utf-8"?>
-<p:sld xmlns:a="http://schemas.openxmlformats.org/drawingml/2006/main" xmlns:r="http://schemas.openxmlformats.org/officeDocument/2006/relationships" xmlns:p="http://schemas.openxmlformats.org/presentationml/2006/main">
-  <p:cSld>
-    <p:spTree>
-      <p:nvGrpSpPr>
-        <p:cNvPr id="1" name=""/>
-        <p:cNvGrpSpPr/>
-        <p:nvPr/>
-      </p:nvGrpSpPr>
-      <p:grpSpPr>
-        <a:xfrm>
-          <a:off x="0" y="0"/>
-          <a:ext cx="0" cy="0"/>
-          <a:chOff x="0" y="0"/>
-          <a:chExt cx="0" cy="0"/>
-        </a:xfrm>
-      </p:grpSpPr>
-      <p:sp>
-        <p:nvSpPr>
-          <p:cNvPr id="2" name="Title 1">
-            <a:extLst>
-              <a:ext uri="{FF2B5EF4-FFF2-40B4-BE49-F238E27FC236}">
-                <a16:creationId xmlns:a16="http://schemas.microsoft.com/office/drawing/2014/main" id="{5D445D05-139A-4E72-AFF6-FAEC9DF69D52}"/>
-              </a:ext>
-            </a:extLst>
-          </p:cNvPr>
-          <p:cNvSpPr>
-            <a:spLocks noGrp="1"/>
-          </p:cNvSpPr>
-          <p:nvPr>
-            <p:ph type="title"/>
-          </p:nvPr>
-        </p:nvSpPr>
-        <p:spPr>
-          <a:xfrm>
-            <a:off x="914400" y="624989"/>
-            <a:ext cx="7315200" cy="369332"/>
-          </a:xfrm>
-        </p:spPr>
-        <p:txBody>
-          <a:bodyPr/>
-          <a:lstStyle/>
-          <a:p>
-            <a:r>
-              <a:rPr lang="en-US" dirty="0"/>
-              <a:t>The view with bound properties in a browser</a:t>
-            </a:r>
-          </a:p>
-        </p:txBody>
-      </p:sp>
-      <p:pic>
-        <p:nvPicPr>
-          <p:cNvPr id="7" name="Content Placeholder 6" descr="Refer to page 255 in textbook">
-            <a:extLst>
-              <a:ext uri="{FF2B5EF4-FFF2-40B4-BE49-F238E27FC236}">
-                <a16:creationId xmlns:a16="http://schemas.microsoft.com/office/drawing/2014/main" id="{9CFA4B5C-4681-4AB2-BEB4-478B87013D94}"/>
-              </a:ext>
-            </a:extLst>
-          </p:cNvPr>
-          <p:cNvPicPr>
-            <a:picLocks noGrp="1" noChangeAspect="1"/>
-          </p:cNvPicPr>
-          <p:nvPr>
-            <p:ph sz="quarter" idx="13"/>
-          </p:nvPr>
-        </p:nvPicPr>
-        <p:blipFill>
-          <a:blip r:embed="rId2"/>
-          <a:stretch>
-            <a:fillRect/>
-          </a:stretch>
-        </p:blipFill>
-        <p:spPr>
-          <a:xfrm>
-            <a:off x="914400" y="1079500"/>
-            <a:ext cx="7254869" cy="3468925"/>
-          </a:xfrm>
-          <a:prstGeom prst="rect">
-            <a:avLst/>
-          </a:prstGeom>
-        </p:spPr>
-      </p:pic>
-      <p:sp>
-        <p:nvSpPr>
-          <p:cNvPr id="4" name="Date Placeholder 3">
-            <a:extLst>
-              <a:ext uri="{FF2B5EF4-FFF2-40B4-BE49-F238E27FC236}">
-                <a16:creationId xmlns:a16="http://schemas.microsoft.com/office/drawing/2014/main" id="{EF8840C6-E905-4241-A98C-9F1F0633B308}"/>
-              </a:ext>
-            </a:extLst>
-          </p:cNvPr>
-          <p:cNvSpPr>
-            <a:spLocks noGrp="1"/>
-          </p:cNvSpPr>
-          <p:nvPr>
-            <p:ph type="dt" sz="half" idx="10"/>
-          </p:nvPr>
-        </p:nvSpPr>
-        <p:spPr/>
-        <p:txBody>
-          <a:bodyPr/>
-          <a:lstStyle/>
-          <a:p>
-            <a:pPr>
-              <a:defRPr/>
-            </a:pPr>
-            <a:r>
-              <a:rPr lang="en-US"/>
-              <a:t>Murach's ASP.NET Core MVC</a:t>
-            </a:r>
-            <a:endParaRPr lang="en-US" dirty="0"/>
-          </a:p>
-        </p:txBody>
-      </p:sp>
-      <p:sp>
-        <p:nvSpPr>
-          <p:cNvPr id="5" name="Footer Placeholder 4">
-            <a:extLst>
-              <a:ext uri="{FF2B5EF4-FFF2-40B4-BE49-F238E27FC236}">
-                <a16:creationId xmlns:a16="http://schemas.microsoft.com/office/drawing/2014/main" id="{AFB99906-B385-4D4F-B1AE-EE115D18EDC3}"/>
-              </a:ext>
-            </a:extLst>
-          </p:cNvPr>
-          <p:cNvSpPr>
-            <a:spLocks noGrp="1"/>
-          </p:cNvSpPr>
-          <p:nvPr>
-            <p:ph type="ftr" sz="quarter" idx="11"/>
-          </p:nvPr>
-        </p:nvSpPr>
-        <p:spPr/>
-        <p:txBody>
-          <a:bodyPr/>
-          <a:lstStyle/>
-          <a:p>
-            <a:pPr>
-              <a:defRPr/>
-            </a:pPr>
-            <a:r>
-              <a:rPr lang="en-US"/>
-              <a:t>© 2020, Mike Murach &amp; Associates, Inc.</a:t>
-            </a:r>
-            <a:endParaRPr lang="en-US" dirty="0"/>
-          </a:p>
-        </p:txBody>
-      </p:sp>
-      <p:sp>
-        <p:nvSpPr>
-          <p:cNvPr id="6" name="Slide Number Placeholder 5">
-            <a:extLst>
-              <a:ext uri="{FF2B5EF4-FFF2-40B4-BE49-F238E27FC236}">
-                <a16:creationId xmlns:a16="http://schemas.microsoft.com/office/drawing/2014/main" id="{CFC28973-9BC1-4423-B159-A3678FCB1F52}"/>
-              </a:ext>
-            </a:extLst>
-          </p:cNvPr>
-          <p:cNvSpPr>
-            <a:spLocks noGrp="1"/>
-          </p:cNvSpPr>
-          <p:nvPr>
-            <p:ph type="sldNum" sz="quarter" idx="12"/>
-          </p:nvPr>
-        </p:nvSpPr>
-        <p:spPr/>
-        <p:txBody>
-          <a:bodyPr/>
-          <a:lstStyle/>
-          <a:p>
-            <a:pPr algn="l">
-              <a:defRPr/>
-            </a:pPr>
-            <a:endParaRPr lang="en-US" sz="1400">
-              <a:latin typeface="Times New Roman"/>
-            </a:endParaRPr>
-          </a:p>
-          <a:p>
-            <a:pPr>
-              <a:defRPr/>
-            </a:pPr>
-            <a:r>
-              <a:rPr lang="en-US">
-                <a:solidFill>
-                  <a:schemeClr val="bg1"/>
-                </a:solidFill>
-              </a:rPr>
-              <a:t>C7, Slide </a:t>
-            </a:r>
-            <a:fld id="{BF5C1183-B085-4070-A402-C03A3F977D3D}" type="slidenum">
-              <a:rPr lang="en-US" smtClean="0">
-                <a:solidFill>
-                  <a:schemeClr val="bg1"/>
-                </a:solidFill>
-              </a:rPr>
-              <a:pPr>
-                <a:defRPr/>
-              </a:pPr>
-              <a:t>12</a:t>
-            </a:fld>
-            <a:endParaRPr lang="en-US" dirty="0">
-              <a:solidFill>
-                <a:schemeClr val="bg1"/>
-              </a:solidFill>
-            </a:endParaRPr>
-          </a:p>
-        </p:txBody>
-      </p:sp>
-    </p:spTree>
-    <p:extLst>
-      <p:ext uri="{BB962C8B-B14F-4D97-AF65-F5344CB8AC3E}">
-        <p14:creationId xmlns:p14="http://schemas.microsoft.com/office/powerpoint/2010/main" val="1841599485"/>
-      </p:ext>
-    </p:extLst>
-  </p:cSld>
-  <p:clrMapOvr>
-    <a:masterClrMapping/>
-  </p:clrMapOvr>
-</p:sld>
-</file>
-
-<file path=ppt/slides/slide13.xml><?xml version="1.0" encoding="utf-8"?>
-<p:sld xmlns:a="http://schemas.openxmlformats.org/drawingml/2006/main" xmlns:r="http://schemas.openxmlformats.org/officeDocument/2006/relationships" xmlns:p="http://schemas.openxmlformats.org/presentationml/2006/main">
-  <p:cSld>
-    <p:spTree>
-      <p:nvGrpSpPr>
-        <p:cNvPr id="1" name=""/>
-        <p:cNvGrpSpPr/>
-        <p:nvPr/>
-      </p:nvGrpSpPr>
-      <p:grpSpPr>
-        <a:xfrm>
-          <a:off x="0" y="0"/>
-          <a:ext cx="0" cy="0"/>
-          <a:chOff x="0" y="0"/>
-          <a:chExt cx="0" cy="0"/>
-        </a:xfrm>
-      </p:grpSpPr>
-      <p:sp>
-        <p:nvSpPr>
-          <p:cNvPr id="2" name="Title 1">
-            <a:extLst>
-              <a:ext uri="{FF2B5EF4-FFF2-40B4-BE49-F238E27FC236}">
-                <a16:creationId xmlns:a16="http://schemas.microsoft.com/office/drawing/2014/main" id="{9A13626D-855B-4A57-9572-1EAD0F68653F}"/>
-              </a:ext>
-            </a:extLst>
-          </p:cNvPr>
-          <p:cNvSpPr>
-            <a:spLocks noGrp="1"/>
-          </p:cNvSpPr>
-          <p:nvPr>
-            <p:ph type="title"/>
-          </p:nvPr>
-        </p:nvSpPr>
-        <p:spPr>
-          <a:xfrm>
-            <a:off x="914400" y="625989"/>
-            <a:ext cx="7315200" cy="738664"/>
-          </a:xfrm>
-        </p:spPr>
-        <p:txBody>
-          <a:bodyPr/>
-          <a:lstStyle/>
-          <a:p>
-            <a:r>
-              <a:rPr lang="en-US" dirty="0"/>
-              <a:t>The HTML that’s generated </a:t>
-            </a:r>
-            <a:br>
-              <a:rPr lang="en-US" dirty="0"/>
-            </a:br>
-            <a:r>
-              <a:rPr lang="en-US" dirty="0"/>
-              <a:t>for the Price &lt;label&gt; and &lt;input&gt; elements</a:t>
-            </a:r>
-          </a:p>
-        </p:txBody>
-      </p:sp>
-      <p:sp>
-        <p:nvSpPr>
-          <p:cNvPr id="3" name="Text Placeholder 2">
-            <a:extLst>
-              <a:ext uri="{FF2B5EF4-FFF2-40B4-BE49-F238E27FC236}">
-                <a16:creationId xmlns:a16="http://schemas.microsoft.com/office/drawing/2014/main" id="{8510F701-82E2-4852-8D08-7AF047C85979}"/>
-              </a:ext>
-            </a:extLst>
-          </p:cNvPr>
-          <p:cNvSpPr>
-            <a:spLocks noGrp="1"/>
-          </p:cNvSpPr>
-          <p:nvPr>
-            <p:ph type="body" sz="quarter" idx="13"/>
-          </p:nvPr>
-        </p:nvSpPr>
-        <p:spPr/>
-        <p:txBody>
-          <a:bodyPr/>
-          <a:lstStyle/>
-          <a:p>
-            <a:pPr marL="347345" marR="0">
-              <a:spcBef>
-                <a:spcPts val="0"/>
-              </a:spcBef>
-              <a:spcAft>
-                <a:spcPts val="0"/>
-              </a:spcAft>
-              <a:tabLst>
-                <a:tab pos="1371600" algn="l"/>
-              </a:tabLst>
-            </a:pPr>
-            <a:r>
-              <a:rPr lang="en-US" sz="1600" b="1" dirty="0">
-                <a:latin typeface="Courier New" panose="02070309020205020404" pitchFamily="49" charset="0"/>
-                <a:ea typeface="Times New Roman" panose="02020603050405020304" pitchFamily="18" charset="0"/>
-                <a:cs typeface="Times New Roman" panose="02020603050405020304" pitchFamily="18" charset="0"/>
-              </a:rPr>
-              <a:t>&lt;label </a:t>
-            </a:r>
-            <a:r>
-              <a:rPr lang="en-US" sz="1600" b="1" dirty="0">
-                <a:highlight>
-                  <a:srgbClr val="FFFF00"/>
-                </a:highlight>
-                <a:latin typeface="Courier New" panose="02070309020205020404" pitchFamily="49" charset="0"/>
-                <a:ea typeface="Times New Roman" panose="02020603050405020304" pitchFamily="18" charset="0"/>
-                <a:cs typeface="Times New Roman" panose="02020603050405020304" pitchFamily="18" charset="0"/>
-              </a:rPr>
-              <a:t>for="Price"</a:t>
-            </a:r>
-            <a:r>
-              <a:rPr lang="en-US" sz="1600" b="1" dirty="0">
-                <a:latin typeface="Courier New" panose="02070309020205020404" pitchFamily="49" charset="0"/>
-                <a:ea typeface="Times New Roman" panose="02020603050405020304" pitchFamily="18" charset="0"/>
-                <a:cs typeface="Times New Roman" panose="02020603050405020304" pitchFamily="18" charset="0"/>
-              </a:rPr>
-              <a:t>&gt;</a:t>
-            </a:r>
-            <a:r>
-              <a:rPr lang="en-US" sz="1600" b="1" dirty="0">
-                <a:highlight>
-                  <a:srgbClr val="FFFF00"/>
-                </a:highlight>
-                <a:latin typeface="Courier New" panose="02070309020205020404" pitchFamily="49" charset="0"/>
-                <a:ea typeface="Times New Roman" panose="02020603050405020304" pitchFamily="18" charset="0"/>
-                <a:cs typeface="Times New Roman" panose="02020603050405020304" pitchFamily="18" charset="0"/>
-              </a:rPr>
-              <a:t>Price</a:t>
-            </a:r>
-            <a:r>
-              <a:rPr lang="en-US" sz="1600" b="1" dirty="0">
-                <a:latin typeface="Courier New" panose="02070309020205020404" pitchFamily="49" charset="0"/>
-                <a:ea typeface="Times New Roman" panose="02020603050405020304" pitchFamily="18" charset="0"/>
-                <a:cs typeface="Times New Roman" panose="02020603050405020304" pitchFamily="18" charset="0"/>
-              </a:rPr>
-              <a:t>&lt;/label&gt;</a:t>
-            </a:r>
-          </a:p>
-          <a:p>
-            <a:pPr marL="347345" marR="0">
-              <a:spcBef>
-                <a:spcPts val="0"/>
-              </a:spcBef>
-              <a:spcAft>
-                <a:spcPts val="0"/>
-              </a:spcAft>
-              <a:tabLst>
-                <a:tab pos="1371600" algn="l"/>
-              </a:tabLst>
-            </a:pPr>
-            <a:r>
-              <a:rPr lang="en-US" sz="1600" b="1" dirty="0">
-                <a:latin typeface="Courier New" panose="02070309020205020404" pitchFamily="49" charset="0"/>
-                <a:ea typeface="Times New Roman" panose="02020603050405020304" pitchFamily="18" charset="0"/>
-                <a:cs typeface="Times New Roman" panose="02020603050405020304" pitchFamily="18" charset="0"/>
-              </a:rPr>
-              <a:t>&lt;input class="form-control" </a:t>
-            </a:r>
-            <a:r>
-              <a:rPr lang="en-US" sz="1600" b="1" dirty="0">
-                <a:highlight>
-                  <a:srgbClr val="FFFF00"/>
-                </a:highlight>
-                <a:latin typeface="Courier New" panose="02070309020205020404" pitchFamily="49" charset="0"/>
-                <a:ea typeface="Times New Roman" panose="02020603050405020304" pitchFamily="18" charset="0"/>
-                <a:cs typeface="Times New Roman" panose="02020603050405020304" pitchFamily="18" charset="0"/>
-              </a:rPr>
-              <a:t>type="text"</a:t>
-            </a:r>
-            <a:r>
-              <a:rPr lang="en-US" sz="1600" b="1" dirty="0">
-                <a:latin typeface="Courier New" panose="02070309020205020404" pitchFamily="49" charset="0"/>
-                <a:ea typeface="Times New Roman" panose="02020603050405020304" pitchFamily="18" charset="0"/>
-                <a:cs typeface="Times New Roman" panose="02020603050405020304" pitchFamily="18" charset="0"/>
-              </a:rPr>
-              <a:t> </a:t>
-            </a:r>
-          </a:p>
-          <a:p>
-            <a:pPr marL="347345" marR="0">
-              <a:spcBef>
-                <a:spcPts val="0"/>
-              </a:spcBef>
-              <a:spcAft>
-                <a:spcPts val="0"/>
-              </a:spcAft>
-              <a:tabLst>
-                <a:tab pos="1371600" algn="l"/>
-              </a:tabLst>
-            </a:pPr>
-            <a:r>
-              <a:rPr lang="en-US" sz="1600" b="1" dirty="0">
-                <a:latin typeface="Courier New" panose="02070309020205020404" pitchFamily="49" charset="0"/>
-                <a:ea typeface="Times New Roman" panose="02020603050405020304" pitchFamily="18" charset="0"/>
-                <a:cs typeface="Times New Roman" panose="02020603050405020304" pitchFamily="18" charset="0"/>
-              </a:rPr>
-              <a:t>       </a:t>
-            </a:r>
-            <a:r>
-              <a:rPr lang="en-US" sz="1600" b="1" dirty="0">
-                <a:highlight>
-                  <a:srgbClr val="FFFF00"/>
-                </a:highlight>
-                <a:latin typeface="Courier New" panose="02070309020205020404" pitchFamily="49" charset="0"/>
-                <a:ea typeface="Times New Roman" panose="02020603050405020304" pitchFamily="18" charset="0"/>
-                <a:cs typeface="Times New Roman" panose="02020603050405020304" pitchFamily="18" charset="0"/>
-              </a:rPr>
-              <a:t>id="Price"</a:t>
-            </a:r>
-            <a:r>
-              <a:rPr lang="en-US" sz="1600" b="1" dirty="0">
-                <a:latin typeface="Courier New" panose="02070309020205020404" pitchFamily="49" charset="0"/>
-                <a:ea typeface="Times New Roman" panose="02020603050405020304" pitchFamily="18" charset="0"/>
-                <a:cs typeface="Times New Roman" panose="02020603050405020304" pitchFamily="18" charset="0"/>
-              </a:rPr>
-              <a:t> </a:t>
-            </a:r>
-            <a:r>
-              <a:rPr lang="en-US" sz="1600" b="1" dirty="0">
-                <a:highlight>
-                  <a:srgbClr val="FFFF00"/>
-                </a:highlight>
-                <a:latin typeface="Courier New" panose="02070309020205020404" pitchFamily="49" charset="0"/>
-                <a:ea typeface="Times New Roman" panose="02020603050405020304" pitchFamily="18" charset="0"/>
-                <a:cs typeface="Times New Roman" panose="02020603050405020304" pitchFamily="18" charset="0"/>
-              </a:rPr>
-              <a:t>name="Price"</a:t>
-            </a:r>
-            <a:r>
-              <a:rPr lang="en-US" sz="1600" b="1" dirty="0">
-                <a:latin typeface="Courier New" panose="02070309020205020404" pitchFamily="49" charset="0"/>
-                <a:ea typeface="Times New Roman" panose="02020603050405020304" pitchFamily="18" charset="0"/>
-                <a:cs typeface="Times New Roman" panose="02020603050405020304" pitchFamily="18" charset="0"/>
-              </a:rPr>
-              <a:t> </a:t>
-            </a:r>
-            <a:r>
-              <a:rPr lang="en-US" sz="1600" b="1" dirty="0">
-                <a:highlight>
-                  <a:srgbClr val="FFFF00"/>
-                </a:highlight>
-                <a:latin typeface="Courier New" panose="02070309020205020404" pitchFamily="49" charset="0"/>
-                <a:ea typeface="Times New Roman" panose="02020603050405020304" pitchFamily="18" charset="0"/>
-                <a:cs typeface="Times New Roman" panose="02020603050405020304" pitchFamily="18" charset="0"/>
-              </a:rPr>
-              <a:t>value="699.00"</a:t>
-            </a:r>
-            <a:r>
-              <a:rPr lang="en-US" sz="1600" b="1" dirty="0">
-                <a:latin typeface="Courier New" panose="02070309020205020404" pitchFamily="49" charset="0"/>
-                <a:ea typeface="Times New Roman" panose="02020603050405020304" pitchFamily="18" charset="0"/>
-                <a:cs typeface="Times New Roman" panose="02020603050405020304" pitchFamily="18" charset="0"/>
-              </a:rPr>
-              <a:t>&gt;</a:t>
-            </a:r>
-          </a:p>
-          <a:p>
-            <a:endParaRPr lang="en-US" sz="1600" dirty="0"/>
-          </a:p>
-        </p:txBody>
-      </p:sp>
-      <p:sp>
-        <p:nvSpPr>
-          <p:cNvPr id="4" name="Date Placeholder 3">
-            <a:extLst>
-              <a:ext uri="{FF2B5EF4-FFF2-40B4-BE49-F238E27FC236}">
-                <a16:creationId xmlns:a16="http://schemas.microsoft.com/office/drawing/2014/main" id="{738901F5-7B03-487B-91CD-7EDE8DD42208}"/>
-              </a:ext>
-            </a:extLst>
-          </p:cNvPr>
-          <p:cNvSpPr>
-            <a:spLocks noGrp="1"/>
-          </p:cNvSpPr>
-          <p:nvPr>
-            <p:ph type="dt" sz="half" idx="10"/>
-          </p:nvPr>
-        </p:nvSpPr>
-        <p:spPr/>
-        <p:txBody>
-          <a:bodyPr/>
-          <a:lstStyle/>
-          <a:p>
-            <a:pPr>
-              <a:defRPr/>
-            </a:pPr>
-            <a:r>
-              <a:rPr lang="en-US"/>
-              <a:t>Murach's ASP.NET Core MVC</a:t>
-            </a:r>
-            <a:endParaRPr lang="en-US" dirty="0"/>
-          </a:p>
-        </p:txBody>
-      </p:sp>
-      <p:sp>
-        <p:nvSpPr>
-          <p:cNvPr id="5" name="Footer Placeholder 4">
-            <a:extLst>
-              <a:ext uri="{FF2B5EF4-FFF2-40B4-BE49-F238E27FC236}">
-                <a16:creationId xmlns:a16="http://schemas.microsoft.com/office/drawing/2014/main" id="{EAD524D1-DD02-483C-B6B0-6836AFEEBF56}"/>
-              </a:ext>
-            </a:extLst>
-          </p:cNvPr>
-          <p:cNvSpPr>
-            <a:spLocks noGrp="1"/>
-          </p:cNvSpPr>
-          <p:nvPr>
-            <p:ph type="ftr" sz="quarter" idx="11"/>
-          </p:nvPr>
-        </p:nvSpPr>
-        <p:spPr/>
-        <p:txBody>
-          <a:bodyPr/>
-          <a:lstStyle/>
-          <a:p>
-            <a:pPr>
-              <a:defRPr/>
-            </a:pPr>
-            <a:r>
-              <a:rPr lang="en-US"/>
-              <a:t>© 2020, Mike Murach &amp; Associates, Inc.</a:t>
-            </a:r>
-            <a:endParaRPr lang="en-US" dirty="0"/>
-          </a:p>
-        </p:txBody>
-      </p:sp>
-      <p:sp>
-        <p:nvSpPr>
-          <p:cNvPr id="6" name="Slide Number Placeholder 5">
-            <a:extLst>
-              <a:ext uri="{FF2B5EF4-FFF2-40B4-BE49-F238E27FC236}">
-                <a16:creationId xmlns:a16="http://schemas.microsoft.com/office/drawing/2014/main" id="{56070440-4581-470F-B84D-09FDEB743D6D}"/>
-              </a:ext>
-            </a:extLst>
-          </p:cNvPr>
-          <p:cNvSpPr>
-            <a:spLocks noGrp="1"/>
-          </p:cNvSpPr>
-          <p:nvPr>
-            <p:ph type="sldNum" sz="quarter" idx="12"/>
-          </p:nvPr>
-        </p:nvSpPr>
-        <p:spPr/>
-        <p:txBody>
-          <a:bodyPr/>
-          <a:lstStyle/>
-          <a:p>
-            <a:pPr algn="l">
-              <a:defRPr/>
-            </a:pPr>
-            <a:endParaRPr lang="en-US" sz="1400">
-              <a:latin typeface="Times New Roman"/>
-            </a:endParaRPr>
-          </a:p>
-          <a:p>
-            <a:pPr>
-              <a:defRPr/>
-            </a:pPr>
-            <a:r>
-              <a:rPr lang="en-US">
-                <a:solidFill>
-                  <a:schemeClr val="bg1"/>
-                </a:solidFill>
-              </a:rPr>
-              <a:t>C7, Slide </a:t>
-            </a:r>
-            <a:fld id="{BF5C1183-B085-4070-A402-C03A3F977D3D}" type="slidenum">
-              <a:rPr lang="en-US" smtClean="0">
-                <a:solidFill>
-                  <a:schemeClr val="bg1"/>
-                </a:solidFill>
-              </a:rPr>
-              <a:pPr>
-                <a:defRPr/>
-              </a:pPr>
-              <a:t>13</a:t>
-            </a:fld>
-            <a:endParaRPr lang="en-US" dirty="0">
-              <a:solidFill>
-                <a:schemeClr val="bg1"/>
-              </a:solidFill>
-            </a:endParaRPr>
-          </a:p>
-        </p:txBody>
-      </p:sp>
-    </p:spTree>
-    <p:extLst>
-      <p:ext uri="{BB962C8B-B14F-4D97-AF65-F5344CB8AC3E}">
-        <p14:creationId xmlns:p14="http://schemas.microsoft.com/office/powerpoint/2010/main" val="1016420324"/>
-      </p:ext>
-    </p:extLst>
-  </p:cSld>
-  <p:clrMapOvr>
-    <a:masterClrMapping/>
-  </p:clrMapOvr>
-</p:sld>
-</file>
-
-<file path=ppt/slides/slide14.xml><?xml version="1.0" encoding="utf-8"?>
-<p:sld xmlns:a="http://schemas.openxmlformats.org/drawingml/2006/main" xmlns:r="http://schemas.openxmlformats.org/officeDocument/2006/relationships" xmlns:p="http://schemas.openxmlformats.org/presentationml/2006/main">
-  <p:cSld>
-    <p:spTree>
-      <p:nvGrpSpPr>
-        <p:cNvPr id="1" name=""/>
-        <p:cNvGrpSpPr/>
-        <p:nvPr/>
-      </p:nvGrpSpPr>
-      <p:grpSpPr>
-        <a:xfrm>
-          <a:off x="0" y="0"/>
-          <a:ext cx="0" cy="0"/>
-          <a:chOff x="0" y="0"/>
-          <a:chExt cx="0" cy="0"/>
-        </a:xfrm>
-      </p:grpSpPr>
-      <p:sp>
-        <p:nvSpPr>
-          <p:cNvPr id="2" name="Title 1">
-            <a:extLst>
-              <a:ext uri="{FF2B5EF4-FFF2-40B4-BE49-F238E27FC236}">
-                <a16:creationId xmlns:a16="http://schemas.microsoft.com/office/drawing/2014/main" id="{19FCAFE5-075E-4264-AFD1-E95F1CE379AC}"/>
-              </a:ext>
-            </a:extLst>
-          </p:cNvPr>
-          <p:cNvSpPr>
-            <a:spLocks noGrp="1"/>
-          </p:cNvSpPr>
-          <p:nvPr>
-            <p:ph type="title"/>
-          </p:nvPr>
-        </p:nvSpPr>
-        <p:spPr>
-          <a:xfrm>
-            <a:off x="914400" y="625989"/>
-            <a:ext cx="7315200" cy="738664"/>
-          </a:xfrm>
-        </p:spPr>
-        <p:txBody>
-          <a:bodyPr/>
-          <a:lstStyle/>
-          <a:p>
-            <a:r>
-              <a:rPr lang="en-US" dirty="0"/>
-              <a:t>A tag helper for adding options </a:t>
-            </a:r>
-            <a:br>
-              <a:rPr lang="en-US" dirty="0"/>
-            </a:br>
-            <a:r>
-              <a:rPr lang="en-US" dirty="0"/>
-              <a:t>to a &lt;select&gt; element</a:t>
-            </a:r>
-          </a:p>
-        </p:txBody>
-      </p:sp>
-      <p:sp>
-        <p:nvSpPr>
-          <p:cNvPr id="3" name="Text Placeholder 2">
-            <a:extLst>
-              <a:ext uri="{FF2B5EF4-FFF2-40B4-BE49-F238E27FC236}">
-                <a16:creationId xmlns:a16="http://schemas.microsoft.com/office/drawing/2014/main" id="{7EE324A2-0128-4A64-8F6C-D46CD3FB1315}"/>
-              </a:ext>
-            </a:extLst>
-          </p:cNvPr>
-          <p:cNvSpPr>
-            <a:spLocks noGrp="1"/>
-          </p:cNvSpPr>
-          <p:nvPr>
-            <p:ph type="body" sz="quarter" idx="13"/>
-          </p:nvPr>
-        </p:nvSpPr>
-        <p:spPr/>
-        <p:txBody>
-          <a:bodyPr/>
-          <a:lstStyle/>
-          <a:p>
-            <a:pPr marL="347345" marR="0">
-              <a:spcBef>
-                <a:spcPts val="0"/>
-              </a:spcBef>
-              <a:spcAft>
-                <a:spcPts val="600"/>
-              </a:spcAft>
-              <a:tabLst>
-                <a:tab pos="1371600" algn="l"/>
-              </a:tabLst>
-            </a:pPr>
-            <a:r>
-              <a:rPr lang="en-US" sz="1600" b="1" dirty="0">
-                <a:latin typeface="Courier New" panose="02070309020205020404" pitchFamily="49" charset="0"/>
-                <a:ea typeface="Times New Roman" panose="02020603050405020304" pitchFamily="18" charset="0"/>
-                <a:cs typeface="Times New Roman" panose="02020603050405020304" pitchFamily="18" charset="0"/>
-              </a:rPr>
-              <a:t>asp-items</a:t>
-            </a:r>
-          </a:p>
-          <a:p>
-            <a:pPr>
-              <a:spcBef>
-                <a:spcPts val="1500"/>
-              </a:spcBef>
-              <a:spcAft>
-                <a:spcPts val="600"/>
-              </a:spcAft>
-              <a:tabLst>
-                <a:tab pos="1371600" algn="l"/>
-              </a:tabLst>
-            </a:pPr>
-            <a:r>
-              <a:rPr lang="en-US" sz="2400" b="1" dirty="0">
-                <a:solidFill>
-                  <a:srgbClr val="000099"/>
-                </a:solidFill>
-                <a:latin typeface="Arial" panose="020B0604020202020204" pitchFamily="34" charset="0"/>
-                <a:ea typeface="Times New Roman" panose="02020603050405020304" pitchFamily="18" charset="0"/>
-                <a:cs typeface="Times New Roman" panose="02020603050405020304" pitchFamily="18" charset="0"/>
-              </a:rPr>
-              <a:t>The constructor of the </a:t>
-            </a:r>
-            <a:r>
-              <a:rPr lang="en-US" sz="2400" b="1" dirty="0" err="1">
-                <a:solidFill>
-                  <a:srgbClr val="000099"/>
-                </a:solidFill>
-                <a:latin typeface="Arial" panose="020B0604020202020204" pitchFamily="34" charset="0"/>
-                <a:ea typeface="Times New Roman" panose="02020603050405020304" pitchFamily="18" charset="0"/>
-                <a:cs typeface="Times New Roman" panose="02020603050405020304" pitchFamily="18" charset="0"/>
-              </a:rPr>
-              <a:t>SelectList</a:t>
-            </a:r>
-            <a:r>
-              <a:rPr lang="en-US" sz="2400" b="1" dirty="0">
-                <a:solidFill>
-                  <a:srgbClr val="000099"/>
-                </a:solidFill>
-                <a:latin typeface="Arial" panose="020B0604020202020204" pitchFamily="34" charset="0"/>
-                <a:ea typeface="Times New Roman" panose="02020603050405020304" pitchFamily="18" charset="0"/>
-                <a:cs typeface="Times New Roman" panose="02020603050405020304" pitchFamily="18" charset="0"/>
-              </a:rPr>
-              <a:t> class</a:t>
-            </a:r>
-          </a:p>
-          <a:p>
-            <a:pPr marL="347345" marR="0">
-              <a:spcBef>
-                <a:spcPts val="0"/>
-              </a:spcBef>
-              <a:spcAft>
-                <a:spcPts val="600"/>
-              </a:spcAft>
-              <a:tabLst>
-                <a:tab pos="1371600" algn="l"/>
-              </a:tabLst>
-            </a:pPr>
-            <a:r>
-              <a:rPr lang="en-US" sz="1600" b="1" dirty="0" err="1">
-                <a:latin typeface="Courier New" panose="02070309020205020404" pitchFamily="49" charset="0"/>
-                <a:ea typeface="Times New Roman" panose="02020603050405020304" pitchFamily="18" charset="0"/>
-                <a:cs typeface="Times New Roman" panose="02020603050405020304" pitchFamily="18" charset="0"/>
-              </a:rPr>
-              <a:t>SelectList</a:t>
-            </a:r>
-            <a:r>
-              <a:rPr lang="en-US" sz="1600" b="1" dirty="0">
-                <a:latin typeface="Courier New" panose="02070309020205020404" pitchFamily="49" charset="0"/>
-                <a:ea typeface="Times New Roman" panose="02020603050405020304" pitchFamily="18" charset="0"/>
-                <a:cs typeface="Times New Roman" panose="02020603050405020304" pitchFamily="18" charset="0"/>
-              </a:rPr>
-              <a:t>(</a:t>
-            </a:r>
-            <a:r>
-              <a:rPr lang="en-US" sz="1600" dirty="0">
-                <a:latin typeface="Courier New" panose="02070309020205020404" pitchFamily="49" charset="0"/>
-                <a:ea typeface="Times New Roman" panose="02020603050405020304" pitchFamily="18" charset="0"/>
-                <a:cs typeface="Times New Roman" panose="02020603050405020304" pitchFamily="18" charset="0"/>
-              </a:rPr>
-              <a:t>list</a:t>
-            </a:r>
-            <a:r>
-              <a:rPr lang="en-US" sz="1600" b="1" dirty="0">
-                <a:latin typeface="Courier New" panose="02070309020205020404" pitchFamily="49" charset="0"/>
-                <a:ea typeface="Times New Roman" panose="02020603050405020304" pitchFamily="18" charset="0"/>
-                <a:cs typeface="Times New Roman" panose="02020603050405020304" pitchFamily="18" charset="0"/>
-              </a:rPr>
-              <a:t>, </a:t>
-            </a:r>
-            <a:r>
-              <a:rPr lang="en-US" sz="1600" dirty="0">
-                <a:latin typeface="Courier New" panose="02070309020205020404" pitchFamily="49" charset="0"/>
-                <a:ea typeface="Times New Roman" panose="02020603050405020304" pitchFamily="18" charset="0"/>
-                <a:cs typeface="Times New Roman" panose="02020603050405020304" pitchFamily="18" charset="0"/>
-              </a:rPr>
-              <a:t>value</a:t>
-            </a:r>
-            <a:r>
-              <a:rPr lang="en-US" sz="1600" b="1" dirty="0">
-                <a:latin typeface="Courier New" panose="02070309020205020404" pitchFamily="49" charset="0"/>
-                <a:ea typeface="Times New Roman" panose="02020603050405020304" pitchFamily="18" charset="0"/>
-                <a:cs typeface="Times New Roman" panose="02020603050405020304" pitchFamily="18" charset="0"/>
-              </a:rPr>
-              <a:t>, </a:t>
-            </a:r>
-            <a:r>
-              <a:rPr lang="en-US" sz="1600" dirty="0">
-                <a:latin typeface="Courier New" panose="02070309020205020404" pitchFamily="49" charset="0"/>
-                <a:ea typeface="Times New Roman" panose="02020603050405020304" pitchFamily="18" charset="0"/>
-                <a:cs typeface="Times New Roman" panose="02020603050405020304" pitchFamily="18" charset="0"/>
-              </a:rPr>
-              <a:t>text</a:t>
-            </a:r>
-            <a:r>
-              <a:rPr lang="en-US" sz="1600" b="1" dirty="0">
-                <a:latin typeface="Courier New" panose="02070309020205020404" pitchFamily="49" charset="0"/>
-                <a:ea typeface="Times New Roman" panose="02020603050405020304" pitchFamily="18" charset="0"/>
-                <a:cs typeface="Times New Roman" panose="02020603050405020304" pitchFamily="18" charset="0"/>
-              </a:rPr>
-              <a:t>, </a:t>
-            </a:r>
-            <a:r>
-              <a:rPr lang="en-US" sz="1600" dirty="0" err="1">
-                <a:latin typeface="Courier New" panose="02070309020205020404" pitchFamily="49" charset="0"/>
-                <a:ea typeface="Times New Roman" panose="02020603050405020304" pitchFamily="18" charset="0"/>
-                <a:cs typeface="Times New Roman" panose="02020603050405020304" pitchFamily="18" charset="0"/>
-              </a:rPr>
-              <a:t>selectedValue</a:t>
-            </a:r>
-            <a:r>
-              <a:rPr lang="en-US" sz="1600" b="1" dirty="0">
-                <a:latin typeface="Courier New" panose="02070309020205020404" pitchFamily="49" charset="0"/>
-                <a:ea typeface="Times New Roman" panose="02020603050405020304" pitchFamily="18" charset="0"/>
-                <a:cs typeface="Times New Roman" panose="02020603050405020304" pitchFamily="18" charset="0"/>
-              </a:rPr>
-              <a:t>)</a:t>
-            </a:r>
-          </a:p>
-          <a:p>
-            <a:endParaRPr lang="en-US" sz="1600" dirty="0"/>
-          </a:p>
-        </p:txBody>
-      </p:sp>
-      <p:sp>
-        <p:nvSpPr>
-          <p:cNvPr id="4" name="Date Placeholder 3">
-            <a:extLst>
-              <a:ext uri="{FF2B5EF4-FFF2-40B4-BE49-F238E27FC236}">
-                <a16:creationId xmlns:a16="http://schemas.microsoft.com/office/drawing/2014/main" id="{B5817053-532A-4DCD-BF87-969C1FCBD798}"/>
-              </a:ext>
-            </a:extLst>
-          </p:cNvPr>
-          <p:cNvSpPr>
-            <a:spLocks noGrp="1"/>
-          </p:cNvSpPr>
-          <p:nvPr>
-            <p:ph type="dt" sz="half" idx="10"/>
-          </p:nvPr>
-        </p:nvSpPr>
-        <p:spPr/>
-        <p:txBody>
-          <a:bodyPr/>
-          <a:lstStyle/>
-          <a:p>
-            <a:pPr>
-              <a:defRPr/>
-            </a:pPr>
-            <a:r>
-              <a:rPr lang="en-US"/>
-              <a:t>Murach's ASP.NET Core MVC</a:t>
-            </a:r>
-            <a:endParaRPr lang="en-US" dirty="0"/>
-          </a:p>
-        </p:txBody>
-      </p:sp>
-      <p:sp>
-        <p:nvSpPr>
-          <p:cNvPr id="5" name="Footer Placeholder 4">
-            <a:extLst>
-              <a:ext uri="{FF2B5EF4-FFF2-40B4-BE49-F238E27FC236}">
-                <a16:creationId xmlns:a16="http://schemas.microsoft.com/office/drawing/2014/main" id="{704EBC71-E707-44F5-9378-85CF328AACD8}"/>
-              </a:ext>
-            </a:extLst>
-          </p:cNvPr>
-          <p:cNvSpPr>
-            <a:spLocks noGrp="1"/>
-          </p:cNvSpPr>
-          <p:nvPr>
-            <p:ph type="ftr" sz="quarter" idx="11"/>
-          </p:nvPr>
-        </p:nvSpPr>
-        <p:spPr/>
-        <p:txBody>
-          <a:bodyPr/>
-          <a:lstStyle/>
-          <a:p>
-            <a:pPr>
-              <a:defRPr/>
-            </a:pPr>
-            <a:r>
-              <a:rPr lang="en-US"/>
-              <a:t>© 2020, Mike Murach &amp; Associates, Inc.</a:t>
-            </a:r>
-            <a:endParaRPr lang="en-US" dirty="0"/>
-          </a:p>
-        </p:txBody>
-      </p:sp>
-      <p:sp>
-        <p:nvSpPr>
-          <p:cNvPr id="6" name="Slide Number Placeholder 5">
-            <a:extLst>
-              <a:ext uri="{FF2B5EF4-FFF2-40B4-BE49-F238E27FC236}">
-                <a16:creationId xmlns:a16="http://schemas.microsoft.com/office/drawing/2014/main" id="{CEFE3ED7-9119-4ECA-81FA-031A0A760712}"/>
-              </a:ext>
-            </a:extLst>
-          </p:cNvPr>
-          <p:cNvSpPr>
-            <a:spLocks noGrp="1"/>
-          </p:cNvSpPr>
-          <p:nvPr>
-            <p:ph type="sldNum" sz="quarter" idx="12"/>
-          </p:nvPr>
-        </p:nvSpPr>
-        <p:spPr/>
-        <p:txBody>
-          <a:bodyPr/>
-          <a:lstStyle/>
-          <a:p>
-            <a:pPr algn="l">
-              <a:defRPr/>
-            </a:pPr>
-            <a:endParaRPr lang="en-US" sz="1400">
-              <a:latin typeface="Times New Roman"/>
-            </a:endParaRPr>
-          </a:p>
-          <a:p>
-            <a:pPr>
-              <a:defRPr/>
-            </a:pPr>
-            <a:r>
-              <a:rPr lang="en-US">
-                <a:solidFill>
-                  <a:schemeClr val="bg1"/>
-                </a:solidFill>
-              </a:rPr>
-              <a:t>C7, Slide </a:t>
-            </a:r>
-            <a:fld id="{BF5C1183-B085-4070-A402-C03A3F977D3D}" type="slidenum">
-              <a:rPr lang="en-US" smtClean="0">
-                <a:solidFill>
-                  <a:schemeClr val="bg1"/>
-                </a:solidFill>
-              </a:rPr>
-              <a:pPr>
-                <a:defRPr/>
-              </a:pPr>
-              <a:t>14</a:t>
-            </a:fld>
-            <a:endParaRPr lang="en-US" dirty="0">
-              <a:solidFill>
-                <a:schemeClr val="bg1"/>
-              </a:solidFill>
-            </a:endParaRPr>
-          </a:p>
-        </p:txBody>
-      </p:sp>
-    </p:spTree>
-    <p:extLst>
-      <p:ext uri="{BB962C8B-B14F-4D97-AF65-F5344CB8AC3E}">
-        <p14:creationId xmlns:p14="http://schemas.microsoft.com/office/powerpoint/2010/main" val="1677186235"/>
-      </p:ext>
-    </p:extLst>
-  </p:cSld>
-  <p:clrMapOvr>
-    <a:masterClrMapping/>
-  </p:clrMapOvr>
-</p:sld>
-</file>
-
-<file path=ppt/slides/slide15.xml><?xml version="1.0" encoding="utf-8"?>
-<p:sld xmlns:a="http://schemas.openxmlformats.org/drawingml/2006/main" xmlns:r="http://schemas.openxmlformats.org/officeDocument/2006/relationships" xmlns:p="http://schemas.openxmlformats.org/presentationml/2006/main">
-  <p:cSld>
-    <p:spTree>
-      <p:nvGrpSpPr>
-        <p:cNvPr id="1" name=""/>
-        <p:cNvGrpSpPr/>
-        <p:nvPr/>
-      </p:nvGrpSpPr>
-      <p:grpSpPr>
-        <a:xfrm>
-          <a:off x="0" y="0"/>
-          <a:ext cx="0" cy="0"/>
-          <a:chOff x="0" y="0"/>
-          <a:chExt cx="0" cy="0"/>
-        </a:xfrm>
-      </p:grpSpPr>
-      <p:sp>
-        <p:nvSpPr>
-          <p:cNvPr id="2" name="Title 1">
-            <a:extLst>
-              <a:ext uri="{FF2B5EF4-FFF2-40B4-BE49-F238E27FC236}">
                 <a16:creationId xmlns:a16="http://schemas.microsoft.com/office/drawing/2014/main" id="{84C73B1A-42DC-4D03-8FB9-2FDCFF1392B8}"/>
               </a:ext>
             </a:extLst>
@@ -8558,7 +6313,7 @@
               <a:pPr>
                 <a:defRPr/>
               </a:pPr>
-              <a:t>15</a:t>
+              <a:t>10</a:t>
             </a:fld>
             <a:endParaRPr lang="en-US" dirty="0">
               <a:solidFill>
@@ -8581,7 +6336,7 @@
 </p:sld>
 </file>
 
-<file path=ppt/slides/slide16.xml><?xml version="1.0" encoding="utf-8"?>
+<file path=ppt/slides/slide11.xml><?xml version="1.0" encoding="utf-8"?>
 <p:sld xmlns:a="http://schemas.openxmlformats.org/drawingml/2006/main" xmlns:r="http://schemas.openxmlformats.org/officeDocument/2006/relationships" xmlns:p="http://schemas.openxmlformats.org/presentationml/2006/main">
   <p:cSld>
     <p:spTree>
@@ -9190,7 +6945,7 @@
               <a:pPr>
                 <a:defRPr/>
               </a:pPr>
-              <a:t>16</a:t>
+              <a:t>11</a:t>
             </a:fld>
             <a:endParaRPr lang="en-US" dirty="0">
               <a:solidFill>
@@ -9213,397 +6968,7 @@
 </p:sld>
 </file>
 
-<file path=ppt/slides/slide17.xml><?xml version="1.0" encoding="utf-8"?>
-<p:sld xmlns:a="http://schemas.openxmlformats.org/drawingml/2006/main" xmlns:r="http://schemas.openxmlformats.org/officeDocument/2006/relationships" xmlns:p="http://schemas.openxmlformats.org/presentationml/2006/main">
-  <p:cSld>
-    <p:spTree>
-      <p:nvGrpSpPr>
-        <p:cNvPr id="1" name=""/>
-        <p:cNvGrpSpPr/>
-        <p:nvPr/>
-      </p:nvGrpSpPr>
-      <p:grpSpPr>
-        <a:xfrm>
-          <a:off x="0" y="0"/>
-          <a:ext cx="0" cy="0"/>
-          <a:chOff x="0" y="0"/>
-          <a:chExt cx="0" cy="0"/>
-        </a:xfrm>
-      </p:grpSpPr>
-      <p:sp>
-        <p:nvSpPr>
-          <p:cNvPr id="2" name="Title 1">
-            <a:extLst>
-              <a:ext uri="{FF2B5EF4-FFF2-40B4-BE49-F238E27FC236}">
-                <a16:creationId xmlns:a16="http://schemas.microsoft.com/office/drawing/2014/main" id="{93B3DA15-178B-4ED3-8076-D592B36BD632}"/>
-              </a:ext>
-            </a:extLst>
-          </p:cNvPr>
-          <p:cNvSpPr>
-            <a:spLocks noGrp="1"/>
-          </p:cNvSpPr>
-          <p:nvPr>
-            <p:ph type="title"/>
-          </p:nvPr>
-        </p:nvSpPr>
-        <p:spPr>
-          <a:xfrm>
-            <a:off x="914400" y="624989"/>
-            <a:ext cx="7315200" cy="369332"/>
-          </a:xfrm>
-        </p:spPr>
-        <p:txBody>
-          <a:bodyPr/>
-          <a:lstStyle/>
-          <a:p>
-            <a:r>
-              <a:rPr lang="en-US" dirty="0"/>
-              <a:t>HTML that’s generated for the &lt;select&gt; element</a:t>
-            </a:r>
-          </a:p>
-        </p:txBody>
-      </p:sp>
-      <p:sp>
-        <p:nvSpPr>
-          <p:cNvPr id="3" name="Text Placeholder 2">
-            <a:extLst>
-              <a:ext uri="{FF2B5EF4-FFF2-40B4-BE49-F238E27FC236}">
-                <a16:creationId xmlns:a16="http://schemas.microsoft.com/office/drawing/2014/main" id="{24BADBF2-03A1-47D1-BD69-9D65C9ED7FF3}"/>
-              </a:ext>
-            </a:extLst>
-          </p:cNvPr>
-          <p:cNvSpPr>
-            <a:spLocks noGrp="1"/>
-          </p:cNvSpPr>
-          <p:nvPr>
-            <p:ph type="body" sz="quarter" idx="13"/>
-          </p:nvPr>
-        </p:nvSpPr>
-        <p:spPr/>
-        <p:txBody>
-          <a:bodyPr/>
-          <a:lstStyle/>
-          <a:p>
-            <a:pPr marL="347345" marR="0">
-              <a:spcBef>
-                <a:spcPts val="0"/>
-              </a:spcBef>
-              <a:spcAft>
-                <a:spcPts val="0"/>
-              </a:spcAft>
-              <a:tabLst>
-                <a:tab pos="1371600" algn="l"/>
-              </a:tabLst>
-            </a:pPr>
-            <a:r>
-              <a:rPr lang="en-US" sz="1600" b="1" dirty="0">
-                <a:latin typeface="Courier New" panose="02070309020205020404" pitchFamily="49" charset="0"/>
-                <a:ea typeface="Times New Roman" panose="02020603050405020304" pitchFamily="18" charset="0"/>
-                <a:cs typeface="Times New Roman" panose="02020603050405020304" pitchFamily="18" charset="0"/>
-              </a:rPr>
-              <a:t>&lt;select class="form-control" id="</a:t>
-            </a:r>
-            <a:r>
-              <a:rPr lang="en-US" sz="1600" b="1" dirty="0" err="1">
-                <a:latin typeface="Courier New" panose="02070309020205020404" pitchFamily="49" charset="0"/>
-                <a:ea typeface="Times New Roman" panose="02020603050405020304" pitchFamily="18" charset="0"/>
-                <a:cs typeface="Times New Roman" panose="02020603050405020304" pitchFamily="18" charset="0"/>
-              </a:rPr>
-              <a:t>Category_CategoryID</a:t>
-            </a:r>
-            <a:r>
-              <a:rPr lang="en-US" sz="1600" b="1" dirty="0">
-                <a:latin typeface="Courier New" panose="02070309020205020404" pitchFamily="49" charset="0"/>
-                <a:ea typeface="Times New Roman" panose="02020603050405020304" pitchFamily="18" charset="0"/>
-                <a:cs typeface="Times New Roman" panose="02020603050405020304" pitchFamily="18" charset="0"/>
-              </a:rPr>
-              <a:t>" </a:t>
-            </a:r>
-          </a:p>
-          <a:p>
-            <a:pPr marL="347345" marR="0">
-              <a:spcBef>
-                <a:spcPts val="0"/>
-              </a:spcBef>
-              <a:spcAft>
-                <a:spcPts val="0"/>
-              </a:spcAft>
-              <a:tabLst>
-                <a:tab pos="1371600" algn="l"/>
-              </a:tabLst>
-            </a:pPr>
-            <a:r>
-              <a:rPr lang="en-US" sz="1600" b="1" dirty="0">
-                <a:latin typeface="Courier New" panose="02070309020205020404" pitchFamily="49" charset="0"/>
-                <a:ea typeface="Times New Roman" panose="02020603050405020304" pitchFamily="18" charset="0"/>
-                <a:cs typeface="Times New Roman" panose="02020603050405020304" pitchFamily="18" charset="0"/>
-              </a:rPr>
-              <a:t>        name="</a:t>
-            </a:r>
-            <a:r>
-              <a:rPr lang="en-US" sz="1600" b="1" dirty="0" err="1">
-                <a:latin typeface="Courier New" panose="02070309020205020404" pitchFamily="49" charset="0"/>
-                <a:ea typeface="Times New Roman" panose="02020603050405020304" pitchFamily="18" charset="0"/>
-                <a:cs typeface="Times New Roman" panose="02020603050405020304" pitchFamily="18" charset="0"/>
-              </a:rPr>
-              <a:t>Category.CategoryID</a:t>
-            </a:r>
-            <a:r>
-              <a:rPr lang="en-US" sz="1600" b="1" dirty="0">
-                <a:latin typeface="Courier New" panose="02070309020205020404" pitchFamily="49" charset="0"/>
-                <a:ea typeface="Times New Roman" panose="02020603050405020304" pitchFamily="18" charset="0"/>
-                <a:cs typeface="Times New Roman" panose="02020603050405020304" pitchFamily="18" charset="0"/>
-              </a:rPr>
-              <a:t>"&gt;</a:t>
-            </a:r>
-          </a:p>
-          <a:p>
-            <a:pPr marL="347345" marR="0">
-              <a:spcBef>
-                <a:spcPts val="0"/>
-              </a:spcBef>
-              <a:spcAft>
-                <a:spcPts val="0"/>
-              </a:spcAft>
-              <a:tabLst>
-                <a:tab pos="1371600" algn="l"/>
-              </a:tabLst>
-            </a:pPr>
-            <a:r>
-              <a:rPr lang="en-US" sz="1600" b="1" dirty="0">
-                <a:latin typeface="Courier New" panose="02070309020205020404" pitchFamily="49" charset="0"/>
-                <a:ea typeface="Times New Roman" panose="02020603050405020304" pitchFamily="18" charset="0"/>
-                <a:cs typeface="Times New Roman" panose="02020603050405020304" pitchFamily="18" charset="0"/>
-              </a:rPr>
-              <a:t>    &lt;option selected="selected" value="1"&gt;</a:t>
-            </a:r>
-          </a:p>
-          <a:p>
-            <a:pPr marL="347345" marR="0">
-              <a:spcBef>
-                <a:spcPts val="0"/>
-              </a:spcBef>
-              <a:spcAft>
-                <a:spcPts val="0"/>
-              </a:spcAft>
-              <a:tabLst>
-                <a:tab pos="1371600" algn="l"/>
-              </a:tabLst>
-            </a:pPr>
-            <a:r>
-              <a:rPr lang="en-US" sz="1600" b="1" dirty="0">
-                <a:latin typeface="Courier New" panose="02070309020205020404" pitchFamily="49" charset="0"/>
-                <a:ea typeface="Times New Roman" panose="02020603050405020304" pitchFamily="18" charset="0"/>
-                <a:cs typeface="Times New Roman" panose="02020603050405020304" pitchFamily="18" charset="0"/>
-              </a:rPr>
-              <a:t>        Guitars&lt;/option&gt;</a:t>
-            </a:r>
-          </a:p>
-          <a:p>
-            <a:pPr marL="347345" marR="0">
-              <a:spcBef>
-                <a:spcPts val="0"/>
-              </a:spcBef>
-              <a:spcAft>
-                <a:spcPts val="0"/>
-              </a:spcAft>
-              <a:tabLst>
-                <a:tab pos="1371600" algn="l"/>
-              </a:tabLst>
-            </a:pPr>
-            <a:r>
-              <a:rPr lang="en-US" sz="1600" b="1" dirty="0">
-                <a:latin typeface="Courier New" panose="02070309020205020404" pitchFamily="49" charset="0"/>
-                <a:ea typeface="Times New Roman" panose="02020603050405020304" pitchFamily="18" charset="0"/>
-                <a:cs typeface="Times New Roman" panose="02020603050405020304" pitchFamily="18" charset="0"/>
-              </a:rPr>
-              <a:t>    &lt;option value="2"&gt;Basses&lt;/option&gt;</a:t>
-            </a:r>
-          </a:p>
-          <a:p>
-            <a:pPr marL="347345" marR="0">
-              <a:spcBef>
-                <a:spcPts val="0"/>
-              </a:spcBef>
-              <a:spcAft>
-                <a:spcPts val="0"/>
-              </a:spcAft>
-              <a:tabLst>
-                <a:tab pos="1371600" algn="l"/>
-              </a:tabLst>
-            </a:pPr>
-            <a:r>
-              <a:rPr lang="en-US" sz="1600" b="1" dirty="0">
-                <a:latin typeface="Courier New" panose="02070309020205020404" pitchFamily="49" charset="0"/>
-                <a:ea typeface="Times New Roman" panose="02020603050405020304" pitchFamily="18" charset="0"/>
-                <a:cs typeface="Times New Roman" panose="02020603050405020304" pitchFamily="18" charset="0"/>
-              </a:rPr>
-              <a:t>    &lt;option value="3"&gt;Drums&lt;/option&gt;</a:t>
-            </a:r>
-          </a:p>
-          <a:p>
-            <a:pPr marL="347345" marR="0">
-              <a:spcBef>
-                <a:spcPts val="0"/>
-              </a:spcBef>
-              <a:spcAft>
-                <a:spcPts val="0"/>
-              </a:spcAft>
-              <a:tabLst>
-                <a:tab pos="1371600" algn="l"/>
-              </a:tabLst>
-            </a:pPr>
-            <a:r>
-              <a:rPr lang="en-US" sz="1600" b="1" dirty="0">
-                <a:latin typeface="Courier New" panose="02070309020205020404" pitchFamily="49" charset="0"/>
-                <a:ea typeface="Times New Roman" panose="02020603050405020304" pitchFamily="18" charset="0"/>
-                <a:cs typeface="Times New Roman" panose="02020603050405020304" pitchFamily="18" charset="0"/>
-              </a:rPr>
-              <a:t>&lt;/select&gt;</a:t>
-            </a:r>
-          </a:p>
-          <a:p>
-            <a:endParaRPr lang="en-US" sz="1600" dirty="0"/>
-          </a:p>
-        </p:txBody>
-      </p:sp>
-      <p:sp>
-        <p:nvSpPr>
-          <p:cNvPr id="4" name="Date Placeholder 3">
-            <a:extLst>
-              <a:ext uri="{FF2B5EF4-FFF2-40B4-BE49-F238E27FC236}">
-                <a16:creationId xmlns:a16="http://schemas.microsoft.com/office/drawing/2014/main" id="{5F514CDD-3791-4FC7-AA44-369502F09110}"/>
-              </a:ext>
-            </a:extLst>
-          </p:cNvPr>
-          <p:cNvSpPr>
-            <a:spLocks noGrp="1"/>
-          </p:cNvSpPr>
-          <p:nvPr>
-            <p:ph type="dt" sz="half" idx="10"/>
-          </p:nvPr>
-        </p:nvSpPr>
-        <p:spPr/>
-        <p:txBody>
-          <a:bodyPr/>
-          <a:lstStyle/>
-          <a:p>
-            <a:pPr>
-              <a:defRPr/>
-            </a:pPr>
-            <a:r>
-              <a:rPr lang="en-US"/>
-              <a:t>Murach's ASP.NET Core MVC</a:t>
-            </a:r>
-            <a:endParaRPr lang="en-US" dirty="0"/>
-          </a:p>
-        </p:txBody>
-      </p:sp>
-      <p:sp>
-        <p:nvSpPr>
-          <p:cNvPr id="5" name="Footer Placeholder 4">
-            <a:extLst>
-              <a:ext uri="{FF2B5EF4-FFF2-40B4-BE49-F238E27FC236}">
-                <a16:creationId xmlns:a16="http://schemas.microsoft.com/office/drawing/2014/main" id="{0D57C5BD-2FED-4B16-AD9E-2413E762388F}"/>
-              </a:ext>
-            </a:extLst>
-          </p:cNvPr>
-          <p:cNvSpPr>
-            <a:spLocks noGrp="1"/>
-          </p:cNvSpPr>
-          <p:nvPr>
-            <p:ph type="ftr" sz="quarter" idx="11"/>
-          </p:nvPr>
-        </p:nvSpPr>
-        <p:spPr/>
-        <p:txBody>
-          <a:bodyPr/>
-          <a:lstStyle/>
-          <a:p>
-            <a:pPr>
-              <a:defRPr/>
-            </a:pPr>
-            <a:r>
-              <a:rPr lang="en-US"/>
-              <a:t>© 2020, Mike Murach &amp; Associates, Inc.</a:t>
-            </a:r>
-            <a:endParaRPr lang="en-US" dirty="0"/>
-          </a:p>
-        </p:txBody>
-      </p:sp>
-      <p:sp>
-        <p:nvSpPr>
-          <p:cNvPr id="6" name="Slide Number Placeholder 5">
-            <a:extLst>
-              <a:ext uri="{FF2B5EF4-FFF2-40B4-BE49-F238E27FC236}">
-                <a16:creationId xmlns:a16="http://schemas.microsoft.com/office/drawing/2014/main" id="{1EC32F98-0A8A-4432-950F-0D9392C2ADF4}"/>
-              </a:ext>
-            </a:extLst>
-          </p:cNvPr>
-          <p:cNvSpPr>
-            <a:spLocks noGrp="1"/>
-          </p:cNvSpPr>
-          <p:nvPr>
-            <p:ph type="sldNum" sz="quarter" idx="12"/>
-          </p:nvPr>
-        </p:nvSpPr>
-        <p:spPr/>
-        <p:txBody>
-          <a:bodyPr/>
-          <a:lstStyle/>
-          <a:p>
-            <a:pPr algn="l">
-              <a:defRPr/>
-            </a:pPr>
-            <a:endParaRPr lang="en-US" sz="1400">
-              <a:latin typeface="Times New Roman"/>
-            </a:endParaRPr>
-          </a:p>
-          <a:p>
-            <a:pPr>
-              <a:defRPr/>
-            </a:pPr>
-            <a:r>
-              <a:rPr lang="en-US">
-                <a:solidFill>
-                  <a:schemeClr val="bg1"/>
-                </a:solidFill>
-              </a:rPr>
-              <a:t>C7, Slide </a:t>
-            </a:r>
-            <a:fld id="{BF5C1183-B085-4070-A402-C03A3F977D3D}" type="slidenum">
-              <a:rPr lang="en-US" smtClean="0">
-                <a:solidFill>
-                  <a:schemeClr val="bg1"/>
-                </a:solidFill>
-              </a:rPr>
-              <a:pPr>
-                <a:defRPr/>
-              </a:pPr>
-              <a:t>17</a:t>
-            </a:fld>
-            <a:endParaRPr lang="en-US" dirty="0">
-              <a:solidFill>
-                <a:schemeClr val="bg1"/>
-              </a:solidFill>
-            </a:endParaRPr>
-          </a:p>
-        </p:txBody>
-      </p:sp>
-    </p:spTree>
-    <p:extLst>
-      <p:ext uri="{BB962C8B-B14F-4D97-AF65-F5344CB8AC3E}">
-        <p14:creationId xmlns:p14="http://schemas.microsoft.com/office/powerpoint/2010/main" val="3838513819"/>
-      </p:ext>
-    </p:extLst>
-  </p:cSld>
-  <p:clrMapOvr>
-    <a:masterClrMapping/>
-  </p:clrMapOvr>
-</p:sld>
-</file>
-
-<file path=ppt/slides/slide18.xml><?xml version="1.0" encoding="utf-8"?>
+<file path=ppt/slides/slide12.xml><?xml version="1.0" encoding="utf-8"?>
 <p:sld xmlns:a="http://schemas.openxmlformats.org/drawingml/2006/main" xmlns:r="http://schemas.openxmlformats.org/officeDocument/2006/relationships" xmlns:p="http://schemas.openxmlformats.org/presentationml/2006/main">
   <p:cSld>
     <p:spTree>
@@ -10117,7 +7482,7 @@
               <a:pPr>
                 <a:defRPr/>
               </a:pPr>
-              <a:t>18</a:t>
+              <a:t>12</a:t>
             </a:fld>
             <a:endParaRPr lang="en-US" dirty="0">
               <a:solidFill>
@@ -10140,7 +7505,7 @@
 </p:sld>
 </file>
 
-<file path=ppt/slides/slide19.xml><?xml version="1.0" encoding="utf-8"?>
+<file path=ppt/slides/slide13.xml><?xml version="1.0" encoding="utf-8"?>
 <p:sld xmlns:a="http://schemas.openxmlformats.org/drawingml/2006/main" xmlns:r="http://schemas.openxmlformats.org/officeDocument/2006/relationships" xmlns:p="http://schemas.openxmlformats.org/presentationml/2006/main">
   <p:cSld>
     <p:spTree>
@@ -10810,7 +8175,7 @@
               <a:pPr>
                 <a:defRPr/>
               </a:pPr>
-              <a:t>19</a:t>
+              <a:t>13</a:t>
             </a:fld>
             <a:endParaRPr lang="en-US" dirty="0">
               <a:solidFill>
@@ -10833,711 +8198,7 @@
 </p:sld>
 </file>
 
-<file path=ppt/slides/slide2.xml><?xml version="1.0" encoding="utf-8"?>
-<p:sld xmlns:a="http://schemas.openxmlformats.org/drawingml/2006/main" xmlns:r="http://schemas.openxmlformats.org/officeDocument/2006/relationships" xmlns:p="http://schemas.openxmlformats.org/presentationml/2006/main">
-  <p:cSld>
-    <p:spTree>
-      <p:nvGrpSpPr>
-        <p:cNvPr id="1" name=""/>
-        <p:cNvGrpSpPr/>
-        <p:nvPr/>
-      </p:nvGrpSpPr>
-      <p:grpSpPr>
-        <a:xfrm>
-          <a:off x="0" y="0"/>
-          <a:ext cx="0" cy="0"/>
-          <a:chOff x="0" y="0"/>
-          <a:chExt cx="0" cy="0"/>
-        </a:xfrm>
-      </p:grpSpPr>
-      <p:sp>
-        <p:nvSpPr>
-          <p:cNvPr id="2" name="Title 1">
-            <a:extLst>
-              <a:ext uri="{FF2B5EF4-FFF2-40B4-BE49-F238E27FC236}">
-                <a16:creationId xmlns:a16="http://schemas.microsoft.com/office/drawing/2014/main" id="{532DFCBE-841F-466C-91DE-AF252CD5E277}"/>
-              </a:ext>
-            </a:extLst>
-          </p:cNvPr>
-          <p:cNvSpPr>
-            <a:spLocks noGrp="1"/>
-          </p:cNvSpPr>
-          <p:nvPr>
-            <p:ph type="title"/>
-          </p:nvPr>
-        </p:nvSpPr>
-        <p:spPr>
-          <a:xfrm>
-            <a:off x="914400" y="76200"/>
-            <a:ext cx="7315200" cy="369332"/>
-          </a:xfrm>
-        </p:spPr>
-        <p:txBody>
-          <a:bodyPr/>
-          <a:lstStyle/>
-          <a:p>
-            <a:r>
-              <a:rPr lang="en-US" dirty="0"/>
-              <a:t>Two ways to code a link</a:t>
-            </a:r>
-          </a:p>
-        </p:txBody>
-      </p:sp>
-      <p:sp>
-        <p:nvSpPr>
-          <p:cNvPr id="3" name="Text Placeholder 2">
-            <a:extLst>
-              <a:ext uri="{FF2B5EF4-FFF2-40B4-BE49-F238E27FC236}">
-                <a16:creationId xmlns:a16="http://schemas.microsoft.com/office/drawing/2014/main" id="{FCB20CAC-36FB-498D-8060-CCD0A914ADAB}"/>
-              </a:ext>
-            </a:extLst>
-          </p:cNvPr>
-          <p:cNvSpPr>
-            <a:spLocks noGrp="1"/>
-          </p:cNvSpPr>
-          <p:nvPr>
-            <p:ph type="body" sz="quarter" idx="13"/>
-          </p:nvPr>
-        </p:nvSpPr>
-        <p:spPr>
-          <a:xfrm>
-            <a:off x="838200" y="518010"/>
-            <a:ext cx="7391400" cy="5577989"/>
-          </a:xfrm>
-        </p:spPr>
-        <p:txBody>
-          <a:bodyPr/>
-          <a:lstStyle/>
-          <a:p>
-            <a:pPr marL="347345" marR="0">
-              <a:spcBef>
-                <a:spcPts val="900"/>
-              </a:spcBef>
-              <a:spcAft>
-                <a:spcPts val="600"/>
-              </a:spcAft>
-              <a:tabLst>
-                <a:tab pos="1371600" algn="l"/>
-                <a:tab pos="2743200" algn="l"/>
-              </a:tabLst>
-            </a:pPr>
-            <a:r>
-              <a:rPr lang="en-US" b="1" spc="-10" dirty="0">
-                <a:solidFill>
-                  <a:srgbClr val="000099"/>
-                </a:solidFill>
-                <a:latin typeface="Arial" panose="020B0604020202020204" pitchFamily="34" charset="0"/>
-                <a:ea typeface="Times New Roman" panose="02020603050405020304" pitchFamily="18" charset="0"/>
-                <a:cs typeface="Times New Roman" panose="02020603050405020304" pitchFamily="18" charset="0"/>
-              </a:rPr>
-              <a:t>Use HTML to hard code the URL in the </a:t>
-            </a:r>
-            <a:r>
-              <a:rPr lang="en-US" b="1" spc="-10" dirty="0" err="1">
-                <a:solidFill>
-                  <a:srgbClr val="000099"/>
-                </a:solidFill>
-                <a:latin typeface="Arial" panose="020B0604020202020204" pitchFamily="34" charset="0"/>
-                <a:ea typeface="Times New Roman" panose="02020603050405020304" pitchFamily="18" charset="0"/>
-                <a:cs typeface="Times New Roman" panose="02020603050405020304" pitchFamily="18" charset="0"/>
-              </a:rPr>
-              <a:t>href</a:t>
-            </a:r>
-            <a:r>
-              <a:rPr lang="en-US" b="1" spc="-10" dirty="0">
-                <a:solidFill>
-                  <a:srgbClr val="000099"/>
-                </a:solidFill>
-                <a:latin typeface="Arial" panose="020B0604020202020204" pitchFamily="34" charset="0"/>
-                <a:ea typeface="Times New Roman" panose="02020603050405020304" pitchFamily="18" charset="0"/>
-                <a:cs typeface="Times New Roman" panose="02020603050405020304" pitchFamily="18" charset="0"/>
-              </a:rPr>
-              <a:t> attribute</a:t>
-            </a:r>
-          </a:p>
-          <a:p>
-            <a:pPr marL="347345" marR="0">
-              <a:spcBef>
-                <a:spcPts val="0"/>
-              </a:spcBef>
-              <a:spcAft>
-                <a:spcPts val="0"/>
-              </a:spcAft>
-              <a:tabLst>
-                <a:tab pos="1371600" algn="l"/>
-              </a:tabLst>
-            </a:pPr>
-            <a:r>
-              <a:rPr lang="en-US" sz="1600" b="1" dirty="0">
-                <a:latin typeface="Courier New" panose="02070309020205020404" pitchFamily="49" charset="0"/>
-                <a:ea typeface="Times New Roman" panose="02020603050405020304" pitchFamily="18" charset="0"/>
-                <a:cs typeface="Times New Roman" panose="02020603050405020304" pitchFamily="18" charset="0"/>
-              </a:rPr>
-              <a:t>&lt;a </a:t>
-            </a:r>
-            <a:r>
-              <a:rPr lang="en-US" sz="1600" b="1" dirty="0" err="1">
-                <a:highlight>
-                  <a:srgbClr val="FFFF00"/>
-                </a:highlight>
-                <a:latin typeface="Courier New" panose="02070309020205020404" pitchFamily="49" charset="0"/>
-                <a:ea typeface="Times New Roman" panose="02020603050405020304" pitchFamily="18" charset="0"/>
-                <a:cs typeface="Times New Roman" panose="02020603050405020304" pitchFamily="18" charset="0"/>
-              </a:rPr>
-              <a:t>href</a:t>
-            </a:r>
-            <a:r>
-              <a:rPr lang="en-US" sz="1600" b="1" dirty="0">
-                <a:highlight>
-                  <a:srgbClr val="FFFF00"/>
-                </a:highlight>
-                <a:latin typeface="Courier New" panose="02070309020205020404" pitchFamily="49" charset="0"/>
-                <a:ea typeface="Times New Roman" panose="02020603050405020304" pitchFamily="18" charset="0"/>
-                <a:cs typeface="Times New Roman" panose="02020603050405020304" pitchFamily="18" charset="0"/>
-              </a:rPr>
-              <a:t>=</a:t>
-            </a:r>
-            <a:r>
-              <a:rPr lang="en-US" sz="1600" b="1" dirty="0">
-                <a:latin typeface="Courier New" panose="02070309020205020404" pitchFamily="49" charset="0"/>
-                <a:ea typeface="Times New Roman" panose="02020603050405020304" pitchFamily="18" charset="0"/>
-                <a:cs typeface="Times New Roman" panose="02020603050405020304" pitchFamily="18" charset="0"/>
-              </a:rPr>
-              <a:t>"/Product/List/Guitars"&gt;View guitars&lt;/a&gt;</a:t>
-            </a:r>
-          </a:p>
-          <a:p>
-            <a:pPr marL="347345" marR="0">
-              <a:spcBef>
-                <a:spcPts val="900"/>
-              </a:spcBef>
-              <a:spcAft>
-                <a:spcPts val="600"/>
-              </a:spcAft>
-              <a:tabLst>
-                <a:tab pos="1371600" algn="l"/>
-                <a:tab pos="2743200" algn="l"/>
-              </a:tabLst>
-            </a:pPr>
-            <a:r>
-              <a:rPr lang="en-US" b="1" spc="-10" dirty="0">
-                <a:solidFill>
-                  <a:srgbClr val="000099"/>
-                </a:solidFill>
-                <a:latin typeface="Arial" panose="020B0604020202020204" pitchFamily="34" charset="0"/>
-                <a:ea typeface="Times New Roman" panose="02020603050405020304" pitchFamily="18" charset="0"/>
-                <a:cs typeface="Times New Roman" panose="02020603050405020304" pitchFamily="18" charset="0"/>
-              </a:rPr>
-              <a:t>Use ASP.NET tag helpers to generate the URL</a:t>
-            </a:r>
-          </a:p>
-          <a:p>
-            <a:pPr marL="347345" marR="0">
-              <a:spcBef>
-                <a:spcPts val="0"/>
-              </a:spcBef>
-              <a:spcAft>
-                <a:spcPts val="0"/>
-              </a:spcAft>
-              <a:tabLst>
-                <a:tab pos="1371600" algn="l"/>
-              </a:tabLst>
-            </a:pPr>
-            <a:r>
-              <a:rPr lang="en-US" sz="1600" b="1" dirty="0">
-                <a:latin typeface="Courier New" panose="02070309020205020404" pitchFamily="49" charset="0"/>
-                <a:ea typeface="Times New Roman" panose="02020603050405020304" pitchFamily="18" charset="0"/>
-                <a:cs typeface="Times New Roman" panose="02020603050405020304" pitchFamily="18" charset="0"/>
-              </a:rPr>
-              <a:t>&lt;a </a:t>
-            </a:r>
-            <a:r>
-              <a:rPr lang="en-US" sz="1600" b="1" dirty="0">
-                <a:highlight>
-                  <a:srgbClr val="FFFF00"/>
-                </a:highlight>
-                <a:latin typeface="Courier New" panose="02070309020205020404" pitchFamily="49" charset="0"/>
-                <a:ea typeface="Times New Roman" panose="02020603050405020304" pitchFamily="18" charset="0"/>
-                <a:cs typeface="Times New Roman" panose="02020603050405020304" pitchFamily="18" charset="0"/>
-              </a:rPr>
-              <a:t>asp-controller=</a:t>
-            </a:r>
-            <a:r>
-              <a:rPr lang="en-US" sz="1600" b="1" dirty="0">
-                <a:latin typeface="Courier New" panose="02070309020205020404" pitchFamily="49" charset="0"/>
-                <a:ea typeface="Times New Roman" panose="02020603050405020304" pitchFamily="18" charset="0"/>
-                <a:cs typeface="Times New Roman" panose="02020603050405020304" pitchFamily="18" charset="0"/>
-              </a:rPr>
-              <a:t>"Product" </a:t>
-            </a:r>
-            <a:r>
-              <a:rPr lang="en-US" sz="1600" b="1" dirty="0">
-                <a:highlight>
-                  <a:srgbClr val="FFFF00"/>
-                </a:highlight>
-                <a:latin typeface="Courier New" panose="02070309020205020404" pitchFamily="49" charset="0"/>
-                <a:ea typeface="Times New Roman" panose="02020603050405020304" pitchFamily="18" charset="0"/>
-                <a:cs typeface="Times New Roman" panose="02020603050405020304" pitchFamily="18" charset="0"/>
-              </a:rPr>
-              <a:t>asp-action=</a:t>
-            </a:r>
-            <a:r>
-              <a:rPr lang="en-US" sz="1600" b="1" dirty="0">
-                <a:latin typeface="Courier New" panose="02070309020205020404" pitchFamily="49" charset="0"/>
-                <a:ea typeface="Times New Roman" panose="02020603050405020304" pitchFamily="18" charset="0"/>
-                <a:cs typeface="Times New Roman" panose="02020603050405020304" pitchFamily="18" charset="0"/>
-              </a:rPr>
-              <a:t>"List" </a:t>
-            </a:r>
-          </a:p>
-          <a:p>
-            <a:pPr marL="347345" marR="0">
-              <a:spcBef>
-                <a:spcPts val="0"/>
-              </a:spcBef>
-              <a:spcAft>
-                <a:spcPts val="0"/>
-              </a:spcAft>
-              <a:tabLst>
-                <a:tab pos="1371600" algn="l"/>
-              </a:tabLst>
-            </a:pPr>
-            <a:r>
-              <a:rPr lang="en-US" sz="1600" b="1" dirty="0">
-                <a:latin typeface="Courier New" panose="02070309020205020404" pitchFamily="49" charset="0"/>
-                <a:ea typeface="Times New Roman" panose="02020603050405020304" pitchFamily="18" charset="0"/>
-                <a:cs typeface="Times New Roman" panose="02020603050405020304" pitchFamily="18" charset="0"/>
-              </a:rPr>
-              <a:t>   </a:t>
-            </a:r>
-            <a:r>
-              <a:rPr lang="en-US" sz="1600" b="1" dirty="0">
-                <a:highlight>
-                  <a:srgbClr val="FFFF00"/>
-                </a:highlight>
-                <a:latin typeface="Courier New" panose="02070309020205020404" pitchFamily="49" charset="0"/>
-                <a:ea typeface="Times New Roman" panose="02020603050405020304" pitchFamily="18" charset="0"/>
-                <a:cs typeface="Times New Roman" panose="02020603050405020304" pitchFamily="18" charset="0"/>
-              </a:rPr>
-              <a:t>asp-route-id</a:t>
-            </a:r>
-            <a:r>
-              <a:rPr lang="en-US" sz="1600" b="1" dirty="0">
-                <a:latin typeface="Courier New" panose="02070309020205020404" pitchFamily="49" charset="0"/>
-                <a:ea typeface="Times New Roman" panose="02020603050405020304" pitchFamily="18" charset="0"/>
-                <a:cs typeface="Times New Roman" panose="02020603050405020304" pitchFamily="18" charset="0"/>
-              </a:rPr>
-              <a:t>="Guitars"&gt;View guitars&lt;/a&gt;</a:t>
-            </a:r>
-          </a:p>
-          <a:p>
-            <a:pPr>
-              <a:spcBef>
-                <a:spcPts val="1500"/>
-              </a:spcBef>
-              <a:spcAft>
-                <a:spcPts val="600"/>
-              </a:spcAft>
-              <a:tabLst>
-                <a:tab pos="1371600" algn="l"/>
-              </a:tabLst>
-            </a:pPr>
-            <a:r>
-              <a:rPr lang="en-US" sz="2400" b="1" dirty="0">
-                <a:solidFill>
-                  <a:srgbClr val="000099"/>
-                </a:solidFill>
-                <a:latin typeface="Arial" panose="020B0604020202020204" pitchFamily="34" charset="0"/>
-                <a:ea typeface="Times New Roman" panose="02020603050405020304" pitchFamily="18" charset="0"/>
-                <a:cs typeface="Times New Roman" panose="02020603050405020304" pitchFamily="18" charset="0"/>
-              </a:rPr>
-              <a:t>The URL for both links</a:t>
-            </a:r>
-          </a:p>
-          <a:p>
-            <a:pPr marL="347345" marR="0">
-              <a:spcBef>
-                <a:spcPts val="0"/>
-              </a:spcBef>
-              <a:spcAft>
-                <a:spcPts val="0"/>
-              </a:spcAft>
-              <a:tabLst>
-                <a:tab pos="1371600" algn="l"/>
-              </a:tabLst>
-            </a:pPr>
-            <a:r>
-              <a:rPr lang="en-US" sz="1600" b="1" dirty="0">
-                <a:latin typeface="Courier New" panose="02070309020205020404" pitchFamily="49" charset="0"/>
-                <a:ea typeface="Times New Roman" panose="02020603050405020304" pitchFamily="18" charset="0"/>
-                <a:cs typeface="Times New Roman" panose="02020603050405020304" pitchFamily="18" charset="0"/>
-              </a:rPr>
-              <a:t>/Product/List/Guitars</a:t>
-            </a:r>
-          </a:p>
-          <a:p>
-            <a:pPr marL="347345" marR="0">
-              <a:spcBef>
-                <a:spcPts val="0"/>
-              </a:spcBef>
-              <a:spcAft>
-                <a:spcPts val="0"/>
-              </a:spcAft>
-              <a:tabLst>
-                <a:tab pos="1371600" algn="l"/>
-              </a:tabLst>
-            </a:pPr>
-            <a:endParaRPr lang="en-US" sz="1600" b="1" dirty="0">
-              <a:latin typeface="Courier New" panose="02070309020205020404" pitchFamily="49" charset="0"/>
-              <a:ea typeface="Times New Roman" panose="02020603050405020304" pitchFamily="18" charset="0"/>
-              <a:cs typeface="Times New Roman" panose="02020603050405020304" pitchFamily="18" charset="0"/>
-            </a:endParaRPr>
-          </a:p>
-          <a:p>
-            <a:pPr>
-              <a:spcBef>
-                <a:spcPts val="1500"/>
-              </a:spcBef>
-              <a:spcAft>
-                <a:spcPts val="600"/>
-              </a:spcAft>
-              <a:tabLst>
-                <a:tab pos="1371600" algn="l"/>
-              </a:tabLst>
-            </a:pPr>
-            <a:r>
-              <a:rPr lang="en-US" sz="2400" b="1" dirty="0">
-                <a:solidFill>
-                  <a:srgbClr val="000099"/>
-                </a:solidFill>
-                <a:latin typeface="Arial" panose="020B0604020202020204" pitchFamily="34" charset="0"/>
-                <a:ea typeface="Times New Roman" panose="02020603050405020304" pitchFamily="18" charset="0"/>
-                <a:cs typeface="Times New Roman" panose="02020603050405020304" pitchFamily="18" charset="0"/>
-              </a:rPr>
-              <a:t>A link that specifies a route parameter </a:t>
-            </a:r>
-            <a:br>
-              <a:rPr lang="en-US" sz="2400" b="1" dirty="0">
-                <a:solidFill>
-                  <a:srgbClr val="000099"/>
-                </a:solidFill>
-                <a:latin typeface="Arial" panose="020B0604020202020204" pitchFamily="34" charset="0"/>
-                <a:ea typeface="Times New Roman" panose="02020603050405020304" pitchFamily="18" charset="0"/>
-                <a:cs typeface="Times New Roman" panose="02020603050405020304" pitchFamily="18" charset="0"/>
-              </a:rPr>
-            </a:br>
-            <a:r>
-              <a:rPr lang="en-US" sz="2400" b="1" dirty="0">
-                <a:solidFill>
-                  <a:srgbClr val="000099"/>
-                </a:solidFill>
-                <a:latin typeface="Arial" panose="020B0604020202020204" pitchFamily="34" charset="0"/>
-                <a:ea typeface="Times New Roman" panose="02020603050405020304" pitchFamily="18" charset="0"/>
-                <a:cs typeface="Times New Roman" panose="02020603050405020304" pitchFamily="18" charset="0"/>
-              </a:rPr>
-              <a:t>that doesn’t exist</a:t>
-            </a:r>
-          </a:p>
-          <a:p>
-            <a:pPr marL="347345" marR="0">
-              <a:spcBef>
-                <a:spcPts val="0"/>
-              </a:spcBef>
-              <a:spcAft>
-                <a:spcPts val="0"/>
-              </a:spcAft>
-              <a:tabLst>
-                <a:tab pos="1371600" algn="l"/>
-              </a:tabLst>
-            </a:pPr>
-            <a:r>
-              <a:rPr lang="en-US" sz="1600" b="1" dirty="0">
-                <a:latin typeface="Courier New" panose="02070309020205020404" pitchFamily="49" charset="0"/>
-                <a:ea typeface="Times New Roman" panose="02020603050405020304" pitchFamily="18" charset="0"/>
-                <a:cs typeface="Times New Roman" panose="02020603050405020304" pitchFamily="18" charset="0"/>
-              </a:rPr>
-              <a:t>&lt;a asp-controller="Product" asp-action="List" </a:t>
-            </a:r>
-          </a:p>
-          <a:p>
-            <a:pPr marL="347345" marR="0">
-              <a:spcBef>
-                <a:spcPts val="0"/>
-              </a:spcBef>
-              <a:spcAft>
-                <a:spcPts val="0"/>
-              </a:spcAft>
-              <a:tabLst>
-                <a:tab pos="1371600" algn="l"/>
-              </a:tabLst>
-            </a:pPr>
-            <a:r>
-              <a:rPr lang="en-US" sz="1600" b="1" dirty="0">
-                <a:latin typeface="Courier New" panose="02070309020205020404" pitchFamily="49" charset="0"/>
-                <a:ea typeface="Times New Roman" panose="02020603050405020304" pitchFamily="18" charset="0"/>
-                <a:cs typeface="Times New Roman" panose="02020603050405020304" pitchFamily="18" charset="0"/>
-              </a:rPr>
-              <a:t>   asp-route-page="1" asp-route-</a:t>
-            </a:r>
-            <a:r>
-              <a:rPr lang="en-US" sz="1600" b="1" dirty="0" err="1">
-                <a:latin typeface="Courier New" panose="02070309020205020404" pitchFamily="49" charset="0"/>
-                <a:ea typeface="Times New Roman" panose="02020603050405020304" pitchFamily="18" charset="0"/>
-                <a:cs typeface="Times New Roman" panose="02020603050405020304" pitchFamily="18" charset="0"/>
-              </a:rPr>
-              <a:t>sort_by</a:t>
-            </a:r>
-            <a:r>
-              <a:rPr lang="en-US" sz="1600" b="1" dirty="0">
-                <a:latin typeface="Courier New" panose="02070309020205020404" pitchFamily="49" charset="0"/>
-                <a:ea typeface="Times New Roman" panose="02020603050405020304" pitchFamily="18" charset="0"/>
-                <a:cs typeface="Times New Roman" panose="02020603050405020304" pitchFamily="18" charset="0"/>
-              </a:rPr>
-              <a:t>="price"&gt;</a:t>
-            </a:r>
-          </a:p>
-          <a:p>
-            <a:pPr marL="347345" marR="0">
-              <a:spcBef>
-                <a:spcPts val="0"/>
-              </a:spcBef>
-              <a:spcAft>
-                <a:spcPts val="0"/>
-              </a:spcAft>
-              <a:tabLst>
-                <a:tab pos="1371600" algn="l"/>
-              </a:tabLst>
-            </a:pPr>
-            <a:r>
-              <a:rPr lang="en-US" sz="1600" b="1" dirty="0">
-                <a:latin typeface="Courier New" panose="02070309020205020404" pitchFamily="49" charset="0"/>
-                <a:ea typeface="Times New Roman" panose="02020603050405020304" pitchFamily="18" charset="0"/>
-                <a:cs typeface="Times New Roman" panose="02020603050405020304" pitchFamily="18" charset="0"/>
-              </a:rPr>
-              <a:t>   Products - Page 1&lt;/a&gt;</a:t>
-            </a:r>
-          </a:p>
-          <a:p>
-            <a:pPr>
-              <a:spcBef>
-                <a:spcPts val="1500"/>
-              </a:spcBef>
-              <a:spcAft>
-                <a:spcPts val="600"/>
-              </a:spcAft>
-              <a:tabLst>
-                <a:tab pos="1371600" algn="l"/>
-              </a:tabLst>
-            </a:pPr>
-            <a:r>
-              <a:rPr lang="en-US" sz="2400" b="1" dirty="0">
-                <a:solidFill>
-                  <a:srgbClr val="000099"/>
-                </a:solidFill>
-                <a:latin typeface="Arial" panose="020B0604020202020204" pitchFamily="34" charset="0"/>
-                <a:ea typeface="Times New Roman" panose="02020603050405020304" pitchFamily="18" charset="0"/>
-                <a:cs typeface="Times New Roman" panose="02020603050405020304" pitchFamily="18" charset="0"/>
-              </a:rPr>
-              <a:t>The URL that’s generated</a:t>
-            </a:r>
-          </a:p>
-          <a:p>
-            <a:pPr marL="347345" marR="0">
-              <a:spcBef>
-                <a:spcPts val="0"/>
-              </a:spcBef>
-              <a:spcAft>
-                <a:spcPts val="0"/>
-              </a:spcAft>
-              <a:tabLst>
-                <a:tab pos="1371600" algn="l"/>
-              </a:tabLst>
-            </a:pPr>
-            <a:r>
-              <a:rPr lang="en-US" sz="1600" b="1" dirty="0">
-                <a:latin typeface="Courier New" panose="02070309020205020404" pitchFamily="49" charset="0"/>
-                <a:ea typeface="Times New Roman" panose="02020603050405020304" pitchFamily="18" charset="0"/>
-                <a:cs typeface="Times New Roman" panose="02020603050405020304" pitchFamily="18" charset="0"/>
-              </a:rPr>
-              <a:t>/Product/</a:t>
-            </a:r>
-            <a:r>
-              <a:rPr lang="en-US" sz="1600" b="1" dirty="0" err="1">
-                <a:latin typeface="Courier New" panose="02070309020205020404" pitchFamily="49" charset="0"/>
-                <a:ea typeface="Times New Roman" panose="02020603050405020304" pitchFamily="18" charset="0"/>
-                <a:cs typeface="Times New Roman" panose="02020603050405020304" pitchFamily="18" charset="0"/>
-              </a:rPr>
-              <a:t>List?page</a:t>
-            </a:r>
-            <a:r>
-              <a:rPr lang="en-US" sz="1600" b="1" dirty="0">
-                <a:latin typeface="Courier New" panose="02070309020205020404" pitchFamily="49" charset="0"/>
-                <a:ea typeface="Times New Roman" panose="02020603050405020304" pitchFamily="18" charset="0"/>
-                <a:cs typeface="Times New Roman" panose="02020603050405020304" pitchFamily="18" charset="0"/>
-              </a:rPr>
-              <a:t>=1&amp;sort_by=price</a:t>
-            </a:r>
-          </a:p>
-          <a:p>
-            <a:pPr marL="347345" marR="0">
-              <a:spcBef>
-                <a:spcPts val="0"/>
-              </a:spcBef>
-              <a:spcAft>
-                <a:spcPts val="0"/>
-              </a:spcAft>
-              <a:tabLst>
-                <a:tab pos="1371600" algn="l"/>
-              </a:tabLst>
-            </a:pPr>
-            <a:endParaRPr lang="en-US" sz="1600" b="1" dirty="0">
-              <a:latin typeface="Courier New" panose="02070309020205020404" pitchFamily="49" charset="0"/>
-              <a:ea typeface="Times New Roman" panose="02020603050405020304" pitchFamily="18" charset="0"/>
-              <a:cs typeface="Times New Roman" panose="02020603050405020304" pitchFamily="18" charset="0"/>
-            </a:endParaRPr>
-          </a:p>
-          <a:p>
-            <a:endParaRPr lang="en-US" sz="1600" dirty="0"/>
-          </a:p>
-        </p:txBody>
-      </p:sp>
-      <p:sp>
-        <p:nvSpPr>
-          <p:cNvPr id="4" name="Date Placeholder 3">
-            <a:extLst>
-              <a:ext uri="{FF2B5EF4-FFF2-40B4-BE49-F238E27FC236}">
-                <a16:creationId xmlns:a16="http://schemas.microsoft.com/office/drawing/2014/main" id="{7F6B7CCB-03DB-43C5-9B77-F252DB0B2ED0}"/>
-              </a:ext>
-            </a:extLst>
-          </p:cNvPr>
-          <p:cNvSpPr>
-            <a:spLocks noGrp="1"/>
-          </p:cNvSpPr>
-          <p:nvPr>
-            <p:ph type="dt" sz="half" idx="10"/>
-          </p:nvPr>
-        </p:nvSpPr>
-        <p:spPr/>
-        <p:txBody>
-          <a:bodyPr/>
-          <a:lstStyle/>
-          <a:p>
-            <a:pPr>
-              <a:defRPr/>
-            </a:pPr>
-            <a:r>
-              <a:rPr lang="en-US"/>
-              <a:t>Murach's ASP.NET Core MVC</a:t>
-            </a:r>
-            <a:endParaRPr lang="en-US" dirty="0"/>
-          </a:p>
-        </p:txBody>
-      </p:sp>
-      <p:sp>
-        <p:nvSpPr>
-          <p:cNvPr id="5" name="Footer Placeholder 4">
-            <a:extLst>
-              <a:ext uri="{FF2B5EF4-FFF2-40B4-BE49-F238E27FC236}">
-                <a16:creationId xmlns:a16="http://schemas.microsoft.com/office/drawing/2014/main" id="{88969823-8208-4096-AD6E-CACC309EBD78}"/>
-              </a:ext>
-            </a:extLst>
-          </p:cNvPr>
-          <p:cNvSpPr>
-            <a:spLocks noGrp="1"/>
-          </p:cNvSpPr>
-          <p:nvPr>
-            <p:ph type="ftr" sz="quarter" idx="11"/>
-          </p:nvPr>
-        </p:nvSpPr>
-        <p:spPr/>
-        <p:txBody>
-          <a:bodyPr/>
-          <a:lstStyle/>
-          <a:p>
-            <a:pPr>
-              <a:defRPr/>
-            </a:pPr>
-            <a:r>
-              <a:rPr lang="en-US"/>
-              <a:t>© 2020, Mike Murach &amp; Associates, Inc.</a:t>
-            </a:r>
-            <a:endParaRPr lang="en-US" dirty="0"/>
-          </a:p>
-        </p:txBody>
-      </p:sp>
-      <p:sp>
-        <p:nvSpPr>
-          <p:cNvPr id="6" name="Slide Number Placeholder 5">
-            <a:extLst>
-              <a:ext uri="{FF2B5EF4-FFF2-40B4-BE49-F238E27FC236}">
-                <a16:creationId xmlns:a16="http://schemas.microsoft.com/office/drawing/2014/main" id="{684B9EE4-62CB-4F11-A12B-79BF846F6F1E}"/>
-              </a:ext>
-            </a:extLst>
-          </p:cNvPr>
-          <p:cNvSpPr>
-            <a:spLocks noGrp="1"/>
-          </p:cNvSpPr>
-          <p:nvPr>
-            <p:ph type="sldNum" sz="quarter" idx="12"/>
-          </p:nvPr>
-        </p:nvSpPr>
-        <p:spPr/>
-        <p:txBody>
-          <a:bodyPr/>
-          <a:lstStyle/>
-          <a:p>
-            <a:pPr algn="l">
-              <a:defRPr/>
-            </a:pPr>
-            <a:endParaRPr lang="en-US" sz="1400">
-              <a:latin typeface="Times New Roman"/>
-            </a:endParaRPr>
-          </a:p>
-          <a:p>
-            <a:pPr>
-              <a:defRPr/>
-            </a:pPr>
-            <a:r>
-              <a:rPr lang="en-US">
-                <a:solidFill>
-                  <a:schemeClr val="bg1"/>
-                </a:solidFill>
-              </a:rPr>
-              <a:t>C7, Slide </a:t>
-            </a:r>
-            <a:fld id="{BF5C1183-B085-4070-A402-C03A3F977D3D}" type="slidenum">
-              <a:rPr lang="en-US" smtClean="0">
-                <a:solidFill>
-                  <a:schemeClr val="bg1"/>
-                </a:solidFill>
-              </a:rPr>
-              <a:pPr>
-                <a:defRPr/>
-              </a:pPr>
-              <a:t>2</a:t>
-            </a:fld>
-            <a:endParaRPr lang="en-US" dirty="0">
-              <a:solidFill>
-                <a:schemeClr val="bg1"/>
-              </a:solidFill>
-            </a:endParaRPr>
-          </a:p>
-        </p:txBody>
-      </p:sp>
-    </p:spTree>
-    <p:extLst>
-      <p:ext uri="{BB962C8B-B14F-4D97-AF65-F5344CB8AC3E}">
-        <p14:creationId xmlns:p14="http://schemas.microsoft.com/office/powerpoint/2010/main" val="3285144625"/>
-      </p:ext>
-    </p:extLst>
-  </p:cSld>
-  <p:clrMapOvr>
-    <a:masterClrMapping/>
-  </p:clrMapOvr>
-</p:sld>
-</file>
-
-<file path=ppt/slides/slide20.xml><?xml version="1.0" encoding="utf-8"?>
+<file path=ppt/slides/slide14.xml><?xml version="1.0" encoding="utf-8"?>
 <p:sld xmlns:a="http://schemas.openxmlformats.org/drawingml/2006/main" xmlns:r="http://schemas.openxmlformats.org/officeDocument/2006/relationships" xmlns:p="http://schemas.openxmlformats.org/presentationml/2006/main">
   <p:cSld>
     <p:spTree>
@@ -12274,7 +8935,7 @@
               <a:pPr>
                 <a:defRPr/>
               </a:pPr>
-              <a:t>20</a:t>
+              <a:t>14</a:t>
             </a:fld>
             <a:endParaRPr lang="en-US" dirty="0">
               <a:solidFill>
@@ -12297,7 +8958,7 @@
 </p:sld>
 </file>
 
-<file path=ppt/slides/slide21.xml><?xml version="1.0" encoding="utf-8"?>
+<file path=ppt/slides/slide15.xml><?xml version="1.0" encoding="utf-8"?>
 <p:sld xmlns:a="http://schemas.openxmlformats.org/drawingml/2006/main" xmlns:r="http://schemas.openxmlformats.org/officeDocument/2006/relationships" xmlns:p="http://schemas.openxmlformats.org/presentationml/2006/main">
   <p:cSld>
     <p:spTree>
@@ -13125,7 +9786,7 @@
               <a:pPr>
                 <a:defRPr/>
               </a:pPr>
-              <a:t>21</a:t>
+              <a:t>15</a:t>
             </a:fld>
             <a:endParaRPr lang="en-US" dirty="0">
               <a:solidFill>
@@ -13148,7 +9809,7 @@
 </p:sld>
 </file>
 
-<file path=ppt/slides/slide22.xml><?xml version="1.0" encoding="utf-8"?>
+<file path=ppt/slides/slide16.xml><?xml version="1.0" encoding="utf-8"?>
 <p:sld xmlns:a="http://schemas.openxmlformats.org/drawingml/2006/main" xmlns:r="http://schemas.openxmlformats.org/officeDocument/2006/relationships" xmlns:p="http://schemas.openxmlformats.org/presentationml/2006/main">
   <p:cSld>
     <p:spTree>
@@ -13343,7 +10004,7 @@
               <a:pPr>
                 <a:defRPr/>
               </a:pPr>
-              <a:t>22</a:t>
+              <a:t>16</a:t>
             </a:fld>
             <a:endParaRPr lang="en-US" dirty="0">
               <a:solidFill>
@@ -13366,7 +10027,7 @@
 </p:sld>
 </file>
 
-<file path=ppt/slides/slide23.xml><?xml version="1.0" encoding="utf-8"?>
+<file path=ppt/slides/slide17.xml><?xml version="1.0" encoding="utf-8"?>
 <p:sld xmlns:a="http://schemas.openxmlformats.org/drawingml/2006/main" xmlns:r="http://schemas.openxmlformats.org/officeDocument/2006/relationships" xmlns:p="http://schemas.openxmlformats.org/presentationml/2006/main">
   <p:cSld>
     <p:spTree>
@@ -14061,7 +10722,7 @@
               <a:pPr>
                 <a:defRPr/>
               </a:pPr>
-              <a:t>23</a:t>
+              <a:t>17</a:t>
             </a:fld>
             <a:endParaRPr lang="en-US" dirty="0">
               <a:solidFill>
@@ -14084,7 +10745,7 @@
 </p:sld>
 </file>
 
-<file path=ppt/slides/slide24.xml><?xml version="1.0" encoding="utf-8"?>
+<file path=ppt/slides/slide18.xml><?xml version="1.0" encoding="utf-8"?>
 <p:sld xmlns:a="http://schemas.openxmlformats.org/drawingml/2006/main" xmlns:r="http://schemas.openxmlformats.org/officeDocument/2006/relationships" xmlns:p="http://schemas.openxmlformats.org/presentationml/2006/main">
   <p:cSld>
     <p:spTree>
@@ -14530,7 +11191,7 @@
               <a:pPr>
                 <a:defRPr/>
               </a:pPr>
-              <a:t>24</a:t>
+              <a:t>18</a:t>
             </a:fld>
             <a:endParaRPr lang="en-US" dirty="0">
               <a:solidFill>
@@ -14553,7 +11214,7 @@
 </p:sld>
 </file>
 
-<file path=ppt/slides/slide25.xml><?xml version="1.0" encoding="utf-8"?>
+<file path=ppt/slides/slide19.xml><?xml version="1.0" encoding="utf-8"?>
 <p:sld xmlns:a="http://schemas.openxmlformats.org/drawingml/2006/main" xmlns:r="http://schemas.openxmlformats.org/officeDocument/2006/relationships" xmlns:p="http://schemas.openxmlformats.org/presentationml/2006/main">
   <p:cSld>
     <p:spTree>
@@ -15025,7 +11686,7 @@
               <a:pPr>
                 <a:defRPr/>
               </a:pPr>
-              <a:t>25</a:t>
+              <a:t>19</a:t>
             </a:fld>
             <a:endParaRPr lang="en-US" dirty="0">
               <a:solidFill>
@@ -15048,7 +11709,711 @@
 </p:sld>
 </file>
 
-<file path=ppt/slides/slide26.xml><?xml version="1.0" encoding="utf-8"?>
+<file path=ppt/slides/slide2.xml><?xml version="1.0" encoding="utf-8"?>
+<p:sld xmlns:a="http://schemas.openxmlformats.org/drawingml/2006/main" xmlns:r="http://schemas.openxmlformats.org/officeDocument/2006/relationships" xmlns:p="http://schemas.openxmlformats.org/presentationml/2006/main">
+  <p:cSld>
+    <p:spTree>
+      <p:nvGrpSpPr>
+        <p:cNvPr id="1" name=""/>
+        <p:cNvGrpSpPr/>
+        <p:nvPr/>
+      </p:nvGrpSpPr>
+      <p:grpSpPr>
+        <a:xfrm>
+          <a:off x="0" y="0"/>
+          <a:ext cx="0" cy="0"/>
+          <a:chOff x="0" y="0"/>
+          <a:chExt cx="0" cy="0"/>
+        </a:xfrm>
+      </p:grpSpPr>
+      <p:sp>
+        <p:nvSpPr>
+          <p:cNvPr id="2" name="Title 1">
+            <a:extLst>
+              <a:ext uri="{FF2B5EF4-FFF2-40B4-BE49-F238E27FC236}">
+                <a16:creationId xmlns:a16="http://schemas.microsoft.com/office/drawing/2014/main" id="{532DFCBE-841F-466C-91DE-AF252CD5E277}"/>
+              </a:ext>
+            </a:extLst>
+          </p:cNvPr>
+          <p:cNvSpPr>
+            <a:spLocks noGrp="1"/>
+          </p:cNvSpPr>
+          <p:nvPr>
+            <p:ph type="title"/>
+          </p:nvPr>
+        </p:nvSpPr>
+        <p:spPr>
+          <a:xfrm>
+            <a:off x="914400" y="76200"/>
+            <a:ext cx="7315200" cy="369332"/>
+          </a:xfrm>
+        </p:spPr>
+        <p:txBody>
+          <a:bodyPr/>
+          <a:lstStyle/>
+          <a:p>
+            <a:r>
+              <a:rPr lang="en-US" dirty="0"/>
+              <a:t>Two ways to code a link</a:t>
+            </a:r>
+          </a:p>
+        </p:txBody>
+      </p:sp>
+      <p:sp>
+        <p:nvSpPr>
+          <p:cNvPr id="3" name="Text Placeholder 2">
+            <a:extLst>
+              <a:ext uri="{FF2B5EF4-FFF2-40B4-BE49-F238E27FC236}">
+                <a16:creationId xmlns:a16="http://schemas.microsoft.com/office/drawing/2014/main" id="{FCB20CAC-36FB-498D-8060-CCD0A914ADAB}"/>
+              </a:ext>
+            </a:extLst>
+          </p:cNvPr>
+          <p:cNvSpPr>
+            <a:spLocks noGrp="1"/>
+          </p:cNvSpPr>
+          <p:nvPr>
+            <p:ph type="body" sz="quarter" idx="13"/>
+          </p:nvPr>
+        </p:nvSpPr>
+        <p:spPr>
+          <a:xfrm>
+            <a:off x="838200" y="518010"/>
+            <a:ext cx="7391400" cy="5577989"/>
+          </a:xfrm>
+        </p:spPr>
+        <p:txBody>
+          <a:bodyPr/>
+          <a:lstStyle/>
+          <a:p>
+            <a:pPr marL="347345" marR="0">
+              <a:spcBef>
+                <a:spcPts val="900"/>
+              </a:spcBef>
+              <a:spcAft>
+                <a:spcPts val="600"/>
+              </a:spcAft>
+              <a:tabLst>
+                <a:tab pos="1371600" algn="l"/>
+                <a:tab pos="2743200" algn="l"/>
+              </a:tabLst>
+            </a:pPr>
+            <a:r>
+              <a:rPr lang="en-US" b="1" spc="-10" dirty="0">
+                <a:solidFill>
+                  <a:srgbClr val="000099"/>
+                </a:solidFill>
+                <a:latin typeface="Arial" panose="020B0604020202020204" pitchFamily="34" charset="0"/>
+                <a:ea typeface="Times New Roman" panose="02020603050405020304" pitchFamily="18" charset="0"/>
+                <a:cs typeface="Times New Roman" panose="02020603050405020304" pitchFamily="18" charset="0"/>
+              </a:rPr>
+              <a:t>Use HTML to hard code the URL in the </a:t>
+            </a:r>
+            <a:r>
+              <a:rPr lang="en-US" b="1" spc="-10" dirty="0" err="1">
+                <a:solidFill>
+                  <a:srgbClr val="000099"/>
+                </a:solidFill>
+                <a:latin typeface="Arial" panose="020B0604020202020204" pitchFamily="34" charset="0"/>
+                <a:ea typeface="Times New Roman" panose="02020603050405020304" pitchFamily="18" charset="0"/>
+                <a:cs typeface="Times New Roman" panose="02020603050405020304" pitchFamily="18" charset="0"/>
+              </a:rPr>
+              <a:t>href</a:t>
+            </a:r>
+            <a:r>
+              <a:rPr lang="en-US" b="1" spc="-10" dirty="0">
+                <a:solidFill>
+                  <a:srgbClr val="000099"/>
+                </a:solidFill>
+                <a:latin typeface="Arial" panose="020B0604020202020204" pitchFamily="34" charset="0"/>
+                <a:ea typeface="Times New Roman" panose="02020603050405020304" pitchFamily="18" charset="0"/>
+                <a:cs typeface="Times New Roman" panose="02020603050405020304" pitchFamily="18" charset="0"/>
+              </a:rPr>
+              <a:t> attribute</a:t>
+            </a:r>
+          </a:p>
+          <a:p>
+            <a:pPr marL="347345" marR="0">
+              <a:spcBef>
+                <a:spcPts val="0"/>
+              </a:spcBef>
+              <a:spcAft>
+                <a:spcPts val="0"/>
+              </a:spcAft>
+              <a:tabLst>
+                <a:tab pos="1371600" algn="l"/>
+              </a:tabLst>
+            </a:pPr>
+            <a:r>
+              <a:rPr lang="en-US" sz="1600" b="1" dirty="0">
+                <a:latin typeface="Courier New" panose="02070309020205020404" pitchFamily="49" charset="0"/>
+                <a:ea typeface="Times New Roman" panose="02020603050405020304" pitchFamily="18" charset="0"/>
+                <a:cs typeface="Times New Roman" panose="02020603050405020304" pitchFamily="18" charset="0"/>
+              </a:rPr>
+              <a:t>&lt;a </a:t>
+            </a:r>
+            <a:r>
+              <a:rPr lang="en-US" sz="1600" b="1" dirty="0" err="1">
+                <a:highlight>
+                  <a:srgbClr val="FFFF00"/>
+                </a:highlight>
+                <a:latin typeface="Courier New" panose="02070309020205020404" pitchFamily="49" charset="0"/>
+                <a:ea typeface="Times New Roman" panose="02020603050405020304" pitchFamily="18" charset="0"/>
+                <a:cs typeface="Times New Roman" panose="02020603050405020304" pitchFamily="18" charset="0"/>
+              </a:rPr>
+              <a:t>href</a:t>
+            </a:r>
+            <a:r>
+              <a:rPr lang="en-US" sz="1600" b="1" dirty="0">
+                <a:highlight>
+                  <a:srgbClr val="FFFF00"/>
+                </a:highlight>
+                <a:latin typeface="Courier New" panose="02070309020205020404" pitchFamily="49" charset="0"/>
+                <a:ea typeface="Times New Roman" panose="02020603050405020304" pitchFamily="18" charset="0"/>
+                <a:cs typeface="Times New Roman" panose="02020603050405020304" pitchFamily="18" charset="0"/>
+              </a:rPr>
+              <a:t>=</a:t>
+            </a:r>
+            <a:r>
+              <a:rPr lang="en-US" sz="1600" b="1" dirty="0">
+                <a:latin typeface="Courier New" panose="02070309020205020404" pitchFamily="49" charset="0"/>
+                <a:ea typeface="Times New Roman" panose="02020603050405020304" pitchFamily="18" charset="0"/>
+                <a:cs typeface="Times New Roman" panose="02020603050405020304" pitchFamily="18" charset="0"/>
+              </a:rPr>
+              <a:t>"/Product/List/Guitars"&gt;View guitars&lt;/a&gt;</a:t>
+            </a:r>
+          </a:p>
+          <a:p>
+            <a:pPr marL="347345" marR="0">
+              <a:spcBef>
+                <a:spcPts val="900"/>
+              </a:spcBef>
+              <a:spcAft>
+                <a:spcPts val="600"/>
+              </a:spcAft>
+              <a:tabLst>
+                <a:tab pos="1371600" algn="l"/>
+                <a:tab pos="2743200" algn="l"/>
+              </a:tabLst>
+            </a:pPr>
+            <a:r>
+              <a:rPr lang="en-US" b="1" spc="-10" dirty="0">
+                <a:solidFill>
+                  <a:srgbClr val="000099"/>
+                </a:solidFill>
+                <a:latin typeface="Arial" panose="020B0604020202020204" pitchFamily="34" charset="0"/>
+                <a:ea typeface="Times New Roman" panose="02020603050405020304" pitchFamily="18" charset="0"/>
+                <a:cs typeface="Times New Roman" panose="02020603050405020304" pitchFamily="18" charset="0"/>
+              </a:rPr>
+              <a:t>Use ASP.NET tag helpers to generate the URL</a:t>
+            </a:r>
+          </a:p>
+          <a:p>
+            <a:pPr marL="347345" marR="0">
+              <a:spcBef>
+                <a:spcPts val="0"/>
+              </a:spcBef>
+              <a:spcAft>
+                <a:spcPts val="0"/>
+              </a:spcAft>
+              <a:tabLst>
+                <a:tab pos="1371600" algn="l"/>
+              </a:tabLst>
+            </a:pPr>
+            <a:r>
+              <a:rPr lang="en-US" sz="1600" b="1" dirty="0">
+                <a:latin typeface="Courier New" panose="02070309020205020404" pitchFamily="49" charset="0"/>
+                <a:ea typeface="Times New Roman" panose="02020603050405020304" pitchFamily="18" charset="0"/>
+                <a:cs typeface="Times New Roman" panose="02020603050405020304" pitchFamily="18" charset="0"/>
+              </a:rPr>
+              <a:t>&lt;a </a:t>
+            </a:r>
+            <a:r>
+              <a:rPr lang="en-US" sz="1600" b="1" dirty="0">
+                <a:highlight>
+                  <a:srgbClr val="FFFF00"/>
+                </a:highlight>
+                <a:latin typeface="Courier New" panose="02070309020205020404" pitchFamily="49" charset="0"/>
+                <a:ea typeface="Times New Roman" panose="02020603050405020304" pitchFamily="18" charset="0"/>
+                <a:cs typeface="Times New Roman" panose="02020603050405020304" pitchFamily="18" charset="0"/>
+              </a:rPr>
+              <a:t>asp-controller=</a:t>
+            </a:r>
+            <a:r>
+              <a:rPr lang="en-US" sz="1600" b="1" dirty="0">
+                <a:latin typeface="Courier New" panose="02070309020205020404" pitchFamily="49" charset="0"/>
+                <a:ea typeface="Times New Roman" panose="02020603050405020304" pitchFamily="18" charset="0"/>
+                <a:cs typeface="Times New Roman" panose="02020603050405020304" pitchFamily="18" charset="0"/>
+              </a:rPr>
+              <a:t>"Product" </a:t>
+            </a:r>
+            <a:r>
+              <a:rPr lang="en-US" sz="1600" b="1" dirty="0">
+                <a:highlight>
+                  <a:srgbClr val="FFFF00"/>
+                </a:highlight>
+                <a:latin typeface="Courier New" panose="02070309020205020404" pitchFamily="49" charset="0"/>
+                <a:ea typeface="Times New Roman" panose="02020603050405020304" pitchFamily="18" charset="0"/>
+                <a:cs typeface="Times New Roman" panose="02020603050405020304" pitchFamily="18" charset="0"/>
+              </a:rPr>
+              <a:t>asp-action=</a:t>
+            </a:r>
+            <a:r>
+              <a:rPr lang="en-US" sz="1600" b="1" dirty="0">
+                <a:latin typeface="Courier New" panose="02070309020205020404" pitchFamily="49" charset="0"/>
+                <a:ea typeface="Times New Roman" panose="02020603050405020304" pitchFamily="18" charset="0"/>
+                <a:cs typeface="Times New Roman" panose="02020603050405020304" pitchFamily="18" charset="0"/>
+              </a:rPr>
+              <a:t>"List" </a:t>
+            </a:r>
+          </a:p>
+          <a:p>
+            <a:pPr marL="347345" marR="0">
+              <a:spcBef>
+                <a:spcPts val="0"/>
+              </a:spcBef>
+              <a:spcAft>
+                <a:spcPts val="0"/>
+              </a:spcAft>
+              <a:tabLst>
+                <a:tab pos="1371600" algn="l"/>
+              </a:tabLst>
+            </a:pPr>
+            <a:r>
+              <a:rPr lang="en-US" sz="1600" b="1" dirty="0">
+                <a:latin typeface="Courier New" panose="02070309020205020404" pitchFamily="49" charset="0"/>
+                <a:ea typeface="Times New Roman" panose="02020603050405020304" pitchFamily="18" charset="0"/>
+                <a:cs typeface="Times New Roman" panose="02020603050405020304" pitchFamily="18" charset="0"/>
+              </a:rPr>
+              <a:t>   </a:t>
+            </a:r>
+            <a:r>
+              <a:rPr lang="en-US" sz="1600" b="1" dirty="0">
+                <a:highlight>
+                  <a:srgbClr val="FFFF00"/>
+                </a:highlight>
+                <a:latin typeface="Courier New" panose="02070309020205020404" pitchFamily="49" charset="0"/>
+                <a:ea typeface="Times New Roman" panose="02020603050405020304" pitchFamily="18" charset="0"/>
+                <a:cs typeface="Times New Roman" panose="02020603050405020304" pitchFamily="18" charset="0"/>
+              </a:rPr>
+              <a:t>asp-route-id</a:t>
+            </a:r>
+            <a:r>
+              <a:rPr lang="en-US" sz="1600" b="1" dirty="0">
+                <a:latin typeface="Courier New" panose="02070309020205020404" pitchFamily="49" charset="0"/>
+                <a:ea typeface="Times New Roman" panose="02020603050405020304" pitchFamily="18" charset="0"/>
+                <a:cs typeface="Times New Roman" panose="02020603050405020304" pitchFamily="18" charset="0"/>
+              </a:rPr>
+              <a:t>="Guitars"&gt;View guitars&lt;/a&gt;</a:t>
+            </a:r>
+          </a:p>
+          <a:p>
+            <a:pPr>
+              <a:spcBef>
+                <a:spcPts val="1500"/>
+              </a:spcBef>
+              <a:spcAft>
+                <a:spcPts val="600"/>
+              </a:spcAft>
+              <a:tabLst>
+                <a:tab pos="1371600" algn="l"/>
+              </a:tabLst>
+            </a:pPr>
+            <a:r>
+              <a:rPr lang="en-US" sz="2400" b="1" dirty="0">
+                <a:solidFill>
+                  <a:srgbClr val="000099"/>
+                </a:solidFill>
+                <a:latin typeface="Arial" panose="020B0604020202020204" pitchFamily="34" charset="0"/>
+                <a:ea typeface="Times New Roman" panose="02020603050405020304" pitchFamily="18" charset="0"/>
+                <a:cs typeface="Times New Roman" panose="02020603050405020304" pitchFamily="18" charset="0"/>
+              </a:rPr>
+              <a:t>The URL for both links</a:t>
+            </a:r>
+          </a:p>
+          <a:p>
+            <a:pPr marL="347345" marR="0">
+              <a:spcBef>
+                <a:spcPts val="0"/>
+              </a:spcBef>
+              <a:spcAft>
+                <a:spcPts val="0"/>
+              </a:spcAft>
+              <a:tabLst>
+                <a:tab pos="1371600" algn="l"/>
+              </a:tabLst>
+            </a:pPr>
+            <a:r>
+              <a:rPr lang="en-US" sz="1600" b="1" dirty="0">
+                <a:latin typeface="Courier New" panose="02070309020205020404" pitchFamily="49" charset="0"/>
+                <a:ea typeface="Times New Roman" panose="02020603050405020304" pitchFamily="18" charset="0"/>
+                <a:cs typeface="Times New Roman" panose="02020603050405020304" pitchFamily="18" charset="0"/>
+              </a:rPr>
+              <a:t>/Product/List/Guitars</a:t>
+            </a:r>
+          </a:p>
+          <a:p>
+            <a:pPr marL="347345" marR="0">
+              <a:spcBef>
+                <a:spcPts val="0"/>
+              </a:spcBef>
+              <a:spcAft>
+                <a:spcPts val="0"/>
+              </a:spcAft>
+              <a:tabLst>
+                <a:tab pos="1371600" algn="l"/>
+              </a:tabLst>
+            </a:pPr>
+            <a:endParaRPr lang="en-US" sz="1600" b="1" dirty="0">
+              <a:latin typeface="Courier New" panose="02070309020205020404" pitchFamily="49" charset="0"/>
+              <a:ea typeface="Times New Roman" panose="02020603050405020304" pitchFamily="18" charset="0"/>
+              <a:cs typeface="Times New Roman" panose="02020603050405020304" pitchFamily="18" charset="0"/>
+            </a:endParaRPr>
+          </a:p>
+          <a:p>
+            <a:pPr>
+              <a:spcBef>
+                <a:spcPts val="1500"/>
+              </a:spcBef>
+              <a:spcAft>
+                <a:spcPts val="600"/>
+              </a:spcAft>
+              <a:tabLst>
+                <a:tab pos="1371600" algn="l"/>
+              </a:tabLst>
+            </a:pPr>
+            <a:r>
+              <a:rPr lang="en-US" sz="2400" b="1" dirty="0">
+                <a:solidFill>
+                  <a:srgbClr val="000099"/>
+                </a:solidFill>
+                <a:latin typeface="Arial" panose="020B0604020202020204" pitchFamily="34" charset="0"/>
+                <a:ea typeface="Times New Roman" panose="02020603050405020304" pitchFamily="18" charset="0"/>
+                <a:cs typeface="Times New Roman" panose="02020603050405020304" pitchFamily="18" charset="0"/>
+              </a:rPr>
+              <a:t>A link that specifies a route parameter </a:t>
+            </a:r>
+            <a:br>
+              <a:rPr lang="en-US" sz="2400" b="1" dirty="0">
+                <a:solidFill>
+                  <a:srgbClr val="000099"/>
+                </a:solidFill>
+                <a:latin typeface="Arial" panose="020B0604020202020204" pitchFamily="34" charset="0"/>
+                <a:ea typeface="Times New Roman" panose="02020603050405020304" pitchFamily="18" charset="0"/>
+                <a:cs typeface="Times New Roman" panose="02020603050405020304" pitchFamily="18" charset="0"/>
+              </a:rPr>
+            </a:br>
+            <a:r>
+              <a:rPr lang="en-US" sz="2400" b="1" dirty="0">
+                <a:solidFill>
+                  <a:srgbClr val="000099"/>
+                </a:solidFill>
+                <a:latin typeface="Arial" panose="020B0604020202020204" pitchFamily="34" charset="0"/>
+                <a:ea typeface="Times New Roman" panose="02020603050405020304" pitchFamily="18" charset="0"/>
+                <a:cs typeface="Times New Roman" panose="02020603050405020304" pitchFamily="18" charset="0"/>
+              </a:rPr>
+              <a:t>that doesn’t exist</a:t>
+            </a:r>
+          </a:p>
+          <a:p>
+            <a:pPr marL="347345" marR="0">
+              <a:spcBef>
+                <a:spcPts val="0"/>
+              </a:spcBef>
+              <a:spcAft>
+                <a:spcPts val="0"/>
+              </a:spcAft>
+              <a:tabLst>
+                <a:tab pos="1371600" algn="l"/>
+              </a:tabLst>
+            </a:pPr>
+            <a:r>
+              <a:rPr lang="en-US" sz="1600" b="1" dirty="0">
+                <a:latin typeface="Courier New" panose="02070309020205020404" pitchFamily="49" charset="0"/>
+                <a:ea typeface="Times New Roman" panose="02020603050405020304" pitchFamily="18" charset="0"/>
+                <a:cs typeface="Times New Roman" panose="02020603050405020304" pitchFamily="18" charset="0"/>
+              </a:rPr>
+              <a:t>&lt;a asp-controller="Product" asp-action="List" </a:t>
+            </a:r>
+          </a:p>
+          <a:p>
+            <a:pPr marL="347345" marR="0">
+              <a:spcBef>
+                <a:spcPts val="0"/>
+              </a:spcBef>
+              <a:spcAft>
+                <a:spcPts val="0"/>
+              </a:spcAft>
+              <a:tabLst>
+                <a:tab pos="1371600" algn="l"/>
+              </a:tabLst>
+            </a:pPr>
+            <a:r>
+              <a:rPr lang="en-US" sz="1600" b="1" dirty="0">
+                <a:latin typeface="Courier New" panose="02070309020205020404" pitchFamily="49" charset="0"/>
+                <a:ea typeface="Times New Roman" panose="02020603050405020304" pitchFamily="18" charset="0"/>
+                <a:cs typeface="Times New Roman" panose="02020603050405020304" pitchFamily="18" charset="0"/>
+              </a:rPr>
+              <a:t>   asp-route-page="1" asp-route-</a:t>
+            </a:r>
+            <a:r>
+              <a:rPr lang="en-US" sz="1600" b="1" dirty="0" err="1">
+                <a:latin typeface="Courier New" panose="02070309020205020404" pitchFamily="49" charset="0"/>
+                <a:ea typeface="Times New Roman" panose="02020603050405020304" pitchFamily="18" charset="0"/>
+                <a:cs typeface="Times New Roman" panose="02020603050405020304" pitchFamily="18" charset="0"/>
+              </a:rPr>
+              <a:t>sort_by</a:t>
+            </a:r>
+            <a:r>
+              <a:rPr lang="en-US" sz="1600" b="1" dirty="0">
+                <a:latin typeface="Courier New" panose="02070309020205020404" pitchFamily="49" charset="0"/>
+                <a:ea typeface="Times New Roman" panose="02020603050405020304" pitchFamily="18" charset="0"/>
+                <a:cs typeface="Times New Roman" panose="02020603050405020304" pitchFamily="18" charset="0"/>
+              </a:rPr>
+              <a:t>="price"&gt;</a:t>
+            </a:r>
+          </a:p>
+          <a:p>
+            <a:pPr marL="347345" marR="0">
+              <a:spcBef>
+                <a:spcPts val="0"/>
+              </a:spcBef>
+              <a:spcAft>
+                <a:spcPts val="0"/>
+              </a:spcAft>
+              <a:tabLst>
+                <a:tab pos="1371600" algn="l"/>
+              </a:tabLst>
+            </a:pPr>
+            <a:r>
+              <a:rPr lang="en-US" sz="1600" b="1" dirty="0">
+                <a:latin typeface="Courier New" panose="02070309020205020404" pitchFamily="49" charset="0"/>
+                <a:ea typeface="Times New Roman" panose="02020603050405020304" pitchFamily="18" charset="0"/>
+                <a:cs typeface="Times New Roman" panose="02020603050405020304" pitchFamily="18" charset="0"/>
+              </a:rPr>
+              <a:t>   Products - Page 1&lt;/a&gt;</a:t>
+            </a:r>
+          </a:p>
+          <a:p>
+            <a:pPr>
+              <a:spcBef>
+                <a:spcPts val="1500"/>
+              </a:spcBef>
+              <a:spcAft>
+                <a:spcPts val="600"/>
+              </a:spcAft>
+              <a:tabLst>
+                <a:tab pos="1371600" algn="l"/>
+              </a:tabLst>
+            </a:pPr>
+            <a:r>
+              <a:rPr lang="en-US" sz="2400" b="1" dirty="0">
+                <a:solidFill>
+                  <a:srgbClr val="000099"/>
+                </a:solidFill>
+                <a:latin typeface="Arial" panose="020B0604020202020204" pitchFamily="34" charset="0"/>
+                <a:ea typeface="Times New Roman" panose="02020603050405020304" pitchFamily="18" charset="0"/>
+                <a:cs typeface="Times New Roman" panose="02020603050405020304" pitchFamily="18" charset="0"/>
+              </a:rPr>
+              <a:t>The URL that’s generated</a:t>
+            </a:r>
+          </a:p>
+          <a:p>
+            <a:pPr marL="347345" marR="0">
+              <a:spcBef>
+                <a:spcPts val="0"/>
+              </a:spcBef>
+              <a:spcAft>
+                <a:spcPts val="0"/>
+              </a:spcAft>
+              <a:tabLst>
+                <a:tab pos="1371600" algn="l"/>
+              </a:tabLst>
+            </a:pPr>
+            <a:r>
+              <a:rPr lang="en-US" sz="1600" b="1" dirty="0">
+                <a:latin typeface="Courier New" panose="02070309020205020404" pitchFamily="49" charset="0"/>
+                <a:ea typeface="Times New Roman" panose="02020603050405020304" pitchFamily="18" charset="0"/>
+                <a:cs typeface="Times New Roman" panose="02020603050405020304" pitchFamily="18" charset="0"/>
+              </a:rPr>
+              <a:t>/Product/</a:t>
+            </a:r>
+            <a:r>
+              <a:rPr lang="en-US" sz="1600" b="1" dirty="0" err="1">
+                <a:latin typeface="Courier New" panose="02070309020205020404" pitchFamily="49" charset="0"/>
+                <a:ea typeface="Times New Roman" panose="02020603050405020304" pitchFamily="18" charset="0"/>
+                <a:cs typeface="Times New Roman" panose="02020603050405020304" pitchFamily="18" charset="0"/>
+              </a:rPr>
+              <a:t>List?page</a:t>
+            </a:r>
+            <a:r>
+              <a:rPr lang="en-US" sz="1600" b="1" dirty="0">
+                <a:latin typeface="Courier New" panose="02070309020205020404" pitchFamily="49" charset="0"/>
+                <a:ea typeface="Times New Roman" panose="02020603050405020304" pitchFamily="18" charset="0"/>
+                <a:cs typeface="Times New Roman" panose="02020603050405020304" pitchFamily="18" charset="0"/>
+              </a:rPr>
+              <a:t>=1&amp;sort_by=price</a:t>
+            </a:r>
+          </a:p>
+          <a:p>
+            <a:pPr marL="347345" marR="0">
+              <a:spcBef>
+                <a:spcPts val="0"/>
+              </a:spcBef>
+              <a:spcAft>
+                <a:spcPts val="0"/>
+              </a:spcAft>
+              <a:tabLst>
+                <a:tab pos="1371600" algn="l"/>
+              </a:tabLst>
+            </a:pPr>
+            <a:endParaRPr lang="en-US" sz="1600" b="1" dirty="0">
+              <a:latin typeface="Courier New" panose="02070309020205020404" pitchFamily="49" charset="0"/>
+              <a:ea typeface="Times New Roman" panose="02020603050405020304" pitchFamily="18" charset="0"/>
+              <a:cs typeface="Times New Roman" panose="02020603050405020304" pitchFamily="18" charset="0"/>
+            </a:endParaRPr>
+          </a:p>
+          <a:p>
+            <a:endParaRPr lang="en-US" sz="1600" dirty="0"/>
+          </a:p>
+        </p:txBody>
+      </p:sp>
+      <p:sp>
+        <p:nvSpPr>
+          <p:cNvPr id="4" name="Date Placeholder 3">
+            <a:extLst>
+              <a:ext uri="{FF2B5EF4-FFF2-40B4-BE49-F238E27FC236}">
+                <a16:creationId xmlns:a16="http://schemas.microsoft.com/office/drawing/2014/main" id="{7F6B7CCB-03DB-43C5-9B77-F252DB0B2ED0}"/>
+              </a:ext>
+            </a:extLst>
+          </p:cNvPr>
+          <p:cNvSpPr>
+            <a:spLocks noGrp="1"/>
+          </p:cNvSpPr>
+          <p:nvPr>
+            <p:ph type="dt" sz="half" idx="10"/>
+          </p:nvPr>
+        </p:nvSpPr>
+        <p:spPr/>
+        <p:txBody>
+          <a:bodyPr/>
+          <a:lstStyle/>
+          <a:p>
+            <a:pPr>
+              <a:defRPr/>
+            </a:pPr>
+            <a:r>
+              <a:rPr lang="en-US"/>
+              <a:t>Murach's ASP.NET Core MVC</a:t>
+            </a:r>
+            <a:endParaRPr lang="en-US" dirty="0"/>
+          </a:p>
+        </p:txBody>
+      </p:sp>
+      <p:sp>
+        <p:nvSpPr>
+          <p:cNvPr id="5" name="Footer Placeholder 4">
+            <a:extLst>
+              <a:ext uri="{FF2B5EF4-FFF2-40B4-BE49-F238E27FC236}">
+                <a16:creationId xmlns:a16="http://schemas.microsoft.com/office/drawing/2014/main" id="{88969823-8208-4096-AD6E-CACC309EBD78}"/>
+              </a:ext>
+            </a:extLst>
+          </p:cNvPr>
+          <p:cNvSpPr>
+            <a:spLocks noGrp="1"/>
+          </p:cNvSpPr>
+          <p:nvPr>
+            <p:ph type="ftr" sz="quarter" idx="11"/>
+          </p:nvPr>
+        </p:nvSpPr>
+        <p:spPr/>
+        <p:txBody>
+          <a:bodyPr/>
+          <a:lstStyle/>
+          <a:p>
+            <a:pPr>
+              <a:defRPr/>
+            </a:pPr>
+            <a:r>
+              <a:rPr lang="en-US"/>
+              <a:t>© 2020, Mike Murach &amp; Associates, Inc.</a:t>
+            </a:r>
+            <a:endParaRPr lang="en-US" dirty="0"/>
+          </a:p>
+        </p:txBody>
+      </p:sp>
+      <p:sp>
+        <p:nvSpPr>
+          <p:cNvPr id="6" name="Slide Number Placeholder 5">
+            <a:extLst>
+              <a:ext uri="{FF2B5EF4-FFF2-40B4-BE49-F238E27FC236}">
+                <a16:creationId xmlns:a16="http://schemas.microsoft.com/office/drawing/2014/main" id="{684B9EE4-62CB-4F11-A12B-79BF846F6F1E}"/>
+              </a:ext>
+            </a:extLst>
+          </p:cNvPr>
+          <p:cNvSpPr>
+            <a:spLocks noGrp="1"/>
+          </p:cNvSpPr>
+          <p:nvPr>
+            <p:ph type="sldNum" sz="quarter" idx="12"/>
+          </p:nvPr>
+        </p:nvSpPr>
+        <p:spPr/>
+        <p:txBody>
+          <a:bodyPr/>
+          <a:lstStyle/>
+          <a:p>
+            <a:pPr algn="l">
+              <a:defRPr/>
+            </a:pPr>
+            <a:endParaRPr lang="en-US" sz="1400">
+              <a:latin typeface="Times New Roman"/>
+            </a:endParaRPr>
+          </a:p>
+          <a:p>
+            <a:pPr>
+              <a:defRPr/>
+            </a:pPr>
+            <a:r>
+              <a:rPr lang="en-US">
+                <a:solidFill>
+                  <a:schemeClr val="bg1"/>
+                </a:solidFill>
+              </a:rPr>
+              <a:t>C7, Slide </a:t>
+            </a:r>
+            <a:fld id="{BF5C1183-B085-4070-A402-C03A3F977D3D}" type="slidenum">
+              <a:rPr lang="en-US" smtClean="0">
+                <a:solidFill>
+                  <a:schemeClr val="bg1"/>
+                </a:solidFill>
+              </a:rPr>
+              <a:pPr>
+                <a:defRPr/>
+              </a:pPr>
+              <a:t>2</a:t>
+            </a:fld>
+            <a:endParaRPr lang="en-US" dirty="0">
+              <a:solidFill>
+                <a:schemeClr val="bg1"/>
+              </a:solidFill>
+            </a:endParaRPr>
+          </a:p>
+        </p:txBody>
+      </p:sp>
+    </p:spTree>
+    <p:extLst>
+      <p:ext uri="{BB962C8B-B14F-4D97-AF65-F5344CB8AC3E}">
+        <p14:creationId xmlns:p14="http://schemas.microsoft.com/office/powerpoint/2010/main" val="3285144625"/>
+      </p:ext>
+    </p:extLst>
+  </p:cSld>
+  <p:clrMapOvr>
+    <a:masterClrMapping/>
+  </p:clrMapOvr>
+</p:sld>
+</file>
+
+<file path=ppt/slides/slide20.xml><?xml version="1.0" encoding="utf-8"?>
 <p:sld xmlns:a="http://schemas.openxmlformats.org/drawingml/2006/main" xmlns:r="http://schemas.openxmlformats.org/officeDocument/2006/relationships" xmlns:p="http://schemas.openxmlformats.org/presentationml/2006/main">
   <p:cSld>
     <p:spTree>
@@ -15243,7 +12608,7 @@
               <a:pPr>
                 <a:defRPr/>
               </a:pPr>
-              <a:t>26</a:t>
+              <a:t>20</a:t>
             </a:fld>
             <a:endParaRPr lang="en-US" dirty="0">
               <a:solidFill>
@@ -15266,7 +12631,7 @@
 </p:sld>
 </file>
 
-<file path=ppt/slides/slide27.xml><?xml version="1.0" encoding="utf-8"?>
+<file path=ppt/slides/slide21.xml><?xml version="1.0" encoding="utf-8"?>
 <p:sld xmlns:a="http://schemas.openxmlformats.org/drawingml/2006/main" xmlns:r="http://schemas.openxmlformats.org/officeDocument/2006/relationships" xmlns:p="http://schemas.openxmlformats.org/presentationml/2006/main">
   <p:cSld>
     <p:spTree>
@@ -15875,7 +13240,7 @@
               <a:pPr>
                 <a:defRPr/>
               </a:pPr>
-              <a:t>27</a:t>
+              <a:t>21</a:t>
             </a:fld>
             <a:endParaRPr lang="en-US" dirty="0">
               <a:solidFill>
@@ -15898,7 +13263,7 @@
 </p:sld>
 </file>
 
-<file path=ppt/slides/slide28.xml><?xml version="1.0" encoding="utf-8"?>
+<file path=ppt/slides/slide22.xml><?xml version="1.0" encoding="utf-8"?>
 <p:sld xmlns:a="http://schemas.openxmlformats.org/drawingml/2006/main" xmlns:r="http://schemas.openxmlformats.org/officeDocument/2006/relationships" xmlns:p="http://schemas.openxmlformats.org/presentationml/2006/main">
   <p:cSld>
     <p:spTree>
@@ -16553,7 +13918,7 @@
               <a:pPr>
                 <a:defRPr/>
               </a:pPr>
-              <a:t>28</a:t>
+              <a:t>22</a:t>
             </a:fld>
             <a:endParaRPr lang="en-US" dirty="0">
               <a:solidFill>
@@ -16576,7 +13941,7 @@
 </p:sld>
 </file>
 
-<file path=ppt/slides/slide29.xml><?xml version="1.0" encoding="utf-8"?>
+<file path=ppt/slides/slide23.xml><?xml version="1.0" encoding="utf-8"?>
 <p:sld xmlns:a="http://schemas.openxmlformats.org/drawingml/2006/main" xmlns:r="http://schemas.openxmlformats.org/officeDocument/2006/relationships" xmlns:p="http://schemas.openxmlformats.org/presentationml/2006/main">
   <p:cSld>
     <p:spTree>
@@ -17306,7 +14671,7 @@
               <a:pPr>
                 <a:defRPr/>
               </a:pPr>
-              <a:t>29</a:t>
+              <a:t>23</a:t>
             </a:fld>
             <a:endParaRPr lang="en-US" dirty="0">
               <a:solidFill>
@@ -17329,1218 +14694,7 @@
 </p:sld>
 </file>
 
-<file path=ppt/slides/slide3.xml><?xml version="1.0" encoding="utf-8"?>
-<p:sld xmlns:a="http://schemas.openxmlformats.org/drawingml/2006/main" xmlns:r="http://schemas.openxmlformats.org/officeDocument/2006/relationships" xmlns:p="http://schemas.openxmlformats.org/presentationml/2006/main">
-  <p:cSld>
-    <p:spTree>
-      <p:nvGrpSpPr>
-        <p:cNvPr id="1" name=""/>
-        <p:cNvGrpSpPr/>
-        <p:nvPr/>
-      </p:nvGrpSpPr>
-      <p:grpSpPr>
-        <a:xfrm>
-          <a:off x="0" y="0"/>
-          <a:ext cx="0" cy="0"/>
-          <a:chOff x="0" y="0"/>
-          <a:chExt cx="0" cy="0"/>
-        </a:xfrm>
-      </p:grpSpPr>
-      <p:sp>
-        <p:nvSpPr>
-          <p:cNvPr id="2" name="Title 1">
-            <a:extLst>
-              <a:ext uri="{FF2B5EF4-FFF2-40B4-BE49-F238E27FC236}">
-                <a16:creationId xmlns:a16="http://schemas.microsoft.com/office/drawing/2014/main" id="{AEFDA1D4-2F99-4976-99CB-598AAF881C45}"/>
-              </a:ext>
-            </a:extLst>
-          </p:cNvPr>
-          <p:cNvSpPr>
-            <a:spLocks noGrp="1"/>
-          </p:cNvSpPr>
-          <p:nvPr>
-            <p:ph type="title"/>
-          </p:nvPr>
-        </p:nvSpPr>
-        <p:spPr>
-          <a:xfrm>
-            <a:off x="914400" y="0"/>
-            <a:ext cx="7315200" cy="369332"/>
-          </a:xfrm>
-        </p:spPr>
-        <p:txBody>
-          <a:bodyPr/>
-          <a:lstStyle/>
-          <a:p>
-            <a:r>
-              <a:rPr lang="en-US" dirty="0"/>
-              <a:t>More tag helpers for generating URLs</a:t>
-            </a:r>
-          </a:p>
-        </p:txBody>
-      </p:sp>
-      <p:sp>
-        <p:nvSpPr>
-          <p:cNvPr id="3" name="Text Placeholder 2">
-            <a:extLst>
-              <a:ext uri="{FF2B5EF4-FFF2-40B4-BE49-F238E27FC236}">
-                <a16:creationId xmlns:a16="http://schemas.microsoft.com/office/drawing/2014/main" id="{1B1ADCBA-48F0-4245-B6E7-6A9F8BFA238D}"/>
-              </a:ext>
-            </a:extLst>
-          </p:cNvPr>
-          <p:cNvSpPr>
-            <a:spLocks noGrp="1"/>
-          </p:cNvSpPr>
-          <p:nvPr>
-            <p:ph type="body" sz="quarter" idx="13"/>
-          </p:nvPr>
-        </p:nvSpPr>
-        <p:spPr>
-          <a:xfrm>
-            <a:off x="838200" y="304800"/>
-            <a:ext cx="7391400" cy="1299121"/>
-          </a:xfrm>
-        </p:spPr>
-        <p:txBody>
-          <a:bodyPr/>
-          <a:lstStyle/>
-          <a:p>
-            <a:pPr marL="347345" marR="0">
-              <a:spcBef>
-                <a:spcPts val="0"/>
-              </a:spcBef>
-              <a:spcAft>
-                <a:spcPts val="600"/>
-              </a:spcAft>
-              <a:tabLst>
-                <a:tab pos="1371600" algn="l"/>
-              </a:tabLst>
-            </a:pPr>
-            <a:r>
-              <a:rPr lang="en-US" sz="1600" b="1" dirty="0">
-                <a:latin typeface="Courier New" panose="02070309020205020404" pitchFamily="49" charset="0"/>
-                <a:ea typeface="Times New Roman" panose="02020603050405020304" pitchFamily="18" charset="0"/>
-                <a:cs typeface="Times New Roman" panose="02020603050405020304" pitchFamily="18" charset="0"/>
-              </a:rPr>
-              <a:t>asp-area</a:t>
-            </a:r>
-          </a:p>
-          <a:p>
-            <a:pPr marL="347345" marR="0">
-              <a:spcBef>
-                <a:spcPts val="0"/>
-              </a:spcBef>
-              <a:spcAft>
-                <a:spcPts val="600"/>
-              </a:spcAft>
-              <a:tabLst>
-                <a:tab pos="1371600" algn="l"/>
-              </a:tabLst>
-            </a:pPr>
-            <a:r>
-              <a:rPr lang="en-US" sz="1600" b="1" dirty="0">
-                <a:latin typeface="Courier New" panose="02070309020205020404" pitchFamily="49" charset="0"/>
-                <a:ea typeface="Times New Roman" panose="02020603050405020304" pitchFamily="18" charset="0"/>
-                <a:cs typeface="Times New Roman" panose="02020603050405020304" pitchFamily="18" charset="0"/>
-              </a:rPr>
-              <a:t>asp-fragment</a:t>
-            </a:r>
-          </a:p>
-          <a:p>
-            <a:pPr marL="347345" marR="0">
-              <a:spcBef>
-                <a:spcPts val="0"/>
-              </a:spcBef>
-              <a:spcAft>
-                <a:spcPts val="600"/>
-              </a:spcAft>
-              <a:tabLst>
-                <a:tab pos="1371600" algn="l"/>
-              </a:tabLst>
-            </a:pPr>
-            <a:r>
-              <a:rPr lang="en-US" sz="1600" b="1" dirty="0">
-                <a:latin typeface="Courier New" panose="02070309020205020404" pitchFamily="49" charset="0"/>
-                <a:ea typeface="Times New Roman" panose="02020603050405020304" pitchFamily="18" charset="0"/>
-                <a:cs typeface="Times New Roman" panose="02020603050405020304" pitchFamily="18" charset="0"/>
-              </a:rPr>
-              <a:t>asp-protocol</a:t>
-            </a:r>
-          </a:p>
-          <a:p>
-            <a:pPr marL="347345" marR="0">
-              <a:spcBef>
-                <a:spcPts val="0"/>
-              </a:spcBef>
-              <a:spcAft>
-                <a:spcPts val="600"/>
-              </a:spcAft>
-              <a:tabLst>
-                <a:tab pos="1371600" algn="l"/>
-              </a:tabLst>
-            </a:pPr>
-            <a:r>
-              <a:rPr lang="en-US" sz="1600" b="1" dirty="0">
-                <a:latin typeface="Courier New" panose="02070309020205020404" pitchFamily="49" charset="0"/>
-                <a:ea typeface="Times New Roman" panose="02020603050405020304" pitchFamily="18" charset="0"/>
-                <a:cs typeface="Times New Roman" panose="02020603050405020304" pitchFamily="18" charset="0"/>
-              </a:rPr>
-              <a:t>asp-host</a:t>
-            </a:r>
-          </a:p>
-          <a:p>
-            <a:endParaRPr lang="en-US" sz="1600" dirty="0"/>
-          </a:p>
-        </p:txBody>
-      </p:sp>
-      <p:sp>
-        <p:nvSpPr>
-          <p:cNvPr id="7" name="Title 1">
-            <a:extLst>
-              <a:ext uri="{FF2B5EF4-FFF2-40B4-BE49-F238E27FC236}">
-                <a16:creationId xmlns:a16="http://schemas.microsoft.com/office/drawing/2014/main" id="{D79D0AD2-0124-4C57-B4A3-92383FF1931C}"/>
-              </a:ext>
-            </a:extLst>
-          </p:cNvPr>
-          <p:cNvSpPr txBox="1">
-            <a:spLocks/>
-          </p:cNvSpPr>
-          <p:nvPr/>
-        </p:nvSpPr>
-        <p:spPr bwMode="auto">
-          <a:xfrm>
-            <a:off x="914400" y="1905000"/>
-            <a:ext cx="7315200" cy="369332"/>
-          </a:xfrm>
-          <a:prstGeom prst="rect">
-            <a:avLst/>
-          </a:prstGeom>
-          <a:noFill/>
-          <a:ln>
-            <a:noFill/>
-          </a:ln>
-          <a:extLst>
-            <a:ext uri="{909E8E84-426E-40DD-AFC4-6F175D3DCCD1}">
-              <a14:hiddenFill xmlns:a14="http://schemas.microsoft.com/office/drawing/2010/main">
-                <a:solidFill>
-                  <a:srgbClr val="FFFFFF"/>
-                </a:solidFill>
-              </a14:hiddenFill>
-            </a:ext>
-            <a:ext uri="{91240B29-F687-4F45-9708-019B960494DF}">
-              <a14:hiddenLine xmlns:a14="http://schemas.microsoft.com/office/drawing/2010/main" w="9525">
-                <a:solidFill>
-                  <a:srgbClr val="000000"/>
-                </a:solidFill>
-                <a:miter lim="800000"/>
-                <a:headEnd/>
-                <a:tailEnd/>
-              </a14:hiddenLine>
-            </a:ext>
-          </a:extLst>
-        </p:spPr>
-        <p:txBody>
-          <a:bodyPr vert="horz" wrap="square" lIns="0" tIns="0" rIns="0" bIns="0" numCol="1" anchor="ctr" anchorCtr="0" compatLnSpc="1">
-            <a:prstTxWarp prst="textNoShape">
-              <a:avLst/>
-            </a:prstTxWarp>
-            <a:spAutoFit/>
-          </a:bodyPr>
-          <a:lstStyle>
-            <a:lvl1pPr algn="l" rtl="0" eaLnBrk="1" fontAlgn="base" hangingPunct="1">
-              <a:spcBef>
-                <a:spcPct val="0"/>
-              </a:spcBef>
-              <a:spcAft>
-                <a:spcPct val="0"/>
-              </a:spcAft>
-              <a:defRPr sz="2400" b="1" i="0" baseline="0">
-                <a:solidFill>
-                  <a:srgbClr val="000099"/>
-                </a:solidFill>
-                <a:latin typeface="+mj-lt"/>
-                <a:ea typeface="+mj-ea"/>
-                <a:cs typeface="+mj-cs"/>
-              </a:defRPr>
-            </a:lvl1pPr>
-            <a:lvl2pPr algn="ctr" rtl="0" eaLnBrk="1" fontAlgn="base" hangingPunct="1">
-              <a:spcBef>
-                <a:spcPct val="0"/>
-              </a:spcBef>
-              <a:spcAft>
-                <a:spcPct val="0"/>
-              </a:spcAft>
-              <a:defRPr sz="4400">
-                <a:solidFill>
-                  <a:schemeClr val="tx2"/>
-                </a:solidFill>
-                <a:latin typeface="Arial" charset="0"/>
-              </a:defRPr>
-            </a:lvl2pPr>
-            <a:lvl3pPr algn="ctr" rtl="0" eaLnBrk="1" fontAlgn="base" hangingPunct="1">
-              <a:spcBef>
-                <a:spcPct val="0"/>
-              </a:spcBef>
-              <a:spcAft>
-                <a:spcPct val="0"/>
-              </a:spcAft>
-              <a:defRPr sz="4400">
-                <a:solidFill>
-                  <a:schemeClr val="tx2"/>
-                </a:solidFill>
-                <a:latin typeface="Arial" charset="0"/>
-              </a:defRPr>
-            </a:lvl3pPr>
-            <a:lvl4pPr algn="ctr" rtl="0" eaLnBrk="1" fontAlgn="base" hangingPunct="1">
-              <a:spcBef>
-                <a:spcPct val="0"/>
-              </a:spcBef>
-              <a:spcAft>
-                <a:spcPct val="0"/>
-              </a:spcAft>
-              <a:defRPr sz="4400">
-                <a:solidFill>
-                  <a:schemeClr val="tx2"/>
-                </a:solidFill>
-                <a:latin typeface="Arial" charset="0"/>
-              </a:defRPr>
-            </a:lvl4pPr>
-            <a:lvl5pPr algn="ctr" rtl="0" eaLnBrk="1" fontAlgn="base" hangingPunct="1">
-              <a:spcBef>
-                <a:spcPct val="0"/>
-              </a:spcBef>
-              <a:spcAft>
-                <a:spcPct val="0"/>
-              </a:spcAft>
-              <a:defRPr sz="4400">
-                <a:solidFill>
-                  <a:schemeClr val="tx2"/>
-                </a:solidFill>
-                <a:latin typeface="Arial" charset="0"/>
-              </a:defRPr>
-            </a:lvl5pPr>
-            <a:lvl6pPr marL="457200" algn="ctr" rtl="0" eaLnBrk="1" fontAlgn="base" hangingPunct="1">
-              <a:spcBef>
-                <a:spcPct val="0"/>
-              </a:spcBef>
-              <a:spcAft>
-                <a:spcPct val="0"/>
-              </a:spcAft>
-              <a:defRPr sz="4400">
-                <a:solidFill>
-                  <a:schemeClr val="tx2"/>
-                </a:solidFill>
-                <a:latin typeface="Times New Roman" pitchFamily="18" charset="0"/>
-              </a:defRPr>
-            </a:lvl6pPr>
-            <a:lvl7pPr marL="914400" algn="ctr" rtl="0" eaLnBrk="1" fontAlgn="base" hangingPunct="1">
-              <a:spcBef>
-                <a:spcPct val="0"/>
-              </a:spcBef>
-              <a:spcAft>
-                <a:spcPct val="0"/>
-              </a:spcAft>
-              <a:defRPr sz="4400">
-                <a:solidFill>
-                  <a:schemeClr val="tx2"/>
-                </a:solidFill>
-                <a:latin typeface="Times New Roman" pitchFamily="18" charset="0"/>
-              </a:defRPr>
-            </a:lvl7pPr>
-            <a:lvl8pPr marL="1371600" algn="ctr" rtl="0" eaLnBrk="1" fontAlgn="base" hangingPunct="1">
-              <a:spcBef>
-                <a:spcPct val="0"/>
-              </a:spcBef>
-              <a:spcAft>
-                <a:spcPct val="0"/>
-              </a:spcAft>
-              <a:defRPr sz="4400">
-                <a:solidFill>
-                  <a:schemeClr val="tx2"/>
-                </a:solidFill>
-                <a:latin typeface="Times New Roman" pitchFamily="18" charset="0"/>
-              </a:defRPr>
-            </a:lvl8pPr>
-            <a:lvl9pPr marL="1828800" algn="ctr" rtl="0" eaLnBrk="1" fontAlgn="base" hangingPunct="1">
-              <a:spcBef>
-                <a:spcPct val="0"/>
-              </a:spcBef>
-              <a:spcAft>
-                <a:spcPct val="0"/>
-              </a:spcAft>
-              <a:defRPr sz="4400">
-                <a:solidFill>
-                  <a:schemeClr val="tx2"/>
-                </a:solidFill>
-                <a:latin typeface="Times New Roman" pitchFamily="18" charset="0"/>
-              </a:defRPr>
-            </a:lvl9pPr>
-          </a:lstStyle>
-          <a:p>
-            <a:r>
-              <a:rPr lang="en-US" kern="0"/>
-              <a:t>How to code a link to an area</a:t>
-            </a:r>
-            <a:endParaRPr lang="en-US" kern="0" dirty="0"/>
-          </a:p>
-        </p:txBody>
-      </p:sp>
-      <p:sp>
-        <p:nvSpPr>
-          <p:cNvPr id="8" name="Text Placeholder 2">
-            <a:extLst>
-              <a:ext uri="{FF2B5EF4-FFF2-40B4-BE49-F238E27FC236}">
-                <a16:creationId xmlns:a16="http://schemas.microsoft.com/office/drawing/2014/main" id="{60C6DC27-B04B-4007-BC69-AE48B945D1B1}"/>
-              </a:ext>
-            </a:extLst>
-          </p:cNvPr>
-          <p:cNvSpPr txBox="1">
-            <a:spLocks/>
-          </p:cNvSpPr>
-          <p:nvPr/>
-        </p:nvSpPr>
-        <p:spPr bwMode="auto">
-          <a:xfrm>
-            <a:off x="838200" y="2346811"/>
-            <a:ext cx="7391400" cy="1524000"/>
-          </a:xfrm>
-          <a:prstGeom prst="rect">
-            <a:avLst/>
-          </a:prstGeom>
-          <a:noFill/>
-          <a:ln>
-            <a:noFill/>
-          </a:ln>
-          <a:extLst>
-            <a:ext uri="{909E8E84-426E-40DD-AFC4-6F175D3DCCD1}">
-              <a14:hiddenFill xmlns:a14="http://schemas.microsoft.com/office/drawing/2010/main">
-                <a:solidFill>
-                  <a:srgbClr val="FFFFFF"/>
-                </a:solidFill>
-              </a14:hiddenFill>
-            </a:ext>
-            <a:ext uri="{91240B29-F687-4F45-9708-019B960494DF}">
-              <a14:hiddenLine xmlns:a14="http://schemas.microsoft.com/office/drawing/2010/main" w="9525">
-                <a:solidFill>
-                  <a:srgbClr val="000000"/>
-                </a:solidFill>
-                <a:miter lim="800000"/>
-                <a:headEnd/>
-                <a:tailEnd/>
-              </a14:hiddenLine>
-            </a:ext>
-          </a:extLst>
-        </p:spPr>
-        <p:txBody>
-          <a:bodyPr vert="horz" wrap="square" lIns="91440" tIns="45720" rIns="91440" bIns="45720" numCol="1" anchor="t" anchorCtr="0" compatLnSpc="1">
-            <a:prstTxWarp prst="textNoShape">
-              <a:avLst/>
-            </a:prstTxWarp>
-          </a:bodyPr>
-          <a:lstStyle>
-            <a:lvl1pPr marL="0" indent="0" algn="l" rtl="0" eaLnBrk="1" fontAlgn="base" hangingPunct="1">
-              <a:spcBef>
-                <a:spcPct val="20000"/>
-              </a:spcBef>
-              <a:spcAft>
-                <a:spcPct val="0"/>
-              </a:spcAft>
-              <a:buNone/>
-              <a:defRPr sz="2000">
-                <a:solidFill>
-                  <a:schemeClr val="tx1"/>
-                </a:solidFill>
-                <a:latin typeface="+mn-lt"/>
-                <a:ea typeface="+mn-ea"/>
-                <a:cs typeface="+mn-cs"/>
-              </a:defRPr>
-            </a:lvl1pPr>
-            <a:lvl2pPr marL="457200" indent="0" algn="l" rtl="0" eaLnBrk="1" fontAlgn="base" hangingPunct="1">
-              <a:spcBef>
-                <a:spcPct val="20000"/>
-              </a:spcBef>
-              <a:spcAft>
-                <a:spcPct val="0"/>
-              </a:spcAft>
-              <a:buNone/>
-              <a:defRPr sz="2800">
-                <a:solidFill>
-                  <a:schemeClr val="tx1"/>
-                </a:solidFill>
-                <a:latin typeface="+mn-lt"/>
-              </a:defRPr>
-            </a:lvl2pPr>
-            <a:lvl3pPr marL="914400" indent="0" algn="l" rtl="0" eaLnBrk="1" fontAlgn="base" hangingPunct="1">
-              <a:spcBef>
-                <a:spcPct val="20000"/>
-              </a:spcBef>
-              <a:spcAft>
-                <a:spcPct val="0"/>
-              </a:spcAft>
-              <a:buNone/>
-              <a:defRPr sz="2400">
-                <a:solidFill>
-                  <a:schemeClr val="tx1"/>
-                </a:solidFill>
-                <a:latin typeface="+mn-lt"/>
-              </a:defRPr>
-            </a:lvl3pPr>
-            <a:lvl4pPr marL="1371600" indent="0" algn="l" rtl="0" eaLnBrk="1" fontAlgn="base" hangingPunct="1">
-              <a:spcBef>
-                <a:spcPct val="20000"/>
-              </a:spcBef>
-              <a:spcAft>
-                <a:spcPct val="0"/>
-              </a:spcAft>
-              <a:buNone/>
-              <a:defRPr sz="2000">
-                <a:solidFill>
-                  <a:schemeClr val="tx1"/>
-                </a:solidFill>
-                <a:latin typeface="+mn-lt"/>
-              </a:defRPr>
-            </a:lvl4pPr>
-            <a:lvl5pPr marL="1828800" indent="0" algn="l" rtl="0" eaLnBrk="1" fontAlgn="base" hangingPunct="1">
-              <a:spcBef>
-                <a:spcPct val="20000"/>
-              </a:spcBef>
-              <a:spcAft>
-                <a:spcPct val="0"/>
-              </a:spcAft>
-              <a:buNone/>
-              <a:defRPr sz="2000">
-                <a:solidFill>
-                  <a:schemeClr val="tx1"/>
-                </a:solidFill>
-                <a:latin typeface="+mn-lt"/>
-              </a:defRPr>
-            </a:lvl5pPr>
-            <a:lvl6pPr marL="2514600" indent="-228600" algn="l" rtl="0" eaLnBrk="1" fontAlgn="base" hangingPunct="1">
-              <a:spcBef>
-                <a:spcPct val="20000"/>
-              </a:spcBef>
-              <a:spcAft>
-                <a:spcPct val="0"/>
-              </a:spcAft>
-              <a:buChar char="»"/>
-              <a:defRPr sz="2000">
-                <a:solidFill>
-                  <a:schemeClr val="tx1"/>
-                </a:solidFill>
-                <a:latin typeface="+mn-lt"/>
-              </a:defRPr>
-            </a:lvl6pPr>
-            <a:lvl7pPr marL="2971800" indent="-228600" algn="l" rtl="0" eaLnBrk="1" fontAlgn="base" hangingPunct="1">
-              <a:spcBef>
-                <a:spcPct val="20000"/>
-              </a:spcBef>
-              <a:spcAft>
-                <a:spcPct val="0"/>
-              </a:spcAft>
-              <a:buChar char="»"/>
-              <a:defRPr sz="2000">
-                <a:solidFill>
-                  <a:schemeClr val="tx1"/>
-                </a:solidFill>
-                <a:latin typeface="+mn-lt"/>
-              </a:defRPr>
-            </a:lvl7pPr>
-            <a:lvl8pPr marL="3429000" indent="-228600" algn="l" rtl="0" eaLnBrk="1" fontAlgn="base" hangingPunct="1">
-              <a:spcBef>
-                <a:spcPct val="20000"/>
-              </a:spcBef>
-              <a:spcAft>
-                <a:spcPct val="0"/>
-              </a:spcAft>
-              <a:buChar char="»"/>
-              <a:defRPr sz="2000">
-                <a:solidFill>
-                  <a:schemeClr val="tx1"/>
-                </a:solidFill>
-                <a:latin typeface="+mn-lt"/>
-              </a:defRPr>
-            </a:lvl8pPr>
-            <a:lvl9pPr marL="3886200" indent="-228600" algn="l" rtl="0" eaLnBrk="1" fontAlgn="base" hangingPunct="1">
-              <a:spcBef>
-                <a:spcPct val="20000"/>
-              </a:spcBef>
-              <a:spcAft>
-                <a:spcPct val="0"/>
-              </a:spcAft>
-              <a:buChar char="»"/>
-              <a:defRPr sz="2000">
-                <a:solidFill>
-                  <a:schemeClr val="tx1"/>
-                </a:solidFill>
-                <a:latin typeface="+mn-lt"/>
-              </a:defRPr>
-            </a:lvl9pPr>
-          </a:lstStyle>
-          <a:p>
-            <a:pPr marL="347345">
-              <a:spcBef>
-                <a:spcPts val="0"/>
-              </a:spcBef>
-              <a:spcAft>
-                <a:spcPts val="0"/>
-              </a:spcAft>
-              <a:tabLst>
-                <a:tab pos="1371600" algn="l"/>
-              </a:tabLst>
-            </a:pPr>
-            <a:r>
-              <a:rPr lang="en-US" sz="1600" b="1" kern="0">
-                <a:latin typeface="Courier New" panose="02070309020205020404" pitchFamily="49" charset="0"/>
-                <a:ea typeface="Times New Roman" panose="02020603050405020304" pitchFamily="18" charset="0"/>
-                <a:cs typeface="Times New Roman" panose="02020603050405020304" pitchFamily="18" charset="0"/>
-              </a:rPr>
-              <a:t>&lt;a </a:t>
-            </a:r>
-            <a:r>
-              <a:rPr lang="en-US" sz="1600" b="1" kern="0">
-                <a:highlight>
-                  <a:srgbClr val="FFFF00"/>
-                </a:highlight>
-                <a:latin typeface="Courier New" panose="02070309020205020404" pitchFamily="49" charset="0"/>
-                <a:ea typeface="Times New Roman" panose="02020603050405020304" pitchFamily="18" charset="0"/>
-                <a:cs typeface="Times New Roman" panose="02020603050405020304" pitchFamily="18" charset="0"/>
-              </a:rPr>
-              <a:t>asp-area="Admin"</a:t>
-            </a:r>
-            <a:r>
-              <a:rPr lang="en-US" sz="1600" b="1" kern="0">
-                <a:latin typeface="Courier New" panose="02070309020205020404" pitchFamily="49" charset="0"/>
-                <a:ea typeface="Times New Roman" panose="02020603050405020304" pitchFamily="18" charset="0"/>
-                <a:cs typeface="Times New Roman" panose="02020603050405020304" pitchFamily="18" charset="0"/>
-              </a:rPr>
-              <a:t> asp-controller="Product" </a:t>
-            </a:r>
-          </a:p>
-          <a:p>
-            <a:pPr marL="347345">
-              <a:spcBef>
-                <a:spcPts val="0"/>
-              </a:spcBef>
-              <a:spcAft>
-                <a:spcPts val="0"/>
-              </a:spcAft>
-              <a:tabLst>
-                <a:tab pos="1371600" algn="l"/>
-              </a:tabLst>
-            </a:pPr>
-            <a:r>
-              <a:rPr lang="en-US" sz="1600" b="1" kern="0">
-                <a:latin typeface="Courier New" panose="02070309020205020404" pitchFamily="49" charset="0"/>
-                <a:ea typeface="Times New Roman" panose="02020603050405020304" pitchFamily="18" charset="0"/>
-                <a:cs typeface="Times New Roman" panose="02020603050405020304" pitchFamily="18" charset="0"/>
-              </a:rPr>
-              <a:t>   asp-action="List"&gt;Admin - Product Manager&lt;/a&gt;</a:t>
-            </a:r>
-          </a:p>
-          <a:p>
-            <a:pPr>
-              <a:spcBef>
-                <a:spcPts val="1500"/>
-              </a:spcBef>
-              <a:spcAft>
-                <a:spcPts val="600"/>
-              </a:spcAft>
-              <a:tabLst>
-                <a:tab pos="1371600" algn="l"/>
-              </a:tabLst>
-            </a:pPr>
-            <a:r>
-              <a:rPr lang="en-US" sz="2400" b="1" kern="0">
-                <a:solidFill>
-                  <a:srgbClr val="000099"/>
-                </a:solidFill>
-                <a:latin typeface="Arial" panose="020B0604020202020204" pitchFamily="34" charset="0"/>
-                <a:ea typeface="Times New Roman" panose="02020603050405020304" pitchFamily="18" charset="0"/>
-                <a:cs typeface="Times New Roman" panose="02020603050405020304" pitchFamily="18" charset="0"/>
-              </a:rPr>
-              <a:t>The URL that’s generated</a:t>
-            </a:r>
-          </a:p>
-          <a:p>
-            <a:pPr marL="347345">
-              <a:spcBef>
-                <a:spcPts val="0"/>
-              </a:spcBef>
-              <a:spcAft>
-                <a:spcPts val="0"/>
-              </a:spcAft>
-              <a:tabLst>
-                <a:tab pos="1371600" algn="l"/>
-              </a:tabLst>
-            </a:pPr>
-            <a:r>
-              <a:rPr lang="en-US" sz="1600" b="1" kern="0">
-                <a:latin typeface="Courier New" panose="02070309020205020404" pitchFamily="49" charset="0"/>
-                <a:ea typeface="Times New Roman" panose="02020603050405020304" pitchFamily="18" charset="0"/>
-                <a:cs typeface="Times New Roman" panose="02020603050405020304" pitchFamily="18" charset="0"/>
-              </a:rPr>
-              <a:t>/Admin/Product/List</a:t>
-            </a:r>
-          </a:p>
-          <a:p>
-            <a:endParaRPr lang="en-US" sz="1600" kern="0" dirty="0"/>
-          </a:p>
-        </p:txBody>
-      </p:sp>
-      <p:sp>
-        <p:nvSpPr>
-          <p:cNvPr id="9" name="Title 1">
-            <a:extLst>
-              <a:ext uri="{FF2B5EF4-FFF2-40B4-BE49-F238E27FC236}">
-                <a16:creationId xmlns:a16="http://schemas.microsoft.com/office/drawing/2014/main" id="{E54B0350-FA1B-445E-B033-608847E5466E}"/>
-              </a:ext>
-            </a:extLst>
-          </p:cNvPr>
-          <p:cNvSpPr txBox="1">
-            <a:spLocks/>
-          </p:cNvSpPr>
-          <p:nvPr/>
-        </p:nvSpPr>
-        <p:spPr bwMode="auto">
-          <a:xfrm>
-            <a:off x="914400" y="3810000"/>
-            <a:ext cx="7315200" cy="369332"/>
-          </a:xfrm>
-          <a:prstGeom prst="rect">
-            <a:avLst/>
-          </a:prstGeom>
-          <a:noFill/>
-          <a:ln>
-            <a:noFill/>
-          </a:ln>
-          <a:extLst>
-            <a:ext uri="{909E8E84-426E-40DD-AFC4-6F175D3DCCD1}">
-              <a14:hiddenFill xmlns:a14="http://schemas.microsoft.com/office/drawing/2010/main">
-                <a:solidFill>
-                  <a:srgbClr val="FFFFFF"/>
-                </a:solidFill>
-              </a14:hiddenFill>
-            </a:ext>
-            <a:ext uri="{91240B29-F687-4F45-9708-019B960494DF}">
-              <a14:hiddenLine xmlns:a14="http://schemas.microsoft.com/office/drawing/2010/main" w="9525">
-                <a:solidFill>
-                  <a:srgbClr val="000000"/>
-                </a:solidFill>
-                <a:miter lim="800000"/>
-                <a:headEnd/>
-                <a:tailEnd/>
-              </a14:hiddenLine>
-            </a:ext>
-          </a:extLst>
-        </p:spPr>
-        <p:txBody>
-          <a:bodyPr vert="horz" wrap="square" lIns="0" tIns="0" rIns="0" bIns="0" numCol="1" anchor="ctr" anchorCtr="0" compatLnSpc="1">
-            <a:prstTxWarp prst="textNoShape">
-              <a:avLst/>
-            </a:prstTxWarp>
-            <a:spAutoFit/>
-          </a:bodyPr>
-          <a:lstStyle>
-            <a:lvl1pPr algn="l" rtl="0" eaLnBrk="1" fontAlgn="base" hangingPunct="1">
-              <a:spcBef>
-                <a:spcPct val="0"/>
-              </a:spcBef>
-              <a:spcAft>
-                <a:spcPct val="0"/>
-              </a:spcAft>
-              <a:defRPr sz="2400" b="1" i="0" baseline="0">
-                <a:solidFill>
-                  <a:srgbClr val="000099"/>
-                </a:solidFill>
-                <a:latin typeface="+mj-lt"/>
-                <a:ea typeface="+mj-ea"/>
-                <a:cs typeface="+mj-cs"/>
-              </a:defRPr>
-            </a:lvl1pPr>
-            <a:lvl2pPr algn="ctr" rtl="0" eaLnBrk="1" fontAlgn="base" hangingPunct="1">
-              <a:spcBef>
-                <a:spcPct val="0"/>
-              </a:spcBef>
-              <a:spcAft>
-                <a:spcPct val="0"/>
-              </a:spcAft>
-              <a:defRPr sz="4400">
-                <a:solidFill>
-                  <a:schemeClr val="tx2"/>
-                </a:solidFill>
-                <a:latin typeface="Arial" charset="0"/>
-              </a:defRPr>
-            </a:lvl2pPr>
-            <a:lvl3pPr algn="ctr" rtl="0" eaLnBrk="1" fontAlgn="base" hangingPunct="1">
-              <a:spcBef>
-                <a:spcPct val="0"/>
-              </a:spcBef>
-              <a:spcAft>
-                <a:spcPct val="0"/>
-              </a:spcAft>
-              <a:defRPr sz="4400">
-                <a:solidFill>
-                  <a:schemeClr val="tx2"/>
-                </a:solidFill>
-                <a:latin typeface="Arial" charset="0"/>
-              </a:defRPr>
-            </a:lvl3pPr>
-            <a:lvl4pPr algn="ctr" rtl="0" eaLnBrk="1" fontAlgn="base" hangingPunct="1">
-              <a:spcBef>
-                <a:spcPct val="0"/>
-              </a:spcBef>
-              <a:spcAft>
-                <a:spcPct val="0"/>
-              </a:spcAft>
-              <a:defRPr sz="4400">
-                <a:solidFill>
-                  <a:schemeClr val="tx2"/>
-                </a:solidFill>
-                <a:latin typeface="Arial" charset="0"/>
-              </a:defRPr>
-            </a:lvl4pPr>
-            <a:lvl5pPr algn="ctr" rtl="0" eaLnBrk="1" fontAlgn="base" hangingPunct="1">
-              <a:spcBef>
-                <a:spcPct val="0"/>
-              </a:spcBef>
-              <a:spcAft>
-                <a:spcPct val="0"/>
-              </a:spcAft>
-              <a:defRPr sz="4400">
-                <a:solidFill>
-                  <a:schemeClr val="tx2"/>
-                </a:solidFill>
-                <a:latin typeface="Arial" charset="0"/>
-              </a:defRPr>
-            </a:lvl5pPr>
-            <a:lvl6pPr marL="457200" algn="ctr" rtl="0" eaLnBrk="1" fontAlgn="base" hangingPunct="1">
-              <a:spcBef>
-                <a:spcPct val="0"/>
-              </a:spcBef>
-              <a:spcAft>
-                <a:spcPct val="0"/>
-              </a:spcAft>
-              <a:defRPr sz="4400">
-                <a:solidFill>
-                  <a:schemeClr val="tx2"/>
-                </a:solidFill>
-                <a:latin typeface="Times New Roman" pitchFamily="18" charset="0"/>
-              </a:defRPr>
-            </a:lvl6pPr>
-            <a:lvl7pPr marL="914400" algn="ctr" rtl="0" eaLnBrk="1" fontAlgn="base" hangingPunct="1">
-              <a:spcBef>
-                <a:spcPct val="0"/>
-              </a:spcBef>
-              <a:spcAft>
-                <a:spcPct val="0"/>
-              </a:spcAft>
-              <a:defRPr sz="4400">
-                <a:solidFill>
-                  <a:schemeClr val="tx2"/>
-                </a:solidFill>
-                <a:latin typeface="Times New Roman" pitchFamily="18" charset="0"/>
-              </a:defRPr>
-            </a:lvl7pPr>
-            <a:lvl8pPr marL="1371600" algn="ctr" rtl="0" eaLnBrk="1" fontAlgn="base" hangingPunct="1">
-              <a:spcBef>
-                <a:spcPct val="0"/>
-              </a:spcBef>
-              <a:spcAft>
-                <a:spcPct val="0"/>
-              </a:spcAft>
-              <a:defRPr sz="4400">
-                <a:solidFill>
-                  <a:schemeClr val="tx2"/>
-                </a:solidFill>
-                <a:latin typeface="Times New Roman" pitchFamily="18" charset="0"/>
-              </a:defRPr>
-            </a:lvl8pPr>
-            <a:lvl9pPr marL="1828800" algn="ctr" rtl="0" eaLnBrk="1" fontAlgn="base" hangingPunct="1">
-              <a:spcBef>
-                <a:spcPct val="0"/>
-              </a:spcBef>
-              <a:spcAft>
-                <a:spcPct val="0"/>
-              </a:spcAft>
-              <a:defRPr sz="4400">
-                <a:solidFill>
-                  <a:schemeClr val="tx2"/>
-                </a:solidFill>
-                <a:latin typeface="Times New Roman" pitchFamily="18" charset="0"/>
-              </a:defRPr>
-            </a:lvl9pPr>
-          </a:lstStyle>
-          <a:p>
-            <a:r>
-              <a:rPr lang="en-US" kern="0" dirty="0"/>
-              <a:t>How to code an HTML placeholder</a:t>
-            </a:r>
-          </a:p>
-        </p:txBody>
-      </p:sp>
-      <p:sp>
-        <p:nvSpPr>
-          <p:cNvPr id="10" name="Text Placeholder 2">
-            <a:extLst>
-              <a:ext uri="{FF2B5EF4-FFF2-40B4-BE49-F238E27FC236}">
-                <a16:creationId xmlns:a16="http://schemas.microsoft.com/office/drawing/2014/main" id="{353C8925-C5C0-4792-A1A0-6180D968EC87}"/>
-              </a:ext>
-            </a:extLst>
-          </p:cNvPr>
-          <p:cNvSpPr txBox="1">
-            <a:spLocks/>
-          </p:cNvSpPr>
-          <p:nvPr/>
-        </p:nvSpPr>
-        <p:spPr bwMode="auto">
-          <a:xfrm>
-            <a:off x="838200" y="4251811"/>
-            <a:ext cx="7391400" cy="2590800"/>
-          </a:xfrm>
-          <a:prstGeom prst="rect">
-            <a:avLst/>
-          </a:prstGeom>
-          <a:solidFill>
-            <a:schemeClr val="bg1"/>
-          </a:solidFill>
-          <a:ln>
-            <a:noFill/>
-          </a:ln>
-        </p:spPr>
-        <p:txBody>
-          <a:bodyPr vert="horz" wrap="square" lIns="91440" tIns="45720" rIns="91440" bIns="45720" numCol="1" anchor="t" anchorCtr="0" compatLnSpc="1">
-            <a:prstTxWarp prst="textNoShape">
-              <a:avLst/>
-            </a:prstTxWarp>
-          </a:bodyPr>
-          <a:lstStyle>
-            <a:lvl1pPr marL="0" indent="0" algn="l" rtl="0" eaLnBrk="1" fontAlgn="base" hangingPunct="1">
-              <a:spcBef>
-                <a:spcPct val="20000"/>
-              </a:spcBef>
-              <a:spcAft>
-                <a:spcPct val="0"/>
-              </a:spcAft>
-              <a:buNone/>
-              <a:defRPr sz="2000">
-                <a:solidFill>
-                  <a:schemeClr val="tx1"/>
-                </a:solidFill>
-                <a:latin typeface="+mn-lt"/>
-                <a:ea typeface="+mn-ea"/>
-                <a:cs typeface="+mn-cs"/>
-              </a:defRPr>
-            </a:lvl1pPr>
-            <a:lvl2pPr marL="457200" indent="0" algn="l" rtl="0" eaLnBrk="1" fontAlgn="base" hangingPunct="1">
-              <a:spcBef>
-                <a:spcPct val="20000"/>
-              </a:spcBef>
-              <a:spcAft>
-                <a:spcPct val="0"/>
-              </a:spcAft>
-              <a:buNone/>
-              <a:defRPr sz="2800">
-                <a:solidFill>
-                  <a:schemeClr val="tx1"/>
-                </a:solidFill>
-                <a:latin typeface="+mn-lt"/>
-              </a:defRPr>
-            </a:lvl2pPr>
-            <a:lvl3pPr marL="914400" indent="0" algn="l" rtl="0" eaLnBrk="1" fontAlgn="base" hangingPunct="1">
-              <a:spcBef>
-                <a:spcPct val="20000"/>
-              </a:spcBef>
-              <a:spcAft>
-                <a:spcPct val="0"/>
-              </a:spcAft>
-              <a:buNone/>
-              <a:defRPr sz="2400">
-                <a:solidFill>
-                  <a:schemeClr val="tx1"/>
-                </a:solidFill>
-                <a:latin typeface="+mn-lt"/>
-              </a:defRPr>
-            </a:lvl3pPr>
-            <a:lvl4pPr marL="1371600" indent="0" algn="l" rtl="0" eaLnBrk="1" fontAlgn="base" hangingPunct="1">
-              <a:spcBef>
-                <a:spcPct val="20000"/>
-              </a:spcBef>
-              <a:spcAft>
-                <a:spcPct val="0"/>
-              </a:spcAft>
-              <a:buNone/>
-              <a:defRPr sz="2000">
-                <a:solidFill>
-                  <a:schemeClr val="tx1"/>
-                </a:solidFill>
-                <a:latin typeface="+mn-lt"/>
-              </a:defRPr>
-            </a:lvl4pPr>
-            <a:lvl5pPr marL="1828800" indent="0" algn="l" rtl="0" eaLnBrk="1" fontAlgn="base" hangingPunct="1">
-              <a:spcBef>
-                <a:spcPct val="20000"/>
-              </a:spcBef>
-              <a:spcAft>
-                <a:spcPct val="0"/>
-              </a:spcAft>
-              <a:buNone/>
-              <a:defRPr sz="2000">
-                <a:solidFill>
-                  <a:schemeClr val="tx1"/>
-                </a:solidFill>
-                <a:latin typeface="+mn-lt"/>
-              </a:defRPr>
-            </a:lvl5pPr>
-            <a:lvl6pPr marL="2514600" indent="-228600" algn="l" rtl="0" eaLnBrk="1" fontAlgn="base" hangingPunct="1">
-              <a:spcBef>
-                <a:spcPct val="20000"/>
-              </a:spcBef>
-              <a:spcAft>
-                <a:spcPct val="0"/>
-              </a:spcAft>
-              <a:buChar char="»"/>
-              <a:defRPr sz="2000">
-                <a:solidFill>
-                  <a:schemeClr val="tx1"/>
-                </a:solidFill>
-                <a:latin typeface="+mn-lt"/>
-              </a:defRPr>
-            </a:lvl6pPr>
-            <a:lvl7pPr marL="2971800" indent="-228600" algn="l" rtl="0" eaLnBrk="1" fontAlgn="base" hangingPunct="1">
-              <a:spcBef>
-                <a:spcPct val="20000"/>
-              </a:spcBef>
-              <a:spcAft>
-                <a:spcPct val="0"/>
-              </a:spcAft>
-              <a:buChar char="»"/>
-              <a:defRPr sz="2000">
-                <a:solidFill>
-                  <a:schemeClr val="tx1"/>
-                </a:solidFill>
-                <a:latin typeface="+mn-lt"/>
-              </a:defRPr>
-            </a:lvl7pPr>
-            <a:lvl8pPr marL="3429000" indent="-228600" algn="l" rtl="0" eaLnBrk="1" fontAlgn="base" hangingPunct="1">
-              <a:spcBef>
-                <a:spcPct val="20000"/>
-              </a:spcBef>
-              <a:spcAft>
-                <a:spcPct val="0"/>
-              </a:spcAft>
-              <a:buChar char="»"/>
-              <a:defRPr sz="2000">
-                <a:solidFill>
-                  <a:schemeClr val="tx1"/>
-                </a:solidFill>
-                <a:latin typeface="+mn-lt"/>
-              </a:defRPr>
-            </a:lvl8pPr>
-            <a:lvl9pPr marL="3886200" indent="-228600" algn="l" rtl="0" eaLnBrk="1" fontAlgn="base" hangingPunct="1">
-              <a:spcBef>
-                <a:spcPct val="20000"/>
-              </a:spcBef>
-              <a:spcAft>
-                <a:spcPct val="0"/>
-              </a:spcAft>
-              <a:buChar char="»"/>
-              <a:defRPr sz="2000">
-                <a:solidFill>
-                  <a:schemeClr val="tx1"/>
-                </a:solidFill>
-                <a:latin typeface="+mn-lt"/>
-              </a:defRPr>
-            </a:lvl9pPr>
-          </a:lstStyle>
-          <a:p>
-            <a:pPr marL="347345">
-              <a:spcBef>
-                <a:spcPts val="0"/>
-              </a:spcBef>
-              <a:spcAft>
-                <a:spcPts val="0"/>
-              </a:spcAft>
-              <a:tabLst>
-                <a:tab pos="1371600" algn="l"/>
-              </a:tabLst>
-            </a:pPr>
-            <a:r>
-              <a:rPr lang="en-US" sz="1600" b="1" kern="0" dirty="0">
-                <a:latin typeface="Courier New" panose="02070309020205020404" pitchFamily="49" charset="0"/>
-                <a:ea typeface="Times New Roman" panose="02020603050405020304" pitchFamily="18" charset="0"/>
-                <a:cs typeface="Times New Roman" panose="02020603050405020304" pitchFamily="18" charset="0"/>
-              </a:rPr>
-              <a:t>&lt;h2 </a:t>
-            </a:r>
-            <a:r>
-              <a:rPr lang="en-US" sz="1600" b="1" kern="0" dirty="0">
-                <a:highlight>
-                  <a:srgbClr val="FFFF00"/>
-                </a:highlight>
-                <a:latin typeface="Courier New" panose="02070309020205020404" pitchFamily="49" charset="0"/>
-                <a:ea typeface="Times New Roman" panose="02020603050405020304" pitchFamily="18" charset="0"/>
-                <a:cs typeface="Times New Roman" panose="02020603050405020304" pitchFamily="18" charset="0"/>
-              </a:rPr>
-              <a:t>id="Fender"</a:t>
-            </a:r>
-            <a:r>
-              <a:rPr lang="en-US" sz="1600" b="1" kern="0" dirty="0">
-                <a:latin typeface="Courier New" panose="02070309020205020404" pitchFamily="49" charset="0"/>
-                <a:ea typeface="Times New Roman" panose="02020603050405020304" pitchFamily="18" charset="0"/>
-                <a:cs typeface="Times New Roman" panose="02020603050405020304" pitchFamily="18" charset="0"/>
-              </a:rPr>
-              <a:t>&gt;Fender Guitars&lt;/h2&gt;</a:t>
-            </a:r>
-          </a:p>
-          <a:p>
-            <a:pPr>
-              <a:spcBef>
-                <a:spcPts val="1500"/>
-              </a:spcBef>
-              <a:spcAft>
-                <a:spcPts val="600"/>
-              </a:spcAft>
-              <a:tabLst>
-                <a:tab pos="1371600" algn="l"/>
-              </a:tabLst>
-            </a:pPr>
-            <a:r>
-              <a:rPr lang="en-US" sz="2400" b="1" kern="0" dirty="0">
-                <a:solidFill>
-                  <a:srgbClr val="000099"/>
-                </a:solidFill>
-                <a:latin typeface="Arial" panose="020B0604020202020204" pitchFamily="34" charset="0"/>
-                <a:ea typeface="Times New Roman" panose="02020603050405020304" pitchFamily="18" charset="0"/>
-                <a:cs typeface="Times New Roman" panose="02020603050405020304" pitchFamily="18" charset="0"/>
-              </a:rPr>
-              <a:t>How to code a URL that jumps </a:t>
-            </a:r>
-            <a:br>
-              <a:rPr lang="en-US" sz="2400" b="1" kern="0" dirty="0">
-                <a:solidFill>
-                  <a:srgbClr val="000099"/>
-                </a:solidFill>
-                <a:latin typeface="Arial" panose="020B0604020202020204" pitchFamily="34" charset="0"/>
-                <a:ea typeface="Times New Roman" panose="02020603050405020304" pitchFamily="18" charset="0"/>
-                <a:cs typeface="Times New Roman" panose="02020603050405020304" pitchFamily="18" charset="0"/>
-              </a:rPr>
-            </a:br>
-            <a:r>
-              <a:rPr lang="en-US" sz="2400" b="1" kern="0" dirty="0">
-                <a:solidFill>
-                  <a:srgbClr val="000099"/>
-                </a:solidFill>
-                <a:latin typeface="Arial" panose="020B0604020202020204" pitchFamily="34" charset="0"/>
-                <a:ea typeface="Times New Roman" panose="02020603050405020304" pitchFamily="18" charset="0"/>
-                <a:cs typeface="Times New Roman" panose="02020603050405020304" pitchFamily="18" charset="0"/>
-              </a:rPr>
-              <a:t>to an HTML placeholder on the same page</a:t>
-            </a:r>
-          </a:p>
-          <a:p>
-            <a:pPr marL="347345">
-              <a:spcBef>
-                <a:spcPts val="0"/>
-              </a:spcBef>
-              <a:spcAft>
-                <a:spcPts val="0"/>
-              </a:spcAft>
-              <a:tabLst>
-                <a:tab pos="1371600" algn="l"/>
-              </a:tabLst>
-            </a:pPr>
-            <a:r>
-              <a:rPr lang="en-US" sz="1600" b="1" kern="0" dirty="0">
-                <a:latin typeface="Courier New" panose="02070309020205020404" pitchFamily="49" charset="0"/>
-                <a:ea typeface="Times New Roman" panose="02020603050405020304" pitchFamily="18" charset="0"/>
-                <a:cs typeface="Times New Roman" panose="02020603050405020304" pitchFamily="18" charset="0"/>
-              </a:rPr>
-              <a:t>&lt;a </a:t>
-            </a:r>
-            <a:r>
-              <a:rPr lang="en-US" sz="1600" b="1" kern="0" dirty="0">
-                <a:highlight>
-                  <a:srgbClr val="FFFF00"/>
-                </a:highlight>
-                <a:latin typeface="Courier New" panose="02070309020205020404" pitchFamily="49" charset="0"/>
-                <a:ea typeface="Times New Roman" panose="02020603050405020304" pitchFamily="18" charset="0"/>
-                <a:cs typeface="Times New Roman" panose="02020603050405020304" pitchFamily="18" charset="0"/>
-              </a:rPr>
-              <a:t>asp-fragment="Fender"</a:t>
-            </a:r>
-            <a:r>
-              <a:rPr lang="en-US" sz="1600" b="1" kern="0" dirty="0">
-                <a:latin typeface="Courier New" panose="02070309020205020404" pitchFamily="49" charset="0"/>
-                <a:ea typeface="Times New Roman" panose="02020603050405020304" pitchFamily="18" charset="0"/>
-                <a:cs typeface="Times New Roman" panose="02020603050405020304" pitchFamily="18" charset="0"/>
-              </a:rPr>
-              <a:t>&gt;View Fender Guitars&lt;/a&gt;</a:t>
-            </a:r>
-          </a:p>
-          <a:p>
-            <a:pPr>
-              <a:spcBef>
-                <a:spcPts val="1500"/>
-              </a:spcBef>
-              <a:spcAft>
-                <a:spcPts val="600"/>
-              </a:spcAft>
-              <a:tabLst>
-                <a:tab pos="1371600" algn="l"/>
-              </a:tabLst>
-            </a:pPr>
-            <a:r>
-              <a:rPr lang="en-US" sz="2400" b="1" kern="0" dirty="0">
-                <a:solidFill>
-                  <a:srgbClr val="000099"/>
-                </a:solidFill>
-                <a:latin typeface="Arial" panose="020B0604020202020204" pitchFamily="34" charset="0"/>
-                <a:ea typeface="Times New Roman" panose="02020603050405020304" pitchFamily="18" charset="0"/>
-                <a:cs typeface="Times New Roman" panose="02020603050405020304" pitchFamily="18" charset="0"/>
-              </a:rPr>
-              <a:t>The URL that’s generated</a:t>
-            </a:r>
-          </a:p>
-          <a:p>
-            <a:pPr marL="347345">
-              <a:spcBef>
-                <a:spcPts val="0"/>
-              </a:spcBef>
-              <a:spcAft>
-                <a:spcPts val="0"/>
-              </a:spcAft>
-              <a:tabLst>
-                <a:tab pos="1371600" algn="l"/>
-              </a:tabLst>
-            </a:pPr>
-            <a:r>
-              <a:rPr lang="en-US" sz="1600" b="1" kern="0" dirty="0">
-                <a:latin typeface="Courier New" panose="02070309020205020404" pitchFamily="49" charset="0"/>
-                <a:ea typeface="Times New Roman" panose="02020603050405020304" pitchFamily="18" charset="0"/>
-                <a:cs typeface="Times New Roman" panose="02020603050405020304" pitchFamily="18" charset="0"/>
-              </a:rPr>
-              <a:t>/#Fender</a:t>
-            </a:r>
-          </a:p>
-          <a:p>
-            <a:endParaRPr lang="en-US" sz="2400" kern="0" dirty="0"/>
-          </a:p>
-        </p:txBody>
-      </p:sp>
-    </p:spTree>
-    <p:extLst>
-      <p:ext uri="{BB962C8B-B14F-4D97-AF65-F5344CB8AC3E}">
-        <p14:creationId xmlns:p14="http://schemas.microsoft.com/office/powerpoint/2010/main" val="1356527977"/>
-      </p:ext>
-    </p:extLst>
-  </p:cSld>
-  <p:clrMapOvr>
-    <a:masterClrMapping/>
-  </p:clrMapOvr>
-</p:sld>
-</file>
-
-<file path=ppt/slides/slide30.xml><?xml version="1.0" encoding="utf-8"?>
+<file path=ppt/slides/slide24.xml><?xml version="1.0" encoding="utf-8"?>
 <p:sld xmlns:a="http://schemas.openxmlformats.org/drawingml/2006/main" xmlns:r="http://schemas.openxmlformats.org/officeDocument/2006/relationships" xmlns:p="http://schemas.openxmlformats.org/presentationml/2006/main">
   <p:cSld>
     <p:spTree>
@@ -19165,7 +15319,7 @@
               <a:pPr>
                 <a:defRPr/>
               </a:pPr>
-              <a:t>30</a:t>
+              <a:t>24</a:t>
             </a:fld>
             <a:endParaRPr lang="en-US" dirty="0">
               <a:solidFill>
@@ -19188,7 +15342,7 @@
 </p:sld>
 </file>
 
-<file path=ppt/slides/slide31.xml><?xml version="1.0" encoding="utf-8"?>
+<file path=ppt/slides/slide25.xml><?xml version="1.0" encoding="utf-8"?>
 <p:sld xmlns:a="http://schemas.openxmlformats.org/drawingml/2006/main" xmlns:r="http://schemas.openxmlformats.org/officeDocument/2006/relationships" xmlns:p="http://schemas.openxmlformats.org/presentationml/2006/main">
   <p:cSld>
     <p:spTree>
@@ -19383,7 +15537,7 @@
               <a:pPr>
                 <a:defRPr/>
               </a:pPr>
-              <a:t>31</a:t>
+              <a:t>25</a:t>
             </a:fld>
             <a:endParaRPr lang="en-US" dirty="0">
               <a:solidFill>
@@ -19406,7 +15560,7 @@
 </p:sld>
 </file>
 
-<file path=ppt/slides/slide32.xml><?xml version="1.0" encoding="utf-8"?>
+<file path=ppt/slides/slide26.xml><?xml version="1.0" encoding="utf-8"?>
 <p:sld xmlns:a="http://schemas.openxmlformats.org/drawingml/2006/main" xmlns:r="http://schemas.openxmlformats.org/officeDocument/2006/relationships" xmlns:p="http://schemas.openxmlformats.org/presentationml/2006/main">
   <p:cSld>
     <p:spTree>
@@ -20365,7 +16519,7 @@
               <a:pPr>
                 <a:defRPr/>
               </a:pPr>
-              <a:t>32</a:t>
+              <a:t>26</a:t>
             </a:fld>
             <a:endParaRPr lang="en-US" dirty="0">
               <a:solidFill>
@@ -20388,7 +16542,7 @@
 </p:sld>
 </file>
 
-<file path=ppt/slides/slide33.xml><?xml version="1.0" encoding="utf-8"?>
+<file path=ppt/slides/slide27.xml><?xml version="1.0" encoding="utf-8"?>
 <p:sld xmlns:a="http://schemas.openxmlformats.org/drawingml/2006/main" xmlns:r="http://schemas.openxmlformats.org/officeDocument/2006/relationships" xmlns:p="http://schemas.openxmlformats.org/presentationml/2006/main">
   <p:cSld>
     <p:spTree>
@@ -20758,7 +16912,7 @@
               <a:pPr>
                 <a:defRPr/>
               </a:pPr>
-              <a:t>33</a:t>
+              <a:t>27</a:t>
             </a:fld>
             <a:endParaRPr lang="en-US" dirty="0">
               <a:solidFill>
@@ -20781,7 +16935,7 @@
 </p:sld>
 </file>
 
-<file path=ppt/slides/slide34.xml><?xml version="1.0" encoding="utf-8"?>
+<file path=ppt/slides/slide28.xml><?xml version="1.0" encoding="utf-8"?>
 <p:sld xmlns:a="http://schemas.openxmlformats.org/drawingml/2006/main" xmlns:r="http://schemas.openxmlformats.org/officeDocument/2006/relationships" xmlns:p="http://schemas.openxmlformats.org/presentationml/2006/main">
   <p:cSld>
     <p:spTree>
@@ -20976,7 +17130,7 @@
               <a:pPr>
                 <a:defRPr/>
               </a:pPr>
-              <a:t>34</a:t>
+              <a:t>28</a:t>
             </a:fld>
             <a:endParaRPr lang="en-US" dirty="0">
               <a:solidFill>
@@ -20999,7 +17153,7 @@
 </p:sld>
 </file>
 
-<file path=ppt/slides/slide35.xml><?xml version="1.0" encoding="utf-8"?>
+<file path=ppt/slides/slide29.xml><?xml version="1.0" encoding="utf-8"?>
 <p:sld xmlns:a="http://schemas.openxmlformats.org/drawingml/2006/main" xmlns:r="http://schemas.openxmlformats.org/officeDocument/2006/relationships" xmlns:p="http://schemas.openxmlformats.org/presentationml/2006/main">
   <p:cSld>
     <p:spTree>
@@ -21619,7 +17773,7 @@
               <a:pPr>
                 <a:defRPr/>
               </a:pPr>
-              <a:t>35</a:t>
+              <a:t>29</a:t>
             </a:fld>
             <a:endParaRPr lang="en-US" dirty="0">
               <a:solidFill>
@@ -21642,7 +17796,1218 @@
 </p:sld>
 </file>
 
-<file path=ppt/slides/slide36.xml><?xml version="1.0" encoding="utf-8"?>
+<file path=ppt/slides/slide3.xml><?xml version="1.0" encoding="utf-8"?>
+<p:sld xmlns:a="http://schemas.openxmlformats.org/drawingml/2006/main" xmlns:r="http://schemas.openxmlformats.org/officeDocument/2006/relationships" xmlns:p="http://schemas.openxmlformats.org/presentationml/2006/main">
+  <p:cSld>
+    <p:spTree>
+      <p:nvGrpSpPr>
+        <p:cNvPr id="1" name=""/>
+        <p:cNvGrpSpPr/>
+        <p:nvPr/>
+      </p:nvGrpSpPr>
+      <p:grpSpPr>
+        <a:xfrm>
+          <a:off x="0" y="0"/>
+          <a:ext cx="0" cy="0"/>
+          <a:chOff x="0" y="0"/>
+          <a:chExt cx="0" cy="0"/>
+        </a:xfrm>
+      </p:grpSpPr>
+      <p:sp>
+        <p:nvSpPr>
+          <p:cNvPr id="2" name="Title 1">
+            <a:extLst>
+              <a:ext uri="{FF2B5EF4-FFF2-40B4-BE49-F238E27FC236}">
+                <a16:creationId xmlns:a16="http://schemas.microsoft.com/office/drawing/2014/main" id="{AEFDA1D4-2F99-4976-99CB-598AAF881C45}"/>
+              </a:ext>
+            </a:extLst>
+          </p:cNvPr>
+          <p:cNvSpPr>
+            <a:spLocks noGrp="1"/>
+          </p:cNvSpPr>
+          <p:nvPr>
+            <p:ph type="title"/>
+          </p:nvPr>
+        </p:nvSpPr>
+        <p:spPr>
+          <a:xfrm>
+            <a:off x="914400" y="0"/>
+            <a:ext cx="7315200" cy="369332"/>
+          </a:xfrm>
+        </p:spPr>
+        <p:txBody>
+          <a:bodyPr/>
+          <a:lstStyle/>
+          <a:p>
+            <a:r>
+              <a:rPr lang="en-US" dirty="0"/>
+              <a:t>More tag helpers for generating URLs</a:t>
+            </a:r>
+          </a:p>
+        </p:txBody>
+      </p:sp>
+      <p:sp>
+        <p:nvSpPr>
+          <p:cNvPr id="3" name="Text Placeholder 2">
+            <a:extLst>
+              <a:ext uri="{FF2B5EF4-FFF2-40B4-BE49-F238E27FC236}">
+                <a16:creationId xmlns:a16="http://schemas.microsoft.com/office/drawing/2014/main" id="{1B1ADCBA-48F0-4245-B6E7-6A9F8BFA238D}"/>
+              </a:ext>
+            </a:extLst>
+          </p:cNvPr>
+          <p:cNvSpPr>
+            <a:spLocks noGrp="1"/>
+          </p:cNvSpPr>
+          <p:nvPr>
+            <p:ph type="body" sz="quarter" idx="13"/>
+          </p:nvPr>
+        </p:nvSpPr>
+        <p:spPr>
+          <a:xfrm>
+            <a:off x="838200" y="304800"/>
+            <a:ext cx="7391400" cy="1299121"/>
+          </a:xfrm>
+        </p:spPr>
+        <p:txBody>
+          <a:bodyPr/>
+          <a:lstStyle/>
+          <a:p>
+            <a:pPr marL="347345" marR="0">
+              <a:spcBef>
+                <a:spcPts val="0"/>
+              </a:spcBef>
+              <a:spcAft>
+                <a:spcPts val="600"/>
+              </a:spcAft>
+              <a:tabLst>
+                <a:tab pos="1371600" algn="l"/>
+              </a:tabLst>
+            </a:pPr>
+            <a:r>
+              <a:rPr lang="en-US" sz="1600" b="1" dirty="0">
+                <a:latin typeface="Courier New" panose="02070309020205020404" pitchFamily="49" charset="0"/>
+                <a:ea typeface="Times New Roman" panose="02020603050405020304" pitchFamily="18" charset="0"/>
+                <a:cs typeface="Times New Roman" panose="02020603050405020304" pitchFamily="18" charset="0"/>
+              </a:rPr>
+              <a:t>asp-area</a:t>
+            </a:r>
+          </a:p>
+          <a:p>
+            <a:pPr marL="347345" marR="0">
+              <a:spcBef>
+                <a:spcPts val="0"/>
+              </a:spcBef>
+              <a:spcAft>
+                <a:spcPts val="600"/>
+              </a:spcAft>
+              <a:tabLst>
+                <a:tab pos="1371600" algn="l"/>
+              </a:tabLst>
+            </a:pPr>
+            <a:r>
+              <a:rPr lang="en-US" sz="1600" b="1" dirty="0">
+                <a:latin typeface="Courier New" panose="02070309020205020404" pitchFamily="49" charset="0"/>
+                <a:ea typeface="Times New Roman" panose="02020603050405020304" pitchFamily="18" charset="0"/>
+                <a:cs typeface="Times New Roman" panose="02020603050405020304" pitchFamily="18" charset="0"/>
+              </a:rPr>
+              <a:t>asp-fragment</a:t>
+            </a:r>
+          </a:p>
+          <a:p>
+            <a:pPr marL="347345" marR="0">
+              <a:spcBef>
+                <a:spcPts val="0"/>
+              </a:spcBef>
+              <a:spcAft>
+                <a:spcPts val="600"/>
+              </a:spcAft>
+              <a:tabLst>
+                <a:tab pos="1371600" algn="l"/>
+              </a:tabLst>
+            </a:pPr>
+            <a:r>
+              <a:rPr lang="en-US" sz="1600" b="1" dirty="0">
+                <a:latin typeface="Courier New" panose="02070309020205020404" pitchFamily="49" charset="0"/>
+                <a:ea typeface="Times New Roman" panose="02020603050405020304" pitchFamily="18" charset="0"/>
+                <a:cs typeface="Times New Roman" panose="02020603050405020304" pitchFamily="18" charset="0"/>
+              </a:rPr>
+              <a:t>asp-protocol</a:t>
+            </a:r>
+          </a:p>
+          <a:p>
+            <a:pPr marL="347345" marR="0">
+              <a:spcBef>
+                <a:spcPts val="0"/>
+              </a:spcBef>
+              <a:spcAft>
+                <a:spcPts val="600"/>
+              </a:spcAft>
+              <a:tabLst>
+                <a:tab pos="1371600" algn="l"/>
+              </a:tabLst>
+            </a:pPr>
+            <a:r>
+              <a:rPr lang="en-US" sz="1600" b="1" dirty="0">
+                <a:latin typeface="Courier New" panose="02070309020205020404" pitchFamily="49" charset="0"/>
+                <a:ea typeface="Times New Roman" panose="02020603050405020304" pitchFamily="18" charset="0"/>
+                <a:cs typeface="Times New Roman" panose="02020603050405020304" pitchFamily="18" charset="0"/>
+              </a:rPr>
+              <a:t>asp-host</a:t>
+            </a:r>
+          </a:p>
+          <a:p>
+            <a:endParaRPr lang="en-US" sz="1600" dirty="0"/>
+          </a:p>
+        </p:txBody>
+      </p:sp>
+      <p:sp>
+        <p:nvSpPr>
+          <p:cNvPr id="7" name="Title 1">
+            <a:extLst>
+              <a:ext uri="{FF2B5EF4-FFF2-40B4-BE49-F238E27FC236}">
+                <a16:creationId xmlns:a16="http://schemas.microsoft.com/office/drawing/2014/main" id="{D79D0AD2-0124-4C57-B4A3-92383FF1931C}"/>
+              </a:ext>
+            </a:extLst>
+          </p:cNvPr>
+          <p:cNvSpPr txBox="1">
+            <a:spLocks/>
+          </p:cNvSpPr>
+          <p:nvPr/>
+        </p:nvSpPr>
+        <p:spPr bwMode="auto">
+          <a:xfrm>
+            <a:off x="914400" y="1905000"/>
+            <a:ext cx="7315200" cy="369332"/>
+          </a:xfrm>
+          <a:prstGeom prst="rect">
+            <a:avLst/>
+          </a:prstGeom>
+          <a:noFill/>
+          <a:ln>
+            <a:noFill/>
+          </a:ln>
+          <a:extLst>
+            <a:ext uri="{909E8E84-426E-40DD-AFC4-6F175D3DCCD1}">
+              <a14:hiddenFill xmlns:a14="http://schemas.microsoft.com/office/drawing/2010/main">
+                <a:solidFill>
+                  <a:srgbClr val="FFFFFF"/>
+                </a:solidFill>
+              </a14:hiddenFill>
+            </a:ext>
+            <a:ext uri="{91240B29-F687-4F45-9708-019B960494DF}">
+              <a14:hiddenLine xmlns:a14="http://schemas.microsoft.com/office/drawing/2010/main" w="9525">
+                <a:solidFill>
+                  <a:srgbClr val="000000"/>
+                </a:solidFill>
+                <a:miter lim="800000"/>
+                <a:headEnd/>
+                <a:tailEnd/>
+              </a14:hiddenLine>
+            </a:ext>
+          </a:extLst>
+        </p:spPr>
+        <p:txBody>
+          <a:bodyPr vert="horz" wrap="square" lIns="0" tIns="0" rIns="0" bIns="0" numCol="1" anchor="ctr" anchorCtr="0" compatLnSpc="1">
+            <a:prstTxWarp prst="textNoShape">
+              <a:avLst/>
+            </a:prstTxWarp>
+            <a:spAutoFit/>
+          </a:bodyPr>
+          <a:lstStyle>
+            <a:lvl1pPr algn="l" rtl="0" eaLnBrk="1" fontAlgn="base" hangingPunct="1">
+              <a:spcBef>
+                <a:spcPct val="0"/>
+              </a:spcBef>
+              <a:spcAft>
+                <a:spcPct val="0"/>
+              </a:spcAft>
+              <a:defRPr sz="2400" b="1" i="0" baseline="0">
+                <a:solidFill>
+                  <a:srgbClr val="000099"/>
+                </a:solidFill>
+                <a:latin typeface="+mj-lt"/>
+                <a:ea typeface="+mj-ea"/>
+                <a:cs typeface="+mj-cs"/>
+              </a:defRPr>
+            </a:lvl1pPr>
+            <a:lvl2pPr algn="ctr" rtl="0" eaLnBrk="1" fontAlgn="base" hangingPunct="1">
+              <a:spcBef>
+                <a:spcPct val="0"/>
+              </a:spcBef>
+              <a:spcAft>
+                <a:spcPct val="0"/>
+              </a:spcAft>
+              <a:defRPr sz="4400">
+                <a:solidFill>
+                  <a:schemeClr val="tx2"/>
+                </a:solidFill>
+                <a:latin typeface="Arial" charset="0"/>
+              </a:defRPr>
+            </a:lvl2pPr>
+            <a:lvl3pPr algn="ctr" rtl="0" eaLnBrk="1" fontAlgn="base" hangingPunct="1">
+              <a:spcBef>
+                <a:spcPct val="0"/>
+              </a:spcBef>
+              <a:spcAft>
+                <a:spcPct val="0"/>
+              </a:spcAft>
+              <a:defRPr sz="4400">
+                <a:solidFill>
+                  <a:schemeClr val="tx2"/>
+                </a:solidFill>
+                <a:latin typeface="Arial" charset="0"/>
+              </a:defRPr>
+            </a:lvl3pPr>
+            <a:lvl4pPr algn="ctr" rtl="0" eaLnBrk="1" fontAlgn="base" hangingPunct="1">
+              <a:spcBef>
+                <a:spcPct val="0"/>
+              </a:spcBef>
+              <a:spcAft>
+                <a:spcPct val="0"/>
+              </a:spcAft>
+              <a:defRPr sz="4400">
+                <a:solidFill>
+                  <a:schemeClr val="tx2"/>
+                </a:solidFill>
+                <a:latin typeface="Arial" charset="0"/>
+              </a:defRPr>
+            </a:lvl4pPr>
+            <a:lvl5pPr algn="ctr" rtl="0" eaLnBrk="1" fontAlgn="base" hangingPunct="1">
+              <a:spcBef>
+                <a:spcPct val="0"/>
+              </a:spcBef>
+              <a:spcAft>
+                <a:spcPct val="0"/>
+              </a:spcAft>
+              <a:defRPr sz="4400">
+                <a:solidFill>
+                  <a:schemeClr val="tx2"/>
+                </a:solidFill>
+                <a:latin typeface="Arial" charset="0"/>
+              </a:defRPr>
+            </a:lvl5pPr>
+            <a:lvl6pPr marL="457200" algn="ctr" rtl="0" eaLnBrk="1" fontAlgn="base" hangingPunct="1">
+              <a:spcBef>
+                <a:spcPct val="0"/>
+              </a:spcBef>
+              <a:spcAft>
+                <a:spcPct val="0"/>
+              </a:spcAft>
+              <a:defRPr sz="4400">
+                <a:solidFill>
+                  <a:schemeClr val="tx2"/>
+                </a:solidFill>
+                <a:latin typeface="Times New Roman" pitchFamily="18" charset="0"/>
+              </a:defRPr>
+            </a:lvl6pPr>
+            <a:lvl7pPr marL="914400" algn="ctr" rtl="0" eaLnBrk="1" fontAlgn="base" hangingPunct="1">
+              <a:spcBef>
+                <a:spcPct val="0"/>
+              </a:spcBef>
+              <a:spcAft>
+                <a:spcPct val="0"/>
+              </a:spcAft>
+              <a:defRPr sz="4400">
+                <a:solidFill>
+                  <a:schemeClr val="tx2"/>
+                </a:solidFill>
+                <a:latin typeface="Times New Roman" pitchFamily="18" charset="0"/>
+              </a:defRPr>
+            </a:lvl7pPr>
+            <a:lvl8pPr marL="1371600" algn="ctr" rtl="0" eaLnBrk="1" fontAlgn="base" hangingPunct="1">
+              <a:spcBef>
+                <a:spcPct val="0"/>
+              </a:spcBef>
+              <a:spcAft>
+                <a:spcPct val="0"/>
+              </a:spcAft>
+              <a:defRPr sz="4400">
+                <a:solidFill>
+                  <a:schemeClr val="tx2"/>
+                </a:solidFill>
+                <a:latin typeface="Times New Roman" pitchFamily="18" charset="0"/>
+              </a:defRPr>
+            </a:lvl8pPr>
+            <a:lvl9pPr marL="1828800" algn="ctr" rtl="0" eaLnBrk="1" fontAlgn="base" hangingPunct="1">
+              <a:spcBef>
+                <a:spcPct val="0"/>
+              </a:spcBef>
+              <a:spcAft>
+                <a:spcPct val="0"/>
+              </a:spcAft>
+              <a:defRPr sz="4400">
+                <a:solidFill>
+                  <a:schemeClr val="tx2"/>
+                </a:solidFill>
+                <a:latin typeface="Times New Roman" pitchFamily="18" charset="0"/>
+              </a:defRPr>
+            </a:lvl9pPr>
+          </a:lstStyle>
+          <a:p>
+            <a:r>
+              <a:rPr lang="en-US" kern="0"/>
+              <a:t>How to code a link to an area</a:t>
+            </a:r>
+            <a:endParaRPr lang="en-US" kern="0" dirty="0"/>
+          </a:p>
+        </p:txBody>
+      </p:sp>
+      <p:sp>
+        <p:nvSpPr>
+          <p:cNvPr id="8" name="Text Placeholder 2">
+            <a:extLst>
+              <a:ext uri="{FF2B5EF4-FFF2-40B4-BE49-F238E27FC236}">
+                <a16:creationId xmlns:a16="http://schemas.microsoft.com/office/drawing/2014/main" id="{60C6DC27-B04B-4007-BC69-AE48B945D1B1}"/>
+              </a:ext>
+            </a:extLst>
+          </p:cNvPr>
+          <p:cNvSpPr txBox="1">
+            <a:spLocks/>
+          </p:cNvSpPr>
+          <p:nvPr/>
+        </p:nvSpPr>
+        <p:spPr bwMode="auto">
+          <a:xfrm>
+            <a:off x="838200" y="2346811"/>
+            <a:ext cx="7391400" cy="1524000"/>
+          </a:xfrm>
+          <a:prstGeom prst="rect">
+            <a:avLst/>
+          </a:prstGeom>
+          <a:noFill/>
+          <a:ln>
+            <a:noFill/>
+          </a:ln>
+          <a:extLst>
+            <a:ext uri="{909E8E84-426E-40DD-AFC4-6F175D3DCCD1}">
+              <a14:hiddenFill xmlns:a14="http://schemas.microsoft.com/office/drawing/2010/main">
+                <a:solidFill>
+                  <a:srgbClr val="FFFFFF"/>
+                </a:solidFill>
+              </a14:hiddenFill>
+            </a:ext>
+            <a:ext uri="{91240B29-F687-4F45-9708-019B960494DF}">
+              <a14:hiddenLine xmlns:a14="http://schemas.microsoft.com/office/drawing/2010/main" w="9525">
+                <a:solidFill>
+                  <a:srgbClr val="000000"/>
+                </a:solidFill>
+                <a:miter lim="800000"/>
+                <a:headEnd/>
+                <a:tailEnd/>
+              </a14:hiddenLine>
+            </a:ext>
+          </a:extLst>
+        </p:spPr>
+        <p:txBody>
+          <a:bodyPr vert="horz" wrap="square" lIns="91440" tIns="45720" rIns="91440" bIns="45720" numCol="1" anchor="t" anchorCtr="0" compatLnSpc="1">
+            <a:prstTxWarp prst="textNoShape">
+              <a:avLst/>
+            </a:prstTxWarp>
+          </a:bodyPr>
+          <a:lstStyle>
+            <a:lvl1pPr marL="0" indent="0" algn="l" rtl="0" eaLnBrk="1" fontAlgn="base" hangingPunct="1">
+              <a:spcBef>
+                <a:spcPct val="20000"/>
+              </a:spcBef>
+              <a:spcAft>
+                <a:spcPct val="0"/>
+              </a:spcAft>
+              <a:buNone/>
+              <a:defRPr sz="2000">
+                <a:solidFill>
+                  <a:schemeClr val="tx1"/>
+                </a:solidFill>
+                <a:latin typeface="+mn-lt"/>
+                <a:ea typeface="+mn-ea"/>
+                <a:cs typeface="+mn-cs"/>
+              </a:defRPr>
+            </a:lvl1pPr>
+            <a:lvl2pPr marL="457200" indent="0" algn="l" rtl="0" eaLnBrk="1" fontAlgn="base" hangingPunct="1">
+              <a:spcBef>
+                <a:spcPct val="20000"/>
+              </a:spcBef>
+              <a:spcAft>
+                <a:spcPct val="0"/>
+              </a:spcAft>
+              <a:buNone/>
+              <a:defRPr sz="2800">
+                <a:solidFill>
+                  <a:schemeClr val="tx1"/>
+                </a:solidFill>
+                <a:latin typeface="+mn-lt"/>
+              </a:defRPr>
+            </a:lvl2pPr>
+            <a:lvl3pPr marL="914400" indent="0" algn="l" rtl="0" eaLnBrk="1" fontAlgn="base" hangingPunct="1">
+              <a:spcBef>
+                <a:spcPct val="20000"/>
+              </a:spcBef>
+              <a:spcAft>
+                <a:spcPct val="0"/>
+              </a:spcAft>
+              <a:buNone/>
+              <a:defRPr sz="2400">
+                <a:solidFill>
+                  <a:schemeClr val="tx1"/>
+                </a:solidFill>
+                <a:latin typeface="+mn-lt"/>
+              </a:defRPr>
+            </a:lvl3pPr>
+            <a:lvl4pPr marL="1371600" indent="0" algn="l" rtl="0" eaLnBrk="1" fontAlgn="base" hangingPunct="1">
+              <a:spcBef>
+                <a:spcPct val="20000"/>
+              </a:spcBef>
+              <a:spcAft>
+                <a:spcPct val="0"/>
+              </a:spcAft>
+              <a:buNone/>
+              <a:defRPr sz="2000">
+                <a:solidFill>
+                  <a:schemeClr val="tx1"/>
+                </a:solidFill>
+                <a:latin typeface="+mn-lt"/>
+              </a:defRPr>
+            </a:lvl4pPr>
+            <a:lvl5pPr marL="1828800" indent="0" algn="l" rtl="0" eaLnBrk="1" fontAlgn="base" hangingPunct="1">
+              <a:spcBef>
+                <a:spcPct val="20000"/>
+              </a:spcBef>
+              <a:spcAft>
+                <a:spcPct val="0"/>
+              </a:spcAft>
+              <a:buNone/>
+              <a:defRPr sz="2000">
+                <a:solidFill>
+                  <a:schemeClr val="tx1"/>
+                </a:solidFill>
+                <a:latin typeface="+mn-lt"/>
+              </a:defRPr>
+            </a:lvl5pPr>
+            <a:lvl6pPr marL="2514600" indent="-228600" algn="l" rtl="0" eaLnBrk="1" fontAlgn="base" hangingPunct="1">
+              <a:spcBef>
+                <a:spcPct val="20000"/>
+              </a:spcBef>
+              <a:spcAft>
+                <a:spcPct val="0"/>
+              </a:spcAft>
+              <a:buChar char="»"/>
+              <a:defRPr sz="2000">
+                <a:solidFill>
+                  <a:schemeClr val="tx1"/>
+                </a:solidFill>
+                <a:latin typeface="+mn-lt"/>
+              </a:defRPr>
+            </a:lvl6pPr>
+            <a:lvl7pPr marL="2971800" indent="-228600" algn="l" rtl="0" eaLnBrk="1" fontAlgn="base" hangingPunct="1">
+              <a:spcBef>
+                <a:spcPct val="20000"/>
+              </a:spcBef>
+              <a:spcAft>
+                <a:spcPct val="0"/>
+              </a:spcAft>
+              <a:buChar char="»"/>
+              <a:defRPr sz="2000">
+                <a:solidFill>
+                  <a:schemeClr val="tx1"/>
+                </a:solidFill>
+                <a:latin typeface="+mn-lt"/>
+              </a:defRPr>
+            </a:lvl7pPr>
+            <a:lvl8pPr marL="3429000" indent="-228600" algn="l" rtl="0" eaLnBrk="1" fontAlgn="base" hangingPunct="1">
+              <a:spcBef>
+                <a:spcPct val="20000"/>
+              </a:spcBef>
+              <a:spcAft>
+                <a:spcPct val="0"/>
+              </a:spcAft>
+              <a:buChar char="»"/>
+              <a:defRPr sz="2000">
+                <a:solidFill>
+                  <a:schemeClr val="tx1"/>
+                </a:solidFill>
+                <a:latin typeface="+mn-lt"/>
+              </a:defRPr>
+            </a:lvl8pPr>
+            <a:lvl9pPr marL="3886200" indent="-228600" algn="l" rtl="0" eaLnBrk="1" fontAlgn="base" hangingPunct="1">
+              <a:spcBef>
+                <a:spcPct val="20000"/>
+              </a:spcBef>
+              <a:spcAft>
+                <a:spcPct val="0"/>
+              </a:spcAft>
+              <a:buChar char="»"/>
+              <a:defRPr sz="2000">
+                <a:solidFill>
+                  <a:schemeClr val="tx1"/>
+                </a:solidFill>
+                <a:latin typeface="+mn-lt"/>
+              </a:defRPr>
+            </a:lvl9pPr>
+          </a:lstStyle>
+          <a:p>
+            <a:pPr marL="347345">
+              <a:spcBef>
+                <a:spcPts val="0"/>
+              </a:spcBef>
+              <a:spcAft>
+                <a:spcPts val="0"/>
+              </a:spcAft>
+              <a:tabLst>
+                <a:tab pos="1371600" algn="l"/>
+              </a:tabLst>
+            </a:pPr>
+            <a:r>
+              <a:rPr lang="en-US" sz="1600" b="1" kern="0">
+                <a:latin typeface="Courier New" panose="02070309020205020404" pitchFamily="49" charset="0"/>
+                <a:ea typeface="Times New Roman" panose="02020603050405020304" pitchFamily="18" charset="0"/>
+                <a:cs typeface="Times New Roman" panose="02020603050405020304" pitchFamily="18" charset="0"/>
+              </a:rPr>
+              <a:t>&lt;a </a:t>
+            </a:r>
+            <a:r>
+              <a:rPr lang="en-US" sz="1600" b="1" kern="0">
+                <a:highlight>
+                  <a:srgbClr val="FFFF00"/>
+                </a:highlight>
+                <a:latin typeface="Courier New" panose="02070309020205020404" pitchFamily="49" charset="0"/>
+                <a:ea typeface="Times New Roman" panose="02020603050405020304" pitchFamily="18" charset="0"/>
+                <a:cs typeface="Times New Roman" panose="02020603050405020304" pitchFamily="18" charset="0"/>
+              </a:rPr>
+              <a:t>asp-area="Admin"</a:t>
+            </a:r>
+            <a:r>
+              <a:rPr lang="en-US" sz="1600" b="1" kern="0">
+                <a:latin typeface="Courier New" panose="02070309020205020404" pitchFamily="49" charset="0"/>
+                <a:ea typeface="Times New Roman" panose="02020603050405020304" pitchFamily="18" charset="0"/>
+                <a:cs typeface="Times New Roman" panose="02020603050405020304" pitchFamily="18" charset="0"/>
+              </a:rPr>
+              <a:t> asp-controller="Product" </a:t>
+            </a:r>
+          </a:p>
+          <a:p>
+            <a:pPr marL="347345">
+              <a:spcBef>
+                <a:spcPts val="0"/>
+              </a:spcBef>
+              <a:spcAft>
+                <a:spcPts val="0"/>
+              </a:spcAft>
+              <a:tabLst>
+                <a:tab pos="1371600" algn="l"/>
+              </a:tabLst>
+            </a:pPr>
+            <a:r>
+              <a:rPr lang="en-US" sz="1600" b="1" kern="0">
+                <a:latin typeface="Courier New" panose="02070309020205020404" pitchFamily="49" charset="0"/>
+                <a:ea typeface="Times New Roman" panose="02020603050405020304" pitchFamily="18" charset="0"/>
+                <a:cs typeface="Times New Roman" panose="02020603050405020304" pitchFamily="18" charset="0"/>
+              </a:rPr>
+              <a:t>   asp-action="List"&gt;Admin - Product Manager&lt;/a&gt;</a:t>
+            </a:r>
+          </a:p>
+          <a:p>
+            <a:pPr>
+              <a:spcBef>
+                <a:spcPts val="1500"/>
+              </a:spcBef>
+              <a:spcAft>
+                <a:spcPts val="600"/>
+              </a:spcAft>
+              <a:tabLst>
+                <a:tab pos="1371600" algn="l"/>
+              </a:tabLst>
+            </a:pPr>
+            <a:r>
+              <a:rPr lang="en-US" sz="2400" b="1" kern="0">
+                <a:solidFill>
+                  <a:srgbClr val="000099"/>
+                </a:solidFill>
+                <a:latin typeface="Arial" panose="020B0604020202020204" pitchFamily="34" charset="0"/>
+                <a:ea typeface="Times New Roman" panose="02020603050405020304" pitchFamily="18" charset="0"/>
+                <a:cs typeface="Times New Roman" panose="02020603050405020304" pitchFamily="18" charset="0"/>
+              </a:rPr>
+              <a:t>The URL that’s generated</a:t>
+            </a:r>
+          </a:p>
+          <a:p>
+            <a:pPr marL="347345">
+              <a:spcBef>
+                <a:spcPts val="0"/>
+              </a:spcBef>
+              <a:spcAft>
+                <a:spcPts val="0"/>
+              </a:spcAft>
+              <a:tabLst>
+                <a:tab pos="1371600" algn="l"/>
+              </a:tabLst>
+            </a:pPr>
+            <a:r>
+              <a:rPr lang="en-US" sz="1600" b="1" kern="0">
+                <a:latin typeface="Courier New" panose="02070309020205020404" pitchFamily="49" charset="0"/>
+                <a:ea typeface="Times New Roman" panose="02020603050405020304" pitchFamily="18" charset="0"/>
+                <a:cs typeface="Times New Roman" panose="02020603050405020304" pitchFamily="18" charset="0"/>
+              </a:rPr>
+              <a:t>/Admin/Product/List</a:t>
+            </a:r>
+          </a:p>
+          <a:p>
+            <a:endParaRPr lang="en-US" sz="1600" kern="0" dirty="0"/>
+          </a:p>
+        </p:txBody>
+      </p:sp>
+      <p:sp>
+        <p:nvSpPr>
+          <p:cNvPr id="9" name="Title 1">
+            <a:extLst>
+              <a:ext uri="{FF2B5EF4-FFF2-40B4-BE49-F238E27FC236}">
+                <a16:creationId xmlns:a16="http://schemas.microsoft.com/office/drawing/2014/main" id="{E54B0350-FA1B-445E-B033-608847E5466E}"/>
+              </a:ext>
+            </a:extLst>
+          </p:cNvPr>
+          <p:cNvSpPr txBox="1">
+            <a:spLocks/>
+          </p:cNvSpPr>
+          <p:nvPr/>
+        </p:nvSpPr>
+        <p:spPr bwMode="auto">
+          <a:xfrm>
+            <a:off x="914400" y="3810000"/>
+            <a:ext cx="7315200" cy="369332"/>
+          </a:xfrm>
+          <a:prstGeom prst="rect">
+            <a:avLst/>
+          </a:prstGeom>
+          <a:noFill/>
+          <a:ln>
+            <a:noFill/>
+          </a:ln>
+          <a:extLst>
+            <a:ext uri="{909E8E84-426E-40DD-AFC4-6F175D3DCCD1}">
+              <a14:hiddenFill xmlns:a14="http://schemas.microsoft.com/office/drawing/2010/main">
+                <a:solidFill>
+                  <a:srgbClr val="FFFFFF"/>
+                </a:solidFill>
+              </a14:hiddenFill>
+            </a:ext>
+            <a:ext uri="{91240B29-F687-4F45-9708-019B960494DF}">
+              <a14:hiddenLine xmlns:a14="http://schemas.microsoft.com/office/drawing/2010/main" w="9525">
+                <a:solidFill>
+                  <a:srgbClr val="000000"/>
+                </a:solidFill>
+                <a:miter lim="800000"/>
+                <a:headEnd/>
+                <a:tailEnd/>
+              </a14:hiddenLine>
+            </a:ext>
+          </a:extLst>
+        </p:spPr>
+        <p:txBody>
+          <a:bodyPr vert="horz" wrap="square" lIns="0" tIns="0" rIns="0" bIns="0" numCol="1" anchor="ctr" anchorCtr="0" compatLnSpc="1">
+            <a:prstTxWarp prst="textNoShape">
+              <a:avLst/>
+            </a:prstTxWarp>
+            <a:spAutoFit/>
+          </a:bodyPr>
+          <a:lstStyle>
+            <a:lvl1pPr algn="l" rtl="0" eaLnBrk="1" fontAlgn="base" hangingPunct="1">
+              <a:spcBef>
+                <a:spcPct val="0"/>
+              </a:spcBef>
+              <a:spcAft>
+                <a:spcPct val="0"/>
+              </a:spcAft>
+              <a:defRPr sz="2400" b="1" i="0" baseline="0">
+                <a:solidFill>
+                  <a:srgbClr val="000099"/>
+                </a:solidFill>
+                <a:latin typeface="+mj-lt"/>
+                <a:ea typeface="+mj-ea"/>
+                <a:cs typeface="+mj-cs"/>
+              </a:defRPr>
+            </a:lvl1pPr>
+            <a:lvl2pPr algn="ctr" rtl="0" eaLnBrk="1" fontAlgn="base" hangingPunct="1">
+              <a:spcBef>
+                <a:spcPct val="0"/>
+              </a:spcBef>
+              <a:spcAft>
+                <a:spcPct val="0"/>
+              </a:spcAft>
+              <a:defRPr sz="4400">
+                <a:solidFill>
+                  <a:schemeClr val="tx2"/>
+                </a:solidFill>
+                <a:latin typeface="Arial" charset="0"/>
+              </a:defRPr>
+            </a:lvl2pPr>
+            <a:lvl3pPr algn="ctr" rtl="0" eaLnBrk="1" fontAlgn="base" hangingPunct="1">
+              <a:spcBef>
+                <a:spcPct val="0"/>
+              </a:spcBef>
+              <a:spcAft>
+                <a:spcPct val="0"/>
+              </a:spcAft>
+              <a:defRPr sz="4400">
+                <a:solidFill>
+                  <a:schemeClr val="tx2"/>
+                </a:solidFill>
+                <a:latin typeface="Arial" charset="0"/>
+              </a:defRPr>
+            </a:lvl3pPr>
+            <a:lvl4pPr algn="ctr" rtl="0" eaLnBrk="1" fontAlgn="base" hangingPunct="1">
+              <a:spcBef>
+                <a:spcPct val="0"/>
+              </a:spcBef>
+              <a:spcAft>
+                <a:spcPct val="0"/>
+              </a:spcAft>
+              <a:defRPr sz="4400">
+                <a:solidFill>
+                  <a:schemeClr val="tx2"/>
+                </a:solidFill>
+                <a:latin typeface="Arial" charset="0"/>
+              </a:defRPr>
+            </a:lvl4pPr>
+            <a:lvl5pPr algn="ctr" rtl="0" eaLnBrk="1" fontAlgn="base" hangingPunct="1">
+              <a:spcBef>
+                <a:spcPct val="0"/>
+              </a:spcBef>
+              <a:spcAft>
+                <a:spcPct val="0"/>
+              </a:spcAft>
+              <a:defRPr sz="4400">
+                <a:solidFill>
+                  <a:schemeClr val="tx2"/>
+                </a:solidFill>
+                <a:latin typeface="Arial" charset="0"/>
+              </a:defRPr>
+            </a:lvl5pPr>
+            <a:lvl6pPr marL="457200" algn="ctr" rtl="0" eaLnBrk="1" fontAlgn="base" hangingPunct="1">
+              <a:spcBef>
+                <a:spcPct val="0"/>
+              </a:spcBef>
+              <a:spcAft>
+                <a:spcPct val="0"/>
+              </a:spcAft>
+              <a:defRPr sz="4400">
+                <a:solidFill>
+                  <a:schemeClr val="tx2"/>
+                </a:solidFill>
+                <a:latin typeface="Times New Roman" pitchFamily="18" charset="0"/>
+              </a:defRPr>
+            </a:lvl6pPr>
+            <a:lvl7pPr marL="914400" algn="ctr" rtl="0" eaLnBrk="1" fontAlgn="base" hangingPunct="1">
+              <a:spcBef>
+                <a:spcPct val="0"/>
+              </a:spcBef>
+              <a:spcAft>
+                <a:spcPct val="0"/>
+              </a:spcAft>
+              <a:defRPr sz="4400">
+                <a:solidFill>
+                  <a:schemeClr val="tx2"/>
+                </a:solidFill>
+                <a:latin typeface="Times New Roman" pitchFamily="18" charset="0"/>
+              </a:defRPr>
+            </a:lvl7pPr>
+            <a:lvl8pPr marL="1371600" algn="ctr" rtl="0" eaLnBrk="1" fontAlgn="base" hangingPunct="1">
+              <a:spcBef>
+                <a:spcPct val="0"/>
+              </a:spcBef>
+              <a:spcAft>
+                <a:spcPct val="0"/>
+              </a:spcAft>
+              <a:defRPr sz="4400">
+                <a:solidFill>
+                  <a:schemeClr val="tx2"/>
+                </a:solidFill>
+                <a:latin typeface="Times New Roman" pitchFamily="18" charset="0"/>
+              </a:defRPr>
+            </a:lvl8pPr>
+            <a:lvl9pPr marL="1828800" algn="ctr" rtl="0" eaLnBrk="1" fontAlgn="base" hangingPunct="1">
+              <a:spcBef>
+                <a:spcPct val="0"/>
+              </a:spcBef>
+              <a:spcAft>
+                <a:spcPct val="0"/>
+              </a:spcAft>
+              <a:defRPr sz="4400">
+                <a:solidFill>
+                  <a:schemeClr val="tx2"/>
+                </a:solidFill>
+                <a:latin typeface="Times New Roman" pitchFamily="18" charset="0"/>
+              </a:defRPr>
+            </a:lvl9pPr>
+          </a:lstStyle>
+          <a:p>
+            <a:r>
+              <a:rPr lang="en-US" kern="0" dirty="0"/>
+              <a:t>How to code an HTML placeholder</a:t>
+            </a:r>
+          </a:p>
+        </p:txBody>
+      </p:sp>
+      <p:sp>
+        <p:nvSpPr>
+          <p:cNvPr id="10" name="Text Placeholder 2">
+            <a:extLst>
+              <a:ext uri="{FF2B5EF4-FFF2-40B4-BE49-F238E27FC236}">
+                <a16:creationId xmlns:a16="http://schemas.microsoft.com/office/drawing/2014/main" id="{353C8925-C5C0-4792-A1A0-6180D968EC87}"/>
+              </a:ext>
+            </a:extLst>
+          </p:cNvPr>
+          <p:cNvSpPr txBox="1">
+            <a:spLocks/>
+          </p:cNvSpPr>
+          <p:nvPr/>
+        </p:nvSpPr>
+        <p:spPr bwMode="auto">
+          <a:xfrm>
+            <a:off x="838200" y="4251811"/>
+            <a:ext cx="7391400" cy="2590800"/>
+          </a:xfrm>
+          <a:prstGeom prst="rect">
+            <a:avLst/>
+          </a:prstGeom>
+          <a:solidFill>
+            <a:schemeClr val="bg1"/>
+          </a:solidFill>
+          <a:ln>
+            <a:noFill/>
+          </a:ln>
+        </p:spPr>
+        <p:txBody>
+          <a:bodyPr vert="horz" wrap="square" lIns="91440" tIns="45720" rIns="91440" bIns="45720" numCol="1" anchor="t" anchorCtr="0" compatLnSpc="1">
+            <a:prstTxWarp prst="textNoShape">
+              <a:avLst/>
+            </a:prstTxWarp>
+          </a:bodyPr>
+          <a:lstStyle>
+            <a:lvl1pPr marL="0" indent="0" algn="l" rtl="0" eaLnBrk="1" fontAlgn="base" hangingPunct="1">
+              <a:spcBef>
+                <a:spcPct val="20000"/>
+              </a:spcBef>
+              <a:spcAft>
+                <a:spcPct val="0"/>
+              </a:spcAft>
+              <a:buNone/>
+              <a:defRPr sz="2000">
+                <a:solidFill>
+                  <a:schemeClr val="tx1"/>
+                </a:solidFill>
+                <a:latin typeface="+mn-lt"/>
+                <a:ea typeface="+mn-ea"/>
+                <a:cs typeface="+mn-cs"/>
+              </a:defRPr>
+            </a:lvl1pPr>
+            <a:lvl2pPr marL="457200" indent="0" algn="l" rtl="0" eaLnBrk="1" fontAlgn="base" hangingPunct="1">
+              <a:spcBef>
+                <a:spcPct val="20000"/>
+              </a:spcBef>
+              <a:spcAft>
+                <a:spcPct val="0"/>
+              </a:spcAft>
+              <a:buNone/>
+              <a:defRPr sz="2800">
+                <a:solidFill>
+                  <a:schemeClr val="tx1"/>
+                </a:solidFill>
+                <a:latin typeface="+mn-lt"/>
+              </a:defRPr>
+            </a:lvl2pPr>
+            <a:lvl3pPr marL="914400" indent="0" algn="l" rtl="0" eaLnBrk="1" fontAlgn="base" hangingPunct="1">
+              <a:spcBef>
+                <a:spcPct val="20000"/>
+              </a:spcBef>
+              <a:spcAft>
+                <a:spcPct val="0"/>
+              </a:spcAft>
+              <a:buNone/>
+              <a:defRPr sz="2400">
+                <a:solidFill>
+                  <a:schemeClr val="tx1"/>
+                </a:solidFill>
+                <a:latin typeface="+mn-lt"/>
+              </a:defRPr>
+            </a:lvl3pPr>
+            <a:lvl4pPr marL="1371600" indent="0" algn="l" rtl="0" eaLnBrk="1" fontAlgn="base" hangingPunct="1">
+              <a:spcBef>
+                <a:spcPct val="20000"/>
+              </a:spcBef>
+              <a:spcAft>
+                <a:spcPct val="0"/>
+              </a:spcAft>
+              <a:buNone/>
+              <a:defRPr sz="2000">
+                <a:solidFill>
+                  <a:schemeClr val="tx1"/>
+                </a:solidFill>
+                <a:latin typeface="+mn-lt"/>
+              </a:defRPr>
+            </a:lvl4pPr>
+            <a:lvl5pPr marL="1828800" indent="0" algn="l" rtl="0" eaLnBrk="1" fontAlgn="base" hangingPunct="1">
+              <a:spcBef>
+                <a:spcPct val="20000"/>
+              </a:spcBef>
+              <a:spcAft>
+                <a:spcPct val="0"/>
+              </a:spcAft>
+              <a:buNone/>
+              <a:defRPr sz="2000">
+                <a:solidFill>
+                  <a:schemeClr val="tx1"/>
+                </a:solidFill>
+                <a:latin typeface="+mn-lt"/>
+              </a:defRPr>
+            </a:lvl5pPr>
+            <a:lvl6pPr marL="2514600" indent="-228600" algn="l" rtl="0" eaLnBrk="1" fontAlgn="base" hangingPunct="1">
+              <a:spcBef>
+                <a:spcPct val="20000"/>
+              </a:spcBef>
+              <a:spcAft>
+                <a:spcPct val="0"/>
+              </a:spcAft>
+              <a:buChar char="»"/>
+              <a:defRPr sz="2000">
+                <a:solidFill>
+                  <a:schemeClr val="tx1"/>
+                </a:solidFill>
+                <a:latin typeface="+mn-lt"/>
+              </a:defRPr>
+            </a:lvl6pPr>
+            <a:lvl7pPr marL="2971800" indent="-228600" algn="l" rtl="0" eaLnBrk="1" fontAlgn="base" hangingPunct="1">
+              <a:spcBef>
+                <a:spcPct val="20000"/>
+              </a:spcBef>
+              <a:spcAft>
+                <a:spcPct val="0"/>
+              </a:spcAft>
+              <a:buChar char="»"/>
+              <a:defRPr sz="2000">
+                <a:solidFill>
+                  <a:schemeClr val="tx1"/>
+                </a:solidFill>
+                <a:latin typeface="+mn-lt"/>
+              </a:defRPr>
+            </a:lvl7pPr>
+            <a:lvl8pPr marL="3429000" indent="-228600" algn="l" rtl="0" eaLnBrk="1" fontAlgn="base" hangingPunct="1">
+              <a:spcBef>
+                <a:spcPct val="20000"/>
+              </a:spcBef>
+              <a:spcAft>
+                <a:spcPct val="0"/>
+              </a:spcAft>
+              <a:buChar char="»"/>
+              <a:defRPr sz="2000">
+                <a:solidFill>
+                  <a:schemeClr val="tx1"/>
+                </a:solidFill>
+                <a:latin typeface="+mn-lt"/>
+              </a:defRPr>
+            </a:lvl8pPr>
+            <a:lvl9pPr marL="3886200" indent="-228600" algn="l" rtl="0" eaLnBrk="1" fontAlgn="base" hangingPunct="1">
+              <a:spcBef>
+                <a:spcPct val="20000"/>
+              </a:spcBef>
+              <a:spcAft>
+                <a:spcPct val="0"/>
+              </a:spcAft>
+              <a:buChar char="»"/>
+              <a:defRPr sz="2000">
+                <a:solidFill>
+                  <a:schemeClr val="tx1"/>
+                </a:solidFill>
+                <a:latin typeface="+mn-lt"/>
+              </a:defRPr>
+            </a:lvl9pPr>
+          </a:lstStyle>
+          <a:p>
+            <a:pPr marL="347345">
+              <a:spcBef>
+                <a:spcPts val="0"/>
+              </a:spcBef>
+              <a:spcAft>
+                <a:spcPts val="0"/>
+              </a:spcAft>
+              <a:tabLst>
+                <a:tab pos="1371600" algn="l"/>
+              </a:tabLst>
+            </a:pPr>
+            <a:r>
+              <a:rPr lang="en-US" sz="1600" b="1" kern="0" dirty="0">
+                <a:latin typeface="Courier New" panose="02070309020205020404" pitchFamily="49" charset="0"/>
+                <a:ea typeface="Times New Roman" panose="02020603050405020304" pitchFamily="18" charset="0"/>
+                <a:cs typeface="Times New Roman" panose="02020603050405020304" pitchFamily="18" charset="0"/>
+              </a:rPr>
+              <a:t>&lt;h2 </a:t>
+            </a:r>
+            <a:r>
+              <a:rPr lang="en-US" sz="1600" b="1" kern="0" dirty="0">
+                <a:highlight>
+                  <a:srgbClr val="FFFF00"/>
+                </a:highlight>
+                <a:latin typeface="Courier New" panose="02070309020205020404" pitchFamily="49" charset="0"/>
+                <a:ea typeface="Times New Roman" panose="02020603050405020304" pitchFamily="18" charset="0"/>
+                <a:cs typeface="Times New Roman" panose="02020603050405020304" pitchFamily="18" charset="0"/>
+              </a:rPr>
+              <a:t>id="Fender"</a:t>
+            </a:r>
+            <a:r>
+              <a:rPr lang="en-US" sz="1600" b="1" kern="0" dirty="0">
+                <a:latin typeface="Courier New" panose="02070309020205020404" pitchFamily="49" charset="0"/>
+                <a:ea typeface="Times New Roman" panose="02020603050405020304" pitchFamily="18" charset="0"/>
+                <a:cs typeface="Times New Roman" panose="02020603050405020304" pitchFamily="18" charset="0"/>
+              </a:rPr>
+              <a:t>&gt;Fender Guitars&lt;/h2&gt;</a:t>
+            </a:r>
+          </a:p>
+          <a:p>
+            <a:pPr>
+              <a:spcBef>
+                <a:spcPts val="1500"/>
+              </a:spcBef>
+              <a:spcAft>
+                <a:spcPts val="600"/>
+              </a:spcAft>
+              <a:tabLst>
+                <a:tab pos="1371600" algn="l"/>
+              </a:tabLst>
+            </a:pPr>
+            <a:r>
+              <a:rPr lang="en-US" sz="2400" b="1" kern="0" dirty="0">
+                <a:solidFill>
+                  <a:srgbClr val="000099"/>
+                </a:solidFill>
+                <a:latin typeface="Arial" panose="020B0604020202020204" pitchFamily="34" charset="0"/>
+                <a:ea typeface="Times New Roman" panose="02020603050405020304" pitchFamily="18" charset="0"/>
+                <a:cs typeface="Times New Roman" panose="02020603050405020304" pitchFamily="18" charset="0"/>
+              </a:rPr>
+              <a:t>How to code a URL that jumps </a:t>
+            </a:r>
+            <a:br>
+              <a:rPr lang="en-US" sz="2400" b="1" kern="0" dirty="0">
+                <a:solidFill>
+                  <a:srgbClr val="000099"/>
+                </a:solidFill>
+                <a:latin typeface="Arial" panose="020B0604020202020204" pitchFamily="34" charset="0"/>
+                <a:ea typeface="Times New Roman" panose="02020603050405020304" pitchFamily="18" charset="0"/>
+                <a:cs typeface="Times New Roman" panose="02020603050405020304" pitchFamily="18" charset="0"/>
+              </a:rPr>
+            </a:br>
+            <a:r>
+              <a:rPr lang="en-US" sz="2400" b="1" kern="0" dirty="0">
+                <a:solidFill>
+                  <a:srgbClr val="000099"/>
+                </a:solidFill>
+                <a:latin typeface="Arial" panose="020B0604020202020204" pitchFamily="34" charset="0"/>
+                <a:ea typeface="Times New Roman" panose="02020603050405020304" pitchFamily="18" charset="0"/>
+                <a:cs typeface="Times New Roman" panose="02020603050405020304" pitchFamily="18" charset="0"/>
+              </a:rPr>
+              <a:t>to an HTML placeholder on the same page</a:t>
+            </a:r>
+          </a:p>
+          <a:p>
+            <a:pPr marL="347345">
+              <a:spcBef>
+                <a:spcPts val="0"/>
+              </a:spcBef>
+              <a:spcAft>
+                <a:spcPts val="0"/>
+              </a:spcAft>
+              <a:tabLst>
+                <a:tab pos="1371600" algn="l"/>
+              </a:tabLst>
+            </a:pPr>
+            <a:r>
+              <a:rPr lang="en-US" sz="1600" b="1" kern="0" dirty="0">
+                <a:latin typeface="Courier New" panose="02070309020205020404" pitchFamily="49" charset="0"/>
+                <a:ea typeface="Times New Roman" panose="02020603050405020304" pitchFamily="18" charset="0"/>
+                <a:cs typeface="Times New Roman" panose="02020603050405020304" pitchFamily="18" charset="0"/>
+              </a:rPr>
+              <a:t>&lt;a </a:t>
+            </a:r>
+            <a:r>
+              <a:rPr lang="en-US" sz="1600" b="1" kern="0" dirty="0">
+                <a:highlight>
+                  <a:srgbClr val="FFFF00"/>
+                </a:highlight>
+                <a:latin typeface="Courier New" panose="02070309020205020404" pitchFamily="49" charset="0"/>
+                <a:ea typeface="Times New Roman" panose="02020603050405020304" pitchFamily="18" charset="0"/>
+                <a:cs typeface="Times New Roman" panose="02020603050405020304" pitchFamily="18" charset="0"/>
+              </a:rPr>
+              <a:t>asp-fragment="Fender"</a:t>
+            </a:r>
+            <a:r>
+              <a:rPr lang="en-US" sz="1600" b="1" kern="0" dirty="0">
+                <a:latin typeface="Courier New" panose="02070309020205020404" pitchFamily="49" charset="0"/>
+                <a:ea typeface="Times New Roman" panose="02020603050405020304" pitchFamily="18" charset="0"/>
+                <a:cs typeface="Times New Roman" panose="02020603050405020304" pitchFamily="18" charset="0"/>
+              </a:rPr>
+              <a:t>&gt;View Fender Guitars&lt;/a&gt;</a:t>
+            </a:r>
+          </a:p>
+          <a:p>
+            <a:pPr>
+              <a:spcBef>
+                <a:spcPts val="1500"/>
+              </a:spcBef>
+              <a:spcAft>
+                <a:spcPts val="600"/>
+              </a:spcAft>
+              <a:tabLst>
+                <a:tab pos="1371600" algn="l"/>
+              </a:tabLst>
+            </a:pPr>
+            <a:r>
+              <a:rPr lang="en-US" sz="2400" b="1" kern="0" dirty="0">
+                <a:solidFill>
+                  <a:srgbClr val="000099"/>
+                </a:solidFill>
+                <a:latin typeface="Arial" panose="020B0604020202020204" pitchFamily="34" charset="0"/>
+                <a:ea typeface="Times New Roman" panose="02020603050405020304" pitchFamily="18" charset="0"/>
+                <a:cs typeface="Times New Roman" panose="02020603050405020304" pitchFamily="18" charset="0"/>
+              </a:rPr>
+              <a:t>The URL that’s generated</a:t>
+            </a:r>
+          </a:p>
+          <a:p>
+            <a:pPr marL="347345">
+              <a:spcBef>
+                <a:spcPts val="0"/>
+              </a:spcBef>
+              <a:spcAft>
+                <a:spcPts val="0"/>
+              </a:spcAft>
+              <a:tabLst>
+                <a:tab pos="1371600" algn="l"/>
+              </a:tabLst>
+            </a:pPr>
+            <a:r>
+              <a:rPr lang="en-US" sz="1600" b="1" kern="0" dirty="0">
+                <a:latin typeface="Courier New" panose="02070309020205020404" pitchFamily="49" charset="0"/>
+                <a:ea typeface="Times New Roman" panose="02020603050405020304" pitchFamily="18" charset="0"/>
+                <a:cs typeface="Times New Roman" panose="02020603050405020304" pitchFamily="18" charset="0"/>
+              </a:rPr>
+              <a:t>/#Fender</a:t>
+            </a:r>
+          </a:p>
+          <a:p>
+            <a:endParaRPr lang="en-US" sz="2400" kern="0" dirty="0"/>
+          </a:p>
+        </p:txBody>
+      </p:sp>
+    </p:spTree>
+    <p:extLst>
+      <p:ext uri="{BB962C8B-B14F-4D97-AF65-F5344CB8AC3E}">
+        <p14:creationId xmlns:p14="http://schemas.microsoft.com/office/powerpoint/2010/main" val="1356527977"/>
+      </p:ext>
+    </p:extLst>
+  </p:cSld>
+  <p:clrMapOvr>
+    <a:masterClrMapping/>
+  </p:clrMapOvr>
+</p:sld>
+</file>
+
+<file path=ppt/slides/slide30.xml><?xml version="1.0" encoding="utf-8"?>
 <p:sld xmlns:a="http://schemas.openxmlformats.org/drawingml/2006/main" xmlns:r="http://schemas.openxmlformats.org/officeDocument/2006/relationships" xmlns:p="http://schemas.openxmlformats.org/presentationml/2006/main">
   <p:cSld>
     <p:spTree>
@@ -22500,7 +19865,7 @@
               <a:pPr>
                 <a:defRPr/>
               </a:pPr>
-              <a:t>36</a:t>
+              <a:t>30</a:t>
             </a:fld>
             <a:endParaRPr lang="en-US" dirty="0">
               <a:solidFill>
@@ -22523,7 +19888,7 @@
 </p:sld>
 </file>
 
-<file path=ppt/slides/slide37.xml><?xml version="1.0" encoding="utf-8"?>
+<file path=ppt/slides/slide31.xml><?xml version="1.0" encoding="utf-8"?>
 <p:sld xmlns:a="http://schemas.openxmlformats.org/drawingml/2006/main" xmlns:r="http://schemas.openxmlformats.org/officeDocument/2006/relationships" xmlns:p="http://schemas.openxmlformats.org/presentationml/2006/main">
   <p:cSld>
     <p:spTree>
@@ -22718,7 +20083,7 @@
               <a:pPr>
                 <a:defRPr/>
               </a:pPr>
-              <a:t>37</a:t>
+              <a:t>31</a:t>
             </a:fld>
             <a:endParaRPr lang="en-US" dirty="0">
               <a:solidFill>
@@ -22741,7 +20106,7 @@
 </p:sld>
 </file>
 
-<file path=ppt/slides/slide38.xml><?xml version="1.0" encoding="utf-8"?>
+<file path=ppt/slides/slide32.xml><?xml version="1.0" encoding="utf-8"?>
 <p:sld xmlns:a="http://schemas.openxmlformats.org/drawingml/2006/main" xmlns:r="http://schemas.openxmlformats.org/officeDocument/2006/relationships" xmlns:p="http://schemas.openxmlformats.org/presentationml/2006/main">
   <p:cSld>
     <p:spTree>
@@ -22936,7 +20301,7 @@
               <a:pPr>
                 <a:defRPr/>
               </a:pPr>
-              <a:t>38</a:t>
+              <a:t>32</a:t>
             </a:fld>
             <a:endParaRPr lang="en-US" dirty="0">
               <a:solidFill>
@@ -22959,7 +20324,7 @@
 </p:sld>
 </file>
 
-<file path=ppt/slides/slide39.xml><?xml version="1.0" encoding="utf-8"?>
+<file path=ppt/slides/slide33.xml><?xml version="1.0" encoding="utf-8"?>
 <p:sld xmlns:a="http://schemas.openxmlformats.org/drawingml/2006/main" xmlns:r="http://schemas.openxmlformats.org/officeDocument/2006/relationships" xmlns:p="http://schemas.openxmlformats.org/presentationml/2006/main">
   <p:cSld>
     <p:spTree>
@@ -23154,7 +20519,7 @@
               <a:pPr>
                 <a:defRPr/>
               </a:pPr>
-              <a:t>39</a:t>
+              <a:t>33</a:t>
             </a:fld>
             <a:endParaRPr lang="en-US" dirty="0">
               <a:solidFill>
@@ -23177,459 +20542,7 @@
 </p:sld>
 </file>
 
-<file path=ppt/slides/slide4.xml><?xml version="1.0" encoding="utf-8"?>
-<p:sld xmlns:a="http://schemas.openxmlformats.org/drawingml/2006/main" xmlns:r="http://schemas.openxmlformats.org/officeDocument/2006/relationships" xmlns:p="http://schemas.openxmlformats.org/presentationml/2006/main">
-  <p:cSld>
-    <p:spTree>
-      <p:nvGrpSpPr>
-        <p:cNvPr id="1" name=""/>
-        <p:cNvGrpSpPr/>
-        <p:nvPr/>
-      </p:nvGrpSpPr>
-      <p:grpSpPr>
-        <a:xfrm>
-          <a:off x="0" y="0"/>
-          <a:ext cx="0" cy="0"/>
-          <a:chOff x="0" y="0"/>
-          <a:chExt cx="0" cy="0"/>
-        </a:xfrm>
-      </p:grpSpPr>
-      <p:sp>
-        <p:nvSpPr>
-          <p:cNvPr id="2" name="Title 1">
-            <a:extLst>
-              <a:ext uri="{FF2B5EF4-FFF2-40B4-BE49-F238E27FC236}">
-                <a16:creationId xmlns:a16="http://schemas.microsoft.com/office/drawing/2014/main" id="{163CAFAB-0C3F-4850-88C8-CC79565AEA28}"/>
-              </a:ext>
-            </a:extLst>
-          </p:cNvPr>
-          <p:cNvSpPr>
-            <a:spLocks noGrp="1"/>
-          </p:cNvSpPr>
-          <p:nvPr>
-            <p:ph type="title"/>
-          </p:nvPr>
-        </p:nvSpPr>
-        <p:spPr>
-          <a:xfrm>
-            <a:off x="914400" y="624989"/>
-            <a:ext cx="7315200" cy="369332"/>
-          </a:xfrm>
-        </p:spPr>
-        <p:txBody>
-          <a:bodyPr/>
-          <a:lstStyle/>
-          <a:p>
-            <a:r>
-              <a:rPr lang="en-US" dirty="0"/>
-              <a:t>How to code an absolute URL</a:t>
-            </a:r>
-          </a:p>
-        </p:txBody>
-      </p:sp>
-      <p:sp>
-        <p:nvSpPr>
-          <p:cNvPr id="3" name="Text Placeholder 2">
-            <a:extLst>
-              <a:ext uri="{FF2B5EF4-FFF2-40B4-BE49-F238E27FC236}">
-                <a16:creationId xmlns:a16="http://schemas.microsoft.com/office/drawing/2014/main" id="{1912E0D3-A163-4A23-BFCD-B4DC1A02FB6C}"/>
-              </a:ext>
-            </a:extLst>
-          </p:cNvPr>
-          <p:cNvSpPr>
-            <a:spLocks noGrp="1"/>
-          </p:cNvSpPr>
-          <p:nvPr>
-            <p:ph type="body" sz="quarter" idx="13"/>
-          </p:nvPr>
-        </p:nvSpPr>
-        <p:spPr/>
-        <p:txBody>
-          <a:bodyPr/>
-          <a:lstStyle/>
-          <a:p>
-            <a:pPr marL="347345" marR="0">
-              <a:spcBef>
-                <a:spcPts val="0"/>
-              </a:spcBef>
-              <a:spcAft>
-                <a:spcPts val="0"/>
-              </a:spcAft>
-              <a:tabLst>
-                <a:tab pos="1371600" algn="l"/>
-              </a:tabLst>
-            </a:pPr>
-            <a:r>
-              <a:rPr lang="en-US" sz="1400" b="1" dirty="0">
-                <a:latin typeface="Courier New" panose="02070309020205020404" pitchFamily="49" charset="0"/>
-                <a:ea typeface="Times New Roman" panose="02020603050405020304" pitchFamily="18" charset="0"/>
-                <a:cs typeface="Times New Roman" panose="02020603050405020304" pitchFamily="18" charset="0"/>
-              </a:rPr>
-              <a:t>&lt;a </a:t>
-            </a:r>
-            <a:r>
-              <a:rPr lang="en-US" sz="1400" b="1" dirty="0">
-                <a:highlight>
-                  <a:srgbClr val="FFFF00"/>
-                </a:highlight>
-                <a:latin typeface="Courier New" panose="02070309020205020404" pitchFamily="49" charset="0"/>
-                <a:ea typeface="Times New Roman" panose="02020603050405020304" pitchFamily="18" charset="0"/>
-                <a:cs typeface="Times New Roman" panose="02020603050405020304" pitchFamily="18" charset="0"/>
-              </a:rPr>
-              <a:t>asp-protocol="https"</a:t>
-            </a:r>
-            <a:r>
-              <a:rPr lang="en-US" sz="1400" b="1" dirty="0">
-                <a:latin typeface="Courier New" panose="02070309020205020404" pitchFamily="49" charset="0"/>
-                <a:ea typeface="Times New Roman" panose="02020603050405020304" pitchFamily="18" charset="0"/>
-                <a:cs typeface="Times New Roman" panose="02020603050405020304" pitchFamily="18" charset="0"/>
-              </a:rPr>
-              <a:t> </a:t>
-            </a:r>
-          </a:p>
-          <a:p>
-            <a:pPr marL="347345" marR="0">
-              <a:spcBef>
-                <a:spcPts val="0"/>
-              </a:spcBef>
-              <a:spcAft>
-                <a:spcPts val="0"/>
-              </a:spcAft>
-              <a:tabLst>
-                <a:tab pos="1371600" algn="l"/>
-              </a:tabLst>
-            </a:pPr>
-            <a:r>
-              <a:rPr lang="en-US" sz="1400" b="1" dirty="0">
-                <a:latin typeface="Courier New" panose="02070309020205020404" pitchFamily="49" charset="0"/>
-                <a:ea typeface="Times New Roman" panose="02020603050405020304" pitchFamily="18" charset="0"/>
-                <a:cs typeface="Times New Roman" panose="02020603050405020304" pitchFamily="18" charset="0"/>
-              </a:rPr>
-              <a:t>   </a:t>
-            </a:r>
-            <a:r>
-              <a:rPr lang="en-US" sz="1400" b="1" dirty="0">
-                <a:highlight>
-                  <a:srgbClr val="FFFF00"/>
-                </a:highlight>
-                <a:latin typeface="Courier New" panose="02070309020205020404" pitchFamily="49" charset="0"/>
-                <a:ea typeface="Times New Roman" panose="02020603050405020304" pitchFamily="18" charset="0"/>
-                <a:cs typeface="Times New Roman" panose="02020603050405020304" pitchFamily="18" charset="0"/>
-              </a:rPr>
-              <a:t>asp-host="murach.com"</a:t>
-            </a:r>
-            <a:endParaRPr lang="en-US" sz="1400" b="1" dirty="0">
-              <a:latin typeface="Courier New" panose="02070309020205020404" pitchFamily="49" charset="0"/>
-              <a:ea typeface="Times New Roman" panose="02020603050405020304" pitchFamily="18" charset="0"/>
-              <a:cs typeface="Times New Roman" panose="02020603050405020304" pitchFamily="18" charset="0"/>
-            </a:endParaRPr>
-          </a:p>
-          <a:p>
-            <a:pPr marL="347345" marR="0">
-              <a:spcBef>
-                <a:spcPts val="0"/>
-              </a:spcBef>
-              <a:spcAft>
-                <a:spcPts val="0"/>
-              </a:spcAft>
-              <a:tabLst>
-                <a:tab pos="1371600" algn="l"/>
-              </a:tabLst>
-            </a:pPr>
-            <a:r>
-              <a:rPr lang="en-US" sz="1400" b="1" dirty="0">
-                <a:latin typeface="Courier New" panose="02070309020205020404" pitchFamily="49" charset="0"/>
-                <a:ea typeface="Times New Roman" panose="02020603050405020304" pitchFamily="18" charset="0"/>
-                <a:cs typeface="Times New Roman" panose="02020603050405020304" pitchFamily="18" charset="0"/>
-              </a:rPr>
-              <a:t>   asp-controller="Shop" </a:t>
-            </a:r>
-          </a:p>
-          <a:p>
-            <a:pPr marL="347345" marR="0">
-              <a:spcBef>
-                <a:spcPts val="0"/>
-              </a:spcBef>
-              <a:spcAft>
-                <a:spcPts val="0"/>
-              </a:spcAft>
-              <a:tabLst>
-                <a:tab pos="1371600" algn="l"/>
-              </a:tabLst>
-            </a:pPr>
-            <a:r>
-              <a:rPr lang="en-US" sz="1400" b="1" dirty="0">
-                <a:latin typeface="Courier New" panose="02070309020205020404" pitchFamily="49" charset="0"/>
-                <a:ea typeface="Times New Roman" panose="02020603050405020304" pitchFamily="18" charset="0"/>
-                <a:cs typeface="Times New Roman" panose="02020603050405020304" pitchFamily="18" charset="0"/>
-              </a:rPr>
-              <a:t>   asp-action="Details"</a:t>
-            </a:r>
-          </a:p>
-          <a:p>
-            <a:pPr marL="347345" marR="0">
-              <a:spcBef>
-                <a:spcPts val="0"/>
-              </a:spcBef>
-              <a:spcAft>
-                <a:spcPts val="0"/>
-              </a:spcAft>
-              <a:tabLst>
-                <a:tab pos="1371600" algn="l"/>
-              </a:tabLst>
-            </a:pPr>
-            <a:r>
-              <a:rPr lang="en-US" sz="1400" b="1" dirty="0">
-                <a:latin typeface="Courier New" panose="02070309020205020404" pitchFamily="49" charset="0"/>
-                <a:ea typeface="Times New Roman" panose="02020603050405020304" pitchFamily="18" charset="0"/>
-                <a:cs typeface="Times New Roman" panose="02020603050405020304" pitchFamily="18" charset="0"/>
-              </a:rPr>
-              <a:t>   asp-route-id="html5-and-css3"</a:t>
-            </a:r>
-          </a:p>
-          <a:p>
-            <a:pPr marL="347345" marR="0">
-              <a:spcBef>
-                <a:spcPts val="0"/>
-              </a:spcBef>
-              <a:spcAft>
-                <a:spcPts val="0"/>
-              </a:spcAft>
-              <a:tabLst>
-                <a:tab pos="1371600" algn="l"/>
-              </a:tabLst>
-            </a:pPr>
-            <a:r>
-              <a:rPr lang="en-US" sz="1400" b="1" dirty="0">
-                <a:latin typeface="Courier New" panose="02070309020205020404" pitchFamily="49" charset="0"/>
-                <a:ea typeface="Times New Roman" panose="02020603050405020304" pitchFamily="18" charset="0"/>
-                <a:cs typeface="Times New Roman" panose="02020603050405020304" pitchFamily="18" charset="0"/>
-              </a:rPr>
-              <a:t>   </a:t>
-            </a:r>
-            <a:r>
-              <a:rPr lang="en-US" sz="1400" b="1" dirty="0">
-                <a:highlight>
-                  <a:srgbClr val="FFFF00"/>
-                </a:highlight>
-                <a:latin typeface="Courier New" panose="02070309020205020404" pitchFamily="49" charset="0"/>
-                <a:ea typeface="Times New Roman" panose="02020603050405020304" pitchFamily="18" charset="0"/>
-                <a:cs typeface="Times New Roman" panose="02020603050405020304" pitchFamily="18" charset="0"/>
-              </a:rPr>
-              <a:t>asp-fragment="reviews"</a:t>
-            </a:r>
-            <a:r>
-              <a:rPr lang="en-US" sz="1400" b="1" dirty="0">
-                <a:latin typeface="Courier New" panose="02070309020205020404" pitchFamily="49" charset="0"/>
-                <a:ea typeface="Times New Roman" panose="02020603050405020304" pitchFamily="18" charset="0"/>
-                <a:cs typeface="Times New Roman" panose="02020603050405020304" pitchFamily="18" charset="0"/>
-              </a:rPr>
-              <a:t>&gt;</a:t>
-            </a:r>
-            <a:r>
-              <a:rPr lang="en-US" sz="1400" b="1" dirty="0" err="1">
-                <a:latin typeface="Courier New" panose="02070309020205020404" pitchFamily="49" charset="0"/>
-                <a:ea typeface="Times New Roman" panose="02020603050405020304" pitchFamily="18" charset="0"/>
-                <a:cs typeface="Times New Roman" panose="02020603050405020304" pitchFamily="18" charset="0"/>
-              </a:rPr>
-              <a:t>Murach's</a:t>
-            </a:r>
-            <a:r>
-              <a:rPr lang="en-US" sz="1400" b="1" dirty="0">
-                <a:latin typeface="Courier New" panose="02070309020205020404" pitchFamily="49" charset="0"/>
-                <a:ea typeface="Times New Roman" panose="02020603050405020304" pitchFamily="18" charset="0"/>
-                <a:cs typeface="Times New Roman" panose="02020603050405020304" pitchFamily="18" charset="0"/>
-              </a:rPr>
-              <a:t> HTML5 and CSS3 - Reviews&lt;/a&gt;</a:t>
-            </a:r>
-          </a:p>
-          <a:p>
-            <a:pPr>
-              <a:spcBef>
-                <a:spcPts val="1500"/>
-              </a:spcBef>
-              <a:spcAft>
-                <a:spcPts val="600"/>
-              </a:spcAft>
-              <a:tabLst>
-                <a:tab pos="1371600" algn="l"/>
-              </a:tabLst>
-            </a:pPr>
-            <a:r>
-              <a:rPr lang="en-US" sz="2400" b="1" dirty="0">
-                <a:solidFill>
-                  <a:srgbClr val="000099"/>
-                </a:solidFill>
-                <a:latin typeface="Arial" panose="020B0604020202020204" pitchFamily="34" charset="0"/>
-                <a:ea typeface="Times New Roman" panose="02020603050405020304" pitchFamily="18" charset="0"/>
-                <a:cs typeface="Times New Roman" panose="02020603050405020304" pitchFamily="18" charset="0"/>
-              </a:rPr>
-              <a:t>The URL that’s generated</a:t>
-            </a:r>
-          </a:p>
-          <a:p>
-            <a:pPr marL="347345" marR="0">
-              <a:spcBef>
-                <a:spcPts val="0"/>
-              </a:spcBef>
-              <a:spcAft>
-                <a:spcPts val="0"/>
-              </a:spcAft>
-              <a:tabLst>
-                <a:tab pos="1371600" algn="l"/>
-              </a:tabLst>
-            </a:pPr>
-            <a:r>
-              <a:rPr lang="en-US" sz="1400" b="1" dirty="0">
-                <a:latin typeface="Courier New" panose="02070309020205020404" pitchFamily="49" charset="0"/>
-                <a:ea typeface="Times New Roman" panose="02020603050405020304" pitchFamily="18" charset="0"/>
-                <a:cs typeface="Times New Roman" panose="02020603050405020304" pitchFamily="18" charset="0"/>
-              </a:rPr>
-              <a:t>https://www.murach.com/Shop/Details/html5-and-css3#reviews</a:t>
-            </a:r>
-          </a:p>
-          <a:p>
-            <a:endParaRPr lang="en-US" sz="1400" dirty="0"/>
-          </a:p>
-        </p:txBody>
-      </p:sp>
-      <p:sp>
-        <p:nvSpPr>
-          <p:cNvPr id="4" name="Date Placeholder 3">
-            <a:extLst>
-              <a:ext uri="{FF2B5EF4-FFF2-40B4-BE49-F238E27FC236}">
-                <a16:creationId xmlns:a16="http://schemas.microsoft.com/office/drawing/2014/main" id="{9BCAE15D-5659-4EAC-84DB-C0F30B26638F}"/>
-              </a:ext>
-            </a:extLst>
-          </p:cNvPr>
-          <p:cNvSpPr>
-            <a:spLocks noGrp="1"/>
-          </p:cNvSpPr>
-          <p:nvPr>
-            <p:ph type="dt" sz="half" idx="10"/>
-          </p:nvPr>
-        </p:nvSpPr>
-        <p:spPr/>
-        <p:txBody>
-          <a:bodyPr/>
-          <a:lstStyle/>
-          <a:p>
-            <a:pPr>
-              <a:defRPr/>
-            </a:pPr>
-            <a:r>
-              <a:rPr lang="en-US"/>
-              <a:t>Murach's ASP.NET Core MVC</a:t>
-            </a:r>
-            <a:endParaRPr lang="en-US" dirty="0"/>
-          </a:p>
-        </p:txBody>
-      </p:sp>
-      <p:sp>
-        <p:nvSpPr>
-          <p:cNvPr id="5" name="Footer Placeholder 4">
-            <a:extLst>
-              <a:ext uri="{FF2B5EF4-FFF2-40B4-BE49-F238E27FC236}">
-                <a16:creationId xmlns:a16="http://schemas.microsoft.com/office/drawing/2014/main" id="{A32BC4B3-950E-4489-8E50-B1F2CCCE404C}"/>
-              </a:ext>
-            </a:extLst>
-          </p:cNvPr>
-          <p:cNvSpPr>
-            <a:spLocks noGrp="1"/>
-          </p:cNvSpPr>
-          <p:nvPr>
-            <p:ph type="ftr" sz="quarter" idx="11"/>
-          </p:nvPr>
-        </p:nvSpPr>
-        <p:spPr/>
-        <p:txBody>
-          <a:bodyPr/>
-          <a:lstStyle/>
-          <a:p>
-            <a:pPr>
-              <a:defRPr/>
-            </a:pPr>
-            <a:r>
-              <a:rPr lang="en-US"/>
-              <a:t>© 2020, Mike Murach &amp; Associates, Inc.</a:t>
-            </a:r>
-            <a:endParaRPr lang="en-US" dirty="0"/>
-          </a:p>
-        </p:txBody>
-      </p:sp>
-      <p:sp>
-        <p:nvSpPr>
-          <p:cNvPr id="6" name="Slide Number Placeholder 5">
-            <a:extLst>
-              <a:ext uri="{FF2B5EF4-FFF2-40B4-BE49-F238E27FC236}">
-                <a16:creationId xmlns:a16="http://schemas.microsoft.com/office/drawing/2014/main" id="{B37E2F2A-1DC7-4F1E-8559-FDB328578F25}"/>
-              </a:ext>
-            </a:extLst>
-          </p:cNvPr>
-          <p:cNvSpPr>
-            <a:spLocks noGrp="1"/>
-          </p:cNvSpPr>
-          <p:nvPr>
-            <p:ph type="sldNum" sz="quarter" idx="12"/>
-          </p:nvPr>
-        </p:nvSpPr>
-        <p:spPr/>
-        <p:txBody>
-          <a:bodyPr/>
-          <a:lstStyle/>
-          <a:p>
-            <a:pPr algn="l">
-              <a:defRPr/>
-            </a:pPr>
-            <a:endParaRPr lang="en-US" sz="1400">
-              <a:latin typeface="Times New Roman"/>
-            </a:endParaRPr>
-          </a:p>
-          <a:p>
-            <a:pPr>
-              <a:defRPr/>
-            </a:pPr>
-            <a:r>
-              <a:rPr lang="en-US">
-                <a:solidFill>
-                  <a:schemeClr val="bg1"/>
-                </a:solidFill>
-              </a:rPr>
-              <a:t>C7, Slide </a:t>
-            </a:r>
-            <a:fld id="{BF5C1183-B085-4070-A402-C03A3F977D3D}" type="slidenum">
-              <a:rPr lang="en-US" smtClean="0">
-                <a:solidFill>
-                  <a:schemeClr val="bg1"/>
-                </a:solidFill>
-              </a:rPr>
-              <a:pPr>
-                <a:defRPr/>
-              </a:pPr>
-              <a:t>4</a:t>
-            </a:fld>
-            <a:endParaRPr lang="en-US" dirty="0">
-              <a:solidFill>
-                <a:schemeClr val="bg1"/>
-              </a:solidFill>
-            </a:endParaRPr>
-          </a:p>
-        </p:txBody>
-      </p:sp>
-    </p:spTree>
-    <p:extLst>
-      <p:ext uri="{BB962C8B-B14F-4D97-AF65-F5344CB8AC3E}">
-        <p14:creationId xmlns:p14="http://schemas.microsoft.com/office/powerpoint/2010/main" val="1447717554"/>
-      </p:ext>
-    </p:extLst>
-  </p:cSld>
-  <p:clrMapOvr>
-    <a:masterClrMapping/>
-  </p:clrMapOvr>
-</p:sld>
-</file>
-
-<file path=ppt/slides/slide40.xml><?xml version="1.0" encoding="utf-8"?>
+<file path=ppt/slides/slide34.xml><?xml version="1.0" encoding="utf-8"?>
 <p:sld xmlns:a="http://schemas.openxmlformats.org/drawingml/2006/main" xmlns:r="http://schemas.openxmlformats.org/officeDocument/2006/relationships" xmlns:p="http://schemas.openxmlformats.org/presentationml/2006/main">
   <p:cSld>
     <p:spTree>
@@ -23824,7 +20737,7 @@
               <a:pPr>
                 <a:defRPr/>
               </a:pPr>
-              <a:t>40</a:t>
+              <a:t>34</a:t>
             </a:fld>
             <a:endParaRPr lang="en-US" dirty="0">
               <a:solidFill>
@@ -23847,7 +20760,7 @@
 </p:sld>
 </file>
 
-<file path=ppt/slides/slide41.xml><?xml version="1.0" encoding="utf-8"?>
+<file path=ppt/slides/slide35.xml><?xml version="1.0" encoding="utf-8"?>
 <p:sld xmlns:a="http://schemas.openxmlformats.org/drawingml/2006/main" xmlns:r="http://schemas.openxmlformats.org/officeDocument/2006/relationships" xmlns:p="http://schemas.openxmlformats.org/presentationml/2006/main">
   <p:cSld>
     <p:spTree>
@@ -24042,7 +20955,7 @@
               <a:pPr>
                 <a:defRPr/>
               </a:pPr>
-              <a:t>41</a:t>
+              <a:t>35</a:t>
             </a:fld>
             <a:endParaRPr lang="en-US" dirty="0">
               <a:solidFill>
@@ -24065,7 +20978,7 @@
 </p:sld>
 </file>
 
-<file path=ppt/slides/slide42.xml><?xml version="1.0" encoding="utf-8"?>
+<file path=ppt/slides/slide36.xml><?xml version="1.0" encoding="utf-8"?>
 <p:sld xmlns:a="http://schemas.openxmlformats.org/drawingml/2006/main" xmlns:r="http://schemas.openxmlformats.org/officeDocument/2006/relationships" xmlns:p="http://schemas.openxmlformats.org/presentationml/2006/main">
   <p:cSld>
     <p:spTree>
@@ -24260,7 +21173,7 @@
               <a:pPr>
                 <a:defRPr/>
               </a:pPr>
-              <a:t>42</a:t>
+              <a:t>36</a:t>
             </a:fld>
             <a:endParaRPr lang="en-US" dirty="0">
               <a:solidFill>
@@ -24274,6 +21187,458 @@
     <p:extLst>
       <p:ext uri="{BB962C8B-B14F-4D97-AF65-F5344CB8AC3E}">
         <p14:creationId xmlns:p14="http://schemas.microsoft.com/office/powerpoint/2010/main" val="577563821"/>
+      </p:ext>
+    </p:extLst>
+  </p:cSld>
+  <p:clrMapOvr>
+    <a:masterClrMapping/>
+  </p:clrMapOvr>
+</p:sld>
+</file>
+
+<file path=ppt/slides/slide4.xml><?xml version="1.0" encoding="utf-8"?>
+<p:sld xmlns:a="http://schemas.openxmlformats.org/drawingml/2006/main" xmlns:r="http://schemas.openxmlformats.org/officeDocument/2006/relationships" xmlns:p="http://schemas.openxmlformats.org/presentationml/2006/main">
+  <p:cSld>
+    <p:spTree>
+      <p:nvGrpSpPr>
+        <p:cNvPr id="1" name=""/>
+        <p:cNvGrpSpPr/>
+        <p:nvPr/>
+      </p:nvGrpSpPr>
+      <p:grpSpPr>
+        <a:xfrm>
+          <a:off x="0" y="0"/>
+          <a:ext cx="0" cy="0"/>
+          <a:chOff x="0" y="0"/>
+          <a:chExt cx="0" cy="0"/>
+        </a:xfrm>
+      </p:grpSpPr>
+      <p:sp>
+        <p:nvSpPr>
+          <p:cNvPr id="2" name="Title 1">
+            <a:extLst>
+              <a:ext uri="{FF2B5EF4-FFF2-40B4-BE49-F238E27FC236}">
+                <a16:creationId xmlns:a16="http://schemas.microsoft.com/office/drawing/2014/main" id="{163CAFAB-0C3F-4850-88C8-CC79565AEA28}"/>
+              </a:ext>
+            </a:extLst>
+          </p:cNvPr>
+          <p:cNvSpPr>
+            <a:spLocks noGrp="1"/>
+          </p:cNvSpPr>
+          <p:nvPr>
+            <p:ph type="title"/>
+          </p:nvPr>
+        </p:nvSpPr>
+        <p:spPr>
+          <a:xfrm>
+            <a:off x="914400" y="624989"/>
+            <a:ext cx="7315200" cy="369332"/>
+          </a:xfrm>
+        </p:spPr>
+        <p:txBody>
+          <a:bodyPr/>
+          <a:lstStyle/>
+          <a:p>
+            <a:r>
+              <a:rPr lang="en-US" dirty="0"/>
+              <a:t>How to code an absolute URL</a:t>
+            </a:r>
+          </a:p>
+        </p:txBody>
+      </p:sp>
+      <p:sp>
+        <p:nvSpPr>
+          <p:cNvPr id="3" name="Text Placeholder 2">
+            <a:extLst>
+              <a:ext uri="{FF2B5EF4-FFF2-40B4-BE49-F238E27FC236}">
+                <a16:creationId xmlns:a16="http://schemas.microsoft.com/office/drawing/2014/main" id="{1912E0D3-A163-4A23-BFCD-B4DC1A02FB6C}"/>
+              </a:ext>
+            </a:extLst>
+          </p:cNvPr>
+          <p:cNvSpPr>
+            <a:spLocks noGrp="1"/>
+          </p:cNvSpPr>
+          <p:nvPr>
+            <p:ph type="body" sz="quarter" idx="13"/>
+          </p:nvPr>
+        </p:nvSpPr>
+        <p:spPr/>
+        <p:txBody>
+          <a:bodyPr/>
+          <a:lstStyle/>
+          <a:p>
+            <a:pPr marL="347345" marR="0">
+              <a:spcBef>
+                <a:spcPts val="0"/>
+              </a:spcBef>
+              <a:spcAft>
+                <a:spcPts val="0"/>
+              </a:spcAft>
+              <a:tabLst>
+                <a:tab pos="1371600" algn="l"/>
+              </a:tabLst>
+            </a:pPr>
+            <a:r>
+              <a:rPr lang="en-US" sz="1400" b="1" dirty="0">
+                <a:latin typeface="Courier New" panose="02070309020205020404" pitchFamily="49" charset="0"/>
+                <a:ea typeface="Times New Roman" panose="02020603050405020304" pitchFamily="18" charset="0"/>
+                <a:cs typeface="Times New Roman" panose="02020603050405020304" pitchFamily="18" charset="0"/>
+              </a:rPr>
+              <a:t>&lt;a </a:t>
+            </a:r>
+            <a:r>
+              <a:rPr lang="en-US" sz="1400" b="1" dirty="0">
+                <a:highlight>
+                  <a:srgbClr val="FFFF00"/>
+                </a:highlight>
+                <a:latin typeface="Courier New" panose="02070309020205020404" pitchFamily="49" charset="0"/>
+                <a:ea typeface="Times New Roman" panose="02020603050405020304" pitchFamily="18" charset="0"/>
+                <a:cs typeface="Times New Roman" panose="02020603050405020304" pitchFamily="18" charset="0"/>
+              </a:rPr>
+              <a:t>asp-protocol="https"</a:t>
+            </a:r>
+            <a:r>
+              <a:rPr lang="en-US" sz="1400" b="1" dirty="0">
+                <a:latin typeface="Courier New" panose="02070309020205020404" pitchFamily="49" charset="0"/>
+                <a:ea typeface="Times New Roman" panose="02020603050405020304" pitchFamily="18" charset="0"/>
+                <a:cs typeface="Times New Roman" panose="02020603050405020304" pitchFamily="18" charset="0"/>
+              </a:rPr>
+              <a:t> </a:t>
+            </a:r>
+          </a:p>
+          <a:p>
+            <a:pPr marL="347345" marR="0">
+              <a:spcBef>
+                <a:spcPts val="0"/>
+              </a:spcBef>
+              <a:spcAft>
+                <a:spcPts val="0"/>
+              </a:spcAft>
+              <a:tabLst>
+                <a:tab pos="1371600" algn="l"/>
+              </a:tabLst>
+            </a:pPr>
+            <a:r>
+              <a:rPr lang="en-US" sz="1400" b="1" dirty="0">
+                <a:latin typeface="Courier New" panose="02070309020205020404" pitchFamily="49" charset="0"/>
+                <a:ea typeface="Times New Roman" panose="02020603050405020304" pitchFamily="18" charset="0"/>
+                <a:cs typeface="Times New Roman" panose="02020603050405020304" pitchFamily="18" charset="0"/>
+              </a:rPr>
+              <a:t>   </a:t>
+            </a:r>
+            <a:r>
+              <a:rPr lang="en-US" sz="1400" b="1" dirty="0">
+                <a:highlight>
+                  <a:srgbClr val="FFFF00"/>
+                </a:highlight>
+                <a:latin typeface="Courier New" panose="02070309020205020404" pitchFamily="49" charset="0"/>
+                <a:ea typeface="Times New Roman" panose="02020603050405020304" pitchFamily="18" charset="0"/>
+                <a:cs typeface="Times New Roman" panose="02020603050405020304" pitchFamily="18" charset="0"/>
+              </a:rPr>
+              <a:t>asp-host="murach.com"</a:t>
+            </a:r>
+            <a:endParaRPr lang="en-US" sz="1400" b="1" dirty="0">
+              <a:latin typeface="Courier New" panose="02070309020205020404" pitchFamily="49" charset="0"/>
+              <a:ea typeface="Times New Roman" panose="02020603050405020304" pitchFamily="18" charset="0"/>
+              <a:cs typeface="Times New Roman" panose="02020603050405020304" pitchFamily="18" charset="0"/>
+            </a:endParaRPr>
+          </a:p>
+          <a:p>
+            <a:pPr marL="347345" marR="0">
+              <a:spcBef>
+                <a:spcPts val="0"/>
+              </a:spcBef>
+              <a:spcAft>
+                <a:spcPts val="0"/>
+              </a:spcAft>
+              <a:tabLst>
+                <a:tab pos="1371600" algn="l"/>
+              </a:tabLst>
+            </a:pPr>
+            <a:r>
+              <a:rPr lang="en-US" sz="1400" b="1" dirty="0">
+                <a:latin typeface="Courier New" panose="02070309020205020404" pitchFamily="49" charset="0"/>
+                <a:ea typeface="Times New Roman" panose="02020603050405020304" pitchFamily="18" charset="0"/>
+                <a:cs typeface="Times New Roman" panose="02020603050405020304" pitchFamily="18" charset="0"/>
+              </a:rPr>
+              <a:t>   asp-controller="Shop" </a:t>
+            </a:r>
+          </a:p>
+          <a:p>
+            <a:pPr marL="347345" marR="0">
+              <a:spcBef>
+                <a:spcPts val="0"/>
+              </a:spcBef>
+              <a:spcAft>
+                <a:spcPts val="0"/>
+              </a:spcAft>
+              <a:tabLst>
+                <a:tab pos="1371600" algn="l"/>
+              </a:tabLst>
+            </a:pPr>
+            <a:r>
+              <a:rPr lang="en-US" sz="1400" b="1" dirty="0">
+                <a:latin typeface="Courier New" panose="02070309020205020404" pitchFamily="49" charset="0"/>
+                <a:ea typeface="Times New Roman" panose="02020603050405020304" pitchFamily="18" charset="0"/>
+                <a:cs typeface="Times New Roman" panose="02020603050405020304" pitchFamily="18" charset="0"/>
+              </a:rPr>
+              <a:t>   asp-action="Details"</a:t>
+            </a:r>
+          </a:p>
+          <a:p>
+            <a:pPr marL="347345" marR="0">
+              <a:spcBef>
+                <a:spcPts val="0"/>
+              </a:spcBef>
+              <a:spcAft>
+                <a:spcPts val="0"/>
+              </a:spcAft>
+              <a:tabLst>
+                <a:tab pos="1371600" algn="l"/>
+              </a:tabLst>
+            </a:pPr>
+            <a:r>
+              <a:rPr lang="en-US" sz="1400" b="1" dirty="0">
+                <a:latin typeface="Courier New" panose="02070309020205020404" pitchFamily="49" charset="0"/>
+                <a:ea typeface="Times New Roman" panose="02020603050405020304" pitchFamily="18" charset="0"/>
+                <a:cs typeface="Times New Roman" panose="02020603050405020304" pitchFamily="18" charset="0"/>
+              </a:rPr>
+              <a:t>   asp-route-id="html5-and-css3"</a:t>
+            </a:r>
+          </a:p>
+          <a:p>
+            <a:pPr marL="347345" marR="0">
+              <a:spcBef>
+                <a:spcPts val="0"/>
+              </a:spcBef>
+              <a:spcAft>
+                <a:spcPts val="0"/>
+              </a:spcAft>
+              <a:tabLst>
+                <a:tab pos="1371600" algn="l"/>
+              </a:tabLst>
+            </a:pPr>
+            <a:r>
+              <a:rPr lang="en-US" sz="1400" b="1" dirty="0">
+                <a:latin typeface="Courier New" panose="02070309020205020404" pitchFamily="49" charset="0"/>
+                <a:ea typeface="Times New Roman" panose="02020603050405020304" pitchFamily="18" charset="0"/>
+                <a:cs typeface="Times New Roman" panose="02020603050405020304" pitchFamily="18" charset="0"/>
+              </a:rPr>
+              <a:t>   </a:t>
+            </a:r>
+            <a:r>
+              <a:rPr lang="en-US" sz="1400" b="1" dirty="0">
+                <a:highlight>
+                  <a:srgbClr val="FFFF00"/>
+                </a:highlight>
+                <a:latin typeface="Courier New" panose="02070309020205020404" pitchFamily="49" charset="0"/>
+                <a:ea typeface="Times New Roman" panose="02020603050405020304" pitchFamily="18" charset="0"/>
+                <a:cs typeface="Times New Roman" panose="02020603050405020304" pitchFamily="18" charset="0"/>
+              </a:rPr>
+              <a:t>asp-fragment="reviews"</a:t>
+            </a:r>
+            <a:r>
+              <a:rPr lang="en-US" sz="1400" b="1" dirty="0">
+                <a:latin typeface="Courier New" panose="02070309020205020404" pitchFamily="49" charset="0"/>
+                <a:ea typeface="Times New Roman" panose="02020603050405020304" pitchFamily="18" charset="0"/>
+                <a:cs typeface="Times New Roman" panose="02020603050405020304" pitchFamily="18" charset="0"/>
+              </a:rPr>
+              <a:t>&gt;</a:t>
+            </a:r>
+            <a:r>
+              <a:rPr lang="en-US" sz="1400" b="1" dirty="0" err="1">
+                <a:latin typeface="Courier New" panose="02070309020205020404" pitchFamily="49" charset="0"/>
+                <a:ea typeface="Times New Roman" panose="02020603050405020304" pitchFamily="18" charset="0"/>
+                <a:cs typeface="Times New Roman" panose="02020603050405020304" pitchFamily="18" charset="0"/>
+              </a:rPr>
+              <a:t>Murach's</a:t>
+            </a:r>
+            <a:r>
+              <a:rPr lang="en-US" sz="1400" b="1" dirty="0">
+                <a:latin typeface="Courier New" panose="02070309020205020404" pitchFamily="49" charset="0"/>
+                <a:ea typeface="Times New Roman" panose="02020603050405020304" pitchFamily="18" charset="0"/>
+                <a:cs typeface="Times New Roman" panose="02020603050405020304" pitchFamily="18" charset="0"/>
+              </a:rPr>
+              <a:t> HTML5 and CSS3 - Reviews&lt;/a&gt;</a:t>
+            </a:r>
+          </a:p>
+          <a:p>
+            <a:pPr>
+              <a:spcBef>
+                <a:spcPts val="1500"/>
+              </a:spcBef>
+              <a:spcAft>
+                <a:spcPts val="600"/>
+              </a:spcAft>
+              <a:tabLst>
+                <a:tab pos="1371600" algn="l"/>
+              </a:tabLst>
+            </a:pPr>
+            <a:r>
+              <a:rPr lang="en-US" sz="2400" b="1" dirty="0">
+                <a:solidFill>
+                  <a:srgbClr val="000099"/>
+                </a:solidFill>
+                <a:latin typeface="Arial" panose="020B0604020202020204" pitchFamily="34" charset="0"/>
+                <a:ea typeface="Times New Roman" panose="02020603050405020304" pitchFamily="18" charset="0"/>
+                <a:cs typeface="Times New Roman" panose="02020603050405020304" pitchFamily="18" charset="0"/>
+              </a:rPr>
+              <a:t>The URL that’s generated</a:t>
+            </a:r>
+          </a:p>
+          <a:p>
+            <a:pPr marL="347345" marR="0">
+              <a:spcBef>
+                <a:spcPts val="0"/>
+              </a:spcBef>
+              <a:spcAft>
+                <a:spcPts val="0"/>
+              </a:spcAft>
+              <a:tabLst>
+                <a:tab pos="1371600" algn="l"/>
+              </a:tabLst>
+            </a:pPr>
+            <a:r>
+              <a:rPr lang="en-US" sz="1400" b="1" dirty="0">
+                <a:latin typeface="Courier New" panose="02070309020205020404" pitchFamily="49" charset="0"/>
+                <a:ea typeface="Times New Roman" panose="02020603050405020304" pitchFamily="18" charset="0"/>
+                <a:cs typeface="Times New Roman" panose="02020603050405020304" pitchFamily="18" charset="0"/>
+              </a:rPr>
+              <a:t>https://www.murach.com/Shop/Details/html5-and-css3#reviews</a:t>
+            </a:r>
+          </a:p>
+          <a:p>
+            <a:endParaRPr lang="en-US" sz="1400" dirty="0"/>
+          </a:p>
+        </p:txBody>
+      </p:sp>
+      <p:sp>
+        <p:nvSpPr>
+          <p:cNvPr id="4" name="Date Placeholder 3">
+            <a:extLst>
+              <a:ext uri="{FF2B5EF4-FFF2-40B4-BE49-F238E27FC236}">
+                <a16:creationId xmlns:a16="http://schemas.microsoft.com/office/drawing/2014/main" id="{9BCAE15D-5659-4EAC-84DB-C0F30B26638F}"/>
+              </a:ext>
+            </a:extLst>
+          </p:cNvPr>
+          <p:cNvSpPr>
+            <a:spLocks noGrp="1"/>
+          </p:cNvSpPr>
+          <p:nvPr>
+            <p:ph type="dt" sz="half" idx="10"/>
+          </p:nvPr>
+        </p:nvSpPr>
+        <p:spPr/>
+        <p:txBody>
+          <a:bodyPr/>
+          <a:lstStyle/>
+          <a:p>
+            <a:pPr>
+              <a:defRPr/>
+            </a:pPr>
+            <a:r>
+              <a:rPr lang="en-US"/>
+              <a:t>Murach's ASP.NET Core MVC</a:t>
+            </a:r>
+            <a:endParaRPr lang="en-US" dirty="0"/>
+          </a:p>
+        </p:txBody>
+      </p:sp>
+      <p:sp>
+        <p:nvSpPr>
+          <p:cNvPr id="5" name="Footer Placeholder 4">
+            <a:extLst>
+              <a:ext uri="{FF2B5EF4-FFF2-40B4-BE49-F238E27FC236}">
+                <a16:creationId xmlns:a16="http://schemas.microsoft.com/office/drawing/2014/main" id="{A32BC4B3-950E-4489-8E50-B1F2CCCE404C}"/>
+              </a:ext>
+            </a:extLst>
+          </p:cNvPr>
+          <p:cNvSpPr>
+            <a:spLocks noGrp="1"/>
+          </p:cNvSpPr>
+          <p:nvPr>
+            <p:ph type="ftr" sz="quarter" idx="11"/>
+          </p:nvPr>
+        </p:nvSpPr>
+        <p:spPr/>
+        <p:txBody>
+          <a:bodyPr/>
+          <a:lstStyle/>
+          <a:p>
+            <a:pPr>
+              <a:defRPr/>
+            </a:pPr>
+            <a:r>
+              <a:rPr lang="en-US"/>
+              <a:t>© 2020, Mike Murach &amp; Associates, Inc.</a:t>
+            </a:r>
+            <a:endParaRPr lang="en-US" dirty="0"/>
+          </a:p>
+        </p:txBody>
+      </p:sp>
+      <p:sp>
+        <p:nvSpPr>
+          <p:cNvPr id="6" name="Slide Number Placeholder 5">
+            <a:extLst>
+              <a:ext uri="{FF2B5EF4-FFF2-40B4-BE49-F238E27FC236}">
+                <a16:creationId xmlns:a16="http://schemas.microsoft.com/office/drawing/2014/main" id="{B37E2F2A-1DC7-4F1E-8559-FDB328578F25}"/>
+              </a:ext>
+            </a:extLst>
+          </p:cNvPr>
+          <p:cNvSpPr>
+            <a:spLocks noGrp="1"/>
+          </p:cNvSpPr>
+          <p:nvPr>
+            <p:ph type="sldNum" sz="quarter" idx="12"/>
+          </p:nvPr>
+        </p:nvSpPr>
+        <p:spPr/>
+        <p:txBody>
+          <a:bodyPr/>
+          <a:lstStyle/>
+          <a:p>
+            <a:pPr algn="l">
+              <a:defRPr/>
+            </a:pPr>
+            <a:endParaRPr lang="en-US" sz="1400">
+              <a:latin typeface="Times New Roman"/>
+            </a:endParaRPr>
+          </a:p>
+          <a:p>
+            <a:pPr>
+              <a:defRPr/>
+            </a:pPr>
+            <a:r>
+              <a:rPr lang="en-US">
+                <a:solidFill>
+                  <a:schemeClr val="bg1"/>
+                </a:solidFill>
+              </a:rPr>
+              <a:t>C7, Slide </a:t>
+            </a:r>
+            <a:fld id="{BF5C1183-B085-4070-A402-C03A3F977D3D}" type="slidenum">
+              <a:rPr lang="en-US" smtClean="0">
+                <a:solidFill>
+                  <a:schemeClr val="bg1"/>
+                </a:solidFill>
+              </a:rPr>
+              <a:pPr>
+                <a:defRPr/>
+              </a:pPr>
+              <a:t>4</a:t>
+            </a:fld>
+            <a:endParaRPr lang="en-US" dirty="0">
+              <a:solidFill>
+                <a:schemeClr val="bg1"/>
+              </a:solidFill>
+            </a:endParaRPr>
+          </a:p>
+        </p:txBody>
+      </p:sp>
+    </p:spTree>
+    <p:extLst>
+      <p:ext uri="{BB962C8B-B14F-4D97-AF65-F5344CB8AC3E}">
+        <p14:creationId xmlns:p14="http://schemas.microsoft.com/office/powerpoint/2010/main" val="1447717554"/>
       </p:ext>
     </p:extLst>
   </p:cSld>
@@ -27293,10 +24658,10 @@
       </p:grpSpPr>
       <p:sp>
         <p:nvSpPr>
-          <p:cNvPr id="7" name="Title 6">
+          <p:cNvPr id="2" name="Title 1">
             <a:extLst>
               <a:ext uri="{FF2B5EF4-FFF2-40B4-BE49-F238E27FC236}">
-                <a16:creationId xmlns:a16="http://schemas.microsoft.com/office/drawing/2014/main" id="{75211152-E6C6-4B1D-AB08-BDF515F7962F}"/>
+                <a16:creationId xmlns:a16="http://schemas.microsoft.com/office/drawing/2014/main" id="{19FCAFE5-075E-4264-AFD1-E95F1CE379AC}"/>
               </a:ext>
             </a:extLst>
           </p:cNvPr>
@@ -27309,8 +24674,8 @@
         </p:nvSpPr>
         <p:spPr>
           <a:xfrm>
-            <a:off x="914400" y="624989"/>
-            <a:ext cx="7315200" cy="369332"/>
+            <a:off x="914400" y="625989"/>
+            <a:ext cx="7315200" cy="738664"/>
           </a:xfrm>
         </p:spPr>
         <p:txBody>
@@ -27319,49 +24684,209 @@
           <a:p>
             <a:r>
               <a:rPr lang="en-US" dirty="0"/>
-              <a:t>The view with model properties in a browser</a:t>
+              <a:t>A tag helper for adding options </a:t>
+            </a:r>
+            <a:br>
+              <a:rPr lang="en-US" dirty="0"/>
+            </a:br>
+            <a:r>
+              <a:rPr lang="en-US" dirty="0"/>
+              <a:t>to a &lt;select&gt; element</a:t>
             </a:r>
           </a:p>
         </p:txBody>
       </p:sp>
-      <p:pic>
-        <p:nvPicPr>
-          <p:cNvPr id="9" name="Content Placeholder 8" descr="Refer to page 253 in textbook">
+      <p:sp>
+        <p:nvSpPr>
+          <p:cNvPr id="3" name="Text Placeholder 2">
             <a:extLst>
               <a:ext uri="{FF2B5EF4-FFF2-40B4-BE49-F238E27FC236}">
-                <a16:creationId xmlns:a16="http://schemas.microsoft.com/office/drawing/2014/main" id="{72C115A8-8084-4892-A8B9-EECFD8E350E0}"/>
+                <a16:creationId xmlns:a16="http://schemas.microsoft.com/office/drawing/2014/main" id="{7EE324A2-0128-4A64-8F6C-D46CD3FB1315}"/>
               </a:ext>
             </a:extLst>
           </p:cNvPr>
-          <p:cNvPicPr>
-            <a:picLocks noGrp="1" noChangeAspect="1"/>
-          </p:cNvPicPr>
+          <p:cNvSpPr>
+            <a:spLocks noGrp="1"/>
+          </p:cNvSpPr>
           <p:nvPr>
-            <p:ph sz="quarter" idx="13"/>
+            <p:ph type="body" sz="quarter" idx="13"/>
           </p:nvPr>
-        </p:nvPicPr>
-        <p:blipFill>
-          <a:blip r:embed="rId2"/>
-          <a:stretch>
-            <a:fillRect/>
-          </a:stretch>
-        </p:blipFill>
-        <p:spPr>
-          <a:xfrm>
-            <a:off x="914400" y="1143000"/>
-            <a:ext cx="7126842" cy="2456901"/>
-          </a:xfrm>
-          <a:prstGeom prst="rect">
-            <a:avLst/>
-          </a:prstGeom>
-        </p:spPr>
-      </p:pic>
+        </p:nvSpPr>
+        <p:spPr/>
+        <p:txBody>
+          <a:bodyPr/>
+          <a:lstStyle/>
+          <a:p>
+            <a:pPr marL="347345" marR="0">
+              <a:spcBef>
+                <a:spcPts val="0"/>
+              </a:spcBef>
+              <a:spcAft>
+                <a:spcPts val="600"/>
+              </a:spcAft>
+              <a:tabLst>
+                <a:tab pos="1371600" algn="l"/>
+              </a:tabLst>
+            </a:pPr>
+            <a:r>
+              <a:rPr lang="en-US" sz="1600" b="1" dirty="0">
+                <a:latin typeface="Courier New" panose="02070309020205020404" pitchFamily="49" charset="0"/>
+                <a:ea typeface="Times New Roman" panose="02020603050405020304" pitchFamily="18" charset="0"/>
+                <a:cs typeface="Times New Roman" panose="02020603050405020304" pitchFamily="18" charset="0"/>
+              </a:rPr>
+              <a:t>asp-items</a:t>
+            </a:r>
+          </a:p>
+          <a:p>
+            <a:pPr>
+              <a:spcBef>
+                <a:spcPts val="1500"/>
+              </a:spcBef>
+              <a:spcAft>
+                <a:spcPts val="600"/>
+              </a:spcAft>
+              <a:tabLst>
+                <a:tab pos="1371600" algn="l"/>
+              </a:tabLst>
+            </a:pPr>
+            <a:r>
+              <a:rPr lang="en-US" sz="2400" b="1" dirty="0">
+                <a:solidFill>
+                  <a:srgbClr val="000099"/>
+                </a:solidFill>
+                <a:latin typeface="Arial" panose="020B0604020202020204" pitchFamily="34" charset="0"/>
+                <a:ea typeface="Times New Roman" panose="02020603050405020304" pitchFamily="18" charset="0"/>
+                <a:cs typeface="Times New Roman" panose="02020603050405020304" pitchFamily="18" charset="0"/>
+              </a:rPr>
+              <a:t>The constructor of the </a:t>
+            </a:r>
+            <a:r>
+              <a:rPr lang="en-US" sz="2400" b="1" dirty="0" err="1">
+                <a:solidFill>
+                  <a:srgbClr val="000099"/>
+                </a:solidFill>
+                <a:latin typeface="Arial" panose="020B0604020202020204" pitchFamily="34" charset="0"/>
+                <a:ea typeface="Times New Roman" panose="02020603050405020304" pitchFamily="18" charset="0"/>
+                <a:cs typeface="Times New Roman" panose="02020603050405020304" pitchFamily="18" charset="0"/>
+              </a:rPr>
+              <a:t>SelectList</a:t>
+            </a:r>
+            <a:r>
+              <a:rPr lang="en-US" sz="2400" b="1" dirty="0">
+                <a:solidFill>
+                  <a:srgbClr val="000099"/>
+                </a:solidFill>
+                <a:latin typeface="Arial" panose="020B0604020202020204" pitchFamily="34" charset="0"/>
+                <a:ea typeface="Times New Roman" panose="02020603050405020304" pitchFamily="18" charset="0"/>
+                <a:cs typeface="Times New Roman" panose="02020603050405020304" pitchFamily="18" charset="0"/>
+              </a:rPr>
+              <a:t> class</a:t>
+            </a:r>
+          </a:p>
+          <a:p>
+            <a:pPr marL="347345" marR="0">
+              <a:spcBef>
+                <a:spcPts val="0"/>
+              </a:spcBef>
+              <a:spcAft>
+                <a:spcPts val="600"/>
+              </a:spcAft>
+              <a:tabLst>
+                <a:tab pos="1371600" algn="l"/>
+              </a:tabLst>
+            </a:pPr>
+            <a:r>
+              <a:rPr lang="en-US" sz="1600" b="1" dirty="0" err="1">
+                <a:latin typeface="Courier New" panose="02070309020205020404" pitchFamily="49" charset="0"/>
+                <a:ea typeface="Times New Roman" panose="02020603050405020304" pitchFamily="18" charset="0"/>
+                <a:cs typeface="Times New Roman" panose="02020603050405020304" pitchFamily="18" charset="0"/>
+              </a:rPr>
+              <a:t>SelectList</a:t>
+            </a:r>
+            <a:r>
+              <a:rPr lang="en-US" sz="1600" b="1" dirty="0">
+                <a:latin typeface="Courier New" panose="02070309020205020404" pitchFamily="49" charset="0"/>
+                <a:ea typeface="Times New Roman" panose="02020603050405020304" pitchFamily="18" charset="0"/>
+                <a:cs typeface="Times New Roman" panose="02020603050405020304" pitchFamily="18" charset="0"/>
+              </a:rPr>
+              <a:t>(</a:t>
+            </a:r>
+            <a:r>
+              <a:rPr lang="en-US" sz="1600" dirty="0">
+                <a:latin typeface="Courier New" panose="02070309020205020404" pitchFamily="49" charset="0"/>
+                <a:ea typeface="Times New Roman" panose="02020603050405020304" pitchFamily="18" charset="0"/>
+                <a:cs typeface="Times New Roman" panose="02020603050405020304" pitchFamily="18" charset="0"/>
+              </a:rPr>
+              <a:t>list</a:t>
+            </a:r>
+            <a:r>
+              <a:rPr lang="en-US" sz="1600" b="1" dirty="0">
+                <a:latin typeface="Courier New" panose="02070309020205020404" pitchFamily="49" charset="0"/>
+                <a:ea typeface="Times New Roman" panose="02020603050405020304" pitchFamily="18" charset="0"/>
+                <a:cs typeface="Times New Roman" panose="02020603050405020304" pitchFamily="18" charset="0"/>
+              </a:rPr>
+              <a:t>, </a:t>
+            </a:r>
+            <a:r>
+              <a:rPr lang="en-US" sz="1600" dirty="0">
+                <a:latin typeface="Courier New" panose="02070309020205020404" pitchFamily="49" charset="0"/>
+                <a:ea typeface="Times New Roman" panose="02020603050405020304" pitchFamily="18" charset="0"/>
+                <a:cs typeface="Times New Roman" panose="02020603050405020304" pitchFamily="18" charset="0"/>
+              </a:rPr>
+              <a:t>value</a:t>
+            </a:r>
+            <a:r>
+              <a:rPr lang="en-US" sz="1600" b="1" dirty="0">
+                <a:latin typeface="Courier New" panose="02070309020205020404" pitchFamily="49" charset="0"/>
+                <a:ea typeface="Times New Roman" panose="02020603050405020304" pitchFamily="18" charset="0"/>
+                <a:cs typeface="Times New Roman" panose="02020603050405020304" pitchFamily="18" charset="0"/>
+              </a:rPr>
+              <a:t>, </a:t>
+            </a:r>
+            <a:r>
+              <a:rPr lang="en-US" sz="1600" dirty="0">
+                <a:latin typeface="Courier New" panose="02070309020205020404" pitchFamily="49" charset="0"/>
+                <a:ea typeface="Times New Roman" panose="02020603050405020304" pitchFamily="18" charset="0"/>
+                <a:cs typeface="Times New Roman" panose="02020603050405020304" pitchFamily="18" charset="0"/>
+              </a:rPr>
+              <a:t>text</a:t>
+            </a:r>
+            <a:r>
+              <a:rPr lang="en-US" sz="1600" b="1" dirty="0">
+                <a:latin typeface="Courier New" panose="02070309020205020404" pitchFamily="49" charset="0"/>
+                <a:ea typeface="Times New Roman" panose="02020603050405020304" pitchFamily="18" charset="0"/>
+                <a:cs typeface="Times New Roman" panose="02020603050405020304" pitchFamily="18" charset="0"/>
+              </a:rPr>
+              <a:t>, </a:t>
+            </a:r>
+            <a:r>
+              <a:rPr lang="en-US" sz="1600" dirty="0" err="1">
+                <a:latin typeface="Courier New" panose="02070309020205020404" pitchFamily="49" charset="0"/>
+                <a:ea typeface="Times New Roman" panose="02020603050405020304" pitchFamily="18" charset="0"/>
+                <a:cs typeface="Times New Roman" panose="02020603050405020304" pitchFamily="18" charset="0"/>
+              </a:rPr>
+              <a:t>selectedValue</a:t>
+            </a:r>
+            <a:r>
+              <a:rPr lang="en-US" sz="1600" b="1" dirty="0">
+                <a:latin typeface="Courier New" panose="02070309020205020404" pitchFamily="49" charset="0"/>
+                <a:ea typeface="Times New Roman" panose="02020603050405020304" pitchFamily="18" charset="0"/>
+                <a:cs typeface="Times New Roman" panose="02020603050405020304" pitchFamily="18" charset="0"/>
+              </a:rPr>
+              <a:t>)</a:t>
+            </a:r>
+          </a:p>
+          <a:p>
+            <a:endParaRPr lang="en-US" sz="1600" dirty="0"/>
+          </a:p>
+        </p:txBody>
+      </p:sp>
       <p:sp>
         <p:nvSpPr>
           <p:cNvPr id="4" name="Date Placeholder 3">
             <a:extLst>
               <a:ext uri="{FF2B5EF4-FFF2-40B4-BE49-F238E27FC236}">
-                <a16:creationId xmlns:a16="http://schemas.microsoft.com/office/drawing/2014/main" id="{B3C0B286-FB78-405C-B7F0-09EF0B1A9275}"/>
+                <a16:creationId xmlns:a16="http://schemas.microsoft.com/office/drawing/2014/main" id="{B5817053-532A-4DCD-BF87-969C1FCBD798}"/>
               </a:ext>
             </a:extLst>
           </p:cNvPr>
@@ -27393,7 +24918,7 @@
           <p:cNvPr id="5" name="Footer Placeholder 4">
             <a:extLst>
               <a:ext uri="{FF2B5EF4-FFF2-40B4-BE49-F238E27FC236}">
-                <a16:creationId xmlns:a16="http://schemas.microsoft.com/office/drawing/2014/main" id="{62819EB2-5098-48C7-8A08-28A447651690}"/>
+                <a16:creationId xmlns:a16="http://schemas.microsoft.com/office/drawing/2014/main" id="{704EBC71-E707-44F5-9378-85CF328AACD8}"/>
               </a:ext>
             </a:extLst>
           </p:cNvPr>
@@ -27425,7 +24950,7 @@
           <p:cNvPr id="6" name="Slide Number Placeholder 5">
             <a:extLst>
               <a:ext uri="{FF2B5EF4-FFF2-40B4-BE49-F238E27FC236}">
-                <a16:creationId xmlns:a16="http://schemas.microsoft.com/office/drawing/2014/main" id="{CBDEF3C8-7C7D-474B-87E1-0ACF606A61EA}"/>
+                <a16:creationId xmlns:a16="http://schemas.microsoft.com/office/drawing/2014/main" id="{CEFE3ED7-9119-4ECA-81FA-031A0A760712}"/>
               </a:ext>
             </a:extLst>
           </p:cNvPr>
@@ -27482,7 +25007,7 @@
     </p:spTree>
     <p:extLst>
       <p:ext uri="{BB962C8B-B14F-4D97-AF65-F5344CB8AC3E}">
-        <p14:creationId xmlns:p14="http://schemas.microsoft.com/office/powerpoint/2010/main" val="2065870316"/>
+        <p14:creationId xmlns:p14="http://schemas.microsoft.com/office/powerpoint/2010/main" val="1677186235"/>
       </p:ext>
     </p:extLst>
   </p:cSld>

--- a/CheatSheetCSharp/CheatSheetCSharp/wwwroot/references/razor-views.pptx
+++ b/CheatSheetCSharp/CheatSheetCSharp/wwwroot/references/razor-views.pptx
@@ -365,7 +365,7 @@
               <a:pPr>
                 <a:defRPr/>
               </a:pPr>
-              <a:t>10/28/2021</a:t>
+              <a:t>11/2/2021</a:t>
             </a:fld>
             <a:endParaRPr lang="en-US"/>
           </a:p>
@@ -23021,7 +23021,7 @@
         </p:nvSpPr>
         <p:spPr>
           <a:xfrm>
-            <a:off x="914400" y="625989"/>
+            <a:off x="76200" y="625989"/>
             <a:ext cx="7315200" cy="738664"/>
           </a:xfrm>
         </p:spPr>
@@ -23061,7 +23061,7 @@
         </p:nvSpPr>
         <p:spPr>
           <a:xfrm>
-            <a:off x="838200" y="1447800"/>
+            <a:off x="0" y="1447800"/>
             <a:ext cx="7391400" cy="5181600"/>
           </a:xfrm>
           <a:solidFill>
@@ -23582,7 +23582,7 @@
         </p:blipFill>
         <p:spPr>
           <a:xfrm>
-            <a:off x="1005269" y="1447800"/>
+            <a:off x="167069" y="1447800"/>
             <a:ext cx="6573167" cy="1219370"/>
           </a:xfrm>
           <a:prstGeom prst="rect">
@@ -23590,6 +23590,75 @@
           </a:prstGeom>
         </p:spPr>
       </p:pic>
+      <p:sp>
+        <p:nvSpPr>
+          <p:cNvPr id="4" name="Rectangle 3">
+            <a:extLst>
+              <a:ext uri="{FF2B5EF4-FFF2-40B4-BE49-F238E27FC236}">
+                <a16:creationId xmlns:a16="http://schemas.microsoft.com/office/drawing/2014/main" id="{7B66A328-A882-4898-8E02-8C0DC71B749F}"/>
+              </a:ext>
+            </a:extLst>
+          </p:cNvPr>
+          <p:cNvSpPr/>
+          <p:nvPr/>
+        </p:nvSpPr>
+        <p:spPr bwMode="auto">
+          <a:xfrm>
+            <a:off x="4191000" y="2362200"/>
+            <a:ext cx="2362200" cy="228600"/>
+          </a:xfrm>
+          <a:prstGeom prst="rect">
+            <a:avLst/>
+          </a:prstGeom>
+          <a:noFill/>
+          <a:ln w="9525" cap="flat" cmpd="sng" algn="ctr">
+            <a:solidFill>
+              <a:srgbClr val="FF0000"/>
+            </a:solidFill>
+            <a:prstDash val="solid"/>
+            <a:round/>
+            <a:headEnd type="none" w="med" len="med"/>
+            <a:tailEnd type="none" w="med" len="med"/>
+          </a:ln>
+          <a:effectLst/>
+        </p:spPr>
+        <p:txBody>
+          <a:bodyPr vert="horz" wrap="square" lIns="91440" tIns="45720" rIns="91440" bIns="45720" numCol="1" rtlCol="0" anchor="t" anchorCtr="0" compatLnSpc="1">
+            <a:prstTxWarp prst="textNoShape">
+              <a:avLst/>
+            </a:prstTxWarp>
+          </a:bodyPr>
+          <a:lstStyle/>
+          <a:p>
+            <a:pPr marL="0" marR="0" indent="0" algn="l" defTabSz="914400" rtl="0" eaLnBrk="0" fontAlgn="base" latinLnBrk="0" hangingPunct="0">
+              <a:lnSpc>
+                <a:spcPct val="100000"/>
+              </a:lnSpc>
+              <a:spcBef>
+                <a:spcPct val="0"/>
+              </a:spcBef>
+              <a:spcAft>
+                <a:spcPct val="0"/>
+              </a:spcAft>
+              <a:buClrTx/>
+              <a:buSzTx/>
+              <a:buFontTx/>
+              <a:buNone/>
+              <a:tabLst/>
+            </a:pPr>
+            <a:endParaRPr kumimoji="0" lang="en-US" sz="2400" b="0" i="0" u="none" strike="noStrike" cap="none" normalizeH="0" baseline="0">
+              <a:ln>
+                <a:noFill/>
+              </a:ln>
+              <a:solidFill>
+                <a:schemeClr val="tx1"/>
+              </a:solidFill>
+              <a:effectLst/>
+              <a:latin typeface="Times New Roman" pitchFamily="18" charset="0"/>
+            </a:endParaRPr>
+          </a:p>
+        </p:txBody>
+      </p:sp>
     </p:spTree>
     <p:extLst>
       <p:ext uri="{BB962C8B-B14F-4D97-AF65-F5344CB8AC3E}">
@@ -24573,7 +24642,7 @@
                 <a:ea typeface="Times New Roman" panose="02020603050405020304" pitchFamily="18" charset="0"/>
                 <a:cs typeface="Times New Roman" panose="02020603050405020304" pitchFamily="18" charset="0"/>
               </a:rPr>
-              <a:t>@model</a:t>
+              <a:t>@model -&gt; binds the specified model to the view</a:t>
             </a:r>
           </a:p>
           <a:p>

--- a/CheatSheetCSharp/CheatSheetCSharp/wwwroot/references/razor-views.pptx
+++ b/CheatSheetCSharp/CheatSheetCSharp/wwwroot/references/razor-views.pptx
@@ -5,10 +5,10 @@
     <p:sldMasterId id="2147483669" r:id="rId1"/>
   </p:sldMasterIdLst>
   <p:notesMasterIdLst>
-    <p:notesMasterId r:id="rId38"/>
+    <p:notesMasterId r:id="rId39"/>
   </p:notesMasterIdLst>
   <p:handoutMasterIdLst>
-    <p:handoutMasterId r:id="rId39"/>
+    <p:handoutMasterId r:id="rId40"/>
   </p:handoutMasterIdLst>
   <p:sldIdLst>
     <p:sldId id="274" r:id="rId2"/>
@@ -19,34 +19,35 @@
     <p:sldId id="294" r:id="rId7"/>
     <p:sldId id="297" r:id="rId8"/>
     <p:sldId id="299" r:id="rId9"/>
-    <p:sldId id="305" r:id="rId10"/>
-    <p:sldId id="306" r:id="rId11"/>
-    <p:sldId id="307" r:id="rId12"/>
-    <p:sldId id="309" r:id="rId13"/>
-    <p:sldId id="310" r:id="rId14"/>
-    <p:sldId id="311" r:id="rId15"/>
-    <p:sldId id="312" r:id="rId16"/>
-    <p:sldId id="313" r:id="rId17"/>
-    <p:sldId id="314" r:id="rId18"/>
-    <p:sldId id="315" r:id="rId19"/>
-    <p:sldId id="316" r:id="rId20"/>
-    <p:sldId id="317" r:id="rId21"/>
-    <p:sldId id="318" r:id="rId22"/>
-    <p:sldId id="319" r:id="rId23"/>
-    <p:sldId id="320" r:id="rId24"/>
-    <p:sldId id="321" r:id="rId25"/>
-    <p:sldId id="322" r:id="rId26"/>
-    <p:sldId id="323" r:id="rId27"/>
-    <p:sldId id="324" r:id="rId28"/>
-    <p:sldId id="325" r:id="rId29"/>
-    <p:sldId id="326" r:id="rId30"/>
-    <p:sldId id="327" r:id="rId31"/>
-    <p:sldId id="328" r:id="rId32"/>
-    <p:sldId id="329" r:id="rId33"/>
-    <p:sldId id="330" r:id="rId34"/>
-    <p:sldId id="331" r:id="rId35"/>
-    <p:sldId id="332" r:id="rId36"/>
-    <p:sldId id="333" r:id="rId37"/>
+    <p:sldId id="334" r:id="rId10"/>
+    <p:sldId id="305" r:id="rId11"/>
+    <p:sldId id="306" r:id="rId12"/>
+    <p:sldId id="307" r:id="rId13"/>
+    <p:sldId id="309" r:id="rId14"/>
+    <p:sldId id="310" r:id="rId15"/>
+    <p:sldId id="311" r:id="rId16"/>
+    <p:sldId id="312" r:id="rId17"/>
+    <p:sldId id="313" r:id="rId18"/>
+    <p:sldId id="314" r:id="rId19"/>
+    <p:sldId id="315" r:id="rId20"/>
+    <p:sldId id="316" r:id="rId21"/>
+    <p:sldId id="317" r:id="rId22"/>
+    <p:sldId id="318" r:id="rId23"/>
+    <p:sldId id="319" r:id="rId24"/>
+    <p:sldId id="320" r:id="rId25"/>
+    <p:sldId id="321" r:id="rId26"/>
+    <p:sldId id="322" r:id="rId27"/>
+    <p:sldId id="323" r:id="rId28"/>
+    <p:sldId id="324" r:id="rId29"/>
+    <p:sldId id="325" r:id="rId30"/>
+    <p:sldId id="326" r:id="rId31"/>
+    <p:sldId id="327" r:id="rId32"/>
+    <p:sldId id="328" r:id="rId33"/>
+    <p:sldId id="329" r:id="rId34"/>
+    <p:sldId id="330" r:id="rId35"/>
+    <p:sldId id="331" r:id="rId36"/>
+    <p:sldId id="332" r:id="rId37"/>
+    <p:sldId id="333" r:id="rId38"/>
   </p:sldIdLst>
   <p:sldSz cx="9144000" cy="6858000" type="screen4x3"/>
   <p:notesSz cx="7010400" cy="9296400"/>
@@ -5884,6 +5885,66 @@
           <a:chExt cx="0" cy="0"/>
         </a:xfrm>
       </p:grpSpPr>
+      <p:pic>
+        <p:nvPicPr>
+          <p:cNvPr id="16" name="Picture 15">
+            <a:extLst>
+              <a:ext uri="{FF2B5EF4-FFF2-40B4-BE49-F238E27FC236}">
+                <a16:creationId xmlns:a16="http://schemas.microsoft.com/office/drawing/2014/main" id="{87AE2BBB-8BC7-4CF8-89C1-DD1E1737E5A4}"/>
+              </a:ext>
+            </a:extLst>
+          </p:cNvPr>
+          <p:cNvPicPr>
+            <a:picLocks noChangeAspect="1"/>
+          </p:cNvPicPr>
+          <p:nvPr/>
+        </p:nvPicPr>
+        <p:blipFill>
+          <a:blip r:embed="rId2"/>
+          <a:stretch>
+            <a:fillRect/>
+          </a:stretch>
+        </p:blipFill>
+        <p:spPr>
+          <a:xfrm>
+            <a:off x="113678" y="1590418"/>
+            <a:ext cx="8916644" cy="3677163"/>
+          </a:xfrm>
+          <a:prstGeom prst="rect">
+            <a:avLst/>
+          </a:prstGeom>
+        </p:spPr>
+      </p:pic>
+    </p:spTree>
+    <p:extLst>
+      <p:ext uri="{BB962C8B-B14F-4D97-AF65-F5344CB8AC3E}">
+        <p14:creationId xmlns:p14="http://schemas.microsoft.com/office/powerpoint/2010/main" val="1677186235"/>
+      </p:ext>
+    </p:extLst>
+  </p:cSld>
+  <p:clrMapOvr>
+    <a:masterClrMapping/>
+  </p:clrMapOvr>
+</p:sld>
+</file>
+
+<file path=ppt/slides/slide11.xml><?xml version="1.0" encoding="utf-8"?>
+<p:sld xmlns:a="http://schemas.openxmlformats.org/drawingml/2006/main" xmlns:r="http://schemas.openxmlformats.org/officeDocument/2006/relationships" xmlns:p="http://schemas.openxmlformats.org/presentationml/2006/main">
+  <p:cSld>
+    <p:spTree>
+      <p:nvGrpSpPr>
+        <p:cNvPr id="1" name=""/>
+        <p:cNvGrpSpPr/>
+        <p:nvPr/>
+      </p:nvGrpSpPr>
+      <p:grpSpPr>
+        <a:xfrm>
+          <a:off x="0" y="0"/>
+          <a:ext cx="0" cy="0"/>
+          <a:chOff x="0" y="0"/>
+          <a:chExt cx="0" cy="0"/>
+        </a:xfrm>
+      </p:grpSpPr>
       <p:sp>
         <p:nvSpPr>
           <p:cNvPr id="2" name="Title 1">
@@ -6313,7 +6374,7 @@
               <a:pPr>
                 <a:defRPr/>
               </a:pPr>
-              <a:t>10</a:t>
+              <a:t>11</a:t>
             </a:fld>
             <a:endParaRPr lang="en-US" dirty="0">
               <a:solidFill>
@@ -6336,7 +6397,7 @@
 </p:sld>
 </file>
 
-<file path=ppt/slides/slide11.xml><?xml version="1.0" encoding="utf-8"?>
+<file path=ppt/slides/slide12.xml><?xml version="1.0" encoding="utf-8"?>
 <p:sld xmlns:a="http://schemas.openxmlformats.org/drawingml/2006/main" xmlns:r="http://schemas.openxmlformats.org/officeDocument/2006/relationships" xmlns:p="http://schemas.openxmlformats.org/presentationml/2006/main">
   <p:cSld>
     <p:spTree>
@@ -6945,7 +7006,7 @@
               <a:pPr>
                 <a:defRPr/>
               </a:pPr>
-              <a:t>11</a:t>
+              <a:t>12</a:t>
             </a:fld>
             <a:endParaRPr lang="en-US" dirty="0">
               <a:solidFill>
@@ -6968,7 +7029,7 @@
 </p:sld>
 </file>
 
-<file path=ppt/slides/slide12.xml><?xml version="1.0" encoding="utf-8"?>
+<file path=ppt/slides/slide13.xml><?xml version="1.0" encoding="utf-8"?>
 <p:sld xmlns:a="http://schemas.openxmlformats.org/drawingml/2006/main" xmlns:r="http://schemas.openxmlformats.org/officeDocument/2006/relationships" xmlns:p="http://schemas.openxmlformats.org/presentationml/2006/main">
   <p:cSld>
     <p:spTree>
@@ -7482,7 +7543,7 @@
               <a:pPr>
                 <a:defRPr/>
               </a:pPr>
-              <a:t>12</a:t>
+              <a:t>13</a:t>
             </a:fld>
             <a:endParaRPr lang="en-US" dirty="0">
               <a:solidFill>
@@ -7505,7 +7566,7 @@
 </p:sld>
 </file>
 
-<file path=ppt/slides/slide13.xml><?xml version="1.0" encoding="utf-8"?>
+<file path=ppt/slides/slide14.xml><?xml version="1.0" encoding="utf-8"?>
 <p:sld xmlns:a="http://schemas.openxmlformats.org/drawingml/2006/main" xmlns:r="http://schemas.openxmlformats.org/officeDocument/2006/relationships" xmlns:p="http://schemas.openxmlformats.org/presentationml/2006/main">
   <p:cSld>
     <p:spTree>
@@ -8175,7 +8236,7 @@
               <a:pPr>
                 <a:defRPr/>
               </a:pPr>
-              <a:t>13</a:t>
+              <a:t>14</a:t>
             </a:fld>
             <a:endParaRPr lang="en-US" dirty="0">
               <a:solidFill>
@@ -8198,7 +8259,7 @@
 </p:sld>
 </file>
 
-<file path=ppt/slides/slide14.xml><?xml version="1.0" encoding="utf-8"?>
+<file path=ppt/slides/slide15.xml><?xml version="1.0" encoding="utf-8"?>
 <p:sld xmlns:a="http://schemas.openxmlformats.org/drawingml/2006/main" xmlns:r="http://schemas.openxmlformats.org/officeDocument/2006/relationships" xmlns:p="http://schemas.openxmlformats.org/presentationml/2006/main">
   <p:cSld>
     <p:spTree>
@@ -8935,7 +8996,7 @@
               <a:pPr>
                 <a:defRPr/>
               </a:pPr>
-              <a:t>14</a:t>
+              <a:t>15</a:t>
             </a:fld>
             <a:endParaRPr lang="en-US" dirty="0">
               <a:solidFill>
@@ -8958,7 +9019,7 @@
 </p:sld>
 </file>
 
-<file path=ppt/slides/slide15.xml><?xml version="1.0" encoding="utf-8"?>
+<file path=ppt/slides/slide16.xml><?xml version="1.0" encoding="utf-8"?>
 <p:sld xmlns:a="http://schemas.openxmlformats.org/drawingml/2006/main" xmlns:r="http://schemas.openxmlformats.org/officeDocument/2006/relationships" xmlns:p="http://schemas.openxmlformats.org/presentationml/2006/main">
   <p:cSld>
     <p:spTree>
@@ -9786,7 +9847,7 @@
               <a:pPr>
                 <a:defRPr/>
               </a:pPr>
-              <a:t>15</a:t>
+              <a:t>16</a:t>
             </a:fld>
             <a:endParaRPr lang="en-US" dirty="0">
               <a:solidFill>
@@ -9809,7 +9870,7 @@
 </p:sld>
 </file>
 
-<file path=ppt/slides/slide16.xml><?xml version="1.0" encoding="utf-8"?>
+<file path=ppt/slides/slide17.xml><?xml version="1.0" encoding="utf-8"?>
 <p:sld xmlns:a="http://schemas.openxmlformats.org/drawingml/2006/main" xmlns:r="http://schemas.openxmlformats.org/officeDocument/2006/relationships" xmlns:p="http://schemas.openxmlformats.org/presentationml/2006/main">
   <p:cSld>
     <p:spTree>
@@ -10004,7 +10065,7 @@
               <a:pPr>
                 <a:defRPr/>
               </a:pPr>
-              <a:t>16</a:t>
+              <a:t>17</a:t>
             </a:fld>
             <a:endParaRPr lang="en-US" dirty="0">
               <a:solidFill>
@@ -10027,7 +10088,7 @@
 </p:sld>
 </file>
 
-<file path=ppt/slides/slide17.xml><?xml version="1.0" encoding="utf-8"?>
+<file path=ppt/slides/slide18.xml><?xml version="1.0" encoding="utf-8"?>
 <p:sld xmlns:a="http://schemas.openxmlformats.org/drawingml/2006/main" xmlns:r="http://schemas.openxmlformats.org/officeDocument/2006/relationships" xmlns:p="http://schemas.openxmlformats.org/presentationml/2006/main">
   <p:cSld>
     <p:spTree>
@@ -10722,7 +10783,7 @@
               <a:pPr>
                 <a:defRPr/>
               </a:pPr>
-              <a:t>17</a:t>
+              <a:t>18</a:t>
             </a:fld>
             <a:endParaRPr lang="en-US" dirty="0">
               <a:solidFill>
@@ -10745,7 +10806,7 @@
 </p:sld>
 </file>
 
-<file path=ppt/slides/slide18.xml><?xml version="1.0" encoding="utf-8"?>
+<file path=ppt/slides/slide19.xml><?xml version="1.0" encoding="utf-8"?>
 <p:sld xmlns:a="http://schemas.openxmlformats.org/drawingml/2006/main" xmlns:r="http://schemas.openxmlformats.org/officeDocument/2006/relationships" xmlns:p="http://schemas.openxmlformats.org/presentationml/2006/main">
   <p:cSld>
     <p:spTree>
@@ -11191,501 +11252,6 @@
               <a:pPr>
                 <a:defRPr/>
               </a:pPr>
-              <a:t>18</a:t>
-            </a:fld>
-            <a:endParaRPr lang="en-US" dirty="0">
-              <a:solidFill>
-                <a:schemeClr val="bg1"/>
-              </a:solidFill>
-            </a:endParaRPr>
-          </a:p>
-        </p:txBody>
-      </p:sp>
-    </p:spTree>
-    <p:extLst>
-      <p:ext uri="{BB962C8B-B14F-4D97-AF65-F5344CB8AC3E}">
-        <p14:creationId xmlns:p14="http://schemas.microsoft.com/office/powerpoint/2010/main" val="1134883078"/>
-      </p:ext>
-    </p:extLst>
-  </p:cSld>
-  <p:clrMapOvr>
-    <a:masterClrMapping/>
-  </p:clrMapOvr>
-</p:sld>
-</file>
-
-<file path=ppt/slides/slide19.xml><?xml version="1.0" encoding="utf-8"?>
-<p:sld xmlns:a="http://schemas.openxmlformats.org/drawingml/2006/main" xmlns:r="http://schemas.openxmlformats.org/officeDocument/2006/relationships" xmlns:p="http://schemas.openxmlformats.org/presentationml/2006/main">
-  <p:cSld>
-    <p:spTree>
-      <p:nvGrpSpPr>
-        <p:cNvPr id="1" name=""/>
-        <p:cNvGrpSpPr/>
-        <p:nvPr/>
-      </p:nvGrpSpPr>
-      <p:grpSpPr>
-        <a:xfrm>
-          <a:off x="0" y="0"/>
-          <a:ext cx="0" cy="0"/>
-          <a:chOff x="0" y="0"/>
-          <a:chExt cx="0" cy="0"/>
-        </a:xfrm>
-      </p:grpSpPr>
-      <p:sp>
-        <p:nvSpPr>
-          <p:cNvPr id="2" name="Title 1">
-            <a:extLst>
-              <a:ext uri="{FF2B5EF4-FFF2-40B4-BE49-F238E27FC236}">
-                <a16:creationId xmlns:a16="http://schemas.microsoft.com/office/drawing/2014/main" id="{59AE2314-457F-4596-8973-3F5289C17CE1}"/>
-              </a:ext>
-            </a:extLst>
-          </p:cNvPr>
-          <p:cNvSpPr>
-            <a:spLocks noGrp="1"/>
-          </p:cNvSpPr>
-          <p:nvPr>
-            <p:ph type="title"/>
-          </p:nvPr>
-        </p:nvSpPr>
-        <p:spPr>
-          <a:xfrm>
-            <a:off x="914400" y="625989"/>
-            <a:ext cx="7315200" cy="738664"/>
-          </a:xfrm>
-        </p:spPr>
-        <p:txBody>
-          <a:bodyPr/>
-          <a:lstStyle/>
-          <a:p>
-            <a:r>
-              <a:rPr lang="en-US" dirty="0"/>
-              <a:t>The code for a _</a:t>
-            </a:r>
-            <a:r>
-              <a:rPr lang="en-US" dirty="0" err="1"/>
-              <a:t>ViewStart.cshtml</a:t>
-            </a:r>
-            <a:r>
-              <a:rPr lang="en-US" dirty="0"/>
-              <a:t> file </a:t>
-            </a:r>
-            <a:br>
-              <a:rPr lang="en-US" dirty="0"/>
-            </a:br>
-            <a:r>
-              <a:rPr lang="en-US" dirty="0"/>
-              <a:t>that sets the default layout</a:t>
-            </a:r>
-          </a:p>
-        </p:txBody>
-      </p:sp>
-      <p:sp>
-        <p:nvSpPr>
-          <p:cNvPr id="3" name="Text Placeholder 2">
-            <a:extLst>
-              <a:ext uri="{FF2B5EF4-FFF2-40B4-BE49-F238E27FC236}">
-                <a16:creationId xmlns:a16="http://schemas.microsoft.com/office/drawing/2014/main" id="{0B6084FE-8F51-4FAD-BC22-6CD866215338}"/>
-              </a:ext>
-            </a:extLst>
-          </p:cNvPr>
-          <p:cNvSpPr>
-            <a:spLocks noGrp="1"/>
-          </p:cNvSpPr>
-          <p:nvPr>
-            <p:ph type="body" sz="quarter" idx="13"/>
-          </p:nvPr>
-        </p:nvSpPr>
-        <p:spPr/>
-        <p:txBody>
-          <a:bodyPr/>
-          <a:lstStyle/>
-          <a:p>
-            <a:pPr marL="347345" marR="0">
-              <a:spcBef>
-                <a:spcPts val="0"/>
-              </a:spcBef>
-              <a:spcAft>
-                <a:spcPts val="0"/>
-              </a:spcAft>
-              <a:tabLst>
-                <a:tab pos="1371600" algn="l"/>
-              </a:tabLst>
-            </a:pPr>
-            <a:r>
-              <a:rPr lang="en-US" sz="1600" b="1" dirty="0">
-                <a:latin typeface="Courier New" panose="02070309020205020404" pitchFamily="49" charset="0"/>
-                <a:ea typeface="Times New Roman" panose="02020603050405020304" pitchFamily="18" charset="0"/>
-                <a:cs typeface="Times New Roman" panose="02020603050405020304" pitchFamily="18" charset="0"/>
-              </a:rPr>
-              <a:t>@{</a:t>
-            </a:r>
-          </a:p>
-          <a:p>
-            <a:pPr marL="347345" marR="0">
-              <a:spcBef>
-                <a:spcPts val="0"/>
-              </a:spcBef>
-              <a:spcAft>
-                <a:spcPts val="0"/>
-              </a:spcAft>
-              <a:tabLst>
-                <a:tab pos="1371600" algn="l"/>
-              </a:tabLst>
-            </a:pPr>
-            <a:r>
-              <a:rPr lang="en-US" sz="1600" b="1" dirty="0">
-                <a:latin typeface="Courier New" panose="02070309020205020404" pitchFamily="49" charset="0"/>
-                <a:ea typeface="Times New Roman" panose="02020603050405020304" pitchFamily="18" charset="0"/>
-                <a:cs typeface="Times New Roman" panose="02020603050405020304" pitchFamily="18" charset="0"/>
-              </a:rPr>
-              <a:t>    Layout = "_Layout";</a:t>
-            </a:r>
-          </a:p>
-          <a:p>
-            <a:pPr marL="347345" marR="0">
-              <a:spcBef>
-                <a:spcPts val="0"/>
-              </a:spcBef>
-              <a:spcAft>
-                <a:spcPts val="0"/>
-              </a:spcAft>
-              <a:tabLst>
-                <a:tab pos="1371600" algn="l"/>
-              </a:tabLst>
-            </a:pPr>
-            <a:r>
-              <a:rPr lang="en-US" sz="1600" b="1" dirty="0">
-                <a:latin typeface="Courier New" panose="02070309020205020404" pitchFamily="49" charset="0"/>
-                <a:ea typeface="Times New Roman" panose="02020603050405020304" pitchFamily="18" charset="0"/>
-                <a:cs typeface="Times New Roman" panose="02020603050405020304" pitchFamily="18" charset="0"/>
-              </a:rPr>
-              <a:t>}</a:t>
-            </a:r>
-          </a:p>
-          <a:p>
-            <a:pPr>
-              <a:spcBef>
-                <a:spcPts val="1500"/>
-              </a:spcBef>
-              <a:spcAft>
-                <a:spcPts val="600"/>
-              </a:spcAft>
-              <a:tabLst>
-                <a:tab pos="1371600" algn="l"/>
-                <a:tab pos="1371600" algn="l"/>
-                <a:tab pos="2057400" algn="l"/>
-              </a:tabLst>
-            </a:pPr>
-            <a:r>
-              <a:rPr lang="en-US" sz="2400" b="1" dirty="0">
-                <a:solidFill>
-                  <a:srgbClr val="000099"/>
-                </a:solidFill>
-                <a:latin typeface="Arial" panose="020B0604020202020204" pitchFamily="34" charset="0"/>
-                <a:ea typeface="Times New Roman" panose="02020603050405020304" pitchFamily="18" charset="0"/>
-                <a:cs typeface="Times New Roman" panose="02020603050405020304" pitchFamily="18" charset="0"/>
-              </a:rPr>
-              <a:t>The code for a Home/Index view </a:t>
-            </a:r>
-            <a:br>
-              <a:rPr lang="en-US" sz="2400" b="1" dirty="0">
-                <a:solidFill>
-                  <a:srgbClr val="000099"/>
-                </a:solidFill>
-                <a:latin typeface="Arial" panose="020B0604020202020204" pitchFamily="34" charset="0"/>
-                <a:ea typeface="Times New Roman" panose="02020603050405020304" pitchFamily="18" charset="0"/>
-                <a:cs typeface="Times New Roman" panose="02020603050405020304" pitchFamily="18" charset="0"/>
-              </a:rPr>
-            </a:br>
-            <a:r>
-              <a:rPr lang="en-US" sz="2400" b="1" dirty="0">
-                <a:solidFill>
-                  <a:srgbClr val="000099"/>
-                </a:solidFill>
-                <a:latin typeface="Arial" panose="020B0604020202020204" pitchFamily="34" charset="0"/>
-                <a:ea typeface="Times New Roman" panose="02020603050405020304" pitchFamily="18" charset="0"/>
-                <a:cs typeface="Times New Roman" panose="02020603050405020304" pitchFamily="18" charset="0"/>
-              </a:rPr>
-              <a:t>that explicitly specifies a layout</a:t>
-            </a:r>
-          </a:p>
-          <a:p>
-            <a:pPr marL="347345" marR="0">
-              <a:spcBef>
-                <a:spcPts val="0"/>
-              </a:spcBef>
-              <a:spcAft>
-                <a:spcPts val="0"/>
-              </a:spcAft>
-              <a:tabLst>
-                <a:tab pos="1371600" algn="l"/>
-              </a:tabLst>
-            </a:pPr>
-            <a:r>
-              <a:rPr lang="en-US" sz="1600" b="1" dirty="0">
-                <a:latin typeface="Courier New" panose="02070309020205020404" pitchFamily="49" charset="0"/>
-                <a:ea typeface="Times New Roman" panose="02020603050405020304" pitchFamily="18" charset="0"/>
-                <a:cs typeface="Times New Roman" panose="02020603050405020304" pitchFamily="18" charset="0"/>
-              </a:rPr>
-              <a:t>@{</a:t>
-            </a:r>
-          </a:p>
-          <a:p>
-            <a:pPr marL="347345" marR="0">
-              <a:spcBef>
-                <a:spcPts val="0"/>
-              </a:spcBef>
-              <a:spcAft>
-                <a:spcPts val="0"/>
-              </a:spcAft>
-              <a:tabLst>
-                <a:tab pos="1371600" algn="l"/>
-              </a:tabLst>
-            </a:pPr>
-            <a:r>
-              <a:rPr lang="en-US" sz="1600" b="1" dirty="0">
-                <a:latin typeface="Courier New" panose="02070309020205020404" pitchFamily="49" charset="0"/>
-                <a:ea typeface="Times New Roman" panose="02020603050405020304" pitchFamily="18" charset="0"/>
-                <a:cs typeface="Times New Roman" panose="02020603050405020304" pitchFamily="18" charset="0"/>
-              </a:rPr>
-              <a:t>    </a:t>
-            </a:r>
-            <a:r>
-              <a:rPr lang="en-US" sz="1600" b="1" dirty="0">
-                <a:highlight>
-                  <a:srgbClr val="FFFF00"/>
-                </a:highlight>
-                <a:latin typeface="Courier New" panose="02070309020205020404" pitchFamily="49" charset="0"/>
-                <a:ea typeface="Times New Roman" panose="02020603050405020304" pitchFamily="18" charset="0"/>
-                <a:cs typeface="Times New Roman" panose="02020603050405020304" pitchFamily="18" charset="0"/>
-              </a:rPr>
-              <a:t>Layout = "_</a:t>
-            </a:r>
-            <a:r>
-              <a:rPr lang="en-US" sz="1600" b="1" dirty="0" err="1">
-                <a:highlight>
-                  <a:srgbClr val="FFFF00"/>
-                </a:highlight>
-                <a:latin typeface="Courier New" panose="02070309020205020404" pitchFamily="49" charset="0"/>
-                <a:ea typeface="Times New Roman" panose="02020603050405020304" pitchFamily="18" charset="0"/>
-                <a:cs typeface="Times New Roman" panose="02020603050405020304" pitchFamily="18" charset="0"/>
-              </a:rPr>
-              <a:t>MainLayout</a:t>
-            </a:r>
-            <a:r>
-              <a:rPr lang="en-US" sz="1600" b="1" dirty="0">
-                <a:highlight>
-                  <a:srgbClr val="FFFF00"/>
-                </a:highlight>
-                <a:latin typeface="Courier New" panose="02070309020205020404" pitchFamily="49" charset="0"/>
-                <a:ea typeface="Times New Roman" panose="02020603050405020304" pitchFamily="18" charset="0"/>
-                <a:cs typeface="Times New Roman" panose="02020603050405020304" pitchFamily="18" charset="0"/>
-              </a:rPr>
-              <a:t>";</a:t>
-            </a:r>
-            <a:endParaRPr lang="en-US" sz="1600" b="1" dirty="0">
-              <a:latin typeface="Courier New" panose="02070309020205020404" pitchFamily="49" charset="0"/>
-              <a:ea typeface="Times New Roman" panose="02020603050405020304" pitchFamily="18" charset="0"/>
-              <a:cs typeface="Times New Roman" panose="02020603050405020304" pitchFamily="18" charset="0"/>
-            </a:endParaRPr>
-          </a:p>
-          <a:p>
-            <a:pPr marL="347345" marR="0">
-              <a:spcBef>
-                <a:spcPts val="0"/>
-              </a:spcBef>
-              <a:spcAft>
-                <a:spcPts val="0"/>
-              </a:spcAft>
-              <a:tabLst>
-                <a:tab pos="1371600" algn="l"/>
-              </a:tabLst>
-            </a:pPr>
-            <a:r>
-              <a:rPr lang="en-US" sz="1600" b="1" dirty="0">
-                <a:latin typeface="Courier New" panose="02070309020205020404" pitchFamily="49" charset="0"/>
-                <a:ea typeface="Times New Roman" panose="02020603050405020304" pitchFamily="18" charset="0"/>
-                <a:cs typeface="Times New Roman" panose="02020603050405020304" pitchFamily="18" charset="0"/>
-              </a:rPr>
-              <a:t>    </a:t>
-            </a:r>
-            <a:r>
-              <a:rPr lang="en-US" sz="1600" b="1" dirty="0" err="1">
-                <a:latin typeface="Courier New" panose="02070309020205020404" pitchFamily="49" charset="0"/>
-                <a:ea typeface="Times New Roman" panose="02020603050405020304" pitchFamily="18" charset="0"/>
-                <a:cs typeface="Times New Roman" panose="02020603050405020304" pitchFamily="18" charset="0"/>
-              </a:rPr>
-              <a:t>ViewBag.Title</a:t>
-            </a:r>
-            <a:r>
-              <a:rPr lang="en-US" sz="1600" b="1" dirty="0">
-                <a:latin typeface="Courier New" panose="02070309020205020404" pitchFamily="49" charset="0"/>
-                <a:ea typeface="Times New Roman" panose="02020603050405020304" pitchFamily="18" charset="0"/>
-                <a:cs typeface="Times New Roman" panose="02020603050405020304" pitchFamily="18" charset="0"/>
-              </a:rPr>
-              <a:t> = "Home";</a:t>
-            </a:r>
-          </a:p>
-          <a:p>
-            <a:pPr marL="347345" marR="0">
-              <a:spcBef>
-                <a:spcPts val="0"/>
-              </a:spcBef>
-              <a:spcAft>
-                <a:spcPts val="0"/>
-              </a:spcAft>
-              <a:tabLst>
-                <a:tab pos="1371600" algn="l"/>
-              </a:tabLst>
-            </a:pPr>
-            <a:r>
-              <a:rPr lang="en-US" sz="1600" b="1" dirty="0">
-                <a:latin typeface="Courier New" panose="02070309020205020404" pitchFamily="49" charset="0"/>
-                <a:ea typeface="Times New Roman" panose="02020603050405020304" pitchFamily="18" charset="0"/>
-                <a:cs typeface="Times New Roman" panose="02020603050405020304" pitchFamily="18" charset="0"/>
-              </a:rPr>
-              <a:t>}</a:t>
-            </a:r>
-          </a:p>
-          <a:p>
-            <a:pPr marL="347345" marR="0">
-              <a:spcBef>
-                <a:spcPts val="0"/>
-              </a:spcBef>
-              <a:spcAft>
-                <a:spcPts val="0"/>
-              </a:spcAft>
-              <a:tabLst>
-                <a:tab pos="1371600" algn="l"/>
-              </a:tabLst>
-            </a:pPr>
-            <a:r>
-              <a:rPr lang="en-US" sz="1600" b="1" dirty="0">
-                <a:latin typeface="Courier New" panose="02070309020205020404" pitchFamily="49" charset="0"/>
-                <a:ea typeface="Times New Roman" panose="02020603050405020304" pitchFamily="18" charset="0"/>
-                <a:cs typeface="Times New Roman" panose="02020603050405020304" pitchFamily="18" charset="0"/>
-              </a:rPr>
-              <a:t>&lt;p&gt;Welcome to the Guitar Shop website!&lt;/p&gt;</a:t>
-            </a:r>
-          </a:p>
-          <a:p>
-            <a:endParaRPr lang="en-US" sz="1600" dirty="0"/>
-          </a:p>
-        </p:txBody>
-      </p:sp>
-      <p:sp>
-        <p:nvSpPr>
-          <p:cNvPr id="4" name="Date Placeholder 3">
-            <a:extLst>
-              <a:ext uri="{FF2B5EF4-FFF2-40B4-BE49-F238E27FC236}">
-                <a16:creationId xmlns:a16="http://schemas.microsoft.com/office/drawing/2014/main" id="{416259E3-2AFD-4290-AE64-3C51E4B93459}"/>
-              </a:ext>
-            </a:extLst>
-          </p:cNvPr>
-          <p:cNvSpPr>
-            <a:spLocks noGrp="1"/>
-          </p:cNvSpPr>
-          <p:nvPr>
-            <p:ph type="dt" sz="half" idx="10"/>
-          </p:nvPr>
-        </p:nvSpPr>
-        <p:spPr/>
-        <p:txBody>
-          <a:bodyPr/>
-          <a:lstStyle/>
-          <a:p>
-            <a:pPr>
-              <a:defRPr/>
-            </a:pPr>
-            <a:r>
-              <a:rPr lang="en-US"/>
-              <a:t>Murach's ASP.NET Core MVC</a:t>
-            </a:r>
-            <a:endParaRPr lang="en-US" dirty="0"/>
-          </a:p>
-        </p:txBody>
-      </p:sp>
-      <p:sp>
-        <p:nvSpPr>
-          <p:cNvPr id="5" name="Footer Placeholder 4">
-            <a:extLst>
-              <a:ext uri="{FF2B5EF4-FFF2-40B4-BE49-F238E27FC236}">
-                <a16:creationId xmlns:a16="http://schemas.microsoft.com/office/drawing/2014/main" id="{59580919-A2F8-4A2C-BB85-7B589C24C468}"/>
-              </a:ext>
-            </a:extLst>
-          </p:cNvPr>
-          <p:cNvSpPr>
-            <a:spLocks noGrp="1"/>
-          </p:cNvSpPr>
-          <p:nvPr>
-            <p:ph type="ftr" sz="quarter" idx="11"/>
-          </p:nvPr>
-        </p:nvSpPr>
-        <p:spPr/>
-        <p:txBody>
-          <a:bodyPr/>
-          <a:lstStyle/>
-          <a:p>
-            <a:pPr>
-              <a:defRPr/>
-            </a:pPr>
-            <a:r>
-              <a:rPr lang="en-US"/>
-              <a:t>© 2020, Mike Murach &amp; Associates, Inc.</a:t>
-            </a:r>
-            <a:endParaRPr lang="en-US" dirty="0"/>
-          </a:p>
-        </p:txBody>
-      </p:sp>
-      <p:sp>
-        <p:nvSpPr>
-          <p:cNvPr id="6" name="Slide Number Placeholder 5">
-            <a:extLst>
-              <a:ext uri="{FF2B5EF4-FFF2-40B4-BE49-F238E27FC236}">
-                <a16:creationId xmlns:a16="http://schemas.microsoft.com/office/drawing/2014/main" id="{ABA23E95-9A7E-4046-A4D1-33029D1F5E52}"/>
-              </a:ext>
-            </a:extLst>
-          </p:cNvPr>
-          <p:cNvSpPr>
-            <a:spLocks noGrp="1"/>
-          </p:cNvSpPr>
-          <p:nvPr>
-            <p:ph type="sldNum" sz="quarter" idx="12"/>
-          </p:nvPr>
-        </p:nvSpPr>
-        <p:spPr/>
-        <p:txBody>
-          <a:bodyPr/>
-          <a:lstStyle/>
-          <a:p>
-            <a:pPr algn="l">
-              <a:defRPr/>
-            </a:pPr>
-            <a:endParaRPr lang="en-US" sz="1400">
-              <a:latin typeface="Times New Roman"/>
-            </a:endParaRPr>
-          </a:p>
-          <a:p>
-            <a:pPr>
-              <a:defRPr/>
-            </a:pPr>
-            <a:r>
-              <a:rPr lang="en-US">
-                <a:solidFill>
-                  <a:schemeClr val="bg1"/>
-                </a:solidFill>
-              </a:rPr>
-              <a:t>C7, Slide </a:t>
-            </a:r>
-            <a:fld id="{BF5C1183-B085-4070-A402-C03A3F977D3D}" type="slidenum">
-              <a:rPr lang="en-US" smtClean="0">
-                <a:solidFill>
-                  <a:schemeClr val="bg1"/>
-                </a:solidFill>
-              </a:rPr>
-              <a:pPr>
-                <a:defRPr/>
-              </a:pPr>
               <a:t>19</a:t>
             </a:fld>
             <a:endParaRPr lang="en-US" dirty="0">
@@ -11699,7 +11265,7 @@
     </p:spTree>
     <p:extLst>
       <p:ext uri="{BB962C8B-B14F-4D97-AF65-F5344CB8AC3E}">
-        <p14:creationId xmlns:p14="http://schemas.microsoft.com/office/powerpoint/2010/main" val="576790140"/>
+        <p14:creationId xmlns:p14="http://schemas.microsoft.com/office/powerpoint/2010/main" val="1134883078"/>
       </p:ext>
     </p:extLst>
   </p:cSld>
@@ -12414,6 +11980,501 @@
 </file>
 
 <file path=ppt/slides/slide20.xml><?xml version="1.0" encoding="utf-8"?>
+<p:sld xmlns:a="http://schemas.openxmlformats.org/drawingml/2006/main" xmlns:r="http://schemas.openxmlformats.org/officeDocument/2006/relationships" xmlns:p="http://schemas.openxmlformats.org/presentationml/2006/main">
+  <p:cSld>
+    <p:spTree>
+      <p:nvGrpSpPr>
+        <p:cNvPr id="1" name=""/>
+        <p:cNvGrpSpPr/>
+        <p:nvPr/>
+      </p:nvGrpSpPr>
+      <p:grpSpPr>
+        <a:xfrm>
+          <a:off x="0" y="0"/>
+          <a:ext cx="0" cy="0"/>
+          <a:chOff x="0" y="0"/>
+          <a:chExt cx="0" cy="0"/>
+        </a:xfrm>
+      </p:grpSpPr>
+      <p:sp>
+        <p:nvSpPr>
+          <p:cNvPr id="2" name="Title 1">
+            <a:extLst>
+              <a:ext uri="{FF2B5EF4-FFF2-40B4-BE49-F238E27FC236}">
+                <a16:creationId xmlns:a16="http://schemas.microsoft.com/office/drawing/2014/main" id="{59AE2314-457F-4596-8973-3F5289C17CE1}"/>
+              </a:ext>
+            </a:extLst>
+          </p:cNvPr>
+          <p:cNvSpPr>
+            <a:spLocks noGrp="1"/>
+          </p:cNvSpPr>
+          <p:nvPr>
+            <p:ph type="title"/>
+          </p:nvPr>
+        </p:nvSpPr>
+        <p:spPr>
+          <a:xfrm>
+            <a:off x="914400" y="625989"/>
+            <a:ext cx="7315200" cy="738664"/>
+          </a:xfrm>
+        </p:spPr>
+        <p:txBody>
+          <a:bodyPr/>
+          <a:lstStyle/>
+          <a:p>
+            <a:r>
+              <a:rPr lang="en-US" dirty="0"/>
+              <a:t>The code for a _</a:t>
+            </a:r>
+            <a:r>
+              <a:rPr lang="en-US" dirty="0" err="1"/>
+              <a:t>ViewStart.cshtml</a:t>
+            </a:r>
+            <a:r>
+              <a:rPr lang="en-US" dirty="0"/>
+              <a:t> file </a:t>
+            </a:r>
+            <a:br>
+              <a:rPr lang="en-US" dirty="0"/>
+            </a:br>
+            <a:r>
+              <a:rPr lang="en-US" dirty="0"/>
+              <a:t>that sets the default layout</a:t>
+            </a:r>
+          </a:p>
+        </p:txBody>
+      </p:sp>
+      <p:sp>
+        <p:nvSpPr>
+          <p:cNvPr id="3" name="Text Placeholder 2">
+            <a:extLst>
+              <a:ext uri="{FF2B5EF4-FFF2-40B4-BE49-F238E27FC236}">
+                <a16:creationId xmlns:a16="http://schemas.microsoft.com/office/drawing/2014/main" id="{0B6084FE-8F51-4FAD-BC22-6CD866215338}"/>
+              </a:ext>
+            </a:extLst>
+          </p:cNvPr>
+          <p:cNvSpPr>
+            <a:spLocks noGrp="1"/>
+          </p:cNvSpPr>
+          <p:nvPr>
+            <p:ph type="body" sz="quarter" idx="13"/>
+          </p:nvPr>
+        </p:nvSpPr>
+        <p:spPr/>
+        <p:txBody>
+          <a:bodyPr/>
+          <a:lstStyle/>
+          <a:p>
+            <a:pPr marL="347345" marR="0">
+              <a:spcBef>
+                <a:spcPts val="0"/>
+              </a:spcBef>
+              <a:spcAft>
+                <a:spcPts val="0"/>
+              </a:spcAft>
+              <a:tabLst>
+                <a:tab pos="1371600" algn="l"/>
+              </a:tabLst>
+            </a:pPr>
+            <a:r>
+              <a:rPr lang="en-US" sz="1600" b="1" dirty="0">
+                <a:latin typeface="Courier New" panose="02070309020205020404" pitchFamily="49" charset="0"/>
+                <a:ea typeface="Times New Roman" panose="02020603050405020304" pitchFamily="18" charset="0"/>
+                <a:cs typeface="Times New Roman" panose="02020603050405020304" pitchFamily="18" charset="0"/>
+              </a:rPr>
+              <a:t>@{</a:t>
+            </a:r>
+          </a:p>
+          <a:p>
+            <a:pPr marL="347345" marR="0">
+              <a:spcBef>
+                <a:spcPts val="0"/>
+              </a:spcBef>
+              <a:spcAft>
+                <a:spcPts val="0"/>
+              </a:spcAft>
+              <a:tabLst>
+                <a:tab pos="1371600" algn="l"/>
+              </a:tabLst>
+            </a:pPr>
+            <a:r>
+              <a:rPr lang="en-US" sz="1600" b="1" dirty="0">
+                <a:latin typeface="Courier New" panose="02070309020205020404" pitchFamily="49" charset="0"/>
+                <a:ea typeface="Times New Roman" panose="02020603050405020304" pitchFamily="18" charset="0"/>
+                <a:cs typeface="Times New Roman" panose="02020603050405020304" pitchFamily="18" charset="0"/>
+              </a:rPr>
+              <a:t>    Layout = "_Layout";</a:t>
+            </a:r>
+          </a:p>
+          <a:p>
+            <a:pPr marL="347345" marR="0">
+              <a:spcBef>
+                <a:spcPts val="0"/>
+              </a:spcBef>
+              <a:spcAft>
+                <a:spcPts val="0"/>
+              </a:spcAft>
+              <a:tabLst>
+                <a:tab pos="1371600" algn="l"/>
+              </a:tabLst>
+            </a:pPr>
+            <a:r>
+              <a:rPr lang="en-US" sz="1600" b="1" dirty="0">
+                <a:latin typeface="Courier New" panose="02070309020205020404" pitchFamily="49" charset="0"/>
+                <a:ea typeface="Times New Roman" panose="02020603050405020304" pitchFamily="18" charset="0"/>
+                <a:cs typeface="Times New Roman" panose="02020603050405020304" pitchFamily="18" charset="0"/>
+              </a:rPr>
+              <a:t>}</a:t>
+            </a:r>
+          </a:p>
+          <a:p>
+            <a:pPr>
+              <a:spcBef>
+                <a:spcPts val="1500"/>
+              </a:spcBef>
+              <a:spcAft>
+                <a:spcPts val="600"/>
+              </a:spcAft>
+              <a:tabLst>
+                <a:tab pos="1371600" algn="l"/>
+                <a:tab pos="1371600" algn="l"/>
+                <a:tab pos="2057400" algn="l"/>
+              </a:tabLst>
+            </a:pPr>
+            <a:r>
+              <a:rPr lang="en-US" sz="2400" b="1" dirty="0">
+                <a:solidFill>
+                  <a:srgbClr val="000099"/>
+                </a:solidFill>
+                <a:latin typeface="Arial" panose="020B0604020202020204" pitchFamily="34" charset="0"/>
+                <a:ea typeface="Times New Roman" panose="02020603050405020304" pitchFamily="18" charset="0"/>
+                <a:cs typeface="Times New Roman" panose="02020603050405020304" pitchFamily="18" charset="0"/>
+              </a:rPr>
+              <a:t>The code for a Home/Index view </a:t>
+            </a:r>
+            <a:br>
+              <a:rPr lang="en-US" sz="2400" b="1" dirty="0">
+                <a:solidFill>
+                  <a:srgbClr val="000099"/>
+                </a:solidFill>
+                <a:latin typeface="Arial" panose="020B0604020202020204" pitchFamily="34" charset="0"/>
+                <a:ea typeface="Times New Roman" panose="02020603050405020304" pitchFamily="18" charset="0"/>
+                <a:cs typeface="Times New Roman" panose="02020603050405020304" pitchFamily="18" charset="0"/>
+              </a:rPr>
+            </a:br>
+            <a:r>
+              <a:rPr lang="en-US" sz="2400" b="1" dirty="0">
+                <a:solidFill>
+                  <a:srgbClr val="000099"/>
+                </a:solidFill>
+                <a:latin typeface="Arial" panose="020B0604020202020204" pitchFamily="34" charset="0"/>
+                <a:ea typeface="Times New Roman" panose="02020603050405020304" pitchFamily="18" charset="0"/>
+                <a:cs typeface="Times New Roman" panose="02020603050405020304" pitchFamily="18" charset="0"/>
+              </a:rPr>
+              <a:t>that explicitly specifies a layout</a:t>
+            </a:r>
+          </a:p>
+          <a:p>
+            <a:pPr marL="347345" marR="0">
+              <a:spcBef>
+                <a:spcPts val="0"/>
+              </a:spcBef>
+              <a:spcAft>
+                <a:spcPts val="0"/>
+              </a:spcAft>
+              <a:tabLst>
+                <a:tab pos="1371600" algn="l"/>
+              </a:tabLst>
+            </a:pPr>
+            <a:r>
+              <a:rPr lang="en-US" sz="1600" b="1" dirty="0">
+                <a:latin typeface="Courier New" panose="02070309020205020404" pitchFamily="49" charset="0"/>
+                <a:ea typeface="Times New Roman" panose="02020603050405020304" pitchFamily="18" charset="0"/>
+                <a:cs typeface="Times New Roman" panose="02020603050405020304" pitchFamily="18" charset="0"/>
+              </a:rPr>
+              <a:t>@{</a:t>
+            </a:r>
+          </a:p>
+          <a:p>
+            <a:pPr marL="347345" marR="0">
+              <a:spcBef>
+                <a:spcPts val="0"/>
+              </a:spcBef>
+              <a:spcAft>
+                <a:spcPts val="0"/>
+              </a:spcAft>
+              <a:tabLst>
+                <a:tab pos="1371600" algn="l"/>
+              </a:tabLst>
+            </a:pPr>
+            <a:r>
+              <a:rPr lang="en-US" sz="1600" b="1" dirty="0">
+                <a:latin typeface="Courier New" panose="02070309020205020404" pitchFamily="49" charset="0"/>
+                <a:ea typeface="Times New Roman" panose="02020603050405020304" pitchFamily="18" charset="0"/>
+                <a:cs typeface="Times New Roman" panose="02020603050405020304" pitchFamily="18" charset="0"/>
+              </a:rPr>
+              <a:t>    </a:t>
+            </a:r>
+            <a:r>
+              <a:rPr lang="en-US" sz="1600" b="1" dirty="0">
+                <a:highlight>
+                  <a:srgbClr val="FFFF00"/>
+                </a:highlight>
+                <a:latin typeface="Courier New" panose="02070309020205020404" pitchFamily="49" charset="0"/>
+                <a:ea typeface="Times New Roman" panose="02020603050405020304" pitchFamily="18" charset="0"/>
+                <a:cs typeface="Times New Roman" panose="02020603050405020304" pitchFamily="18" charset="0"/>
+              </a:rPr>
+              <a:t>Layout = "_</a:t>
+            </a:r>
+            <a:r>
+              <a:rPr lang="en-US" sz="1600" b="1" dirty="0" err="1">
+                <a:highlight>
+                  <a:srgbClr val="FFFF00"/>
+                </a:highlight>
+                <a:latin typeface="Courier New" panose="02070309020205020404" pitchFamily="49" charset="0"/>
+                <a:ea typeface="Times New Roman" panose="02020603050405020304" pitchFamily="18" charset="0"/>
+                <a:cs typeface="Times New Roman" panose="02020603050405020304" pitchFamily="18" charset="0"/>
+              </a:rPr>
+              <a:t>MainLayout</a:t>
+            </a:r>
+            <a:r>
+              <a:rPr lang="en-US" sz="1600" b="1" dirty="0">
+                <a:highlight>
+                  <a:srgbClr val="FFFF00"/>
+                </a:highlight>
+                <a:latin typeface="Courier New" panose="02070309020205020404" pitchFamily="49" charset="0"/>
+                <a:ea typeface="Times New Roman" panose="02020603050405020304" pitchFamily="18" charset="0"/>
+                <a:cs typeface="Times New Roman" panose="02020603050405020304" pitchFamily="18" charset="0"/>
+              </a:rPr>
+              <a:t>";</a:t>
+            </a:r>
+            <a:endParaRPr lang="en-US" sz="1600" b="1" dirty="0">
+              <a:latin typeface="Courier New" panose="02070309020205020404" pitchFamily="49" charset="0"/>
+              <a:ea typeface="Times New Roman" panose="02020603050405020304" pitchFamily="18" charset="0"/>
+              <a:cs typeface="Times New Roman" panose="02020603050405020304" pitchFamily="18" charset="0"/>
+            </a:endParaRPr>
+          </a:p>
+          <a:p>
+            <a:pPr marL="347345" marR="0">
+              <a:spcBef>
+                <a:spcPts val="0"/>
+              </a:spcBef>
+              <a:spcAft>
+                <a:spcPts val="0"/>
+              </a:spcAft>
+              <a:tabLst>
+                <a:tab pos="1371600" algn="l"/>
+              </a:tabLst>
+            </a:pPr>
+            <a:r>
+              <a:rPr lang="en-US" sz="1600" b="1" dirty="0">
+                <a:latin typeface="Courier New" panose="02070309020205020404" pitchFamily="49" charset="0"/>
+                <a:ea typeface="Times New Roman" panose="02020603050405020304" pitchFamily="18" charset="0"/>
+                <a:cs typeface="Times New Roman" panose="02020603050405020304" pitchFamily="18" charset="0"/>
+              </a:rPr>
+              <a:t>    </a:t>
+            </a:r>
+            <a:r>
+              <a:rPr lang="en-US" sz="1600" b="1" dirty="0" err="1">
+                <a:latin typeface="Courier New" panose="02070309020205020404" pitchFamily="49" charset="0"/>
+                <a:ea typeface="Times New Roman" panose="02020603050405020304" pitchFamily="18" charset="0"/>
+                <a:cs typeface="Times New Roman" panose="02020603050405020304" pitchFamily="18" charset="0"/>
+              </a:rPr>
+              <a:t>ViewBag.Title</a:t>
+            </a:r>
+            <a:r>
+              <a:rPr lang="en-US" sz="1600" b="1" dirty="0">
+                <a:latin typeface="Courier New" panose="02070309020205020404" pitchFamily="49" charset="0"/>
+                <a:ea typeface="Times New Roman" panose="02020603050405020304" pitchFamily="18" charset="0"/>
+                <a:cs typeface="Times New Roman" panose="02020603050405020304" pitchFamily="18" charset="0"/>
+              </a:rPr>
+              <a:t> = "Home";</a:t>
+            </a:r>
+          </a:p>
+          <a:p>
+            <a:pPr marL="347345" marR="0">
+              <a:spcBef>
+                <a:spcPts val="0"/>
+              </a:spcBef>
+              <a:spcAft>
+                <a:spcPts val="0"/>
+              </a:spcAft>
+              <a:tabLst>
+                <a:tab pos="1371600" algn="l"/>
+              </a:tabLst>
+            </a:pPr>
+            <a:r>
+              <a:rPr lang="en-US" sz="1600" b="1" dirty="0">
+                <a:latin typeface="Courier New" panose="02070309020205020404" pitchFamily="49" charset="0"/>
+                <a:ea typeface="Times New Roman" panose="02020603050405020304" pitchFamily="18" charset="0"/>
+                <a:cs typeface="Times New Roman" panose="02020603050405020304" pitchFamily="18" charset="0"/>
+              </a:rPr>
+              <a:t>}</a:t>
+            </a:r>
+          </a:p>
+          <a:p>
+            <a:pPr marL="347345" marR="0">
+              <a:spcBef>
+                <a:spcPts val="0"/>
+              </a:spcBef>
+              <a:spcAft>
+                <a:spcPts val="0"/>
+              </a:spcAft>
+              <a:tabLst>
+                <a:tab pos="1371600" algn="l"/>
+              </a:tabLst>
+            </a:pPr>
+            <a:r>
+              <a:rPr lang="en-US" sz="1600" b="1" dirty="0">
+                <a:latin typeface="Courier New" panose="02070309020205020404" pitchFamily="49" charset="0"/>
+                <a:ea typeface="Times New Roman" panose="02020603050405020304" pitchFamily="18" charset="0"/>
+                <a:cs typeface="Times New Roman" panose="02020603050405020304" pitchFamily="18" charset="0"/>
+              </a:rPr>
+              <a:t>&lt;p&gt;Welcome to the Guitar Shop website!&lt;/p&gt;</a:t>
+            </a:r>
+          </a:p>
+          <a:p>
+            <a:endParaRPr lang="en-US" sz="1600" dirty="0"/>
+          </a:p>
+        </p:txBody>
+      </p:sp>
+      <p:sp>
+        <p:nvSpPr>
+          <p:cNvPr id="4" name="Date Placeholder 3">
+            <a:extLst>
+              <a:ext uri="{FF2B5EF4-FFF2-40B4-BE49-F238E27FC236}">
+                <a16:creationId xmlns:a16="http://schemas.microsoft.com/office/drawing/2014/main" id="{416259E3-2AFD-4290-AE64-3C51E4B93459}"/>
+              </a:ext>
+            </a:extLst>
+          </p:cNvPr>
+          <p:cNvSpPr>
+            <a:spLocks noGrp="1"/>
+          </p:cNvSpPr>
+          <p:nvPr>
+            <p:ph type="dt" sz="half" idx="10"/>
+          </p:nvPr>
+        </p:nvSpPr>
+        <p:spPr/>
+        <p:txBody>
+          <a:bodyPr/>
+          <a:lstStyle/>
+          <a:p>
+            <a:pPr>
+              <a:defRPr/>
+            </a:pPr>
+            <a:r>
+              <a:rPr lang="en-US"/>
+              <a:t>Murach's ASP.NET Core MVC</a:t>
+            </a:r>
+            <a:endParaRPr lang="en-US" dirty="0"/>
+          </a:p>
+        </p:txBody>
+      </p:sp>
+      <p:sp>
+        <p:nvSpPr>
+          <p:cNvPr id="5" name="Footer Placeholder 4">
+            <a:extLst>
+              <a:ext uri="{FF2B5EF4-FFF2-40B4-BE49-F238E27FC236}">
+                <a16:creationId xmlns:a16="http://schemas.microsoft.com/office/drawing/2014/main" id="{59580919-A2F8-4A2C-BB85-7B589C24C468}"/>
+              </a:ext>
+            </a:extLst>
+          </p:cNvPr>
+          <p:cNvSpPr>
+            <a:spLocks noGrp="1"/>
+          </p:cNvSpPr>
+          <p:nvPr>
+            <p:ph type="ftr" sz="quarter" idx="11"/>
+          </p:nvPr>
+        </p:nvSpPr>
+        <p:spPr/>
+        <p:txBody>
+          <a:bodyPr/>
+          <a:lstStyle/>
+          <a:p>
+            <a:pPr>
+              <a:defRPr/>
+            </a:pPr>
+            <a:r>
+              <a:rPr lang="en-US"/>
+              <a:t>© 2020, Mike Murach &amp; Associates, Inc.</a:t>
+            </a:r>
+            <a:endParaRPr lang="en-US" dirty="0"/>
+          </a:p>
+        </p:txBody>
+      </p:sp>
+      <p:sp>
+        <p:nvSpPr>
+          <p:cNvPr id="6" name="Slide Number Placeholder 5">
+            <a:extLst>
+              <a:ext uri="{FF2B5EF4-FFF2-40B4-BE49-F238E27FC236}">
+                <a16:creationId xmlns:a16="http://schemas.microsoft.com/office/drawing/2014/main" id="{ABA23E95-9A7E-4046-A4D1-33029D1F5E52}"/>
+              </a:ext>
+            </a:extLst>
+          </p:cNvPr>
+          <p:cNvSpPr>
+            <a:spLocks noGrp="1"/>
+          </p:cNvSpPr>
+          <p:nvPr>
+            <p:ph type="sldNum" sz="quarter" idx="12"/>
+          </p:nvPr>
+        </p:nvSpPr>
+        <p:spPr/>
+        <p:txBody>
+          <a:bodyPr/>
+          <a:lstStyle/>
+          <a:p>
+            <a:pPr algn="l">
+              <a:defRPr/>
+            </a:pPr>
+            <a:endParaRPr lang="en-US" sz="1400">
+              <a:latin typeface="Times New Roman"/>
+            </a:endParaRPr>
+          </a:p>
+          <a:p>
+            <a:pPr>
+              <a:defRPr/>
+            </a:pPr>
+            <a:r>
+              <a:rPr lang="en-US">
+                <a:solidFill>
+                  <a:schemeClr val="bg1"/>
+                </a:solidFill>
+              </a:rPr>
+              <a:t>C7, Slide </a:t>
+            </a:r>
+            <a:fld id="{BF5C1183-B085-4070-A402-C03A3F977D3D}" type="slidenum">
+              <a:rPr lang="en-US" smtClean="0">
+                <a:solidFill>
+                  <a:schemeClr val="bg1"/>
+                </a:solidFill>
+              </a:rPr>
+              <a:pPr>
+                <a:defRPr/>
+              </a:pPr>
+              <a:t>20</a:t>
+            </a:fld>
+            <a:endParaRPr lang="en-US" dirty="0">
+              <a:solidFill>
+                <a:schemeClr val="bg1"/>
+              </a:solidFill>
+            </a:endParaRPr>
+          </a:p>
+        </p:txBody>
+      </p:sp>
+    </p:spTree>
+    <p:extLst>
+      <p:ext uri="{BB962C8B-B14F-4D97-AF65-F5344CB8AC3E}">
+        <p14:creationId xmlns:p14="http://schemas.microsoft.com/office/powerpoint/2010/main" val="576790140"/>
+      </p:ext>
+    </p:extLst>
+  </p:cSld>
+  <p:clrMapOvr>
+    <a:masterClrMapping/>
+  </p:clrMapOvr>
+</p:sld>
+</file>
+
+<file path=ppt/slides/slide21.xml><?xml version="1.0" encoding="utf-8"?>
 <p:sld xmlns:a="http://schemas.openxmlformats.org/drawingml/2006/main" xmlns:r="http://schemas.openxmlformats.org/officeDocument/2006/relationships" xmlns:p="http://schemas.openxmlformats.org/presentationml/2006/main">
   <p:cSld>
     <p:spTree>
@@ -12608,7 +12669,7 @@
               <a:pPr>
                 <a:defRPr/>
               </a:pPr>
-              <a:t>20</a:t>
+              <a:t>21</a:t>
             </a:fld>
             <a:endParaRPr lang="en-US" dirty="0">
               <a:solidFill>
@@ -12631,7 +12692,7 @@
 </p:sld>
 </file>
 
-<file path=ppt/slides/slide21.xml><?xml version="1.0" encoding="utf-8"?>
+<file path=ppt/slides/slide22.xml><?xml version="1.0" encoding="utf-8"?>
 <p:sld xmlns:a="http://schemas.openxmlformats.org/drawingml/2006/main" xmlns:r="http://schemas.openxmlformats.org/officeDocument/2006/relationships" xmlns:p="http://schemas.openxmlformats.org/presentationml/2006/main">
   <p:cSld>
     <p:spTree>
@@ -13240,7 +13301,7 @@
               <a:pPr>
                 <a:defRPr/>
               </a:pPr>
-              <a:t>21</a:t>
+              <a:t>22</a:t>
             </a:fld>
             <a:endParaRPr lang="en-US" dirty="0">
               <a:solidFill>
@@ -13263,7 +13324,7 @@
 </p:sld>
 </file>
 
-<file path=ppt/slides/slide22.xml><?xml version="1.0" encoding="utf-8"?>
+<file path=ppt/slides/slide23.xml><?xml version="1.0" encoding="utf-8"?>
 <p:sld xmlns:a="http://schemas.openxmlformats.org/drawingml/2006/main" xmlns:r="http://schemas.openxmlformats.org/officeDocument/2006/relationships" xmlns:p="http://schemas.openxmlformats.org/presentationml/2006/main">
   <p:cSld>
     <p:spTree>
@@ -13918,7 +13979,7 @@
               <a:pPr>
                 <a:defRPr/>
               </a:pPr>
-              <a:t>22</a:t>
+              <a:t>23</a:t>
             </a:fld>
             <a:endParaRPr lang="en-US" dirty="0">
               <a:solidFill>
@@ -13941,7 +14002,7 @@
 </p:sld>
 </file>
 
-<file path=ppt/slides/slide23.xml><?xml version="1.0" encoding="utf-8"?>
+<file path=ppt/slides/slide24.xml><?xml version="1.0" encoding="utf-8"?>
 <p:sld xmlns:a="http://schemas.openxmlformats.org/drawingml/2006/main" xmlns:r="http://schemas.openxmlformats.org/officeDocument/2006/relationships" xmlns:p="http://schemas.openxmlformats.org/presentationml/2006/main">
   <p:cSld>
     <p:spTree>
@@ -14671,7 +14732,7 @@
               <a:pPr>
                 <a:defRPr/>
               </a:pPr>
-              <a:t>23</a:t>
+              <a:t>24</a:t>
             </a:fld>
             <a:endParaRPr lang="en-US" dirty="0">
               <a:solidFill>
@@ -14694,7 +14755,7 @@
 </p:sld>
 </file>
 
-<file path=ppt/slides/slide24.xml><?xml version="1.0" encoding="utf-8"?>
+<file path=ppt/slides/slide25.xml><?xml version="1.0" encoding="utf-8"?>
 <p:sld xmlns:a="http://schemas.openxmlformats.org/drawingml/2006/main" xmlns:r="http://schemas.openxmlformats.org/officeDocument/2006/relationships" xmlns:p="http://schemas.openxmlformats.org/presentationml/2006/main">
   <p:cSld>
     <p:spTree>
@@ -15319,7 +15380,7 @@
               <a:pPr>
                 <a:defRPr/>
               </a:pPr>
-              <a:t>24</a:t>
+              <a:t>25</a:t>
             </a:fld>
             <a:endParaRPr lang="en-US" dirty="0">
               <a:solidFill>
@@ -15342,7 +15403,7 @@
 </p:sld>
 </file>
 
-<file path=ppt/slides/slide25.xml><?xml version="1.0" encoding="utf-8"?>
+<file path=ppt/slides/slide26.xml><?xml version="1.0" encoding="utf-8"?>
 <p:sld xmlns:a="http://schemas.openxmlformats.org/drawingml/2006/main" xmlns:r="http://schemas.openxmlformats.org/officeDocument/2006/relationships" xmlns:p="http://schemas.openxmlformats.org/presentationml/2006/main">
   <p:cSld>
     <p:spTree>
@@ -15537,7 +15598,7 @@
               <a:pPr>
                 <a:defRPr/>
               </a:pPr>
-              <a:t>25</a:t>
+              <a:t>26</a:t>
             </a:fld>
             <a:endParaRPr lang="en-US" dirty="0">
               <a:solidFill>
@@ -15560,7 +15621,7 @@
 </p:sld>
 </file>
 
-<file path=ppt/slides/slide26.xml><?xml version="1.0" encoding="utf-8"?>
+<file path=ppt/slides/slide27.xml><?xml version="1.0" encoding="utf-8"?>
 <p:sld xmlns:a="http://schemas.openxmlformats.org/drawingml/2006/main" xmlns:r="http://schemas.openxmlformats.org/officeDocument/2006/relationships" xmlns:p="http://schemas.openxmlformats.org/presentationml/2006/main">
   <p:cSld>
     <p:spTree>
@@ -16519,7 +16580,7 @@
               <a:pPr>
                 <a:defRPr/>
               </a:pPr>
-              <a:t>26</a:t>
+              <a:t>27</a:t>
             </a:fld>
             <a:endParaRPr lang="en-US" dirty="0">
               <a:solidFill>
@@ -16542,7 +16603,7 @@
 </p:sld>
 </file>
 
-<file path=ppt/slides/slide27.xml><?xml version="1.0" encoding="utf-8"?>
+<file path=ppt/slides/slide28.xml><?xml version="1.0" encoding="utf-8"?>
 <p:sld xmlns:a="http://schemas.openxmlformats.org/drawingml/2006/main" xmlns:r="http://schemas.openxmlformats.org/officeDocument/2006/relationships" xmlns:p="http://schemas.openxmlformats.org/presentationml/2006/main">
   <p:cSld>
     <p:spTree>
@@ -16912,7 +16973,7 @@
               <a:pPr>
                 <a:defRPr/>
               </a:pPr>
-              <a:t>27</a:t>
+              <a:t>28</a:t>
             </a:fld>
             <a:endParaRPr lang="en-US" dirty="0">
               <a:solidFill>
@@ -16935,7 +16996,7 @@
 </p:sld>
 </file>
 
-<file path=ppt/slides/slide28.xml><?xml version="1.0" encoding="utf-8"?>
+<file path=ppt/slides/slide29.xml><?xml version="1.0" encoding="utf-8"?>
 <p:sld xmlns:a="http://schemas.openxmlformats.org/drawingml/2006/main" xmlns:r="http://schemas.openxmlformats.org/officeDocument/2006/relationships" xmlns:p="http://schemas.openxmlformats.org/presentationml/2006/main">
   <p:cSld>
     <p:spTree>
@@ -17130,649 +17191,6 @@
               <a:pPr>
                 <a:defRPr/>
               </a:pPr>
-              <a:t>28</a:t>
-            </a:fld>
-            <a:endParaRPr lang="en-US" dirty="0">
-              <a:solidFill>
-                <a:schemeClr val="bg1"/>
-              </a:solidFill>
-            </a:endParaRPr>
-          </a:p>
-        </p:txBody>
-      </p:sp>
-    </p:spTree>
-    <p:extLst>
-      <p:ext uri="{BB962C8B-B14F-4D97-AF65-F5344CB8AC3E}">
-        <p14:creationId xmlns:p14="http://schemas.microsoft.com/office/powerpoint/2010/main" val="3791729624"/>
-      </p:ext>
-    </p:extLst>
-  </p:cSld>
-  <p:clrMapOvr>
-    <a:masterClrMapping/>
-  </p:clrMapOvr>
-</p:sld>
-</file>
-
-<file path=ppt/slides/slide29.xml><?xml version="1.0" encoding="utf-8"?>
-<p:sld xmlns:a="http://schemas.openxmlformats.org/drawingml/2006/main" xmlns:r="http://schemas.openxmlformats.org/officeDocument/2006/relationships" xmlns:p="http://schemas.openxmlformats.org/presentationml/2006/main">
-  <p:cSld>
-    <p:spTree>
-      <p:nvGrpSpPr>
-        <p:cNvPr id="1" name=""/>
-        <p:cNvGrpSpPr/>
-        <p:nvPr/>
-      </p:nvGrpSpPr>
-      <p:grpSpPr>
-        <a:xfrm>
-          <a:off x="0" y="0"/>
-          <a:ext cx="0" cy="0"/>
-          <a:chOff x="0" y="0"/>
-          <a:chExt cx="0" cy="0"/>
-        </a:xfrm>
-      </p:grpSpPr>
-      <p:sp>
-        <p:nvSpPr>
-          <p:cNvPr id="2" name="Title 1">
-            <a:extLst>
-              <a:ext uri="{FF2B5EF4-FFF2-40B4-BE49-F238E27FC236}">
-                <a16:creationId xmlns:a16="http://schemas.microsoft.com/office/drawing/2014/main" id="{C37B1D36-8D17-42B0-9314-25A95284880D}"/>
-              </a:ext>
-            </a:extLst>
-          </p:cNvPr>
-          <p:cNvSpPr>
-            <a:spLocks noGrp="1"/>
-          </p:cNvSpPr>
-          <p:nvPr>
-            <p:ph type="title"/>
-          </p:nvPr>
-        </p:nvSpPr>
-        <p:spPr>
-          <a:xfrm>
-            <a:off x="914400" y="624989"/>
-            <a:ext cx="7315200" cy="369332"/>
-          </a:xfrm>
-        </p:spPr>
-        <p:txBody>
-          <a:bodyPr/>
-          <a:lstStyle/>
-          <a:p>
-            <a:r>
-              <a:rPr lang="en-US" dirty="0"/>
-              <a:t>Code in a view file that specifies a section</a:t>
-            </a:r>
-          </a:p>
-        </p:txBody>
-      </p:sp>
-      <p:sp>
-        <p:nvSpPr>
-          <p:cNvPr id="3" name="Text Placeholder 2">
-            <a:extLst>
-              <a:ext uri="{FF2B5EF4-FFF2-40B4-BE49-F238E27FC236}">
-                <a16:creationId xmlns:a16="http://schemas.microsoft.com/office/drawing/2014/main" id="{AB5874D1-A37B-4CE3-A1EE-E2E9F1A59610}"/>
-              </a:ext>
-            </a:extLst>
-          </p:cNvPr>
-          <p:cNvSpPr>
-            <a:spLocks noGrp="1"/>
-          </p:cNvSpPr>
-          <p:nvPr>
-            <p:ph type="body" sz="quarter" idx="13"/>
-          </p:nvPr>
-        </p:nvSpPr>
-        <p:spPr/>
-        <p:txBody>
-          <a:bodyPr/>
-          <a:lstStyle/>
-          <a:p>
-            <a:pPr marL="347345" marR="0">
-              <a:spcBef>
-                <a:spcPts val="0"/>
-              </a:spcBef>
-              <a:spcAft>
-                <a:spcPts val="0"/>
-              </a:spcAft>
-              <a:tabLst>
-                <a:tab pos="1371600" algn="l"/>
-              </a:tabLst>
-            </a:pPr>
-            <a:r>
-              <a:rPr lang="en-US" sz="1400" b="1" dirty="0">
-                <a:latin typeface="Courier New" panose="02070309020205020404" pitchFamily="49" charset="0"/>
-                <a:ea typeface="Times New Roman" panose="02020603050405020304" pitchFamily="18" charset="0"/>
-                <a:cs typeface="Times New Roman" panose="02020603050405020304" pitchFamily="18" charset="0"/>
-              </a:rPr>
-              <a:t>@model Product</a:t>
-            </a:r>
-          </a:p>
-          <a:p>
-            <a:pPr marL="347345" marR="0">
-              <a:spcBef>
-                <a:spcPts val="0"/>
-              </a:spcBef>
-              <a:spcAft>
-                <a:spcPts val="0"/>
-              </a:spcAft>
-              <a:tabLst>
-                <a:tab pos="1371600" algn="l"/>
-              </a:tabLst>
-            </a:pPr>
-            <a:r>
-              <a:rPr lang="en-US" sz="1400" b="1" dirty="0">
-                <a:latin typeface="Courier New" panose="02070309020205020404" pitchFamily="49" charset="0"/>
-                <a:ea typeface="Times New Roman" panose="02020603050405020304" pitchFamily="18" charset="0"/>
-                <a:cs typeface="Times New Roman" panose="02020603050405020304" pitchFamily="18" charset="0"/>
-              </a:rPr>
-              <a:t>@{</a:t>
-            </a:r>
-          </a:p>
-          <a:p>
-            <a:pPr marL="347345" marR="0">
-              <a:spcBef>
-                <a:spcPts val="0"/>
-              </a:spcBef>
-              <a:spcAft>
-                <a:spcPts val="0"/>
-              </a:spcAft>
-              <a:tabLst>
-                <a:tab pos="1371600" algn="l"/>
-              </a:tabLst>
-            </a:pPr>
-            <a:r>
-              <a:rPr lang="en-US" sz="1400" b="1" dirty="0">
-                <a:latin typeface="Courier New" panose="02070309020205020404" pitchFamily="49" charset="0"/>
-                <a:ea typeface="Times New Roman" panose="02020603050405020304" pitchFamily="18" charset="0"/>
-                <a:cs typeface="Times New Roman" panose="02020603050405020304" pitchFamily="18" charset="0"/>
-              </a:rPr>
-              <a:t>    </a:t>
-            </a:r>
-            <a:r>
-              <a:rPr lang="en-US" sz="1400" b="1" dirty="0" err="1">
-                <a:latin typeface="Courier New" panose="02070309020205020404" pitchFamily="49" charset="0"/>
-                <a:ea typeface="Times New Roman" panose="02020603050405020304" pitchFamily="18" charset="0"/>
-                <a:cs typeface="Times New Roman" panose="02020603050405020304" pitchFamily="18" charset="0"/>
-              </a:rPr>
-              <a:t>ViewBag.Title</a:t>
-            </a:r>
-            <a:r>
-              <a:rPr lang="en-US" sz="1400" b="1" dirty="0">
-                <a:latin typeface="Courier New" panose="02070309020205020404" pitchFamily="49" charset="0"/>
-                <a:ea typeface="Times New Roman" panose="02020603050405020304" pitchFamily="18" charset="0"/>
-                <a:cs typeface="Times New Roman" panose="02020603050405020304" pitchFamily="18" charset="0"/>
-              </a:rPr>
-              <a:t> = "Update Product";</a:t>
-            </a:r>
-          </a:p>
-          <a:p>
-            <a:pPr marL="347345" marR="0">
-              <a:spcBef>
-                <a:spcPts val="0"/>
-              </a:spcBef>
-              <a:spcAft>
-                <a:spcPts val="0"/>
-              </a:spcAft>
-              <a:tabLst>
-                <a:tab pos="1371600" algn="l"/>
-              </a:tabLst>
-            </a:pPr>
-            <a:r>
-              <a:rPr lang="en-US" sz="1400" b="1" dirty="0">
-                <a:latin typeface="Courier New" panose="02070309020205020404" pitchFamily="49" charset="0"/>
-                <a:ea typeface="Times New Roman" panose="02020603050405020304" pitchFamily="18" charset="0"/>
-                <a:cs typeface="Times New Roman" panose="02020603050405020304" pitchFamily="18" charset="0"/>
-              </a:rPr>
-              <a:t>}</a:t>
-            </a:r>
-          </a:p>
-          <a:p>
-            <a:pPr marL="347345" marR="0">
-              <a:spcBef>
-                <a:spcPts val="0"/>
-              </a:spcBef>
-              <a:spcAft>
-                <a:spcPts val="0"/>
-              </a:spcAft>
-              <a:tabLst>
-                <a:tab pos="1371600" algn="l"/>
-              </a:tabLst>
-            </a:pPr>
-            <a:r>
-              <a:rPr lang="en-US" sz="1400" b="1" dirty="0">
-                <a:latin typeface="Courier New" panose="02070309020205020404" pitchFamily="49" charset="0"/>
-                <a:ea typeface="Times New Roman" panose="02020603050405020304" pitchFamily="18" charset="0"/>
-                <a:cs typeface="Times New Roman" panose="02020603050405020304" pitchFamily="18" charset="0"/>
-              </a:rPr>
-              <a:t> </a:t>
-            </a:r>
-          </a:p>
-          <a:p>
-            <a:pPr marL="347345" marR="0">
-              <a:spcBef>
-                <a:spcPts val="0"/>
-              </a:spcBef>
-              <a:spcAft>
-                <a:spcPts val="0"/>
-              </a:spcAft>
-              <a:tabLst>
-                <a:tab pos="1371600" algn="l"/>
-              </a:tabLst>
-            </a:pPr>
-            <a:r>
-              <a:rPr lang="en-US" sz="1400" b="1" dirty="0">
-                <a:highlight>
-                  <a:srgbClr val="FFFF00"/>
-                </a:highlight>
-                <a:latin typeface="Courier New" panose="02070309020205020404" pitchFamily="49" charset="0"/>
-                <a:ea typeface="Times New Roman" panose="02020603050405020304" pitchFamily="18" charset="0"/>
-                <a:cs typeface="Times New Roman" panose="02020603050405020304" pitchFamily="18" charset="0"/>
-              </a:rPr>
-              <a:t>@section scripts {</a:t>
-            </a:r>
-            <a:endParaRPr lang="en-US" sz="1400" b="1" dirty="0">
-              <a:latin typeface="Courier New" panose="02070309020205020404" pitchFamily="49" charset="0"/>
-              <a:ea typeface="Times New Roman" panose="02020603050405020304" pitchFamily="18" charset="0"/>
-              <a:cs typeface="Times New Roman" panose="02020603050405020304" pitchFamily="18" charset="0"/>
-            </a:endParaRPr>
-          </a:p>
-          <a:p>
-            <a:pPr marL="347345" marR="0">
-              <a:spcBef>
-                <a:spcPts val="0"/>
-              </a:spcBef>
-              <a:spcAft>
-                <a:spcPts val="0"/>
-              </a:spcAft>
-              <a:tabLst>
-                <a:tab pos="1371600" algn="l"/>
-              </a:tabLst>
-            </a:pPr>
-            <a:r>
-              <a:rPr lang="en-US" sz="1400" b="1" dirty="0">
-                <a:latin typeface="Courier New" panose="02070309020205020404" pitchFamily="49" charset="0"/>
-                <a:ea typeface="Times New Roman" panose="02020603050405020304" pitchFamily="18" charset="0"/>
-                <a:cs typeface="Times New Roman" panose="02020603050405020304" pitchFamily="18" charset="0"/>
-              </a:rPr>
-              <a:t>    &lt;script </a:t>
-            </a:r>
-            <a:r>
-              <a:rPr lang="en-US" sz="1400" b="1" dirty="0" err="1">
-                <a:latin typeface="Courier New" panose="02070309020205020404" pitchFamily="49" charset="0"/>
-                <a:ea typeface="Times New Roman" panose="02020603050405020304" pitchFamily="18" charset="0"/>
-                <a:cs typeface="Times New Roman" panose="02020603050405020304" pitchFamily="18" charset="0"/>
-              </a:rPr>
-              <a:t>src</a:t>
-            </a:r>
-            <a:r>
-              <a:rPr lang="en-US" sz="1400" b="1" dirty="0">
-                <a:latin typeface="Courier New" panose="02070309020205020404" pitchFamily="49" charset="0"/>
-                <a:ea typeface="Times New Roman" panose="02020603050405020304" pitchFamily="18" charset="0"/>
-                <a:cs typeface="Times New Roman" panose="02020603050405020304" pitchFamily="18" charset="0"/>
-              </a:rPr>
-              <a:t>="~/lib/</a:t>
-            </a:r>
-            <a:r>
-              <a:rPr lang="en-US" sz="1400" b="1" dirty="0" err="1">
-                <a:latin typeface="Courier New" panose="02070309020205020404" pitchFamily="49" charset="0"/>
-                <a:ea typeface="Times New Roman" panose="02020603050405020304" pitchFamily="18" charset="0"/>
-                <a:cs typeface="Times New Roman" panose="02020603050405020304" pitchFamily="18" charset="0"/>
-              </a:rPr>
-              <a:t>jquery</a:t>
-            </a:r>
-            <a:r>
-              <a:rPr lang="en-US" sz="1400" b="1" dirty="0">
-                <a:latin typeface="Courier New" panose="02070309020205020404" pitchFamily="49" charset="0"/>
-                <a:ea typeface="Times New Roman" panose="02020603050405020304" pitchFamily="18" charset="0"/>
-                <a:cs typeface="Times New Roman" panose="02020603050405020304" pitchFamily="18" charset="0"/>
-              </a:rPr>
-              <a:t>-validate/jquery.validate.min.js"&gt;</a:t>
-            </a:r>
-          </a:p>
-          <a:p>
-            <a:pPr marL="347345" marR="0">
-              <a:spcBef>
-                <a:spcPts val="0"/>
-              </a:spcBef>
-              <a:spcAft>
-                <a:spcPts val="0"/>
-              </a:spcAft>
-              <a:tabLst>
-                <a:tab pos="1371600" algn="l"/>
-              </a:tabLst>
-            </a:pPr>
-            <a:r>
-              <a:rPr lang="en-US" sz="1400" b="1" dirty="0">
-                <a:latin typeface="Courier New" panose="02070309020205020404" pitchFamily="49" charset="0"/>
-                <a:ea typeface="Times New Roman" panose="02020603050405020304" pitchFamily="18" charset="0"/>
-                <a:cs typeface="Times New Roman" panose="02020603050405020304" pitchFamily="18" charset="0"/>
-              </a:rPr>
-              <a:t>    &lt;/script&gt;</a:t>
-            </a:r>
-          </a:p>
-          <a:p>
-            <a:pPr marL="347345" marR="0">
-              <a:spcBef>
-                <a:spcPts val="0"/>
-              </a:spcBef>
-              <a:spcAft>
-                <a:spcPts val="0"/>
-              </a:spcAft>
-              <a:tabLst>
-                <a:tab pos="1371600" algn="l"/>
-              </a:tabLst>
-            </a:pPr>
-            <a:r>
-              <a:rPr lang="en-US" sz="1400" b="1" dirty="0">
-                <a:latin typeface="Courier New" panose="02070309020205020404" pitchFamily="49" charset="0"/>
-                <a:ea typeface="Times New Roman" panose="02020603050405020304" pitchFamily="18" charset="0"/>
-                <a:cs typeface="Times New Roman" panose="02020603050405020304" pitchFamily="18" charset="0"/>
-              </a:rPr>
-              <a:t>    &lt;script </a:t>
-            </a:r>
-            <a:r>
-              <a:rPr lang="en-US" sz="1400" b="1" dirty="0" err="1">
-                <a:latin typeface="Courier New" panose="02070309020205020404" pitchFamily="49" charset="0"/>
-                <a:ea typeface="Times New Roman" panose="02020603050405020304" pitchFamily="18" charset="0"/>
-                <a:cs typeface="Times New Roman" panose="02020603050405020304" pitchFamily="18" charset="0"/>
-              </a:rPr>
-              <a:t>src</a:t>
-            </a:r>
-            <a:r>
-              <a:rPr lang="en-US" sz="1400" b="1" dirty="0">
-                <a:latin typeface="Courier New" panose="02070309020205020404" pitchFamily="49" charset="0"/>
-                <a:ea typeface="Times New Roman" panose="02020603050405020304" pitchFamily="18" charset="0"/>
-                <a:cs typeface="Times New Roman" panose="02020603050405020304" pitchFamily="18" charset="0"/>
-              </a:rPr>
-              <a:t>="~/lib/</a:t>
-            </a:r>
-            <a:r>
-              <a:rPr lang="en-US" sz="1400" b="1" dirty="0" err="1">
-                <a:latin typeface="Courier New" panose="02070309020205020404" pitchFamily="49" charset="0"/>
-                <a:ea typeface="Times New Roman" panose="02020603050405020304" pitchFamily="18" charset="0"/>
-                <a:cs typeface="Times New Roman" panose="02020603050405020304" pitchFamily="18" charset="0"/>
-              </a:rPr>
-              <a:t>jquery</a:t>
-            </a:r>
-            <a:r>
-              <a:rPr lang="en-US" sz="1400" b="1" dirty="0">
-                <a:latin typeface="Courier New" panose="02070309020205020404" pitchFamily="49" charset="0"/>
-                <a:ea typeface="Times New Roman" panose="02020603050405020304" pitchFamily="18" charset="0"/>
-                <a:cs typeface="Times New Roman" panose="02020603050405020304" pitchFamily="18" charset="0"/>
-              </a:rPr>
-              <a:t>-validation-unobtrusive/</a:t>
-            </a:r>
-          </a:p>
-          <a:p>
-            <a:pPr marL="347345" marR="0">
-              <a:spcBef>
-                <a:spcPts val="0"/>
-              </a:spcBef>
-              <a:spcAft>
-                <a:spcPts val="0"/>
-              </a:spcAft>
-              <a:tabLst>
-                <a:tab pos="1371600" algn="l"/>
-              </a:tabLst>
-            </a:pPr>
-            <a:r>
-              <a:rPr lang="en-US" sz="1400" b="1" dirty="0">
-                <a:latin typeface="Courier New" panose="02070309020205020404" pitchFamily="49" charset="0"/>
-                <a:ea typeface="Times New Roman" panose="02020603050405020304" pitchFamily="18" charset="0"/>
-                <a:cs typeface="Times New Roman" panose="02020603050405020304" pitchFamily="18" charset="0"/>
-              </a:rPr>
-              <a:t>                       jquery.validate.unobtrusive.min.js"&gt;</a:t>
-            </a:r>
-          </a:p>
-          <a:p>
-            <a:pPr marL="347345" marR="0">
-              <a:spcBef>
-                <a:spcPts val="0"/>
-              </a:spcBef>
-              <a:spcAft>
-                <a:spcPts val="0"/>
-              </a:spcAft>
-              <a:tabLst>
-                <a:tab pos="1371600" algn="l"/>
-              </a:tabLst>
-            </a:pPr>
-            <a:r>
-              <a:rPr lang="en-US" sz="1400" b="1" dirty="0">
-                <a:latin typeface="Courier New" panose="02070309020205020404" pitchFamily="49" charset="0"/>
-                <a:ea typeface="Times New Roman" panose="02020603050405020304" pitchFamily="18" charset="0"/>
-                <a:cs typeface="Times New Roman" panose="02020603050405020304" pitchFamily="18" charset="0"/>
-              </a:rPr>
-              <a:t>    &lt;/script&gt;</a:t>
-            </a:r>
-          </a:p>
-          <a:p>
-            <a:pPr marL="347345" marR="0">
-              <a:spcBef>
-                <a:spcPts val="0"/>
-              </a:spcBef>
-              <a:spcAft>
-                <a:spcPts val="0"/>
-              </a:spcAft>
-              <a:tabLst>
-                <a:tab pos="1371600" algn="l"/>
-              </a:tabLst>
-            </a:pPr>
-            <a:r>
-              <a:rPr lang="en-US" sz="1400" b="1" dirty="0">
-                <a:highlight>
-                  <a:srgbClr val="FFFF00"/>
-                </a:highlight>
-                <a:latin typeface="Courier New" panose="02070309020205020404" pitchFamily="49" charset="0"/>
-                <a:ea typeface="Times New Roman" panose="02020603050405020304" pitchFamily="18" charset="0"/>
-                <a:cs typeface="Times New Roman" panose="02020603050405020304" pitchFamily="18" charset="0"/>
-              </a:rPr>
-              <a:t>}</a:t>
-            </a:r>
-            <a:endParaRPr lang="en-US" sz="1400" b="1" dirty="0">
-              <a:latin typeface="Courier New" panose="02070309020205020404" pitchFamily="49" charset="0"/>
-              <a:ea typeface="Times New Roman" panose="02020603050405020304" pitchFamily="18" charset="0"/>
-              <a:cs typeface="Times New Roman" panose="02020603050405020304" pitchFamily="18" charset="0"/>
-            </a:endParaRPr>
-          </a:p>
-          <a:p>
-            <a:pPr marL="347345" marR="0">
-              <a:spcBef>
-                <a:spcPts val="0"/>
-              </a:spcBef>
-              <a:spcAft>
-                <a:spcPts val="0"/>
-              </a:spcAft>
-              <a:tabLst>
-                <a:tab pos="1371600" algn="l"/>
-              </a:tabLst>
-            </a:pPr>
-            <a:r>
-              <a:rPr lang="en-US" sz="1400" b="1" dirty="0">
-                <a:latin typeface="Courier New" panose="02070309020205020404" pitchFamily="49" charset="0"/>
-                <a:ea typeface="Times New Roman" panose="02020603050405020304" pitchFamily="18" charset="0"/>
-                <a:cs typeface="Times New Roman" panose="02020603050405020304" pitchFamily="18" charset="0"/>
-              </a:rPr>
-              <a:t> </a:t>
-            </a:r>
-          </a:p>
-          <a:p>
-            <a:pPr marL="347345" marR="0">
-              <a:spcBef>
-                <a:spcPts val="0"/>
-              </a:spcBef>
-              <a:spcAft>
-                <a:spcPts val="0"/>
-              </a:spcAft>
-              <a:tabLst>
-                <a:tab pos="1371600" algn="l"/>
-              </a:tabLst>
-            </a:pPr>
-            <a:r>
-              <a:rPr lang="en-US" sz="1400" b="1" dirty="0">
-                <a:latin typeface="Courier New" panose="02070309020205020404" pitchFamily="49" charset="0"/>
-                <a:ea typeface="Times New Roman" panose="02020603050405020304" pitchFamily="18" charset="0"/>
-                <a:cs typeface="Times New Roman" panose="02020603050405020304" pitchFamily="18" charset="0"/>
-              </a:rPr>
-              <a:t>&lt;h2&gt;Update&lt;/h2&gt;</a:t>
-            </a:r>
-          </a:p>
-          <a:p>
-            <a:pPr marL="347345" marR="0">
-              <a:spcBef>
-                <a:spcPts val="0"/>
-              </a:spcBef>
-              <a:spcAft>
-                <a:spcPts val="0"/>
-              </a:spcAft>
-              <a:tabLst>
-                <a:tab pos="1371600" algn="l"/>
-              </a:tabLst>
-            </a:pPr>
-            <a:r>
-              <a:rPr lang="en-US" sz="1400" b="1" dirty="0">
-                <a:latin typeface="Courier New" panose="02070309020205020404" pitchFamily="49" charset="0"/>
-                <a:ea typeface="Times New Roman" panose="02020603050405020304" pitchFamily="18" charset="0"/>
-                <a:cs typeface="Times New Roman" panose="02020603050405020304" pitchFamily="18" charset="0"/>
-              </a:rPr>
-              <a:t> </a:t>
-            </a:r>
-          </a:p>
-          <a:p>
-            <a:pPr marL="347345" marR="0">
-              <a:spcBef>
-                <a:spcPts val="0"/>
-              </a:spcBef>
-              <a:spcAft>
-                <a:spcPts val="0"/>
-              </a:spcAft>
-              <a:tabLst>
-                <a:tab pos="1371600" algn="l"/>
-              </a:tabLst>
-            </a:pPr>
-            <a:r>
-              <a:rPr lang="en-US" sz="1400" b="1" dirty="0">
-                <a:latin typeface="Courier New" panose="02070309020205020404" pitchFamily="49" charset="0"/>
-                <a:ea typeface="Times New Roman" panose="02020603050405020304" pitchFamily="18" charset="0"/>
-                <a:cs typeface="Times New Roman" panose="02020603050405020304" pitchFamily="18" charset="0"/>
-              </a:rPr>
-              <a:t>// the HTML elements for the rest of the view body go here</a:t>
-            </a:r>
-          </a:p>
-          <a:p>
-            <a:endParaRPr lang="en-US" sz="1400" dirty="0"/>
-          </a:p>
-        </p:txBody>
-      </p:sp>
-      <p:sp>
-        <p:nvSpPr>
-          <p:cNvPr id="4" name="Date Placeholder 3">
-            <a:extLst>
-              <a:ext uri="{FF2B5EF4-FFF2-40B4-BE49-F238E27FC236}">
-                <a16:creationId xmlns:a16="http://schemas.microsoft.com/office/drawing/2014/main" id="{DEE716D9-545C-4A55-9CE0-170CF8F9A809}"/>
-              </a:ext>
-            </a:extLst>
-          </p:cNvPr>
-          <p:cNvSpPr>
-            <a:spLocks noGrp="1"/>
-          </p:cNvSpPr>
-          <p:nvPr>
-            <p:ph type="dt" sz="half" idx="10"/>
-          </p:nvPr>
-        </p:nvSpPr>
-        <p:spPr/>
-        <p:txBody>
-          <a:bodyPr/>
-          <a:lstStyle/>
-          <a:p>
-            <a:pPr>
-              <a:defRPr/>
-            </a:pPr>
-            <a:r>
-              <a:rPr lang="en-US"/>
-              <a:t>Murach's ASP.NET Core MVC</a:t>
-            </a:r>
-            <a:endParaRPr lang="en-US" dirty="0"/>
-          </a:p>
-        </p:txBody>
-      </p:sp>
-      <p:sp>
-        <p:nvSpPr>
-          <p:cNvPr id="5" name="Footer Placeholder 4">
-            <a:extLst>
-              <a:ext uri="{FF2B5EF4-FFF2-40B4-BE49-F238E27FC236}">
-                <a16:creationId xmlns:a16="http://schemas.microsoft.com/office/drawing/2014/main" id="{AD5D8A0C-2629-4D9E-B14E-B589230547B2}"/>
-              </a:ext>
-            </a:extLst>
-          </p:cNvPr>
-          <p:cNvSpPr>
-            <a:spLocks noGrp="1"/>
-          </p:cNvSpPr>
-          <p:nvPr>
-            <p:ph type="ftr" sz="quarter" idx="11"/>
-          </p:nvPr>
-        </p:nvSpPr>
-        <p:spPr/>
-        <p:txBody>
-          <a:bodyPr/>
-          <a:lstStyle/>
-          <a:p>
-            <a:pPr>
-              <a:defRPr/>
-            </a:pPr>
-            <a:r>
-              <a:rPr lang="en-US"/>
-              <a:t>© 2020, Mike Murach &amp; Associates, Inc.</a:t>
-            </a:r>
-            <a:endParaRPr lang="en-US" dirty="0"/>
-          </a:p>
-        </p:txBody>
-      </p:sp>
-      <p:sp>
-        <p:nvSpPr>
-          <p:cNvPr id="6" name="Slide Number Placeholder 5">
-            <a:extLst>
-              <a:ext uri="{FF2B5EF4-FFF2-40B4-BE49-F238E27FC236}">
-                <a16:creationId xmlns:a16="http://schemas.microsoft.com/office/drawing/2014/main" id="{ACAADEA3-08C8-4C3F-8565-E1802D78298C}"/>
-              </a:ext>
-            </a:extLst>
-          </p:cNvPr>
-          <p:cNvSpPr>
-            <a:spLocks noGrp="1"/>
-          </p:cNvSpPr>
-          <p:nvPr>
-            <p:ph type="sldNum" sz="quarter" idx="12"/>
-          </p:nvPr>
-        </p:nvSpPr>
-        <p:spPr/>
-        <p:txBody>
-          <a:bodyPr/>
-          <a:lstStyle/>
-          <a:p>
-            <a:pPr algn="l">
-              <a:defRPr/>
-            </a:pPr>
-            <a:endParaRPr lang="en-US" sz="1400">
-              <a:latin typeface="Times New Roman"/>
-            </a:endParaRPr>
-          </a:p>
-          <a:p>
-            <a:pPr>
-              <a:defRPr/>
-            </a:pPr>
-            <a:r>
-              <a:rPr lang="en-US">
-                <a:solidFill>
-                  <a:schemeClr val="bg1"/>
-                </a:solidFill>
-              </a:rPr>
-              <a:t>C7, Slide </a:t>
-            </a:r>
-            <a:fld id="{BF5C1183-B085-4070-A402-C03A3F977D3D}" type="slidenum">
-              <a:rPr lang="en-US" smtClean="0">
-                <a:solidFill>
-                  <a:schemeClr val="bg1"/>
-                </a:solidFill>
-              </a:rPr>
-              <a:pPr>
-                <a:defRPr/>
-              </a:pPr>
               <a:t>29</a:t>
             </a:fld>
             <a:endParaRPr lang="en-US" dirty="0">
@@ -17786,7 +17204,7 @@
     </p:spTree>
     <p:extLst>
       <p:ext uri="{BB962C8B-B14F-4D97-AF65-F5344CB8AC3E}">
-        <p14:creationId xmlns:p14="http://schemas.microsoft.com/office/powerpoint/2010/main" val="3141433955"/>
+        <p14:creationId xmlns:p14="http://schemas.microsoft.com/office/powerpoint/2010/main" val="3791729624"/>
       </p:ext>
     </p:extLst>
   </p:cSld>
@@ -19029,6 +18447,649 @@
           <p:cNvPr id="2" name="Title 1">
             <a:extLst>
               <a:ext uri="{FF2B5EF4-FFF2-40B4-BE49-F238E27FC236}">
+                <a16:creationId xmlns:a16="http://schemas.microsoft.com/office/drawing/2014/main" id="{C37B1D36-8D17-42B0-9314-25A95284880D}"/>
+              </a:ext>
+            </a:extLst>
+          </p:cNvPr>
+          <p:cNvSpPr>
+            <a:spLocks noGrp="1"/>
+          </p:cNvSpPr>
+          <p:nvPr>
+            <p:ph type="title"/>
+          </p:nvPr>
+        </p:nvSpPr>
+        <p:spPr>
+          <a:xfrm>
+            <a:off x="914400" y="624989"/>
+            <a:ext cx="7315200" cy="369332"/>
+          </a:xfrm>
+        </p:spPr>
+        <p:txBody>
+          <a:bodyPr/>
+          <a:lstStyle/>
+          <a:p>
+            <a:r>
+              <a:rPr lang="en-US" dirty="0"/>
+              <a:t>Code in a view file that specifies a section</a:t>
+            </a:r>
+          </a:p>
+        </p:txBody>
+      </p:sp>
+      <p:sp>
+        <p:nvSpPr>
+          <p:cNvPr id="3" name="Text Placeholder 2">
+            <a:extLst>
+              <a:ext uri="{FF2B5EF4-FFF2-40B4-BE49-F238E27FC236}">
+                <a16:creationId xmlns:a16="http://schemas.microsoft.com/office/drawing/2014/main" id="{AB5874D1-A37B-4CE3-A1EE-E2E9F1A59610}"/>
+              </a:ext>
+            </a:extLst>
+          </p:cNvPr>
+          <p:cNvSpPr>
+            <a:spLocks noGrp="1"/>
+          </p:cNvSpPr>
+          <p:nvPr>
+            <p:ph type="body" sz="quarter" idx="13"/>
+          </p:nvPr>
+        </p:nvSpPr>
+        <p:spPr/>
+        <p:txBody>
+          <a:bodyPr/>
+          <a:lstStyle/>
+          <a:p>
+            <a:pPr marL="347345" marR="0">
+              <a:spcBef>
+                <a:spcPts val="0"/>
+              </a:spcBef>
+              <a:spcAft>
+                <a:spcPts val="0"/>
+              </a:spcAft>
+              <a:tabLst>
+                <a:tab pos="1371600" algn="l"/>
+              </a:tabLst>
+            </a:pPr>
+            <a:r>
+              <a:rPr lang="en-US" sz="1400" b="1" dirty="0">
+                <a:latin typeface="Courier New" panose="02070309020205020404" pitchFamily="49" charset="0"/>
+                <a:ea typeface="Times New Roman" panose="02020603050405020304" pitchFamily="18" charset="0"/>
+                <a:cs typeface="Times New Roman" panose="02020603050405020304" pitchFamily="18" charset="0"/>
+              </a:rPr>
+              <a:t>@model Product</a:t>
+            </a:r>
+          </a:p>
+          <a:p>
+            <a:pPr marL="347345" marR="0">
+              <a:spcBef>
+                <a:spcPts val="0"/>
+              </a:spcBef>
+              <a:spcAft>
+                <a:spcPts val="0"/>
+              </a:spcAft>
+              <a:tabLst>
+                <a:tab pos="1371600" algn="l"/>
+              </a:tabLst>
+            </a:pPr>
+            <a:r>
+              <a:rPr lang="en-US" sz="1400" b="1" dirty="0">
+                <a:latin typeface="Courier New" panose="02070309020205020404" pitchFamily="49" charset="0"/>
+                <a:ea typeface="Times New Roman" panose="02020603050405020304" pitchFamily="18" charset="0"/>
+                <a:cs typeface="Times New Roman" panose="02020603050405020304" pitchFamily="18" charset="0"/>
+              </a:rPr>
+              <a:t>@{</a:t>
+            </a:r>
+          </a:p>
+          <a:p>
+            <a:pPr marL="347345" marR="0">
+              <a:spcBef>
+                <a:spcPts val="0"/>
+              </a:spcBef>
+              <a:spcAft>
+                <a:spcPts val="0"/>
+              </a:spcAft>
+              <a:tabLst>
+                <a:tab pos="1371600" algn="l"/>
+              </a:tabLst>
+            </a:pPr>
+            <a:r>
+              <a:rPr lang="en-US" sz="1400" b="1" dirty="0">
+                <a:latin typeface="Courier New" panose="02070309020205020404" pitchFamily="49" charset="0"/>
+                <a:ea typeface="Times New Roman" panose="02020603050405020304" pitchFamily="18" charset="0"/>
+                <a:cs typeface="Times New Roman" panose="02020603050405020304" pitchFamily="18" charset="0"/>
+              </a:rPr>
+              <a:t>    </a:t>
+            </a:r>
+            <a:r>
+              <a:rPr lang="en-US" sz="1400" b="1" dirty="0" err="1">
+                <a:latin typeface="Courier New" panose="02070309020205020404" pitchFamily="49" charset="0"/>
+                <a:ea typeface="Times New Roman" panose="02020603050405020304" pitchFamily="18" charset="0"/>
+                <a:cs typeface="Times New Roman" panose="02020603050405020304" pitchFamily="18" charset="0"/>
+              </a:rPr>
+              <a:t>ViewBag.Title</a:t>
+            </a:r>
+            <a:r>
+              <a:rPr lang="en-US" sz="1400" b="1" dirty="0">
+                <a:latin typeface="Courier New" panose="02070309020205020404" pitchFamily="49" charset="0"/>
+                <a:ea typeface="Times New Roman" panose="02020603050405020304" pitchFamily="18" charset="0"/>
+                <a:cs typeface="Times New Roman" panose="02020603050405020304" pitchFamily="18" charset="0"/>
+              </a:rPr>
+              <a:t> = "Update Product";</a:t>
+            </a:r>
+          </a:p>
+          <a:p>
+            <a:pPr marL="347345" marR="0">
+              <a:spcBef>
+                <a:spcPts val="0"/>
+              </a:spcBef>
+              <a:spcAft>
+                <a:spcPts val="0"/>
+              </a:spcAft>
+              <a:tabLst>
+                <a:tab pos="1371600" algn="l"/>
+              </a:tabLst>
+            </a:pPr>
+            <a:r>
+              <a:rPr lang="en-US" sz="1400" b="1" dirty="0">
+                <a:latin typeface="Courier New" panose="02070309020205020404" pitchFamily="49" charset="0"/>
+                <a:ea typeface="Times New Roman" panose="02020603050405020304" pitchFamily="18" charset="0"/>
+                <a:cs typeface="Times New Roman" panose="02020603050405020304" pitchFamily="18" charset="0"/>
+              </a:rPr>
+              <a:t>}</a:t>
+            </a:r>
+          </a:p>
+          <a:p>
+            <a:pPr marL="347345" marR="0">
+              <a:spcBef>
+                <a:spcPts val="0"/>
+              </a:spcBef>
+              <a:spcAft>
+                <a:spcPts val="0"/>
+              </a:spcAft>
+              <a:tabLst>
+                <a:tab pos="1371600" algn="l"/>
+              </a:tabLst>
+            </a:pPr>
+            <a:r>
+              <a:rPr lang="en-US" sz="1400" b="1" dirty="0">
+                <a:latin typeface="Courier New" panose="02070309020205020404" pitchFamily="49" charset="0"/>
+                <a:ea typeface="Times New Roman" panose="02020603050405020304" pitchFamily="18" charset="0"/>
+                <a:cs typeface="Times New Roman" panose="02020603050405020304" pitchFamily="18" charset="0"/>
+              </a:rPr>
+              <a:t> </a:t>
+            </a:r>
+          </a:p>
+          <a:p>
+            <a:pPr marL="347345" marR="0">
+              <a:spcBef>
+                <a:spcPts val="0"/>
+              </a:spcBef>
+              <a:spcAft>
+                <a:spcPts val="0"/>
+              </a:spcAft>
+              <a:tabLst>
+                <a:tab pos="1371600" algn="l"/>
+              </a:tabLst>
+            </a:pPr>
+            <a:r>
+              <a:rPr lang="en-US" sz="1400" b="1" dirty="0">
+                <a:highlight>
+                  <a:srgbClr val="FFFF00"/>
+                </a:highlight>
+                <a:latin typeface="Courier New" panose="02070309020205020404" pitchFamily="49" charset="0"/>
+                <a:ea typeface="Times New Roman" panose="02020603050405020304" pitchFamily="18" charset="0"/>
+                <a:cs typeface="Times New Roman" panose="02020603050405020304" pitchFamily="18" charset="0"/>
+              </a:rPr>
+              <a:t>@section scripts {</a:t>
+            </a:r>
+            <a:endParaRPr lang="en-US" sz="1400" b="1" dirty="0">
+              <a:latin typeface="Courier New" panose="02070309020205020404" pitchFamily="49" charset="0"/>
+              <a:ea typeface="Times New Roman" panose="02020603050405020304" pitchFamily="18" charset="0"/>
+              <a:cs typeface="Times New Roman" panose="02020603050405020304" pitchFamily="18" charset="0"/>
+            </a:endParaRPr>
+          </a:p>
+          <a:p>
+            <a:pPr marL="347345" marR="0">
+              <a:spcBef>
+                <a:spcPts val="0"/>
+              </a:spcBef>
+              <a:spcAft>
+                <a:spcPts val="0"/>
+              </a:spcAft>
+              <a:tabLst>
+                <a:tab pos="1371600" algn="l"/>
+              </a:tabLst>
+            </a:pPr>
+            <a:r>
+              <a:rPr lang="en-US" sz="1400" b="1" dirty="0">
+                <a:latin typeface="Courier New" panose="02070309020205020404" pitchFamily="49" charset="0"/>
+                <a:ea typeface="Times New Roman" panose="02020603050405020304" pitchFamily="18" charset="0"/>
+                <a:cs typeface="Times New Roman" panose="02020603050405020304" pitchFamily="18" charset="0"/>
+              </a:rPr>
+              <a:t>    &lt;script </a:t>
+            </a:r>
+            <a:r>
+              <a:rPr lang="en-US" sz="1400" b="1" dirty="0" err="1">
+                <a:latin typeface="Courier New" panose="02070309020205020404" pitchFamily="49" charset="0"/>
+                <a:ea typeface="Times New Roman" panose="02020603050405020304" pitchFamily="18" charset="0"/>
+                <a:cs typeface="Times New Roman" panose="02020603050405020304" pitchFamily="18" charset="0"/>
+              </a:rPr>
+              <a:t>src</a:t>
+            </a:r>
+            <a:r>
+              <a:rPr lang="en-US" sz="1400" b="1" dirty="0">
+                <a:latin typeface="Courier New" panose="02070309020205020404" pitchFamily="49" charset="0"/>
+                <a:ea typeface="Times New Roman" panose="02020603050405020304" pitchFamily="18" charset="0"/>
+                <a:cs typeface="Times New Roman" panose="02020603050405020304" pitchFamily="18" charset="0"/>
+              </a:rPr>
+              <a:t>="~/lib/</a:t>
+            </a:r>
+            <a:r>
+              <a:rPr lang="en-US" sz="1400" b="1" dirty="0" err="1">
+                <a:latin typeface="Courier New" panose="02070309020205020404" pitchFamily="49" charset="0"/>
+                <a:ea typeface="Times New Roman" panose="02020603050405020304" pitchFamily="18" charset="0"/>
+                <a:cs typeface="Times New Roman" panose="02020603050405020304" pitchFamily="18" charset="0"/>
+              </a:rPr>
+              <a:t>jquery</a:t>
+            </a:r>
+            <a:r>
+              <a:rPr lang="en-US" sz="1400" b="1" dirty="0">
+                <a:latin typeface="Courier New" panose="02070309020205020404" pitchFamily="49" charset="0"/>
+                <a:ea typeface="Times New Roman" panose="02020603050405020304" pitchFamily="18" charset="0"/>
+                <a:cs typeface="Times New Roman" panose="02020603050405020304" pitchFamily="18" charset="0"/>
+              </a:rPr>
+              <a:t>-validate/jquery.validate.min.js"&gt;</a:t>
+            </a:r>
+          </a:p>
+          <a:p>
+            <a:pPr marL="347345" marR="0">
+              <a:spcBef>
+                <a:spcPts val="0"/>
+              </a:spcBef>
+              <a:spcAft>
+                <a:spcPts val="0"/>
+              </a:spcAft>
+              <a:tabLst>
+                <a:tab pos="1371600" algn="l"/>
+              </a:tabLst>
+            </a:pPr>
+            <a:r>
+              <a:rPr lang="en-US" sz="1400" b="1" dirty="0">
+                <a:latin typeface="Courier New" panose="02070309020205020404" pitchFamily="49" charset="0"/>
+                <a:ea typeface="Times New Roman" panose="02020603050405020304" pitchFamily="18" charset="0"/>
+                <a:cs typeface="Times New Roman" panose="02020603050405020304" pitchFamily="18" charset="0"/>
+              </a:rPr>
+              <a:t>    &lt;/script&gt;</a:t>
+            </a:r>
+          </a:p>
+          <a:p>
+            <a:pPr marL="347345" marR="0">
+              <a:spcBef>
+                <a:spcPts val="0"/>
+              </a:spcBef>
+              <a:spcAft>
+                <a:spcPts val="0"/>
+              </a:spcAft>
+              <a:tabLst>
+                <a:tab pos="1371600" algn="l"/>
+              </a:tabLst>
+            </a:pPr>
+            <a:r>
+              <a:rPr lang="en-US" sz="1400" b="1" dirty="0">
+                <a:latin typeface="Courier New" panose="02070309020205020404" pitchFamily="49" charset="0"/>
+                <a:ea typeface="Times New Roman" panose="02020603050405020304" pitchFamily="18" charset="0"/>
+                <a:cs typeface="Times New Roman" panose="02020603050405020304" pitchFamily="18" charset="0"/>
+              </a:rPr>
+              <a:t>    &lt;script </a:t>
+            </a:r>
+            <a:r>
+              <a:rPr lang="en-US" sz="1400" b="1" dirty="0" err="1">
+                <a:latin typeface="Courier New" panose="02070309020205020404" pitchFamily="49" charset="0"/>
+                <a:ea typeface="Times New Roman" panose="02020603050405020304" pitchFamily="18" charset="0"/>
+                <a:cs typeface="Times New Roman" panose="02020603050405020304" pitchFamily="18" charset="0"/>
+              </a:rPr>
+              <a:t>src</a:t>
+            </a:r>
+            <a:r>
+              <a:rPr lang="en-US" sz="1400" b="1" dirty="0">
+                <a:latin typeface="Courier New" panose="02070309020205020404" pitchFamily="49" charset="0"/>
+                <a:ea typeface="Times New Roman" panose="02020603050405020304" pitchFamily="18" charset="0"/>
+                <a:cs typeface="Times New Roman" panose="02020603050405020304" pitchFamily="18" charset="0"/>
+              </a:rPr>
+              <a:t>="~/lib/</a:t>
+            </a:r>
+            <a:r>
+              <a:rPr lang="en-US" sz="1400" b="1" dirty="0" err="1">
+                <a:latin typeface="Courier New" panose="02070309020205020404" pitchFamily="49" charset="0"/>
+                <a:ea typeface="Times New Roman" panose="02020603050405020304" pitchFamily="18" charset="0"/>
+                <a:cs typeface="Times New Roman" panose="02020603050405020304" pitchFamily="18" charset="0"/>
+              </a:rPr>
+              <a:t>jquery</a:t>
+            </a:r>
+            <a:r>
+              <a:rPr lang="en-US" sz="1400" b="1" dirty="0">
+                <a:latin typeface="Courier New" panose="02070309020205020404" pitchFamily="49" charset="0"/>
+                <a:ea typeface="Times New Roman" panose="02020603050405020304" pitchFamily="18" charset="0"/>
+                <a:cs typeface="Times New Roman" panose="02020603050405020304" pitchFamily="18" charset="0"/>
+              </a:rPr>
+              <a:t>-validation-unobtrusive/</a:t>
+            </a:r>
+          </a:p>
+          <a:p>
+            <a:pPr marL="347345" marR="0">
+              <a:spcBef>
+                <a:spcPts val="0"/>
+              </a:spcBef>
+              <a:spcAft>
+                <a:spcPts val="0"/>
+              </a:spcAft>
+              <a:tabLst>
+                <a:tab pos="1371600" algn="l"/>
+              </a:tabLst>
+            </a:pPr>
+            <a:r>
+              <a:rPr lang="en-US" sz="1400" b="1" dirty="0">
+                <a:latin typeface="Courier New" panose="02070309020205020404" pitchFamily="49" charset="0"/>
+                <a:ea typeface="Times New Roman" panose="02020603050405020304" pitchFamily="18" charset="0"/>
+                <a:cs typeface="Times New Roman" panose="02020603050405020304" pitchFamily="18" charset="0"/>
+              </a:rPr>
+              <a:t>                       jquery.validate.unobtrusive.min.js"&gt;</a:t>
+            </a:r>
+          </a:p>
+          <a:p>
+            <a:pPr marL="347345" marR="0">
+              <a:spcBef>
+                <a:spcPts val="0"/>
+              </a:spcBef>
+              <a:spcAft>
+                <a:spcPts val="0"/>
+              </a:spcAft>
+              <a:tabLst>
+                <a:tab pos="1371600" algn="l"/>
+              </a:tabLst>
+            </a:pPr>
+            <a:r>
+              <a:rPr lang="en-US" sz="1400" b="1" dirty="0">
+                <a:latin typeface="Courier New" panose="02070309020205020404" pitchFamily="49" charset="0"/>
+                <a:ea typeface="Times New Roman" panose="02020603050405020304" pitchFamily="18" charset="0"/>
+                <a:cs typeface="Times New Roman" panose="02020603050405020304" pitchFamily="18" charset="0"/>
+              </a:rPr>
+              <a:t>    &lt;/script&gt;</a:t>
+            </a:r>
+          </a:p>
+          <a:p>
+            <a:pPr marL="347345" marR="0">
+              <a:spcBef>
+                <a:spcPts val="0"/>
+              </a:spcBef>
+              <a:spcAft>
+                <a:spcPts val="0"/>
+              </a:spcAft>
+              <a:tabLst>
+                <a:tab pos="1371600" algn="l"/>
+              </a:tabLst>
+            </a:pPr>
+            <a:r>
+              <a:rPr lang="en-US" sz="1400" b="1" dirty="0">
+                <a:highlight>
+                  <a:srgbClr val="FFFF00"/>
+                </a:highlight>
+                <a:latin typeface="Courier New" panose="02070309020205020404" pitchFamily="49" charset="0"/>
+                <a:ea typeface="Times New Roman" panose="02020603050405020304" pitchFamily="18" charset="0"/>
+                <a:cs typeface="Times New Roman" panose="02020603050405020304" pitchFamily="18" charset="0"/>
+              </a:rPr>
+              <a:t>}</a:t>
+            </a:r>
+            <a:endParaRPr lang="en-US" sz="1400" b="1" dirty="0">
+              <a:latin typeface="Courier New" panose="02070309020205020404" pitchFamily="49" charset="0"/>
+              <a:ea typeface="Times New Roman" panose="02020603050405020304" pitchFamily="18" charset="0"/>
+              <a:cs typeface="Times New Roman" panose="02020603050405020304" pitchFamily="18" charset="0"/>
+            </a:endParaRPr>
+          </a:p>
+          <a:p>
+            <a:pPr marL="347345" marR="0">
+              <a:spcBef>
+                <a:spcPts val="0"/>
+              </a:spcBef>
+              <a:spcAft>
+                <a:spcPts val="0"/>
+              </a:spcAft>
+              <a:tabLst>
+                <a:tab pos="1371600" algn="l"/>
+              </a:tabLst>
+            </a:pPr>
+            <a:r>
+              <a:rPr lang="en-US" sz="1400" b="1" dirty="0">
+                <a:latin typeface="Courier New" panose="02070309020205020404" pitchFamily="49" charset="0"/>
+                <a:ea typeface="Times New Roman" panose="02020603050405020304" pitchFamily="18" charset="0"/>
+                <a:cs typeface="Times New Roman" panose="02020603050405020304" pitchFamily="18" charset="0"/>
+              </a:rPr>
+              <a:t> </a:t>
+            </a:r>
+          </a:p>
+          <a:p>
+            <a:pPr marL="347345" marR="0">
+              <a:spcBef>
+                <a:spcPts val="0"/>
+              </a:spcBef>
+              <a:spcAft>
+                <a:spcPts val="0"/>
+              </a:spcAft>
+              <a:tabLst>
+                <a:tab pos="1371600" algn="l"/>
+              </a:tabLst>
+            </a:pPr>
+            <a:r>
+              <a:rPr lang="en-US" sz="1400" b="1" dirty="0">
+                <a:latin typeface="Courier New" panose="02070309020205020404" pitchFamily="49" charset="0"/>
+                <a:ea typeface="Times New Roman" panose="02020603050405020304" pitchFamily="18" charset="0"/>
+                <a:cs typeface="Times New Roman" panose="02020603050405020304" pitchFamily="18" charset="0"/>
+              </a:rPr>
+              <a:t>&lt;h2&gt;Update&lt;/h2&gt;</a:t>
+            </a:r>
+          </a:p>
+          <a:p>
+            <a:pPr marL="347345" marR="0">
+              <a:spcBef>
+                <a:spcPts val="0"/>
+              </a:spcBef>
+              <a:spcAft>
+                <a:spcPts val="0"/>
+              </a:spcAft>
+              <a:tabLst>
+                <a:tab pos="1371600" algn="l"/>
+              </a:tabLst>
+            </a:pPr>
+            <a:r>
+              <a:rPr lang="en-US" sz="1400" b="1" dirty="0">
+                <a:latin typeface="Courier New" panose="02070309020205020404" pitchFamily="49" charset="0"/>
+                <a:ea typeface="Times New Roman" panose="02020603050405020304" pitchFamily="18" charset="0"/>
+                <a:cs typeface="Times New Roman" panose="02020603050405020304" pitchFamily="18" charset="0"/>
+              </a:rPr>
+              <a:t> </a:t>
+            </a:r>
+          </a:p>
+          <a:p>
+            <a:pPr marL="347345" marR="0">
+              <a:spcBef>
+                <a:spcPts val="0"/>
+              </a:spcBef>
+              <a:spcAft>
+                <a:spcPts val="0"/>
+              </a:spcAft>
+              <a:tabLst>
+                <a:tab pos="1371600" algn="l"/>
+              </a:tabLst>
+            </a:pPr>
+            <a:r>
+              <a:rPr lang="en-US" sz="1400" b="1" dirty="0">
+                <a:latin typeface="Courier New" panose="02070309020205020404" pitchFamily="49" charset="0"/>
+                <a:ea typeface="Times New Roman" panose="02020603050405020304" pitchFamily="18" charset="0"/>
+                <a:cs typeface="Times New Roman" panose="02020603050405020304" pitchFamily="18" charset="0"/>
+              </a:rPr>
+              <a:t>// the HTML elements for the rest of the view body go here</a:t>
+            </a:r>
+          </a:p>
+          <a:p>
+            <a:endParaRPr lang="en-US" sz="1400" dirty="0"/>
+          </a:p>
+        </p:txBody>
+      </p:sp>
+      <p:sp>
+        <p:nvSpPr>
+          <p:cNvPr id="4" name="Date Placeholder 3">
+            <a:extLst>
+              <a:ext uri="{FF2B5EF4-FFF2-40B4-BE49-F238E27FC236}">
+                <a16:creationId xmlns:a16="http://schemas.microsoft.com/office/drawing/2014/main" id="{DEE716D9-545C-4A55-9CE0-170CF8F9A809}"/>
+              </a:ext>
+            </a:extLst>
+          </p:cNvPr>
+          <p:cNvSpPr>
+            <a:spLocks noGrp="1"/>
+          </p:cNvSpPr>
+          <p:nvPr>
+            <p:ph type="dt" sz="half" idx="10"/>
+          </p:nvPr>
+        </p:nvSpPr>
+        <p:spPr/>
+        <p:txBody>
+          <a:bodyPr/>
+          <a:lstStyle/>
+          <a:p>
+            <a:pPr>
+              <a:defRPr/>
+            </a:pPr>
+            <a:r>
+              <a:rPr lang="en-US"/>
+              <a:t>Murach's ASP.NET Core MVC</a:t>
+            </a:r>
+            <a:endParaRPr lang="en-US" dirty="0"/>
+          </a:p>
+        </p:txBody>
+      </p:sp>
+      <p:sp>
+        <p:nvSpPr>
+          <p:cNvPr id="5" name="Footer Placeholder 4">
+            <a:extLst>
+              <a:ext uri="{FF2B5EF4-FFF2-40B4-BE49-F238E27FC236}">
+                <a16:creationId xmlns:a16="http://schemas.microsoft.com/office/drawing/2014/main" id="{AD5D8A0C-2629-4D9E-B14E-B589230547B2}"/>
+              </a:ext>
+            </a:extLst>
+          </p:cNvPr>
+          <p:cNvSpPr>
+            <a:spLocks noGrp="1"/>
+          </p:cNvSpPr>
+          <p:nvPr>
+            <p:ph type="ftr" sz="quarter" idx="11"/>
+          </p:nvPr>
+        </p:nvSpPr>
+        <p:spPr/>
+        <p:txBody>
+          <a:bodyPr/>
+          <a:lstStyle/>
+          <a:p>
+            <a:pPr>
+              <a:defRPr/>
+            </a:pPr>
+            <a:r>
+              <a:rPr lang="en-US"/>
+              <a:t>© 2020, Mike Murach &amp; Associates, Inc.</a:t>
+            </a:r>
+            <a:endParaRPr lang="en-US" dirty="0"/>
+          </a:p>
+        </p:txBody>
+      </p:sp>
+      <p:sp>
+        <p:nvSpPr>
+          <p:cNvPr id="6" name="Slide Number Placeholder 5">
+            <a:extLst>
+              <a:ext uri="{FF2B5EF4-FFF2-40B4-BE49-F238E27FC236}">
+                <a16:creationId xmlns:a16="http://schemas.microsoft.com/office/drawing/2014/main" id="{ACAADEA3-08C8-4C3F-8565-E1802D78298C}"/>
+              </a:ext>
+            </a:extLst>
+          </p:cNvPr>
+          <p:cNvSpPr>
+            <a:spLocks noGrp="1"/>
+          </p:cNvSpPr>
+          <p:nvPr>
+            <p:ph type="sldNum" sz="quarter" idx="12"/>
+          </p:nvPr>
+        </p:nvSpPr>
+        <p:spPr/>
+        <p:txBody>
+          <a:bodyPr/>
+          <a:lstStyle/>
+          <a:p>
+            <a:pPr algn="l">
+              <a:defRPr/>
+            </a:pPr>
+            <a:endParaRPr lang="en-US" sz="1400">
+              <a:latin typeface="Times New Roman"/>
+            </a:endParaRPr>
+          </a:p>
+          <a:p>
+            <a:pPr>
+              <a:defRPr/>
+            </a:pPr>
+            <a:r>
+              <a:rPr lang="en-US">
+                <a:solidFill>
+                  <a:schemeClr val="bg1"/>
+                </a:solidFill>
+              </a:rPr>
+              <a:t>C7, Slide </a:t>
+            </a:r>
+            <a:fld id="{BF5C1183-B085-4070-A402-C03A3F977D3D}" type="slidenum">
+              <a:rPr lang="en-US" smtClean="0">
+                <a:solidFill>
+                  <a:schemeClr val="bg1"/>
+                </a:solidFill>
+              </a:rPr>
+              <a:pPr>
+                <a:defRPr/>
+              </a:pPr>
+              <a:t>30</a:t>
+            </a:fld>
+            <a:endParaRPr lang="en-US" dirty="0">
+              <a:solidFill>
+                <a:schemeClr val="bg1"/>
+              </a:solidFill>
+            </a:endParaRPr>
+          </a:p>
+        </p:txBody>
+      </p:sp>
+    </p:spTree>
+    <p:extLst>
+      <p:ext uri="{BB962C8B-B14F-4D97-AF65-F5344CB8AC3E}">
+        <p14:creationId xmlns:p14="http://schemas.microsoft.com/office/powerpoint/2010/main" val="3141433955"/>
+      </p:ext>
+    </p:extLst>
+  </p:cSld>
+  <p:clrMapOvr>
+    <a:masterClrMapping/>
+  </p:clrMapOvr>
+</p:sld>
+</file>
+
+<file path=ppt/slides/slide31.xml><?xml version="1.0" encoding="utf-8"?>
+<p:sld xmlns:a="http://schemas.openxmlformats.org/drawingml/2006/main" xmlns:r="http://schemas.openxmlformats.org/officeDocument/2006/relationships" xmlns:p="http://schemas.openxmlformats.org/presentationml/2006/main">
+  <p:cSld>
+    <p:spTree>
+      <p:nvGrpSpPr>
+        <p:cNvPr id="1" name=""/>
+        <p:cNvGrpSpPr/>
+        <p:nvPr/>
+      </p:nvGrpSpPr>
+      <p:grpSpPr>
+        <a:xfrm>
+          <a:off x="0" y="0"/>
+          <a:ext cx="0" cy="0"/>
+          <a:chOff x="0" y="0"/>
+          <a:chExt cx="0" cy="0"/>
+        </a:xfrm>
+      </p:grpSpPr>
+      <p:sp>
+        <p:nvSpPr>
+          <p:cNvPr id="2" name="Title 1">
+            <a:extLst>
+              <a:ext uri="{FF2B5EF4-FFF2-40B4-BE49-F238E27FC236}">
                 <a16:creationId xmlns:a16="http://schemas.microsoft.com/office/drawing/2014/main" id="{0717DA48-5C3C-4696-B553-3D5B47DBD88C}"/>
               </a:ext>
             </a:extLst>
@@ -19865,7 +19926,7 @@
               <a:pPr>
                 <a:defRPr/>
               </a:pPr>
-              <a:t>30</a:t>
+              <a:t>31</a:t>
             </a:fld>
             <a:endParaRPr lang="en-US" dirty="0">
               <a:solidFill>
@@ -19888,7 +19949,7 @@
 </p:sld>
 </file>
 
-<file path=ppt/slides/slide31.xml><?xml version="1.0" encoding="utf-8"?>
+<file path=ppt/slides/slide32.xml><?xml version="1.0" encoding="utf-8"?>
 <p:sld xmlns:a="http://schemas.openxmlformats.org/drawingml/2006/main" xmlns:r="http://schemas.openxmlformats.org/officeDocument/2006/relationships" xmlns:p="http://schemas.openxmlformats.org/presentationml/2006/main">
   <p:cSld>
     <p:spTree>
@@ -20083,7 +20144,7 @@
               <a:pPr>
                 <a:defRPr/>
               </a:pPr>
-              <a:t>31</a:t>
+              <a:t>32</a:t>
             </a:fld>
             <a:endParaRPr lang="en-US" dirty="0">
               <a:solidFill>
@@ -20106,7 +20167,7 @@
 </p:sld>
 </file>
 
-<file path=ppt/slides/slide32.xml><?xml version="1.0" encoding="utf-8"?>
+<file path=ppt/slides/slide33.xml><?xml version="1.0" encoding="utf-8"?>
 <p:sld xmlns:a="http://schemas.openxmlformats.org/drawingml/2006/main" xmlns:r="http://schemas.openxmlformats.org/officeDocument/2006/relationships" xmlns:p="http://schemas.openxmlformats.org/presentationml/2006/main">
   <p:cSld>
     <p:spTree>
@@ -20301,7 +20362,7 @@
               <a:pPr>
                 <a:defRPr/>
               </a:pPr>
-              <a:t>32</a:t>
+              <a:t>33</a:t>
             </a:fld>
             <a:endParaRPr lang="en-US" dirty="0">
               <a:solidFill>
@@ -20324,7 +20385,7 @@
 </p:sld>
 </file>
 
-<file path=ppt/slides/slide33.xml><?xml version="1.0" encoding="utf-8"?>
+<file path=ppt/slides/slide34.xml><?xml version="1.0" encoding="utf-8"?>
 <p:sld xmlns:a="http://schemas.openxmlformats.org/drawingml/2006/main" xmlns:r="http://schemas.openxmlformats.org/officeDocument/2006/relationships" xmlns:p="http://schemas.openxmlformats.org/presentationml/2006/main">
   <p:cSld>
     <p:spTree>
@@ -20519,7 +20580,7 @@
               <a:pPr>
                 <a:defRPr/>
               </a:pPr>
-              <a:t>33</a:t>
+              <a:t>34</a:t>
             </a:fld>
             <a:endParaRPr lang="en-US" dirty="0">
               <a:solidFill>
@@ -20542,7 +20603,7 @@
 </p:sld>
 </file>
 
-<file path=ppt/slides/slide34.xml><?xml version="1.0" encoding="utf-8"?>
+<file path=ppt/slides/slide35.xml><?xml version="1.0" encoding="utf-8"?>
 <p:sld xmlns:a="http://schemas.openxmlformats.org/drawingml/2006/main" xmlns:r="http://schemas.openxmlformats.org/officeDocument/2006/relationships" xmlns:p="http://schemas.openxmlformats.org/presentationml/2006/main">
   <p:cSld>
     <p:spTree>
@@ -20737,7 +20798,7 @@
               <a:pPr>
                 <a:defRPr/>
               </a:pPr>
-              <a:t>34</a:t>
+              <a:t>35</a:t>
             </a:fld>
             <a:endParaRPr lang="en-US" dirty="0">
               <a:solidFill>
@@ -20760,7 +20821,7 @@
 </p:sld>
 </file>
 
-<file path=ppt/slides/slide35.xml><?xml version="1.0" encoding="utf-8"?>
+<file path=ppt/slides/slide36.xml><?xml version="1.0" encoding="utf-8"?>
 <p:sld xmlns:a="http://schemas.openxmlformats.org/drawingml/2006/main" xmlns:r="http://schemas.openxmlformats.org/officeDocument/2006/relationships" xmlns:p="http://schemas.openxmlformats.org/presentationml/2006/main">
   <p:cSld>
     <p:spTree>
@@ -20955,7 +21016,7 @@
               <a:pPr>
                 <a:defRPr/>
               </a:pPr>
-              <a:t>35</a:t>
+              <a:t>36</a:t>
             </a:fld>
             <a:endParaRPr lang="en-US" dirty="0">
               <a:solidFill>
@@ -20978,7 +21039,7 @@
 </p:sld>
 </file>
 
-<file path=ppt/slides/slide36.xml><?xml version="1.0" encoding="utf-8"?>
+<file path=ppt/slides/slide37.xml><?xml version="1.0" encoding="utf-8"?>
 <p:sld xmlns:a="http://schemas.openxmlformats.org/drawingml/2006/main" xmlns:r="http://schemas.openxmlformats.org/officeDocument/2006/relationships" xmlns:p="http://schemas.openxmlformats.org/presentationml/2006/main">
   <p:cSld>
     <p:spTree>
@@ -21173,7 +21234,7 @@
               <a:pPr>
                 <a:defRPr/>
               </a:pPr>
-              <a:t>36</a:t>
+              <a:t>37</a:t>
             </a:fld>
             <a:endParaRPr lang="en-US" dirty="0">
               <a:solidFill>
@@ -24725,358 +24786,164 @@
           <a:chExt cx="0" cy="0"/>
         </a:xfrm>
       </p:grpSpPr>
-      <p:sp>
-        <p:nvSpPr>
-          <p:cNvPr id="2" name="Title 1">
+      <p:pic>
+        <p:nvPicPr>
+          <p:cNvPr id="7" name="Picture 6">
             <a:extLst>
               <a:ext uri="{FF2B5EF4-FFF2-40B4-BE49-F238E27FC236}">
-                <a16:creationId xmlns:a16="http://schemas.microsoft.com/office/drawing/2014/main" id="{19FCAFE5-075E-4264-AFD1-E95F1CE379AC}"/>
+                <a16:creationId xmlns:a16="http://schemas.microsoft.com/office/drawing/2014/main" id="{4B9511CC-6A69-4A9A-B387-514894201AB3}"/>
               </a:ext>
             </a:extLst>
           </p:cNvPr>
-          <p:cNvSpPr>
-            <a:spLocks noGrp="1"/>
-          </p:cNvSpPr>
-          <p:nvPr>
-            <p:ph type="title"/>
-          </p:nvPr>
-        </p:nvSpPr>
+          <p:cNvPicPr>
+            <a:picLocks noChangeAspect="1"/>
+          </p:cNvPicPr>
+          <p:nvPr/>
+        </p:nvPicPr>
+        <p:blipFill>
+          <a:blip r:embed="rId2"/>
+          <a:stretch>
+            <a:fillRect/>
+          </a:stretch>
+        </p:blipFill>
         <p:spPr>
           <a:xfrm>
-            <a:off x="914400" y="625989"/>
-            <a:ext cx="7315200" cy="738664"/>
+            <a:off x="1375922" y="414838"/>
+            <a:ext cx="6315956" cy="762106"/>
           </a:xfrm>
+          <a:prstGeom prst="rect">
+            <a:avLst/>
+          </a:prstGeom>
         </p:spPr>
-        <p:txBody>
-          <a:bodyPr/>
-          <a:lstStyle/>
-          <a:p>
-            <a:r>
-              <a:rPr lang="en-US" dirty="0"/>
-              <a:t>A tag helper for adding options </a:t>
-            </a:r>
-            <a:br>
-              <a:rPr lang="en-US" dirty="0"/>
-            </a:br>
-            <a:r>
-              <a:rPr lang="en-US" dirty="0"/>
-              <a:t>to a &lt;select&gt; element</a:t>
-            </a:r>
-          </a:p>
-        </p:txBody>
-      </p:sp>
+      </p:pic>
       <p:sp>
         <p:nvSpPr>
-          <p:cNvPr id="3" name="Text Placeholder 2">
+          <p:cNvPr id="8" name="Rectangle 7">
             <a:extLst>
               <a:ext uri="{FF2B5EF4-FFF2-40B4-BE49-F238E27FC236}">
-                <a16:creationId xmlns:a16="http://schemas.microsoft.com/office/drawing/2014/main" id="{7EE324A2-0128-4A64-8F6C-D46CD3FB1315}"/>
+                <a16:creationId xmlns:a16="http://schemas.microsoft.com/office/drawing/2014/main" id="{7C674ADE-A5CA-49A8-B6D3-D325FD2EF06E}"/>
               </a:ext>
             </a:extLst>
           </p:cNvPr>
-          <p:cNvSpPr>
-            <a:spLocks noGrp="1"/>
-          </p:cNvSpPr>
-          <p:nvPr>
-            <p:ph type="body" sz="quarter" idx="13"/>
-          </p:nvPr>
+          <p:cNvSpPr/>
+          <p:nvPr/>
         </p:nvSpPr>
-        <p:spPr/>
+        <p:spPr bwMode="auto">
+          <a:xfrm>
+            <a:off x="381000" y="2819400"/>
+            <a:ext cx="8153400" cy="1828800"/>
+          </a:xfrm>
+          <a:prstGeom prst="rect">
+            <a:avLst/>
+          </a:prstGeom>
+          <a:solidFill>
+            <a:schemeClr val="bg1"/>
+          </a:solidFill>
+          <a:ln w="9525" cap="flat" cmpd="sng" algn="ctr">
+            <a:noFill/>
+            <a:prstDash val="solid"/>
+            <a:round/>
+            <a:headEnd type="none" w="med" len="med"/>
+            <a:tailEnd type="none" w="med" len="med"/>
+          </a:ln>
+          <a:effectLst/>
+        </p:spPr>
         <p:txBody>
-          <a:bodyPr/>
+          <a:bodyPr vert="horz" wrap="square" lIns="91440" tIns="45720" rIns="91440" bIns="45720" numCol="1" rtlCol="0" anchor="t" anchorCtr="0" compatLnSpc="1">
+            <a:prstTxWarp prst="textNoShape">
+              <a:avLst/>
+            </a:prstTxWarp>
+          </a:bodyPr>
           <a:lstStyle/>
           <a:p>
-            <a:pPr marL="347345" marR="0">
-              <a:spcBef>
-                <a:spcPts val="0"/>
-              </a:spcBef>
-              <a:spcAft>
-                <a:spcPts val="600"/>
-              </a:spcAft>
-              <a:tabLst>
-                <a:tab pos="1371600" algn="l"/>
-              </a:tabLst>
-            </a:pPr>
-            <a:r>
-              <a:rPr lang="en-US" sz="1600" b="1" dirty="0">
-                <a:latin typeface="Courier New" panose="02070309020205020404" pitchFamily="49" charset="0"/>
-                <a:ea typeface="Times New Roman" panose="02020603050405020304" pitchFamily="18" charset="0"/>
-                <a:cs typeface="Times New Roman" panose="02020603050405020304" pitchFamily="18" charset="0"/>
-              </a:rPr>
-              <a:t>asp-items</a:t>
-            </a:r>
-          </a:p>
-          <a:p>
-            <a:pPr>
-              <a:spcBef>
-                <a:spcPts val="1500"/>
-              </a:spcBef>
-              <a:spcAft>
-                <a:spcPts val="600"/>
-              </a:spcAft>
-              <a:tabLst>
-                <a:tab pos="1371600" algn="l"/>
-              </a:tabLst>
-            </a:pPr>
-            <a:r>
-              <a:rPr lang="en-US" sz="2400" b="1" dirty="0">
-                <a:solidFill>
-                  <a:srgbClr val="000099"/>
-                </a:solidFill>
-                <a:latin typeface="Arial" panose="020B0604020202020204" pitchFamily="34" charset="0"/>
-                <a:ea typeface="Times New Roman" panose="02020603050405020304" pitchFamily="18" charset="0"/>
-                <a:cs typeface="Times New Roman" panose="02020603050405020304" pitchFamily="18" charset="0"/>
-              </a:rPr>
-              <a:t>The constructor of the </a:t>
-            </a:r>
-            <a:r>
-              <a:rPr lang="en-US" sz="2400" b="1" dirty="0" err="1">
-                <a:solidFill>
-                  <a:srgbClr val="000099"/>
-                </a:solidFill>
-                <a:latin typeface="Arial" panose="020B0604020202020204" pitchFamily="34" charset="0"/>
-                <a:ea typeface="Times New Roman" panose="02020603050405020304" pitchFamily="18" charset="0"/>
-                <a:cs typeface="Times New Roman" panose="02020603050405020304" pitchFamily="18" charset="0"/>
-              </a:rPr>
-              <a:t>SelectList</a:t>
-            </a:r>
-            <a:r>
-              <a:rPr lang="en-US" sz="2400" b="1" dirty="0">
-                <a:solidFill>
-                  <a:srgbClr val="000099"/>
-                </a:solidFill>
-                <a:latin typeface="Arial" panose="020B0604020202020204" pitchFamily="34" charset="0"/>
-                <a:ea typeface="Times New Roman" panose="02020603050405020304" pitchFamily="18" charset="0"/>
-                <a:cs typeface="Times New Roman" panose="02020603050405020304" pitchFamily="18" charset="0"/>
-              </a:rPr>
-              <a:t> class</a:t>
-            </a:r>
-          </a:p>
-          <a:p>
-            <a:pPr marL="347345" marR="0">
-              <a:spcBef>
-                <a:spcPts val="0"/>
-              </a:spcBef>
-              <a:spcAft>
-                <a:spcPts val="600"/>
-              </a:spcAft>
-              <a:tabLst>
-                <a:tab pos="1371600" algn="l"/>
-              </a:tabLst>
-            </a:pPr>
-            <a:r>
-              <a:rPr lang="en-US" sz="1600" b="1" dirty="0" err="1">
-                <a:latin typeface="Courier New" panose="02070309020205020404" pitchFamily="49" charset="0"/>
-                <a:ea typeface="Times New Roman" panose="02020603050405020304" pitchFamily="18" charset="0"/>
-                <a:cs typeface="Times New Roman" panose="02020603050405020304" pitchFamily="18" charset="0"/>
-              </a:rPr>
-              <a:t>SelectList</a:t>
-            </a:r>
-            <a:r>
-              <a:rPr lang="en-US" sz="1600" b="1" dirty="0">
-                <a:latin typeface="Courier New" panose="02070309020205020404" pitchFamily="49" charset="0"/>
-                <a:ea typeface="Times New Roman" panose="02020603050405020304" pitchFamily="18" charset="0"/>
-                <a:cs typeface="Times New Roman" panose="02020603050405020304" pitchFamily="18" charset="0"/>
-              </a:rPr>
-              <a:t>(</a:t>
-            </a:r>
-            <a:r>
-              <a:rPr lang="en-US" sz="1600" dirty="0">
-                <a:latin typeface="Courier New" panose="02070309020205020404" pitchFamily="49" charset="0"/>
-                <a:ea typeface="Times New Roman" panose="02020603050405020304" pitchFamily="18" charset="0"/>
-                <a:cs typeface="Times New Roman" panose="02020603050405020304" pitchFamily="18" charset="0"/>
-              </a:rPr>
-              <a:t>list</a:t>
-            </a:r>
-            <a:r>
-              <a:rPr lang="en-US" sz="1600" b="1" dirty="0">
-                <a:latin typeface="Courier New" panose="02070309020205020404" pitchFamily="49" charset="0"/>
-                <a:ea typeface="Times New Roman" panose="02020603050405020304" pitchFamily="18" charset="0"/>
-                <a:cs typeface="Times New Roman" panose="02020603050405020304" pitchFamily="18" charset="0"/>
-              </a:rPr>
-              <a:t>, </a:t>
-            </a:r>
-            <a:r>
-              <a:rPr lang="en-US" sz="1600" dirty="0">
-                <a:latin typeface="Courier New" panose="02070309020205020404" pitchFamily="49" charset="0"/>
-                <a:ea typeface="Times New Roman" panose="02020603050405020304" pitchFamily="18" charset="0"/>
-                <a:cs typeface="Times New Roman" panose="02020603050405020304" pitchFamily="18" charset="0"/>
-              </a:rPr>
-              <a:t>value</a:t>
-            </a:r>
-            <a:r>
-              <a:rPr lang="en-US" sz="1600" b="1" dirty="0">
-                <a:latin typeface="Courier New" panose="02070309020205020404" pitchFamily="49" charset="0"/>
-                <a:ea typeface="Times New Roman" panose="02020603050405020304" pitchFamily="18" charset="0"/>
-                <a:cs typeface="Times New Roman" panose="02020603050405020304" pitchFamily="18" charset="0"/>
-              </a:rPr>
-              <a:t>, </a:t>
-            </a:r>
-            <a:r>
-              <a:rPr lang="en-US" sz="1600" dirty="0">
-                <a:latin typeface="Courier New" panose="02070309020205020404" pitchFamily="49" charset="0"/>
-                <a:ea typeface="Times New Roman" panose="02020603050405020304" pitchFamily="18" charset="0"/>
-                <a:cs typeface="Times New Roman" panose="02020603050405020304" pitchFamily="18" charset="0"/>
-              </a:rPr>
-              <a:t>text</a:t>
-            </a:r>
-            <a:r>
-              <a:rPr lang="en-US" sz="1600" b="1" dirty="0">
-                <a:latin typeface="Courier New" panose="02070309020205020404" pitchFamily="49" charset="0"/>
-                <a:ea typeface="Times New Roman" panose="02020603050405020304" pitchFamily="18" charset="0"/>
-                <a:cs typeface="Times New Roman" panose="02020603050405020304" pitchFamily="18" charset="0"/>
-              </a:rPr>
-              <a:t>, </a:t>
-            </a:r>
-            <a:r>
-              <a:rPr lang="en-US" sz="1600" dirty="0" err="1">
-                <a:latin typeface="Courier New" panose="02070309020205020404" pitchFamily="49" charset="0"/>
-                <a:ea typeface="Times New Roman" panose="02020603050405020304" pitchFamily="18" charset="0"/>
-                <a:cs typeface="Times New Roman" panose="02020603050405020304" pitchFamily="18" charset="0"/>
-              </a:rPr>
-              <a:t>selectedValue</a:t>
-            </a:r>
-            <a:r>
-              <a:rPr lang="en-US" sz="1600" b="1" dirty="0">
-                <a:latin typeface="Courier New" panose="02070309020205020404" pitchFamily="49" charset="0"/>
-                <a:ea typeface="Times New Roman" panose="02020603050405020304" pitchFamily="18" charset="0"/>
-                <a:cs typeface="Times New Roman" panose="02020603050405020304" pitchFamily="18" charset="0"/>
-              </a:rPr>
-              <a:t>)</a:t>
-            </a:r>
-          </a:p>
-          <a:p>
-            <a:endParaRPr lang="en-US" sz="1600" dirty="0"/>
-          </a:p>
-        </p:txBody>
-      </p:sp>
-      <p:sp>
-        <p:nvSpPr>
-          <p:cNvPr id="4" name="Date Placeholder 3">
-            <a:extLst>
-              <a:ext uri="{FF2B5EF4-FFF2-40B4-BE49-F238E27FC236}">
-                <a16:creationId xmlns:a16="http://schemas.microsoft.com/office/drawing/2014/main" id="{B5817053-532A-4DCD-BF87-969C1FCBD798}"/>
-              </a:ext>
-            </a:extLst>
-          </p:cNvPr>
-          <p:cNvSpPr>
-            <a:spLocks noGrp="1"/>
-          </p:cNvSpPr>
-          <p:nvPr>
-            <p:ph type="dt" sz="half" idx="10"/>
-          </p:nvPr>
-        </p:nvSpPr>
-        <p:spPr/>
-        <p:txBody>
-          <a:bodyPr/>
-          <a:lstStyle/>
-          <a:p>
-            <a:pPr>
-              <a:defRPr/>
-            </a:pPr>
-            <a:r>
-              <a:rPr lang="en-US"/>
-              <a:t>Murach's ASP.NET Core MVC</a:t>
-            </a:r>
-            <a:endParaRPr lang="en-US" dirty="0"/>
-          </a:p>
-        </p:txBody>
-      </p:sp>
-      <p:sp>
-        <p:nvSpPr>
-          <p:cNvPr id="5" name="Footer Placeholder 4">
-            <a:extLst>
-              <a:ext uri="{FF2B5EF4-FFF2-40B4-BE49-F238E27FC236}">
-                <a16:creationId xmlns:a16="http://schemas.microsoft.com/office/drawing/2014/main" id="{704EBC71-E707-44F5-9378-85CF328AACD8}"/>
-              </a:ext>
-            </a:extLst>
-          </p:cNvPr>
-          <p:cNvSpPr>
-            <a:spLocks noGrp="1"/>
-          </p:cNvSpPr>
-          <p:nvPr>
-            <p:ph type="ftr" sz="quarter" idx="11"/>
-          </p:nvPr>
-        </p:nvSpPr>
-        <p:spPr/>
-        <p:txBody>
-          <a:bodyPr/>
-          <a:lstStyle/>
-          <a:p>
-            <a:pPr>
-              <a:defRPr/>
-            </a:pPr>
-            <a:r>
-              <a:rPr lang="en-US"/>
-              <a:t>© 2020, Mike Murach &amp; Associates, Inc.</a:t>
-            </a:r>
-            <a:endParaRPr lang="en-US" dirty="0"/>
-          </a:p>
-        </p:txBody>
-      </p:sp>
-      <p:sp>
-        <p:nvSpPr>
-          <p:cNvPr id="6" name="Slide Number Placeholder 5">
-            <a:extLst>
-              <a:ext uri="{FF2B5EF4-FFF2-40B4-BE49-F238E27FC236}">
-                <a16:creationId xmlns:a16="http://schemas.microsoft.com/office/drawing/2014/main" id="{CEFE3ED7-9119-4ECA-81FA-031A0A760712}"/>
-              </a:ext>
-            </a:extLst>
-          </p:cNvPr>
-          <p:cNvSpPr>
-            <a:spLocks noGrp="1"/>
-          </p:cNvSpPr>
-          <p:nvPr>
-            <p:ph type="sldNum" sz="quarter" idx="12"/>
-          </p:nvPr>
-        </p:nvSpPr>
-        <p:spPr/>
-        <p:txBody>
-          <a:bodyPr/>
-          <a:lstStyle/>
-          <a:p>
-            <a:pPr algn="l">
-              <a:defRPr/>
-            </a:pPr>
-            <a:endParaRPr lang="en-US" sz="1400">
-              <a:latin typeface="Times New Roman"/>
+            <a:pPr marL="0" marR="0" indent="0" algn="l" defTabSz="914400" rtl="0" eaLnBrk="0" fontAlgn="base" latinLnBrk="0" hangingPunct="0">
+              <a:lnSpc>
+                <a:spcPct val="100000"/>
+              </a:lnSpc>
+              <a:spcBef>
+                <a:spcPct val="0"/>
+              </a:spcBef>
+              <a:spcAft>
+                <a:spcPct val="0"/>
+              </a:spcAft>
+              <a:buClrTx/>
+              <a:buSzTx/>
+              <a:buFontTx/>
+              <a:buNone/>
+              <a:tabLst/>
+            </a:pPr>
+            <a:r>
+              <a:rPr kumimoji="0" lang="en-US" sz="2400" b="0" i="0" u="none" strike="noStrike" cap="none" normalizeH="0" baseline="0" dirty="0">
+                <a:ln>
+                  <a:noFill/>
+                </a:ln>
+                <a:solidFill>
+                  <a:schemeClr val="tx1"/>
+                </a:solidFill>
+                <a:effectLst/>
+                <a:latin typeface="Times New Roman" pitchFamily="18" charset="0"/>
+              </a:rPr>
+              <a:t>@model</a:t>
+            </a:r>
+          </a:p>
+          <a:p>
+            <a:pPr marL="0" marR="0" indent="0" algn="l" defTabSz="914400" rtl="0" eaLnBrk="0" fontAlgn="base" latinLnBrk="0" hangingPunct="0">
+              <a:lnSpc>
+                <a:spcPct val="100000"/>
+              </a:lnSpc>
+              <a:spcBef>
+                <a:spcPct val="0"/>
+              </a:spcBef>
+              <a:spcAft>
+                <a:spcPct val="0"/>
+              </a:spcAft>
+              <a:buClrTx/>
+              <a:buSzTx/>
+              <a:buFontTx/>
+              <a:buNone/>
+              <a:tabLst/>
+            </a:pPr>
+            <a:endParaRPr lang="en-US" dirty="0">
+              <a:latin typeface="Times New Roman" pitchFamily="18" charset="0"/>
             </a:endParaRPr>
           </a:p>
           <a:p>
-            <a:pPr>
-              <a:defRPr/>
-            </a:pPr>
-            <a:r>
-              <a:rPr lang="en-US">
-                <a:solidFill>
-                  <a:schemeClr val="bg1"/>
-                </a:solidFill>
-              </a:rPr>
-              <a:t>C7, Slide </a:t>
-            </a:r>
-            <a:fld id="{BF5C1183-B085-4070-A402-C03A3F977D3D}" type="slidenum">
-              <a:rPr lang="en-US" smtClean="0">
-                <a:solidFill>
-                  <a:schemeClr val="bg1"/>
-                </a:solidFill>
-              </a:rPr>
-              <a:pPr>
-                <a:defRPr/>
-              </a:pPr>
-              <a:t>9</a:t>
-            </a:fld>
-            <a:endParaRPr lang="en-US" dirty="0">
-              <a:solidFill>
-                <a:schemeClr val="bg1"/>
-              </a:solidFill>
-            </a:endParaRPr>
+            <a:pPr marL="0" marR="0" indent="0" algn="l" defTabSz="914400" rtl="0" eaLnBrk="0" fontAlgn="base" latinLnBrk="0" hangingPunct="0">
+              <a:lnSpc>
+                <a:spcPct val="100000"/>
+              </a:lnSpc>
+              <a:spcBef>
+                <a:spcPct val="0"/>
+              </a:spcBef>
+              <a:spcAft>
+                <a:spcPct val="0"/>
+              </a:spcAft>
+              <a:buClrTx/>
+              <a:buSzTx/>
+              <a:buFontTx/>
+              <a:buNone/>
+              <a:tabLst/>
+            </a:pPr>
+            <a:r>
+              <a:rPr kumimoji="0" lang="en-US" sz="2400" b="0" i="0" u="none" strike="noStrike" cap="none" normalizeH="0" baseline="0" dirty="0">
+                <a:ln>
+                  <a:noFill/>
+                </a:ln>
+                <a:solidFill>
+                  <a:schemeClr val="tx1"/>
+                </a:solidFill>
+                <a:effectLst/>
+                <a:latin typeface="Times New Roman" pitchFamily="18" charset="0"/>
+              </a:rPr>
+              <a:t>Then use either @Model or asp-for to use properties of a model</a:t>
+            </a:r>
           </a:p>
         </p:txBody>
       </p:sp>
     </p:spTree>
     <p:extLst>
       <p:ext uri="{BB962C8B-B14F-4D97-AF65-F5344CB8AC3E}">
-        <p14:creationId xmlns:p14="http://schemas.microsoft.com/office/powerpoint/2010/main" val="1677186235"/>
+        <p14:creationId xmlns:p14="http://schemas.microsoft.com/office/powerpoint/2010/main" val="3215640885"/>
       </p:ext>
     </p:extLst>
   </p:cSld>
